--- a/Capstone Presentation.pptx
+++ b/Capstone Presentation.pptx
@@ -264,6 +264,11 @@
       </a:defRPr>
     </a:lvl9pPr>
   </p:defaultTextStyle>
+  <p:extLst>
+    <p:ext uri="{EFAFB233-063F-42B5-8137-9DF3F51BA10A}">
+      <p15:sldGuideLst xmlns:p15="http://schemas.microsoft.com/office/powerpoint/2012/main"/>
+    </p:ext>
+  </p:extLst>
 </p:presentation>
 </file>
 
@@ -1594,13 +1599,13 @@
   <p:clrMapOvr>
     <a:masterClrMapping/>
   </p:clrMapOvr>
-  <mc:AlternateContent xmlns:mc="http://schemas.openxmlformats.org/markup-compatibility/2006">
-    <mc:Choice xmlns:p14="http://schemas.microsoft.com/office/powerpoint/2010/main" Requires="p14">
+  <mc:AlternateContent xmlns:mc="http://schemas.openxmlformats.org/markup-compatibility/2006" xmlns:p14="http://schemas.microsoft.com/office/powerpoint/2010/main">
+    <mc:Choice Requires="p14">
       <p:transition spd="slow" p14:dur="3900">
         <p14:glitter pattern="hexagon"/>
       </p:transition>
     </mc:Choice>
-    <mc:Fallback>
+    <mc:Fallback xmlns="">
       <p:transition spd="slow">
         <p:fade/>
       </p:transition>
@@ -1773,13 +1778,13 @@
   <p:clrMapOvr>
     <a:masterClrMapping/>
   </p:clrMapOvr>
-  <mc:AlternateContent xmlns:mc="http://schemas.openxmlformats.org/markup-compatibility/2006">
-    <mc:Choice xmlns:p14="http://schemas.microsoft.com/office/powerpoint/2010/main" Requires="p14">
+  <mc:AlternateContent xmlns:mc="http://schemas.openxmlformats.org/markup-compatibility/2006" xmlns:p14="http://schemas.microsoft.com/office/powerpoint/2010/main">
+    <mc:Choice Requires="p14">
       <p:transition spd="slow" p14:dur="3900">
         <p14:glitter pattern="hexagon"/>
       </p:transition>
     </mc:Choice>
-    <mc:Fallback>
+    <mc:Fallback xmlns="">
       <p:transition spd="slow">
         <p:fade/>
       </p:transition>
@@ -2095,13 +2100,13 @@
   <p:clrMapOvr>
     <a:masterClrMapping/>
   </p:clrMapOvr>
-  <mc:AlternateContent xmlns:mc="http://schemas.openxmlformats.org/markup-compatibility/2006">
-    <mc:Choice xmlns:p14="http://schemas.microsoft.com/office/powerpoint/2010/main" Requires="p14">
+  <mc:AlternateContent xmlns:mc="http://schemas.openxmlformats.org/markup-compatibility/2006" xmlns:p14="http://schemas.microsoft.com/office/powerpoint/2010/main">
+    <mc:Choice Requires="p14">
       <p:transition spd="slow" p14:dur="3900">
         <p14:glitter pattern="hexagon"/>
       </p:transition>
     </mc:Choice>
-    <mc:Fallback>
+    <mc:Fallback xmlns="">
       <p:transition spd="slow">
         <p:fade/>
       </p:transition>
@@ -2140,13 +2145,13 @@
   <p:clrMapOvr>
     <a:masterClrMapping/>
   </p:clrMapOvr>
-  <mc:AlternateContent xmlns:mc="http://schemas.openxmlformats.org/markup-compatibility/2006">
-    <mc:Choice xmlns:p14="http://schemas.microsoft.com/office/powerpoint/2010/main" Requires="p14">
+  <mc:AlternateContent xmlns:mc="http://schemas.openxmlformats.org/markup-compatibility/2006" xmlns:p14="http://schemas.microsoft.com/office/powerpoint/2010/main">
+    <mc:Choice Requires="p14">
       <p:transition spd="slow" p14:dur="3900">
         <p14:glitter pattern="hexagon"/>
       </p:transition>
     </mc:Choice>
-    <mc:Fallback>
+    <mc:Fallback xmlns="">
       <p:transition spd="slow">
         <p:fade/>
       </p:transition>
@@ -4826,13 +4831,13 @@
   <p:clrMapOvr>
     <a:masterClrMapping/>
   </p:clrMapOvr>
-  <mc:AlternateContent xmlns:mc="http://schemas.openxmlformats.org/markup-compatibility/2006">
-    <mc:Choice xmlns:p14="http://schemas.microsoft.com/office/powerpoint/2010/main" Requires="p14">
+  <mc:AlternateContent xmlns:mc="http://schemas.openxmlformats.org/markup-compatibility/2006" xmlns:p14="http://schemas.microsoft.com/office/powerpoint/2010/main">
+    <mc:Choice Requires="p14">
       <p:transition spd="slow" p14:dur="3900">
         <p14:glitter pattern="hexagon"/>
       </p:transition>
     </mc:Choice>
-    <mc:Fallback>
+    <mc:Fallback xmlns="">
       <p:transition spd="slow">
         <p:fade/>
       </p:transition>
@@ -5151,13 +5156,13 @@
   <p:clrMapOvr>
     <a:masterClrMapping/>
   </p:clrMapOvr>
-  <mc:AlternateContent xmlns:mc="http://schemas.openxmlformats.org/markup-compatibility/2006">
-    <mc:Choice xmlns:p14="http://schemas.microsoft.com/office/powerpoint/2010/main" Requires="p14">
+  <mc:AlternateContent xmlns:mc="http://schemas.openxmlformats.org/markup-compatibility/2006" xmlns:p14="http://schemas.microsoft.com/office/powerpoint/2010/main">
+    <mc:Choice Requires="p14">
       <p:transition spd="slow" p14:dur="3900">
         <p14:glitter pattern="hexagon"/>
       </p:transition>
     </mc:Choice>
-    <mc:Fallback>
+    <mc:Fallback xmlns="">
       <p:transition spd="slow">
         <p:fade/>
       </p:transition>
@@ -5188,13 +5193,13 @@
   <p:clrMapOvr>
     <a:masterClrMapping/>
   </p:clrMapOvr>
-  <mc:AlternateContent xmlns:mc="http://schemas.openxmlformats.org/markup-compatibility/2006">
-    <mc:Choice xmlns:p14="http://schemas.microsoft.com/office/powerpoint/2010/main" Requires="p14">
+  <mc:AlternateContent xmlns:mc="http://schemas.openxmlformats.org/markup-compatibility/2006" xmlns:p14="http://schemas.microsoft.com/office/powerpoint/2010/main">
+    <mc:Choice Requires="p14">
       <p:transition spd="slow" p14:dur="3900">
         <p14:glitter pattern="hexagon"/>
       </p:transition>
     </mc:Choice>
-    <mc:Fallback>
+    <mc:Fallback xmlns="">
       <p:transition spd="slow">
         <p:fade/>
       </p:transition>
@@ -5238,13 +5243,13 @@
   <p:clrMapOvr>
     <a:masterClrMapping/>
   </p:clrMapOvr>
-  <mc:AlternateContent xmlns:mc="http://schemas.openxmlformats.org/markup-compatibility/2006">
-    <mc:Choice xmlns:p14="http://schemas.microsoft.com/office/powerpoint/2010/main" Requires="p14">
+  <mc:AlternateContent xmlns:mc="http://schemas.openxmlformats.org/markup-compatibility/2006" xmlns:p14="http://schemas.microsoft.com/office/powerpoint/2010/main">
+    <mc:Choice Requires="p14">
       <p:transition spd="slow" p14:dur="3900">
         <p14:glitter pattern="hexagon"/>
       </p:transition>
     </mc:Choice>
-    <mc:Fallback>
+    <mc:Fallback xmlns="">
       <p:transition spd="slow">
         <p:fade/>
       </p:transition>
@@ -5288,13 +5293,13 @@
   <p:clrMapOvr>
     <a:masterClrMapping/>
   </p:clrMapOvr>
-  <mc:AlternateContent xmlns:mc="http://schemas.openxmlformats.org/markup-compatibility/2006">
-    <mc:Choice xmlns:p14="http://schemas.microsoft.com/office/powerpoint/2010/main" Requires="p14">
+  <mc:AlternateContent xmlns:mc="http://schemas.openxmlformats.org/markup-compatibility/2006" xmlns:p14="http://schemas.microsoft.com/office/powerpoint/2010/main">
+    <mc:Choice Requires="p14">
       <p:transition spd="slow" p14:dur="3900">
         <p14:glitter pattern="hexagon"/>
       </p:transition>
     </mc:Choice>
-    <mc:Fallback>
+    <mc:Fallback xmlns="">
       <p:transition spd="slow">
         <p:fade/>
       </p:transition>
@@ -5856,13 +5861,13 @@
     <p:sldLayoutId id="2147483672" r:id="rId8"/>
     <p:sldLayoutId id="2147483673" r:id="rId9"/>
   </p:sldLayoutIdLst>
-  <mc:AlternateContent xmlns:mc="http://schemas.openxmlformats.org/markup-compatibility/2006">
-    <mc:Choice xmlns:p14="http://schemas.microsoft.com/office/powerpoint/2010/main" Requires="p14">
+  <mc:AlternateContent xmlns:mc="http://schemas.openxmlformats.org/markup-compatibility/2006" xmlns:p14="http://schemas.microsoft.com/office/powerpoint/2010/main">
+    <mc:Choice Requires="p14">
       <p:transition spd="slow" p14:dur="3900">
         <p14:glitter pattern="hexagon"/>
       </p:transition>
     </mc:Choice>
-    <mc:Fallback>
+    <mc:Fallback xmlns="">
       <p:transition spd="slow">
         <p:fade/>
       </p:transition>
@@ -7153,13 +7158,13 @@
   <p:clrMapOvr>
     <a:masterClrMapping/>
   </p:clrMapOvr>
-  <mc:AlternateContent xmlns:mc="http://schemas.openxmlformats.org/markup-compatibility/2006">
-    <mc:Choice xmlns:p14="http://schemas.microsoft.com/office/powerpoint/2010/main" Requires="p14">
+  <mc:AlternateContent xmlns:mc="http://schemas.openxmlformats.org/markup-compatibility/2006" xmlns:p14="http://schemas.microsoft.com/office/powerpoint/2010/main">
+    <mc:Choice Requires="p14">
       <p:transition spd="slow" p14:dur="3900">
         <p14:glitter pattern="hexagon"/>
       </p:transition>
     </mc:Choice>
-    <mc:Fallback>
+    <mc:Fallback xmlns="">
       <p:transition spd="slow">
         <p:fade/>
       </p:transition>
@@ -8201,13 +8206,13 @@
   <p:clrMapOvr>
     <a:masterClrMapping/>
   </p:clrMapOvr>
-  <mc:AlternateContent xmlns:mc="http://schemas.openxmlformats.org/markup-compatibility/2006">
-    <mc:Choice xmlns:p14="http://schemas.microsoft.com/office/powerpoint/2010/main" Requires="p14">
+  <mc:AlternateContent xmlns:mc="http://schemas.openxmlformats.org/markup-compatibility/2006" xmlns:p14="http://schemas.microsoft.com/office/powerpoint/2010/main">
+    <mc:Choice Requires="p14">
       <p:transition spd="slow" p14:dur="3900">
         <p14:glitter pattern="hexagon"/>
       </p:transition>
     </mc:Choice>
-    <mc:Fallback>
+    <mc:Fallback xmlns="">
       <p:transition spd="slow">
         <p:fade/>
       </p:transition>
@@ -9208,7 +9213,7 @@
         </p:nvSpPr>
         <p:spPr>
           <a:xfrm>
-            <a:off x="328115" y="2200205"/>
+            <a:off x="282648" y="288890"/>
             <a:ext cx="7704000" cy="572700"/>
           </a:xfrm>
         </p:spPr>
@@ -9252,7 +9257,7 @@
         </p:blipFill>
         <p:spPr bwMode="auto">
           <a:xfrm>
-            <a:off x="5447680" y="251742"/>
+            <a:off x="4256062" y="146874"/>
             <a:ext cx="2143125" cy="2143125"/>
           </a:xfrm>
           <a:prstGeom prst="rect">
@@ -9299,7 +9304,7 @@
         </p:blipFill>
         <p:spPr bwMode="auto">
           <a:xfrm>
-            <a:off x="5417720" y="2995256"/>
+            <a:off x="4231046" y="2566158"/>
             <a:ext cx="2857500" cy="1600200"/>
           </a:xfrm>
           <a:prstGeom prst="rect">
@@ -9346,8 +9351,102 @@
         </p:blipFill>
         <p:spPr bwMode="auto">
           <a:xfrm>
-            <a:off x="3560909" y="1725140"/>
+            <a:off x="1904453" y="2472942"/>
             <a:ext cx="2143125" cy="2143125"/>
+          </a:xfrm>
+          <a:prstGeom prst="rect">
+            <a:avLst/>
+          </a:prstGeom>
+          <a:noFill/>
+          <a:extLst>
+            <a:ext uri="{909E8E84-426E-40DD-AFC4-6F175D3DCCD1}">
+              <a14:hiddenFill xmlns:a14="http://schemas.microsoft.com/office/drawing/2010/main">
+                <a:solidFill>
+                  <a:srgbClr val="FFFFFF"/>
+                </a:solidFill>
+              </a14:hiddenFill>
+            </a:ext>
+          </a:extLst>
+        </p:spPr>
+      </p:pic>
+      <p:pic>
+        <p:nvPicPr>
+          <p:cNvPr id="1026" name="Picture 2" descr="Video Embed Sketchfab | Drupal.org">
+            <a:extLst>
+              <a:ext uri="{FF2B5EF4-FFF2-40B4-BE49-F238E27FC236}">
+                <a16:creationId xmlns:a16="http://schemas.microsoft.com/office/drawing/2014/main" id="{5BCB2B62-15E2-1440-37BC-C955CB6521F5}"/>
+              </a:ext>
+            </a:extLst>
+          </p:cNvPr>
+          <p:cNvPicPr>
+            <a:picLocks noChangeAspect="1" noChangeArrowheads="1"/>
+          </p:cNvPicPr>
+          <p:nvPr/>
+        </p:nvPicPr>
+        <p:blipFill>
+          <a:blip r:embed="rId6">
+            <a:extLst>
+              <a:ext uri="{28A0092B-C50C-407E-A947-70E740481C1C}">
+                <a14:useLocalDpi xmlns:a14="http://schemas.microsoft.com/office/drawing/2010/main" val="0"/>
+              </a:ext>
+            </a:extLst>
+          </a:blip>
+          <a:srcRect/>
+          <a:stretch>
+            <a:fillRect/>
+          </a:stretch>
+        </p:blipFill>
+        <p:spPr bwMode="auto">
+          <a:xfrm>
+            <a:off x="211629" y="2399238"/>
+            <a:ext cx="1412921" cy="1309832"/>
+          </a:xfrm>
+          <a:prstGeom prst="rect">
+            <a:avLst/>
+          </a:prstGeom>
+          <a:noFill/>
+          <a:extLst>
+            <a:ext uri="{909E8E84-426E-40DD-AFC4-6F175D3DCCD1}">
+              <a14:hiddenFill xmlns:a14="http://schemas.microsoft.com/office/drawing/2010/main">
+                <a:solidFill>
+                  <a:srgbClr val="FFFFFF"/>
+                </a:solidFill>
+              </a14:hiddenFill>
+            </a:ext>
+          </a:extLst>
+        </p:spPr>
+      </p:pic>
+      <p:pic>
+        <p:nvPicPr>
+          <p:cNvPr id="2" name="Picture 4" descr="Publishing &amp; Selling 3D Models on ...">
+            <a:extLst>
+              <a:ext uri="{FF2B5EF4-FFF2-40B4-BE49-F238E27FC236}">
+                <a16:creationId xmlns:a16="http://schemas.microsoft.com/office/drawing/2014/main" id="{C4615CE7-DAE3-7AEF-9202-80E0834B8D57}"/>
+              </a:ext>
+            </a:extLst>
+          </p:cNvPr>
+          <p:cNvPicPr>
+            <a:picLocks noChangeAspect="1" noChangeArrowheads="1"/>
+          </p:cNvPicPr>
+          <p:nvPr/>
+        </p:nvPicPr>
+        <p:blipFill>
+          <a:blip r:embed="rId7">
+            <a:extLst>
+              <a:ext uri="{28A0092B-C50C-407E-A947-70E740481C1C}">
+                <a14:useLocalDpi xmlns:a14="http://schemas.microsoft.com/office/drawing/2010/main" val="0"/>
+              </a:ext>
+            </a:extLst>
+          </a:blip>
+          <a:srcRect/>
+          <a:stretch>
+            <a:fillRect/>
+          </a:stretch>
+        </p:blipFill>
+        <p:spPr bwMode="auto">
+          <a:xfrm>
+            <a:off x="215992" y="1108899"/>
+            <a:ext cx="3857625" cy="1181100"/>
           </a:xfrm>
           <a:prstGeom prst="rect">
             <a:avLst/>
@@ -9369,13 +9468,13 @@
   <p:clrMapOvr>
     <a:masterClrMapping/>
   </p:clrMapOvr>
-  <mc:AlternateContent xmlns:mc="http://schemas.openxmlformats.org/markup-compatibility/2006">
-    <mc:Choice xmlns:p14="http://schemas.microsoft.com/office/powerpoint/2010/main" Requires="p14">
+  <mc:AlternateContent xmlns:mc="http://schemas.openxmlformats.org/markup-compatibility/2006" xmlns:p14="http://schemas.microsoft.com/office/powerpoint/2010/main">
+    <mc:Choice Requires="p14">
       <p:transition spd="slow" p14:dur="3900">
         <p14:glitter pattern="hexagon"/>
       </p:transition>
     </mc:Choice>
-    <mc:Fallback>
+    <mc:Fallback xmlns="">
       <p:transition spd="slow">
         <p:fade/>
       </p:transition>
@@ -9501,7 +9600,7 @@
                             </p:stCondLst>
                             <p:childTnLst>
                               <p:par>
-                                <p:cTn id="12" presetID="42" presetClass="entr" presetSubtype="0" fill="hold" nodeType="clickEffect">
+                                <p:cTn id="12" presetID="21" presetClass="entr" presetSubtype="1" fill="hold" nodeType="clickEffect">
                                   <p:stCondLst>
                                     <p:cond delay="0"/>
                                   </p:stCondLst>
@@ -9509,6 +9608,59 @@
                                     <p:set>
                                       <p:cBhvr>
                                         <p:cTn id="13" dur="1" fill="hold">
+                                          <p:stCondLst>
+                                            <p:cond delay="0"/>
+                                          </p:stCondLst>
+                                        </p:cTn>
+                                        <p:tgtEl>
+                                          <p:spTgt spid="1026"/>
+                                        </p:tgtEl>
+                                        <p:attrNameLst>
+                                          <p:attrName>style.visibility</p:attrName>
+                                        </p:attrNameLst>
+                                      </p:cBhvr>
+                                      <p:to>
+                                        <p:strVal val="visible"/>
+                                      </p:to>
+                                    </p:set>
+                                    <p:animEffect transition="in" filter="wheel(1)">
+                                      <p:cBhvr>
+                                        <p:cTn id="14" dur="2000"/>
+                                        <p:tgtEl>
+                                          <p:spTgt spid="1026"/>
+                                        </p:tgtEl>
+                                      </p:cBhvr>
+                                    </p:animEffect>
+                                  </p:childTnLst>
+                                </p:cTn>
+                              </p:par>
+                            </p:childTnLst>
+                          </p:cTn>
+                        </p:par>
+                      </p:childTnLst>
+                    </p:cTn>
+                  </p:par>
+                  <p:par>
+                    <p:cTn id="15" fill="hold">
+                      <p:stCondLst>
+                        <p:cond delay="indefinite"/>
+                      </p:stCondLst>
+                      <p:childTnLst>
+                        <p:par>
+                          <p:cTn id="16" fill="hold">
+                            <p:stCondLst>
+                              <p:cond delay="0"/>
+                            </p:stCondLst>
+                            <p:childTnLst>
+                              <p:par>
+                                <p:cTn id="17" presetID="42" presetClass="entr" presetSubtype="0" fill="hold" nodeType="clickEffect">
+                                  <p:stCondLst>
+                                    <p:cond delay="0"/>
+                                  </p:stCondLst>
+                                  <p:childTnLst>
+                                    <p:set>
+                                      <p:cBhvr>
+                                        <p:cTn id="18" dur="1" fill="hold">
                                           <p:stCondLst>
                                             <p:cond delay="0"/>
                                           </p:stCondLst>
@@ -9526,7 +9678,7 @@
                                     </p:set>
                                     <p:animEffect transition="in" filter="fade">
                                       <p:cBhvr>
-                                        <p:cTn id="14" dur="1000"/>
+                                        <p:cTn id="19" dur="1000"/>
                                         <p:tgtEl>
                                           <p:spTgt spid="1028"/>
                                         </p:tgtEl>
@@ -9534,7 +9686,7 @@
                                     </p:animEffect>
                                     <p:anim calcmode="lin" valueType="num">
                                       <p:cBhvr>
-                                        <p:cTn id="15" dur="1000" fill="hold"/>
+                                        <p:cTn id="20" dur="1000" fill="hold"/>
                                         <p:tgtEl>
                                           <p:spTgt spid="1028"/>
                                         </p:tgtEl>
@@ -9557,7 +9709,7 @@
                                     </p:anim>
                                     <p:anim calcmode="lin" valueType="num">
                                       <p:cBhvr>
-                                        <p:cTn id="16" dur="1000" fill="hold"/>
+                                        <p:cTn id="21" dur="1000" fill="hold"/>
                                         <p:tgtEl>
                                           <p:spTgt spid="1028"/>
                                         </p:tgtEl>
@@ -9588,26 +9740,79 @@
                     </p:cTn>
                   </p:par>
                   <p:par>
-                    <p:cTn id="17" fill="hold">
+                    <p:cTn id="22" fill="hold">
                       <p:stCondLst>
                         <p:cond delay="indefinite"/>
                       </p:stCondLst>
                       <p:childTnLst>
                         <p:par>
-                          <p:cTn id="18" fill="hold">
+                          <p:cTn id="23" fill="hold">
                             <p:stCondLst>
                               <p:cond delay="0"/>
                             </p:stCondLst>
                             <p:childTnLst>
                               <p:par>
-                                <p:cTn id="19" presetID="42" presetClass="entr" presetSubtype="0" fill="hold" nodeType="clickEffect">
+                                <p:cTn id="24" presetID="16" presetClass="entr" presetSubtype="21" fill="hold" nodeType="clickEffect">
                                   <p:stCondLst>
                                     <p:cond delay="0"/>
                                   </p:stCondLst>
                                   <p:childTnLst>
                                     <p:set>
                                       <p:cBhvr>
-                                        <p:cTn id="20" dur="1" fill="hold">
+                                        <p:cTn id="25" dur="1" fill="hold">
+                                          <p:stCondLst>
+                                            <p:cond delay="0"/>
+                                          </p:stCondLst>
+                                        </p:cTn>
+                                        <p:tgtEl>
+                                          <p:spTgt spid="2"/>
+                                        </p:tgtEl>
+                                        <p:attrNameLst>
+                                          <p:attrName>style.visibility</p:attrName>
+                                        </p:attrNameLst>
+                                      </p:cBhvr>
+                                      <p:to>
+                                        <p:strVal val="visible"/>
+                                      </p:to>
+                                    </p:set>
+                                    <p:animEffect transition="in" filter="barn(inVertical)">
+                                      <p:cBhvr>
+                                        <p:cTn id="26" dur="500"/>
+                                        <p:tgtEl>
+                                          <p:spTgt spid="2"/>
+                                        </p:tgtEl>
+                                      </p:cBhvr>
+                                    </p:animEffect>
+                                  </p:childTnLst>
+                                </p:cTn>
+                              </p:par>
+                            </p:childTnLst>
+                          </p:cTn>
+                        </p:par>
+                      </p:childTnLst>
+                    </p:cTn>
+                  </p:par>
+                  <p:par>
+                    <p:cTn id="27" fill="hold">
+                      <p:stCondLst>
+                        <p:cond delay="indefinite"/>
+                      </p:stCondLst>
+                      <p:childTnLst>
+                        <p:par>
+                          <p:cTn id="28" fill="hold">
+                            <p:stCondLst>
+                              <p:cond delay="0"/>
+                            </p:stCondLst>
+                            <p:childTnLst>
+                              <p:par>
+                                <p:cTn id="29" presetID="42" presetClass="entr" presetSubtype="0" fill="hold" nodeType="clickEffect">
+                                  <p:stCondLst>
+                                    <p:cond delay="0"/>
+                                  </p:stCondLst>
+                                  <p:childTnLst>
+                                    <p:set>
+                                      <p:cBhvr>
+                                        <p:cTn id="30" dur="1" fill="hold">
                                           <p:stCondLst>
                                             <p:cond delay="0"/>
                                           </p:stCondLst>
@@ -9625,7 +9830,7 @@
                                     </p:set>
                                     <p:animEffect transition="in" filter="fade">
                                       <p:cBhvr>
-                                        <p:cTn id="21" dur="1000"/>
+                                        <p:cTn id="31" dur="1000"/>
                                         <p:tgtEl>
                                           <p:spTgt spid="1032"/>
                                         </p:tgtEl>
@@ -9633,7 +9838,7 @@
                                     </p:animEffect>
                                     <p:anim calcmode="lin" valueType="num">
                                       <p:cBhvr>
-                                        <p:cTn id="22" dur="1000" fill="hold"/>
+                                        <p:cTn id="32" dur="1000" fill="hold"/>
                                         <p:tgtEl>
                                           <p:spTgt spid="1032"/>
                                         </p:tgtEl>
@@ -9656,7 +9861,7 @@
                                     </p:anim>
                                     <p:anim calcmode="lin" valueType="num">
                                       <p:cBhvr>
-                                        <p:cTn id="23" dur="1000" fill="hold"/>
+                                        <p:cTn id="33" dur="1000" fill="hold"/>
                                         <p:tgtEl>
                                           <p:spTgt spid="1032"/>
                                         </p:tgtEl>
@@ -9687,26 +9892,26 @@
                     </p:cTn>
                   </p:par>
                   <p:par>
-                    <p:cTn id="24" fill="hold">
+                    <p:cTn id="34" fill="hold">
                       <p:stCondLst>
                         <p:cond delay="indefinite"/>
                       </p:stCondLst>
                       <p:childTnLst>
                         <p:par>
-                          <p:cTn id="25" fill="hold">
+                          <p:cTn id="35" fill="hold">
                             <p:stCondLst>
                               <p:cond delay="0"/>
                             </p:stCondLst>
                             <p:childTnLst>
                               <p:par>
-                                <p:cTn id="26" presetID="42" presetClass="entr" presetSubtype="0" fill="hold" nodeType="clickEffect">
+                                <p:cTn id="36" presetID="42" presetClass="entr" presetSubtype="0" fill="hold" nodeType="clickEffect">
                                   <p:stCondLst>
                                     <p:cond delay="0"/>
                                   </p:stCondLst>
                                   <p:childTnLst>
                                     <p:set>
                                       <p:cBhvr>
-                                        <p:cTn id="27" dur="1" fill="hold">
+                                        <p:cTn id="37" dur="1" fill="hold">
                                           <p:stCondLst>
                                             <p:cond delay="0"/>
                                           </p:stCondLst>
@@ -9724,7 +9929,7 @@
                                     </p:set>
                                     <p:animEffect transition="in" filter="fade">
                                       <p:cBhvr>
-                                        <p:cTn id="28" dur="1000"/>
+                                        <p:cTn id="38" dur="1000"/>
                                         <p:tgtEl>
                                           <p:spTgt spid="1030"/>
                                         </p:tgtEl>
@@ -9732,7 +9937,7 @@
                                     </p:animEffect>
                                     <p:anim calcmode="lin" valueType="num">
                                       <p:cBhvr>
-                                        <p:cTn id="29" dur="1000" fill="hold"/>
+                                        <p:cTn id="39" dur="1000" fill="hold"/>
                                         <p:tgtEl>
                                           <p:spTgt spid="1030"/>
                                         </p:tgtEl>
@@ -9755,7 +9960,7 @@
                                     </p:anim>
                                     <p:anim calcmode="lin" valueType="num">
                                       <p:cBhvr>
-                                        <p:cTn id="30" dur="1000" fill="hold"/>
+                                        <p:cTn id="40" dur="1000" fill="hold"/>
                                         <p:tgtEl>
                                           <p:spTgt spid="1030"/>
                                         </p:tgtEl>
@@ -11204,13 +11409,13 @@
   <p:clrMapOvr>
     <a:masterClrMapping/>
   </p:clrMapOvr>
-  <mc:AlternateContent xmlns:mc="http://schemas.openxmlformats.org/markup-compatibility/2006">
-    <mc:Choice xmlns:p14="http://schemas.microsoft.com/office/powerpoint/2010/main" Requires="p14">
+  <mc:AlternateContent xmlns:mc="http://schemas.openxmlformats.org/markup-compatibility/2006" xmlns:p14="http://schemas.microsoft.com/office/powerpoint/2010/main">
+    <mc:Choice Requires="p14">
       <p:transition spd="slow" p14:dur="3900">
         <p14:glitter pattern="hexagon"/>
       </p:transition>
     </mc:Choice>
-    <mc:Fallback>
+    <mc:Fallback xmlns="">
       <p:transition spd="slow">
         <p:fade/>
       </p:transition>
@@ -11493,7 +11698,7 @@
         </p:nvSpPr>
         <p:spPr>
           <a:xfrm>
-            <a:off x="720000" y="635175"/>
+            <a:off x="449329" y="2538430"/>
             <a:ext cx="7704000" cy="572700"/>
           </a:xfrm>
           <a:prstGeom prst="rect">
@@ -11506,7 +11711,7 @@
           </a:bodyPr>
           <a:lstStyle/>
           <a:p>
-            <a:pPr marL="0" lvl="0" indent="0" algn="l" rtl="0">
+            <a:pPr marL="0" lvl="0" indent="0" algn="ctr" rtl="0">
               <a:spcBef>
                 <a:spcPts val="0"/>
               </a:spcBef>
@@ -11538,7 +11743,7 @@
         </p:nvGrpSpPr>
         <p:grpSpPr>
           <a:xfrm flipH="1">
-            <a:off x="797475" y="809175"/>
+            <a:off x="1776529" y="2913403"/>
             <a:ext cx="5306225" cy="398700"/>
             <a:chOff x="3141025" y="1914350"/>
             <a:chExt cx="5306225" cy="398700"/>
@@ -12256,13 +12461,13 @@
   <p:clrMapOvr>
     <a:masterClrMapping/>
   </p:clrMapOvr>
-  <mc:AlternateContent xmlns:mc="http://schemas.openxmlformats.org/markup-compatibility/2006">
-    <mc:Choice xmlns:p14="http://schemas.microsoft.com/office/powerpoint/2010/main" Requires="p14">
+  <mc:AlternateContent xmlns:mc="http://schemas.openxmlformats.org/markup-compatibility/2006" xmlns:p14="http://schemas.microsoft.com/office/powerpoint/2010/main">
+    <mc:Choice Requires="p14">
       <p:transition spd="slow" p14:dur="3900">
         <p14:glitter pattern="hexagon"/>
       </p:transition>
     </mc:Choice>
-    <mc:Fallback>
+    <mc:Fallback xmlns="">
       <p:transition spd="slow">
         <p:fade/>
       </p:transition>
@@ -12780,13 +12985,13 @@
   <p:clrMapOvr>
     <a:masterClrMapping/>
   </p:clrMapOvr>
-  <mc:AlternateContent xmlns:mc="http://schemas.openxmlformats.org/markup-compatibility/2006">
-    <mc:Choice xmlns:p14="http://schemas.microsoft.com/office/powerpoint/2010/main" Requires="p14">
+  <mc:AlternateContent xmlns:mc="http://schemas.openxmlformats.org/markup-compatibility/2006" xmlns:p14="http://schemas.microsoft.com/office/powerpoint/2010/main">
+    <mc:Choice Requires="p14">
       <p:transition spd="slow" p14:dur="3900">
         <p14:glitter pattern="hexagon"/>
       </p:transition>
     </mc:Choice>
-    <mc:Fallback>
+    <mc:Fallback xmlns="">
       <p:transition spd="slow">
         <p:fade/>
       </p:transition>

--- a/Capstone Presentation.pptx
+++ b/Capstone Presentation.pptx
@@ -5,34 +5,35 @@
     <p:sldMasterId id="2147483676" r:id="rId1"/>
   </p:sldMasterIdLst>
   <p:notesMasterIdLst>
-    <p:notesMasterId r:id="rId8"/>
+    <p:notesMasterId r:id="rId9"/>
   </p:notesMasterIdLst>
   <p:sldIdLst>
     <p:sldId id="256" r:id="rId2"/>
     <p:sldId id="257" r:id="rId3"/>
     <p:sldId id="258" r:id="rId4"/>
     <p:sldId id="259" r:id="rId5"/>
-    <p:sldId id="260" r:id="rId6"/>
+    <p:sldId id="262" r:id="rId6"/>
     <p:sldId id="261" r:id="rId7"/>
+    <p:sldId id="260" r:id="rId8"/>
   </p:sldIdLst>
   <p:sldSz cx="9144000" cy="5143500" type="screen16x9"/>
   <p:notesSz cx="6858000" cy="9144000"/>
   <p:embeddedFontLst>
     <p:embeddedFont>
       <p:font typeface="DM Serif Display" pitchFamily="2" charset="0"/>
-      <p:regular r:id="rId9"/>
-      <p:italic r:id="rId10"/>
+      <p:regular r:id="rId10"/>
+      <p:italic r:id="rId11"/>
     </p:embeddedFont>
     <p:embeddedFont>
       <p:font typeface="Questrial" pitchFamily="2" charset="0"/>
-      <p:regular r:id="rId11"/>
+      <p:regular r:id="rId12"/>
     </p:embeddedFont>
     <p:embeddedFont>
       <p:font typeface="Trebuchet MS" panose="020B0603020202020204" pitchFamily="34" charset="0"/>
-      <p:regular r:id="rId12"/>
-      <p:bold r:id="rId13"/>
-      <p:italic r:id="rId14"/>
-      <p:boldItalic r:id="rId15"/>
+      <p:regular r:id="rId13"/>
+      <p:bold r:id="rId14"/>
+      <p:italic r:id="rId15"/>
+      <p:boldItalic r:id="rId16"/>
     </p:embeddedFont>
   </p:embeddedFontLst>
   <p:defaultTextStyle>
@@ -1130,6 +1131,115 @@
 </file>
 
 <file path=ppt/notesSlides/notesSlide5.xml><?xml version="1.0" encoding="utf-8"?>
+<p:notes xmlns:a="http://schemas.openxmlformats.org/drawingml/2006/main" xmlns:r="http://schemas.openxmlformats.org/officeDocument/2006/relationships" xmlns:p="http://schemas.openxmlformats.org/presentationml/2006/main" showMasterSp="0" showMasterPhAnim="0">
+  <p:cSld>
+    <p:spTree>
+      <p:nvGrpSpPr>
+        <p:cNvPr id="1" name="Shape 241"/>
+        <p:cNvGrpSpPr/>
+        <p:nvPr/>
+      </p:nvGrpSpPr>
+      <p:grpSpPr>
+        <a:xfrm>
+          <a:off x="0" y="0"/>
+          <a:ext cx="0" cy="0"/>
+          <a:chOff x="0" y="0"/>
+          <a:chExt cx="0" cy="0"/>
+        </a:xfrm>
+      </p:grpSpPr>
+      <p:sp>
+        <p:nvSpPr>
+          <p:cNvPr id="242" name="Google Shape;242;ge4b7ac326b_0_193:notes"/>
+          <p:cNvSpPr>
+            <a:spLocks noGrp="1" noRot="1" noChangeAspect="1"/>
+          </p:cNvSpPr>
+          <p:nvPr>
+            <p:ph type="sldImg" idx="2"/>
+          </p:nvPr>
+        </p:nvSpPr>
+        <p:spPr>
+          <a:xfrm>
+            <a:off x="381000" y="685800"/>
+            <a:ext cx="6096000" cy="3429000"/>
+          </a:xfrm>
+          <a:custGeom>
+            <a:avLst/>
+            <a:gdLst/>
+            <a:ahLst/>
+            <a:cxnLst/>
+            <a:rect l="l" t="t" r="r" b="b"/>
+            <a:pathLst>
+              <a:path w="120000" h="120000" extrusionOk="0">
+                <a:moveTo>
+                  <a:pt x="0" y="0"/>
+                </a:moveTo>
+                <a:lnTo>
+                  <a:pt x="120000" y="0"/>
+                </a:lnTo>
+                <a:lnTo>
+                  <a:pt x="120000" y="120000"/>
+                </a:lnTo>
+                <a:lnTo>
+                  <a:pt x="0" y="120000"/>
+                </a:lnTo>
+                <a:close/>
+              </a:path>
+            </a:pathLst>
+          </a:custGeom>
+        </p:spPr>
+      </p:sp>
+      <p:sp>
+        <p:nvSpPr>
+          <p:cNvPr id="243" name="Google Shape;243;ge4b7ac326b_0_193:notes"/>
+          <p:cNvSpPr txBox="1">
+            <a:spLocks noGrp="1"/>
+          </p:cNvSpPr>
+          <p:nvPr>
+            <p:ph type="body" idx="1"/>
+          </p:nvPr>
+        </p:nvSpPr>
+        <p:spPr>
+          <a:xfrm>
+            <a:off x="685800" y="4343400"/>
+            <a:ext cx="5486400" cy="4114800"/>
+          </a:xfrm>
+          <a:prstGeom prst="rect">
+            <a:avLst/>
+          </a:prstGeom>
+        </p:spPr>
+        <p:txBody>
+          <a:bodyPr spcFirstLastPara="1" wrap="square" lIns="91425" tIns="91425" rIns="91425" bIns="91425" anchor="t" anchorCtr="0">
+            <a:noAutofit/>
+          </a:bodyPr>
+          <a:lstStyle/>
+          <a:p>
+            <a:pPr marL="0" lvl="0" indent="0" algn="l" rtl="0">
+              <a:spcBef>
+                <a:spcPts val="0"/>
+              </a:spcBef>
+              <a:spcAft>
+                <a:spcPts val="0"/>
+              </a:spcAft>
+              <a:buNone/>
+            </a:pPr>
+            <a:endParaRPr/>
+          </a:p>
+        </p:txBody>
+      </p:sp>
+    </p:spTree>
+    <p:extLst>
+      <p:ext uri="{BB962C8B-B14F-4D97-AF65-F5344CB8AC3E}">
+        <p14:creationId xmlns:p14="http://schemas.microsoft.com/office/powerpoint/2010/main" val="3152764163"/>
+      </p:ext>
+    </p:extLst>
+  </p:cSld>
+  <p:clrMapOvr>
+    <a:masterClrMapping/>
+  </p:clrMapOvr>
+</p:notes>
+</file>
+
+<file path=ppt/notesSlides/notesSlide6.xml><?xml version="1.0" encoding="utf-8"?>
 <p:notes xmlns:a="http://schemas.openxmlformats.org/drawingml/2006/main" xmlns:r="http://schemas.openxmlformats.org/officeDocument/2006/relationships" xmlns:p="http://schemas.openxmlformats.org/presentationml/2006/main" showMasterSp="0" showMasterPhAnim="0">
   <p:cSld>
     <p:spTree>
@@ -9257,8 +9367,8 @@
         </p:blipFill>
         <p:spPr bwMode="auto">
           <a:xfrm>
-            <a:off x="4256062" y="146874"/>
-            <a:ext cx="2143125" cy="2143125"/>
+            <a:off x="4256062" y="211003"/>
+            <a:ext cx="2143125" cy="2078996"/>
           </a:xfrm>
           <a:prstGeom prst="rect">
             <a:avLst/>
@@ -9463,6 +9573,36 @@
           </a:extLst>
         </p:spPr>
       </p:pic>
+      <p:pic>
+        <p:nvPicPr>
+          <p:cNvPr id="5" name="Picture 4">
+            <a:extLst>
+              <a:ext uri="{FF2B5EF4-FFF2-40B4-BE49-F238E27FC236}">
+                <a16:creationId xmlns:a16="http://schemas.microsoft.com/office/drawing/2014/main" id="{26307C21-4DCD-7CAB-5E00-1EA349AFFB81}"/>
+              </a:ext>
+            </a:extLst>
+          </p:cNvPr>
+          <p:cNvPicPr>
+            <a:picLocks noChangeAspect="1"/>
+          </p:cNvPicPr>
+          <p:nvPr/>
+        </p:nvPicPr>
+        <p:blipFill>
+          <a:blip r:embed="rId8"/>
+          <a:stretch>
+            <a:fillRect/>
+          </a:stretch>
+        </p:blipFill>
+        <p:spPr>
+          <a:xfrm>
+            <a:off x="6399187" y="211003"/>
+            <a:ext cx="1830289" cy="2076967"/>
+          </a:xfrm>
+          <a:prstGeom prst="rect">
+            <a:avLst/>
+          </a:prstGeom>
+        </p:spPr>
+      </p:pic>
     </p:spTree>
   </p:cSld>
   <p:clrMapOvr>
@@ -9653,7 +9793,7 @@
                             </p:stCondLst>
                             <p:childTnLst>
                               <p:par>
-                                <p:cTn id="17" presetID="42" presetClass="entr" presetSubtype="0" fill="hold" nodeType="clickEffect">
+                                <p:cTn id="17" presetID="16" presetClass="entr" presetSubtype="21" fill="hold" nodeType="clickEffect">
                                   <p:stCondLst>
                                     <p:cond delay="0"/>
                                   </p:stCondLst>
@@ -9661,105 +9801,6 @@
                                     <p:set>
                                       <p:cBhvr>
                                         <p:cTn id="18" dur="1" fill="hold">
-                                          <p:stCondLst>
-                                            <p:cond delay="0"/>
-                                          </p:stCondLst>
-                                        </p:cTn>
-                                        <p:tgtEl>
-                                          <p:spTgt spid="1028"/>
-                                        </p:tgtEl>
-                                        <p:attrNameLst>
-                                          <p:attrName>style.visibility</p:attrName>
-                                        </p:attrNameLst>
-                                      </p:cBhvr>
-                                      <p:to>
-                                        <p:strVal val="visible"/>
-                                      </p:to>
-                                    </p:set>
-                                    <p:animEffect transition="in" filter="fade">
-                                      <p:cBhvr>
-                                        <p:cTn id="19" dur="1000"/>
-                                        <p:tgtEl>
-                                          <p:spTgt spid="1028"/>
-                                        </p:tgtEl>
-                                      </p:cBhvr>
-                                    </p:animEffect>
-                                    <p:anim calcmode="lin" valueType="num">
-                                      <p:cBhvr>
-                                        <p:cTn id="20" dur="1000" fill="hold"/>
-                                        <p:tgtEl>
-                                          <p:spTgt spid="1028"/>
-                                        </p:tgtEl>
-                                        <p:attrNameLst>
-                                          <p:attrName>ppt_x</p:attrName>
-                                        </p:attrNameLst>
-                                      </p:cBhvr>
-                                      <p:tavLst>
-                                        <p:tav tm="0">
-                                          <p:val>
-                                            <p:strVal val="#ppt_x"/>
-                                          </p:val>
-                                        </p:tav>
-                                        <p:tav tm="100000">
-                                          <p:val>
-                                            <p:strVal val="#ppt_x"/>
-                                          </p:val>
-                                        </p:tav>
-                                      </p:tavLst>
-                                    </p:anim>
-                                    <p:anim calcmode="lin" valueType="num">
-                                      <p:cBhvr>
-                                        <p:cTn id="21" dur="1000" fill="hold"/>
-                                        <p:tgtEl>
-                                          <p:spTgt spid="1028"/>
-                                        </p:tgtEl>
-                                        <p:attrNameLst>
-                                          <p:attrName>ppt_y</p:attrName>
-                                        </p:attrNameLst>
-                                      </p:cBhvr>
-                                      <p:tavLst>
-                                        <p:tav tm="0">
-                                          <p:val>
-                                            <p:strVal val="#ppt_y+.1"/>
-                                          </p:val>
-                                        </p:tav>
-                                        <p:tav tm="100000">
-                                          <p:val>
-                                            <p:strVal val="#ppt_y"/>
-                                          </p:val>
-                                        </p:tav>
-                                      </p:tavLst>
-                                    </p:anim>
-                                  </p:childTnLst>
-                                </p:cTn>
-                              </p:par>
-                            </p:childTnLst>
-                          </p:cTn>
-                        </p:par>
-                      </p:childTnLst>
-                    </p:cTn>
-                  </p:par>
-                  <p:par>
-                    <p:cTn id="22" fill="hold">
-                      <p:stCondLst>
-                        <p:cond delay="indefinite"/>
-                      </p:stCondLst>
-                      <p:childTnLst>
-                        <p:par>
-                          <p:cTn id="23" fill="hold">
-                            <p:stCondLst>
-                              <p:cond delay="0"/>
-                            </p:stCondLst>
-                            <p:childTnLst>
-                              <p:par>
-                                <p:cTn id="24" presetID="16" presetClass="entr" presetSubtype="21" fill="hold" nodeType="clickEffect">
-                                  <p:stCondLst>
-                                    <p:cond delay="0"/>
-                                  </p:stCondLst>
-                                  <p:childTnLst>
-                                    <p:set>
-                                      <p:cBhvr>
-                                        <p:cTn id="25" dur="1" fill="hold">
                                           <p:stCondLst>
                                             <p:cond delay="0"/>
                                           </p:stCondLst>
@@ -9777,7 +9818,7 @@
                                     </p:set>
                                     <p:animEffect transition="in" filter="barn(inVertical)">
                                       <p:cBhvr>
-                                        <p:cTn id="26" dur="500"/>
+                                        <p:cTn id="19" dur="500"/>
                                         <p:tgtEl>
                                           <p:spTgt spid="2"/>
                                         </p:tgtEl>
@@ -9793,26 +9834,114 @@
                     </p:cTn>
                   </p:par>
                   <p:par>
-                    <p:cTn id="27" fill="hold">
+                    <p:cTn id="20" fill="hold">
                       <p:stCondLst>
                         <p:cond delay="indefinite"/>
                       </p:stCondLst>
                       <p:childTnLst>
                         <p:par>
-                          <p:cTn id="28" fill="hold">
+                          <p:cTn id="21" fill="hold">
                             <p:stCondLst>
                               <p:cond delay="0"/>
                             </p:stCondLst>
                             <p:childTnLst>
                               <p:par>
-                                <p:cTn id="29" presetID="42" presetClass="entr" presetSubtype="0" fill="hold" nodeType="clickEffect">
+                                <p:cTn id="22" presetID="22" presetClass="entr" presetSubtype="4" fill="hold" nodeType="clickEffect">
                                   <p:stCondLst>
                                     <p:cond delay="0"/>
                                   </p:stCondLst>
                                   <p:childTnLst>
                                     <p:set>
                                       <p:cBhvr>
-                                        <p:cTn id="30" dur="1" fill="hold">
+                                        <p:cTn id="23" dur="1" fill="hold">
+                                          <p:stCondLst>
+                                            <p:cond delay="0"/>
+                                          </p:stCondLst>
+                                        </p:cTn>
+                                        <p:tgtEl>
+                                          <p:spTgt spid="1028"/>
+                                        </p:tgtEl>
+                                        <p:attrNameLst>
+                                          <p:attrName>style.visibility</p:attrName>
+                                        </p:attrNameLst>
+                                      </p:cBhvr>
+                                      <p:to>
+                                        <p:strVal val="visible"/>
+                                      </p:to>
+                                    </p:set>
+                                    <p:animEffect transition="in" filter="wipe(down)">
+                                      <p:cBhvr>
+                                        <p:cTn id="24" dur="500"/>
+                                        <p:tgtEl>
+                                          <p:spTgt spid="1028"/>
+                                        </p:tgtEl>
+                                      </p:cBhvr>
+                                    </p:animEffect>
+                                  </p:childTnLst>
+                                </p:cTn>
+                              </p:par>
+                              <p:par>
+                                <p:cTn id="25" presetID="22" presetClass="entr" presetSubtype="4" fill="hold" nodeType="withEffect">
+                                  <p:stCondLst>
+                                    <p:cond delay="0"/>
+                                  </p:stCondLst>
+                                  <p:childTnLst>
+                                    <p:set>
+                                      <p:cBhvr>
+                                        <p:cTn id="26" dur="1" fill="hold">
+                                          <p:stCondLst>
+                                            <p:cond delay="0"/>
+                                          </p:stCondLst>
+                                        </p:cTn>
+                                        <p:tgtEl>
+                                          <p:spTgt spid="5"/>
+                                        </p:tgtEl>
+                                        <p:attrNameLst>
+                                          <p:attrName>style.visibility</p:attrName>
+                                        </p:attrNameLst>
+                                      </p:cBhvr>
+                                      <p:to>
+                                        <p:strVal val="visible"/>
+                                      </p:to>
+                                    </p:set>
+                                    <p:animEffect transition="in" filter="wipe(down)">
+                                      <p:cBhvr>
+                                        <p:cTn id="27" dur="500"/>
+                                        <p:tgtEl>
+                                          <p:spTgt spid="5"/>
+                                        </p:tgtEl>
+                                      </p:cBhvr>
+                                    </p:animEffect>
+                                  </p:childTnLst>
+                                </p:cTn>
+                              </p:par>
+                            </p:childTnLst>
+                          </p:cTn>
+                        </p:par>
+                      </p:childTnLst>
+                    </p:cTn>
+                  </p:par>
+                  <p:par>
+                    <p:cTn id="28" fill="hold">
+                      <p:stCondLst>
+                        <p:cond delay="indefinite"/>
+                      </p:stCondLst>
+                      <p:childTnLst>
+                        <p:par>
+                          <p:cTn id="29" fill="hold">
+                            <p:stCondLst>
+                              <p:cond delay="0"/>
+                            </p:stCondLst>
+                            <p:childTnLst>
+                              <p:par>
+                                <p:cTn id="30" presetID="42" presetClass="entr" presetSubtype="0" fill="hold" nodeType="clickEffect">
+                                  <p:stCondLst>
+                                    <p:cond delay="0"/>
+                                  </p:stCondLst>
+                                  <p:childTnLst>
+                                    <p:set>
+                                      <p:cBhvr>
+                                        <p:cTn id="31" dur="1" fill="hold">
                                           <p:stCondLst>
                                             <p:cond delay="0"/>
                                           </p:stCondLst>
@@ -9830,7 +9959,7 @@
                                     </p:set>
                                     <p:animEffect transition="in" filter="fade">
                                       <p:cBhvr>
-                                        <p:cTn id="31" dur="1000"/>
+                                        <p:cTn id="32" dur="1000"/>
                                         <p:tgtEl>
                                           <p:spTgt spid="1032"/>
                                         </p:tgtEl>
@@ -9838,7 +9967,7 @@
                                     </p:animEffect>
                                     <p:anim calcmode="lin" valueType="num">
                                       <p:cBhvr>
-                                        <p:cTn id="32" dur="1000" fill="hold"/>
+                                        <p:cTn id="33" dur="1000" fill="hold"/>
                                         <p:tgtEl>
                                           <p:spTgt spid="1032"/>
                                         </p:tgtEl>
@@ -9861,7 +9990,7 @@
                                     </p:anim>
                                     <p:anim calcmode="lin" valueType="num">
                                       <p:cBhvr>
-                                        <p:cTn id="33" dur="1000" fill="hold"/>
+                                        <p:cTn id="34" dur="1000" fill="hold"/>
                                         <p:tgtEl>
                                           <p:spTgt spid="1032"/>
                                         </p:tgtEl>
@@ -9892,26 +10021,26 @@
                     </p:cTn>
                   </p:par>
                   <p:par>
-                    <p:cTn id="34" fill="hold">
+                    <p:cTn id="35" fill="hold">
                       <p:stCondLst>
                         <p:cond delay="indefinite"/>
                       </p:stCondLst>
                       <p:childTnLst>
                         <p:par>
-                          <p:cTn id="35" fill="hold">
+                          <p:cTn id="36" fill="hold">
                             <p:stCondLst>
                               <p:cond delay="0"/>
                             </p:stCondLst>
                             <p:childTnLst>
                               <p:par>
-                                <p:cTn id="36" presetID="42" presetClass="entr" presetSubtype="0" fill="hold" nodeType="clickEffect">
+                                <p:cTn id="37" presetID="42" presetClass="entr" presetSubtype="0" fill="hold" nodeType="clickEffect">
                                   <p:stCondLst>
                                     <p:cond delay="0"/>
                                   </p:stCondLst>
                                   <p:childTnLst>
                                     <p:set>
                                       <p:cBhvr>
-                                        <p:cTn id="37" dur="1" fill="hold">
+                                        <p:cTn id="38" dur="1" fill="hold">
                                           <p:stCondLst>
                                             <p:cond delay="0"/>
                                           </p:stCondLst>
@@ -9929,7 +10058,7 @@
                                     </p:set>
                                     <p:animEffect transition="in" filter="fade">
                                       <p:cBhvr>
-                                        <p:cTn id="38" dur="1000"/>
+                                        <p:cTn id="39" dur="1000"/>
                                         <p:tgtEl>
                                           <p:spTgt spid="1030"/>
                                         </p:tgtEl>
@@ -9937,7 +10066,7 @@
                                     </p:animEffect>
                                     <p:anim calcmode="lin" valueType="num">
                                       <p:cBhvr>
-                                        <p:cTn id="39" dur="1000" fill="hold"/>
+                                        <p:cTn id="40" dur="1000" fill="hold"/>
                                         <p:tgtEl>
                                           <p:spTgt spid="1030"/>
                                         </p:tgtEl>
@@ -9960,7 +10089,7 @@
                                     </p:anim>
                                     <p:anim calcmode="lin" valueType="num">
                                       <p:cBhvr>
-                                        <p:cTn id="40" dur="1000" fill="hold"/>
+                                        <p:cTn id="41" dur="1000" fill="hold"/>
                                         <p:tgtEl>
                                           <p:spTgt spid="1030"/>
                                         </p:tgtEl>
@@ -11674,7 +11803,7 @@
     </p:bg>
     <p:spTree>
       <p:nvGrpSpPr>
-        <p:cNvPr id="1" name="Shape 267"/>
+        <p:cNvPr id="1" name="Shape 244"/>
         <p:cNvGrpSpPr/>
         <p:nvPr/>
       </p:nvGrpSpPr>
@@ -11686,147 +11815,15 @@
           <a:chExt cx="0" cy="0"/>
         </a:xfrm>
       </p:grpSpPr>
-      <p:sp>
-        <p:nvSpPr>
-          <p:cNvPr id="268" name="Google Shape;268;p35"/>
-          <p:cNvSpPr txBox="1">
-            <a:spLocks noGrp="1"/>
-          </p:cNvSpPr>
-          <p:nvPr>
-            <p:ph type="title"/>
-          </p:nvPr>
-        </p:nvSpPr>
-        <p:spPr>
-          <a:xfrm>
-            <a:off x="449329" y="2538430"/>
-            <a:ext cx="7704000" cy="572700"/>
-          </a:xfrm>
-          <a:prstGeom prst="rect">
-            <a:avLst/>
-          </a:prstGeom>
-        </p:spPr>
-        <p:txBody>
-          <a:bodyPr spcFirstLastPara="1" wrap="square" lIns="91425" tIns="91425" rIns="91425" bIns="91425" anchor="ctr" anchorCtr="0">
-            <a:noAutofit/>
-          </a:bodyPr>
-          <a:lstStyle/>
-          <a:p>
-            <a:pPr marL="0" lvl="0" indent="0" algn="ctr" rtl="0">
-              <a:spcBef>
-                <a:spcPts val="0"/>
-              </a:spcBef>
-              <a:spcAft>
-                <a:spcPts val="0"/>
-              </a:spcAft>
-              <a:buNone/>
-            </a:pPr>
-            <a:r>
-              <a:rPr lang="en" dirty="0"/>
-              <a:t>Demo</a:t>
-            </a:r>
-            <a:br>
-              <a:rPr lang="en" dirty="0"/>
-            </a:br>
-            <a:endParaRPr dirty="0">
-              <a:solidFill>
-                <a:schemeClr val="dk1"/>
-              </a:solidFill>
-            </a:endParaRPr>
-          </a:p>
-        </p:txBody>
-      </p:sp>
       <p:grpSp>
         <p:nvGrpSpPr>
-          <p:cNvPr id="270" name="Google Shape;270;p35"/>
+          <p:cNvPr id="251" name="Google Shape;251;p34"/>
           <p:cNvGrpSpPr/>
           <p:nvPr/>
         </p:nvGrpSpPr>
         <p:grpSpPr>
-          <a:xfrm flipH="1">
-            <a:off x="1776529" y="2913403"/>
-            <a:ext cx="5306225" cy="398700"/>
-            <a:chOff x="3141025" y="1914350"/>
-            <a:chExt cx="5306225" cy="398700"/>
-          </a:xfrm>
-        </p:grpSpPr>
-        <p:cxnSp>
-          <p:nvCxnSpPr>
-            <p:cNvPr id="271" name="Google Shape;271;p35"/>
-            <p:cNvCxnSpPr/>
-            <p:nvPr/>
-          </p:nvCxnSpPr>
-          <p:spPr>
-            <a:xfrm>
-              <a:off x="3397650" y="2113700"/>
-              <a:ext cx="5049600" cy="0"/>
-            </a:xfrm>
-            <a:prstGeom prst="straightConnector1">
-              <a:avLst/>
-            </a:prstGeom>
-            <a:noFill/>
-            <a:ln w="19050" cap="flat" cmpd="sng">
-              <a:solidFill>
-                <a:schemeClr val="accent2"/>
-              </a:solidFill>
-              <a:prstDash val="solid"/>
-              <a:round/>
-              <a:headEnd type="none" w="med" len="med"/>
-              <a:tailEnd type="none" w="med" len="med"/>
-            </a:ln>
-          </p:spPr>
-        </p:cxnSp>
-        <p:sp>
-          <p:nvSpPr>
-            <p:cNvPr id="272" name="Google Shape;272;p35"/>
-            <p:cNvSpPr/>
-            <p:nvPr/>
-          </p:nvSpPr>
-          <p:spPr>
-            <a:xfrm>
-              <a:off x="3141025" y="1914350"/>
-              <a:ext cx="398700" cy="398700"/>
-            </a:xfrm>
-            <a:prstGeom prst="star4">
-              <a:avLst>
-                <a:gd name="adj" fmla="val 12500"/>
-              </a:avLst>
-            </a:prstGeom>
-            <a:solidFill>
-              <a:schemeClr val="accent2"/>
-            </a:solidFill>
-            <a:ln>
-              <a:noFill/>
-            </a:ln>
-          </p:spPr>
-          <p:txBody>
-            <a:bodyPr spcFirstLastPara="1" wrap="square" lIns="91425" tIns="91425" rIns="91425" bIns="91425" anchor="ctr" anchorCtr="0">
-              <a:noAutofit/>
-            </a:bodyPr>
-            <a:lstStyle/>
-            <a:p>
-              <a:pPr marL="0" lvl="0" indent="0" algn="l" rtl="0">
-                <a:spcBef>
-                  <a:spcPts val="0"/>
-                </a:spcBef>
-                <a:spcAft>
-                  <a:spcPts val="0"/>
-                </a:spcAft>
-                <a:buNone/>
-              </a:pPr>
-              <a:endParaRPr/>
-            </a:p>
-          </p:txBody>
-        </p:sp>
-      </p:grpSp>
-      <p:grpSp>
-        <p:nvGrpSpPr>
-          <p:cNvPr id="280" name="Google Shape;280;p35"/>
-          <p:cNvGrpSpPr/>
-          <p:nvPr/>
-        </p:nvGrpSpPr>
-        <p:grpSpPr>
-          <a:xfrm flipH="1">
-            <a:off x="7715585" y="1398507"/>
+          <a:xfrm>
+            <a:off x="4319248" y="1374807"/>
             <a:ext cx="301644" cy="302177"/>
             <a:chOff x="6627300" y="1208300"/>
             <a:chExt cx="268701" cy="269200"/>
@@ -11834,7 +11831,7 @@
         </p:grpSpPr>
         <p:sp>
           <p:nvSpPr>
-            <p:cNvPr id="281" name="Google Shape;281;p35"/>
+            <p:cNvPr id="252" name="Google Shape;252;p34"/>
             <p:cNvSpPr/>
             <p:nvPr/>
           </p:nvSpPr>
@@ -11930,7 +11927,7 @@
         </p:sp>
         <p:sp>
           <p:nvSpPr>
-            <p:cNvPr id="282" name="Google Shape;282;p35"/>
+            <p:cNvPr id="253" name="Google Shape;253;p34"/>
             <p:cNvSpPr/>
             <p:nvPr/>
           </p:nvSpPr>
@@ -12034,7 +12031,7 @@
         </p:sp>
         <p:sp>
           <p:nvSpPr>
-            <p:cNvPr id="283" name="Google Shape;283;p35"/>
+            <p:cNvPr id="254" name="Google Shape;254;p34"/>
             <p:cNvSpPr/>
             <p:nvPr/>
           </p:nvSpPr>
@@ -12139,13 +12136,13 @@
       </p:grpSp>
       <p:grpSp>
         <p:nvGrpSpPr>
-          <p:cNvPr id="284" name="Google Shape;284;p35"/>
+          <p:cNvPr id="255" name="Google Shape;255;p34"/>
           <p:cNvGrpSpPr/>
           <p:nvPr/>
         </p:nvGrpSpPr>
         <p:grpSpPr>
           <a:xfrm>
-            <a:off x="6334785" y="3010232"/>
+            <a:off x="1319923" y="1441619"/>
             <a:ext cx="301644" cy="302177"/>
             <a:chOff x="6627300" y="1208300"/>
             <a:chExt cx="268701" cy="269200"/>
@@ -12153,7 +12150,7 @@
         </p:grpSpPr>
         <p:sp>
           <p:nvSpPr>
-            <p:cNvPr id="285" name="Google Shape;285;p35"/>
+            <p:cNvPr id="256" name="Google Shape;256;p34"/>
             <p:cNvSpPr/>
             <p:nvPr/>
           </p:nvSpPr>
@@ -12249,7 +12246,7 @@
         </p:sp>
         <p:sp>
           <p:nvSpPr>
-            <p:cNvPr id="286" name="Google Shape;286;p35"/>
+            <p:cNvPr id="257" name="Google Shape;257;p34"/>
             <p:cNvSpPr/>
             <p:nvPr/>
           </p:nvSpPr>
@@ -12353,7 +12350,7 @@
         </p:sp>
         <p:sp>
           <p:nvSpPr>
-            <p:cNvPr id="287" name="Google Shape;287;p35"/>
+            <p:cNvPr id="258" name="Google Shape;258;p34"/>
             <p:cNvSpPr/>
             <p:nvPr/>
           </p:nvSpPr>
@@ -12456,23 +12453,1011 @@
           </p:txBody>
         </p:sp>
       </p:grpSp>
+      <p:grpSp>
+        <p:nvGrpSpPr>
+          <p:cNvPr id="260" name="Google Shape;260;p34"/>
+          <p:cNvGrpSpPr/>
+          <p:nvPr/>
+        </p:nvGrpSpPr>
+        <p:grpSpPr>
+          <a:xfrm flipH="1">
+            <a:off x="2348473" y="2427957"/>
+            <a:ext cx="301644" cy="302177"/>
+            <a:chOff x="6627300" y="1208300"/>
+            <a:chExt cx="268701" cy="269200"/>
+          </a:xfrm>
+        </p:grpSpPr>
+        <p:sp>
+          <p:nvSpPr>
+            <p:cNvPr id="261" name="Google Shape;261;p34"/>
+            <p:cNvSpPr/>
+            <p:nvPr/>
+          </p:nvSpPr>
+          <p:spPr>
+            <a:xfrm>
+              <a:off x="6627300" y="1208544"/>
+              <a:ext cx="268701" cy="268683"/>
+            </a:xfrm>
+            <a:custGeom>
+              <a:avLst/>
+              <a:gdLst/>
+              <a:ahLst/>
+              <a:cxnLst/>
+              <a:rect l="l" t="t" r="r" b="b"/>
+              <a:pathLst>
+                <a:path w="7415" h="7415" extrusionOk="0">
+                  <a:moveTo>
+                    <a:pt x="4541" y="459"/>
+                  </a:moveTo>
+                  <a:cubicBezTo>
+                    <a:pt x="6332" y="917"/>
+                    <a:pt x="7415" y="2749"/>
+                    <a:pt x="6957" y="4541"/>
+                  </a:cubicBezTo>
+                  <a:cubicBezTo>
+                    <a:pt x="6499" y="6332"/>
+                    <a:pt x="4687" y="7414"/>
+                    <a:pt x="2896" y="6956"/>
+                  </a:cubicBezTo>
+                  <a:cubicBezTo>
+                    <a:pt x="1084" y="6498"/>
+                    <a:pt x="1" y="4686"/>
+                    <a:pt x="459" y="2895"/>
+                  </a:cubicBezTo>
+                  <a:cubicBezTo>
+                    <a:pt x="917" y="1083"/>
+                    <a:pt x="2750" y="0"/>
+                    <a:pt x="4541" y="459"/>
+                  </a:cubicBezTo>
+                  <a:close/>
+                </a:path>
+              </a:pathLst>
+            </a:custGeom>
+            <a:gradFill>
+              <a:gsLst>
+                <a:gs pos="0">
+                  <a:schemeClr val="lt1"/>
+                </a:gs>
+                <a:gs pos="5000">
+                  <a:schemeClr val="lt1"/>
+                </a:gs>
+                <a:gs pos="10000">
+                  <a:schemeClr val="lt1"/>
+                </a:gs>
+                <a:gs pos="55000">
+                  <a:srgbClr val="FFFFFF">
+                    <a:alpha val="5490"/>
+                  </a:srgbClr>
+                </a:gs>
+                <a:gs pos="100000">
+                  <a:srgbClr val="FFFFFF">
+                    <a:alpha val="0"/>
+                  </a:srgbClr>
+                </a:gs>
+              </a:gsLst>
+              <a:path path="circle">
+                <a:fillToRect l="50000" t="50000" r="50000" b="50000"/>
+              </a:path>
+              <a:tileRect/>
+            </a:gradFill>
+            <a:ln>
+              <a:noFill/>
+            </a:ln>
+          </p:spPr>
+          <p:txBody>
+            <a:bodyPr spcFirstLastPara="1" wrap="square" lIns="91425" tIns="91425" rIns="91425" bIns="91425" anchor="ctr" anchorCtr="0">
+              <a:noAutofit/>
+            </a:bodyPr>
+            <a:lstStyle/>
+            <a:p>
+              <a:pPr marL="0" lvl="0" indent="0" algn="l" rtl="0">
+                <a:spcBef>
+                  <a:spcPts val="0"/>
+                </a:spcBef>
+                <a:spcAft>
+                  <a:spcPts val="0"/>
+                </a:spcAft>
+                <a:buNone/>
+              </a:pPr>
+              <a:endParaRPr/>
+            </a:p>
+          </p:txBody>
+        </p:sp>
+        <p:sp>
+          <p:nvSpPr>
+            <p:cNvPr id="262" name="Google Shape;262;p34"/>
+            <p:cNvSpPr/>
+            <p:nvPr/>
+          </p:nvSpPr>
+          <p:spPr>
+            <a:xfrm>
+              <a:off x="6627300" y="1302525"/>
+              <a:ext cx="268700" cy="80725"/>
+            </a:xfrm>
+            <a:custGeom>
+              <a:avLst/>
+              <a:gdLst/>
+              <a:ahLst/>
+              <a:cxnLst/>
+              <a:rect l="l" t="t" r="r" b="b"/>
+              <a:pathLst>
+                <a:path w="10748" h="3229" extrusionOk="0">
+                  <a:moveTo>
+                    <a:pt x="5499" y="1125"/>
+                  </a:moveTo>
+                  <a:cubicBezTo>
+                    <a:pt x="8435" y="1875"/>
+                    <a:pt x="10747" y="2687"/>
+                    <a:pt x="10685" y="2958"/>
+                  </a:cubicBezTo>
+                  <a:cubicBezTo>
+                    <a:pt x="10622" y="3229"/>
+                    <a:pt x="8185" y="2833"/>
+                    <a:pt x="5249" y="2083"/>
+                  </a:cubicBezTo>
+                  <a:cubicBezTo>
+                    <a:pt x="2313" y="1355"/>
+                    <a:pt x="1" y="522"/>
+                    <a:pt x="63" y="272"/>
+                  </a:cubicBezTo>
+                  <a:cubicBezTo>
+                    <a:pt x="126" y="1"/>
+                    <a:pt x="2562" y="376"/>
+                    <a:pt x="5499" y="1125"/>
+                  </a:cubicBezTo>
+                  <a:close/>
+                </a:path>
+              </a:pathLst>
+            </a:custGeom>
+            <a:gradFill>
+              <a:gsLst>
+                <a:gs pos="0">
+                  <a:schemeClr val="lt1">
+                    <a:alpha val="24320"/>
+                  </a:schemeClr>
+                </a:gs>
+                <a:gs pos="5000">
+                  <a:schemeClr val="lt1">
+                    <a:alpha val="24320"/>
+                  </a:schemeClr>
+                </a:gs>
+                <a:gs pos="41000">
+                  <a:schemeClr val="lt1">
+                    <a:alpha val="24320"/>
+                  </a:schemeClr>
+                </a:gs>
+                <a:gs pos="81000">
+                  <a:srgbClr val="FFFFFF">
+                    <a:alpha val="13333"/>
+                    <a:alpha val="24320"/>
+                  </a:srgbClr>
+                </a:gs>
+                <a:gs pos="100000">
+                  <a:srgbClr val="FFFFFF">
+                    <a:alpha val="13333"/>
+                    <a:alpha val="24320"/>
+                  </a:srgbClr>
+                </a:gs>
+              </a:gsLst>
+              <a:path path="circle">
+                <a:fillToRect l="50000" t="50000" r="50000" b="50000"/>
+              </a:path>
+              <a:tileRect/>
+            </a:gradFill>
+            <a:ln>
+              <a:noFill/>
+            </a:ln>
+          </p:spPr>
+          <p:txBody>
+            <a:bodyPr spcFirstLastPara="1" wrap="square" lIns="91425" tIns="91425" rIns="91425" bIns="91425" anchor="ctr" anchorCtr="0">
+              <a:noAutofit/>
+            </a:bodyPr>
+            <a:lstStyle/>
+            <a:p>
+              <a:pPr marL="0" lvl="0" indent="0" algn="l" rtl="0">
+                <a:spcBef>
+                  <a:spcPts val="0"/>
+                </a:spcBef>
+                <a:spcAft>
+                  <a:spcPts val="0"/>
+                </a:spcAft>
+                <a:buNone/>
+              </a:pPr>
+              <a:endParaRPr/>
+            </a:p>
+          </p:txBody>
+        </p:sp>
+        <p:sp>
+          <p:nvSpPr>
+            <p:cNvPr id="263" name="Google Shape;263;p34"/>
+            <p:cNvSpPr/>
+            <p:nvPr/>
+          </p:nvSpPr>
+          <p:spPr>
+            <a:xfrm>
+              <a:off x="6721550" y="1208300"/>
+              <a:ext cx="80725" cy="269200"/>
+            </a:xfrm>
+            <a:custGeom>
+              <a:avLst/>
+              <a:gdLst/>
+              <a:ahLst/>
+              <a:cxnLst/>
+              <a:rect l="l" t="t" r="r" b="b"/>
+              <a:pathLst>
+                <a:path w="3229" h="10768" extrusionOk="0">
+                  <a:moveTo>
+                    <a:pt x="2958" y="63"/>
+                  </a:moveTo>
+                  <a:cubicBezTo>
+                    <a:pt x="3228" y="125"/>
+                    <a:pt x="2833" y="2562"/>
+                    <a:pt x="2083" y="5498"/>
+                  </a:cubicBezTo>
+                  <a:cubicBezTo>
+                    <a:pt x="1333" y="8435"/>
+                    <a:pt x="521" y="10767"/>
+                    <a:pt x="250" y="10705"/>
+                  </a:cubicBezTo>
+                  <a:cubicBezTo>
+                    <a:pt x="0" y="10622"/>
+                    <a:pt x="375" y="8185"/>
+                    <a:pt x="1125" y="5249"/>
+                  </a:cubicBezTo>
+                  <a:cubicBezTo>
+                    <a:pt x="1875" y="2333"/>
+                    <a:pt x="2687" y="0"/>
+                    <a:pt x="2958" y="63"/>
+                  </a:cubicBezTo>
+                  <a:close/>
+                </a:path>
+              </a:pathLst>
+            </a:custGeom>
+            <a:gradFill>
+              <a:gsLst>
+                <a:gs pos="0">
+                  <a:schemeClr val="lt1">
+                    <a:alpha val="24320"/>
+                  </a:schemeClr>
+                </a:gs>
+                <a:gs pos="5000">
+                  <a:schemeClr val="lt1">
+                    <a:alpha val="24320"/>
+                  </a:schemeClr>
+                </a:gs>
+                <a:gs pos="41000">
+                  <a:schemeClr val="lt1">
+                    <a:alpha val="24320"/>
+                  </a:schemeClr>
+                </a:gs>
+                <a:gs pos="81000">
+                  <a:srgbClr val="FFFFFF">
+                    <a:alpha val="13333"/>
+                    <a:alpha val="24320"/>
+                  </a:srgbClr>
+                </a:gs>
+                <a:gs pos="100000">
+                  <a:srgbClr val="FFFFFF">
+                    <a:alpha val="13333"/>
+                    <a:alpha val="24320"/>
+                  </a:srgbClr>
+                </a:gs>
+              </a:gsLst>
+              <a:path path="circle">
+                <a:fillToRect l="50000" t="50000" r="50000" b="50000"/>
+              </a:path>
+              <a:tileRect/>
+            </a:gradFill>
+            <a:ln>
+              <a:noFill/>
+            </a:ln>
+          </p:spPr>
+          <p:txBody>
+            <a:bodyPr spcFirstLastPara="1" wrap="square" lIns="91425" tIns="91425" rIns="91425" bIns="91425" anchor="ctr" anchorCtr="0">
+              <a:noAutofit/>
+            </a:bodyPr>
+            <a:lstStyle/>
+            <a:p>
+              <a:pPr marL="0" lvl="0" indent="0" algn="l" rtl="0">
+                <a:spcBef>
+                  <a:spcPts val="0"/>
+                </a:spcBef>
+                <a:spcAft>
+                  <a:spcPts val="0"/>
+                </a:spcAft>
+                <a:buNone/>
+              </a:pPr>
+              <a:endParaRPr/>
+            </a:p>
+          </p:txBody>
+        </p:sp>
+      </p:grpSp>
+      <p:sp>
+        <p:nvSpPr>
+          <p:cNvPr id="2" name="Google Shape;183;p32">
+            <a:extLst>
+              <a:ext uri="{FF2B5EF4-FFF2-40B4-BE49-F238E27FC236}">
+                <a16:creationId xmlns:a16="http://schemas.microsoft.com/office/drawing/2014/main" id="{255B7192-2AB1-6805-0573-68E3FB7C5BC7}"/>
+              </a:ext>
+            </a:extLst>
+          </p:cNvPr>
+          <p:cNvSpPr txBox="1">
+            <a:spLocks/>
+          </p:cNvSpPr>
+          <p:nvPr/>
+        </p:nvSpPr>
+        <p:spPr>
+          <a:xfrm>
+            <a:off x="1266596" y="1547386"/>
+            <a:ext cx="7018005" cy="3278995"/>
+          </a:xfrm>
+          <a:prstGeom prst="rect">
+            <a:avLst/>
+          </a:prstGeom>
+          <a:noFill/>
+          <a:ln>
+            <a:noFill/>
+          </a:ln>
+        </p:spPr>
+        <p:txBody>
+          <a:bodyPr spcFirstLastPara="1" wrap="square" lIns="91425" tIns="91425" rIns="91425" bIns="91425" anchor="ctr" anchorCtr="0">
+            <a:noAutofit/>
+          </a:bodyPr>
+          <a:lstStyle>
+            <a:defPPr marR="0" lvl="0" algn="l" rtl="0">
+              <a:lnSpc>
+                <a:spcPct val="100000"/>
+              </a:lnSpc>
+              <a:spcBef>
+                <a:spcPts val="0"/>
+              </a:spcBef>
+              <a:spcAft>
+                <a:spcPts val="0"/>
+              </a:spcAft>
+            </a:defPPr>
+            <a:lvl1pPr marR="0" lvl="0" algn="l" rtl="0">
+              <a:lnSpc>
+                <a:spcPct val="100000"/>
+              </a:lnSpc>
+              <a:spcBef>
+                <a:spcPts val="0"/>
+              </a:spcBef>
+              <a:spcAft>
+                <a:spcPts val="0"/>
+              </a:spcAft>
+              <a:buClr>
+                <a:schemeClr val="dk2"/>
+              </a:buClr>
+              <a:buSzPts val="3500"/>
+              <a:buFont typeface="DM Serif Display"/>
+              <a:buNone/>
+              <a:defRPr sz="3500" b="1" i="1" u="none" strike="noStrike" cap="none">
+                <a:solidFill>
+                  <a:schemeClr val="dk2"/>
+                </a:solidFill>
+                <a:latin typeface="DM Serif Display"/>
+                <a:ea typeface="DM Serif Display"/>
+                <a:cs typeface="DM Serif Display"/>
+                <a:sym typeface="DM Serif Display"/>
+              </a:defRPr>
+            </a:lvl1pPr>
+            <a:lvl2pPr marR="0" lvl="1" algn="l" rtl="0">
+              <a:lnSpc>
+                <a:spcPct val="100000"/>
+              </a:lnSpc>
+              <a:spcBef>
+                <a:spcPts val="0"/>
+              </a:spcBef>
+              <a:spcAft>
+                <a:spcPts val="0"/>
+              </a:spcAft>
+              <a:buClr>
+                <a:schemeClr val="dk2"/>
+              </a:buClr>
+              <a:buSzPts val="3500"/>
+              <a:buFont typeface="DM Serif Display"/>
+              <a:buNone/>
+              <a:defRPr sz="3500" b="1" i="1" u="none" strike="noStrike" cap="none">
+                <a:solidFill>
+                  <a:schemeClr val="dk2"/>
+                </a:solidFill>
+                <a:latin typeface="DM Serif Display"/>
+                <a:ea typeface="DM Serif Display"/>
+                <a:cs typeface="DM Serif Display"/>
+                <a:sym typeface="DM Serif Display"/>
+              </a:defRPr>
+            </a:lvl2pPr>
+            <a:lvl3pPr marR="0" lvl="2" algn="l" rtl="0">
+              <a:lnSpc>
+                <a:spcPct val="100000"/>
+              </a:lnSpc>
+              <a:spcBef>
+                <a:spcPts val="0"/>
+              </a:spcBef>
+              <a:spcAft>
+                <a:spcPts val="0"/>
+              </a:spcAft>
+              <a:buClr>
+                <a:schemeClr val="dk2"/>
+              </a:buClr>
+              <a:buSzPts val="3500"/>
+              <a:buFont typeface="DM Serif Display"/>
+              <a:buNone/>
+              <a:defRPr sz="3500" b="1" i="1" u="none" strike="noStrike" cap="none">
+                <a:solidFill>
+                  <a:schemeClr val="dk2"/>
+                </a:solidFill>
+                <a:latin typeface="DM Serif Display"/>
+                <a:ea typeface="DM Serif Display"/>
+                <a:cs typeface="DM Serif Display"/>
+                <a:sym typeface="DM Serif Display"/>
+              </a:defRPr>
+            </a:lvl3pPr>
+            <a:lvl4pPr marR="0" lvl="3" algn="l" rtl="0">
+              <a:lnSpc>
+                <a:spcPct val="100000"/>
+              </a:lnSpc>
+              <a:spcBef>
+                <a:spcPts val="0"/>
+              </a:spcBef>
+              <a:spcAft>
+                <a:spcPts val="0"/>
+              </a:spcAft>
+              <a:buClr>
+                <a:schemeClr val="dk2"/>
+              </a:buClr>
+              <a:buSzPts val="3500"/>
+              <a:buFont typeface="DM Serif Display"/>
+              <a:buNone/>
+              <a:defRPr sz="3500" b="1" i="1" u="none" strike="noStrike" cap="none">
+                <a:solidFill>
+                  <a:schemeClr val="dk2"/>
+                </a:solidFill>
+                <a:latin typeface="DM Serif Display"/>
+                <a:ea typeface="DM Serif Display"/>
+                <a:cs typeface="DM Serif Display"/>
+                <a:sym typeface="DM Serif Display"/>
+              </a:defRPr>
+            </a:lvl4pPr>
+            <a:lvl5pPr marR="0" lvl="4" algn="l" rtl="0">
+              <a:lnSpc>
+                <a:spcPct val="100000"/>
+              </a:lnSpc>
+              <a:spcBef>
+                <a:spcPts val="0"/>
+              </a:spcBef>
+              <a:spcAft>
+                <a:spcPts val="0"/>
+              </a:spcAft>
+              <a:buClr>
+                <a:schemeClr val="dk2"/>
+              </a:buClr>
+              <a:buSzPts val="3500"/>
+              <a:buFont typeface="DM Serif Display"/>
+              <a:buNone/>
+              <a:defRPr sz="3500" b="1" i="1" u="none" strike="noStrike" cap="none">
+                <a:solidFill>
+                  <a:schemeClr val="dk2"/>
+                </a:solidFill>
+                <a:latin typeface="DM Serif Display"/>
+                <a:ea typeface="DM Serif Display"/>
+                <a:cs typeface="DM Serif Display"/>
+                <a:sym typeface="DM Serif Display"/>
+              </a:defRPr>
+            </a:lvl5pPr>
+            <a:lvl6pPr marR="0" lvl="5" algn="l" rtl="0">
+              <a:lnSpc>
+                <a:spcPct val="100000"/>
+              </a:lnSpc>
+              <a:spcBef>
+                <a:spcPts val="0"/>
+              </a:spcBef>
+              <a:spcAft>
+                <a:spcPts val="0"/>
+              </a:spcAft>
+              <a:buClr>
+                <a:schemeClr val="dk2"/>
+              </a:buClr>
+              <a:buSzPts val="3500"/>
+              <a:buFont typeface="DM Serif Display"/>
+              <a:buNone/>
+              <a:defRPr sz="3500" b="1" i="1" u="none" strike="noStrike" cap="none">
+                <a:solidFill>
+                  <a:schemeClr val="dk2"/>
+                </a:solidFill>
+                <a:latin typeface="DM Serif Display"/>
+                <a:ea typeface="DM Serif Display"/>
+                <a:cs typeface="DM Serif Display"/>
+                <a:sym typeface="DM Serif Display"/>
+              </a:defRPr>
+            </a:lvl6pPr>
+            <a:lvl7pPr marR="0" lvl="6" algn="l" rtl="0">
+              <a:lnSpc>
+                <a:spcPct val="100000"/>
+              </a:lnSpc>
+              <a:spcBef>
+                <a:spcPts val="0"/>
+              </a:spcBef>
+              <a:spcAft>
+                <a:spcPts val="0"/>
+              </a:spcAft>
+              <a:buClr>
+                <a:schemeClr val="dk2"/>
+              </a:buClr>
+              <a:buSzPts val="3500"/>
+              <a:buFont typeface="DM Serif Display"/>
+              <a:buNone/>
+              <a:defRPr sz="3500" b="1" i="1" u="none" strike="noStrike" cap="none">
+                <a:solidFill>
+                  <a:schemeClr val="dk2"/>
+                </a:solidFill>
+                <a:latin typeface="DM Serif Display"/>
+                <a:ea typeface="DM Serif Display"/>
+                <a:cs typeface="DM Serif Display"/>
+                <a:sym typeface="DM Serif Display"/>
+              </a:defRPr>
+            </a:lvl7pPr>
+            <a:lvl8pPr marR="0" lvl="7" algn="l" rtl="0">
+              <a:lnSpc>
+                <a:spcPct val="100000"/>
+              </a:lnSpc>
+              <a:spcBef>
+                <a:spcPts val="0"/>
+              </a:spcBef>
+              <a:spcAft>
+                <a:spcPts val="0"/>
+              </a:spcAft>
+              <a:buClr>
+                <a:schemeClr val="dk2"/>
+              </a:buClr>
+              <a:buSzPts val="3500"/>
+              <a:buFont typeface="DM Serif Display"/>
+              <a:buNone/>
+              <a:defRPr sz="3500" b="1" i="1" u="none" strike="noStrike" cap="none">
+                <a:solidFill>
+                  <a:schemeClr val="dk2"/>
+                </a:solidFill>
+                <a:latin typeface="DM Serif Display"/>
+                <a:ea typeface="DM Serif Display"/>
+                <a:cs typeface="DM Serif Display"/>
+                <a:sym typeface="DM Serif Display"/>
+              </a:defRPr>
+            </a:lvl8pPr>
+            <a:lvl9pPr marR="0" lvl="8" algn="l" rtl="0">
+              <a:lnSpc>
+                <a:spcPct val="100000"/>
+              </a:lnSpc>
+              <a:spcBef>
+                <a:spcPts val="0"/>
+              </a:spcBef>
+              <a:spcAft>
+                <a:spcPts val="0"/>
+              </a:spcAft>
+              <a:buClr>
+                <a:schemeClr val="dk2"/>
+              </a:buClr>
+              <a:buSzPts val="3500"/>
+              <a:buFont typeface="DM Serif Display"/>
+              <a:buNone/>
+              <a:defRPr sz="3500" b="1" i="1" u="none" strike="noStrike" cap="none">
+                <a:solidFill>
+                  <a:schemeClr val="dk2"/>
+                </a:solidFill>
+                <a:latin typeface="DM Serif Display"/>
+                <a:ea typeface="DM Serif Display"/>
+                <a:cs typeface="DM Serif Display"/>
+                <a:sym typeface="DM Serif Display"/>
+              </a:defRPr>
+            </a:lvl9pPr>
+          </a:lstStyle>
+          <a:p>
+            <a:pPr marL="171450" indent="-171450">
+              <a:buFont typeface="Arial" panose="020B0604020202020204" pitchFamily="34" charset="0"/>
+              <a:buChar char="•"/>
+            </a:pPr>
+            <a:r>
+              <a:rPr lang="en-US" sz="1200" dirty="0"/>
+              <a:t>2 ways to make tracks (landscapes, and blueprint splines)</a:t>
+            </a:r>
+          </a:p>
+          <a:p>
+            <a:pPr marL="171450" indent="-171450">
+              <a:buFont typeface="Arial" panose="020B0604020202020204" pitchFamily="34" charset="0"/>
+              <a:buChar char="•"/>
+            </a:pPr>
+            <a:endParaRPr lang="en-US" sz="1200" dirty="0"/>
+          </a:p>
+          <a:p>
+            <a:pPr marL="171450" indent="-171450">
+              <a:buFont typeface="Arial" panose="020B0604020202020204" pitchFamily="34" charset="0"/>
+              <a:buChar char="•"/>
+            </a:pPr>
+            <a:endParaRPr lang="en-US" sz="1200" dirty="0"/>
+          </a:p>
+          <a:p>
+            <a:pPr marL="171450" indent="-171450">
+              <a:buFont typeface="Arial" panose="020B0604020202020204" pitchFamily="34" charset="0"/>
+              <a:buChar char="•"/>
+            </a:pPr>
+            <a:r>
+              <a:rPr lang="en-US" sz="1200" dirty="0"/>
+              <a:t>Making a looping video instead of a static menu</a:t>
+            </a:r>
+          </a:p>
+          <a:p>
+            <a:pPr marL="171450" indent="-171450">
+              <a:buFont typeface="Arial" panose="020B0604020202020204" pitchFamily="34" charset="0"/>
+              <a:buChar char="•"/>
+            </a:pPr>
+            <a:endParaRPr lang="en-US" sz="1200" dirty="0"/>
+          </a:p>
+          <a:p>
+            <a:pPr marL="171450" indent="-171450">
+              <a:buFont typeface="Arial" panose="020B0604020202020204" pitchFamily="34" charset="0"/>
+              <a:buChar char="•"/>
+            </a:pPr>
+            <a:endParaRPr lang="en-US" sz="1200" dirty="0"/>
+          </a:p>
+          <a:p>
+            <a:pPr marL="171450" indent="-171450">
+              <a:buFont typeface="Arial" panose="020B0604020202020204" pitchFamily="34" charset="0"/>
+              <a:buChar char="•"/>
+            </a:pPr>
+            <a:r>
+              <a:rPr lang="en-US" sz="1200" dirty="0"/>
+              <a:t>How to make and setup properly so they don’t fly off the track</a:t>
+            </a:r>
+          </a:p>
+          <a:p>
+            <a:pPr marL="171450" indent="-171450">
+              <a:buFont typeface="Arial" panose="020B0604020202020204" pitchFamily="34" charset="0"/>
+              <a:buChar char="•"/>
+            </a:pPr>
+            <a:endParaRPr lang="en-US" sz="1200" dirty="0"/>
+          </a:p>
+          <a:p>
+            <a:pPr marL="171450" indent="-171450">
+              <a:buFont typeface="Arial" panose="020B0604020202020204" pitchFamily="34" charset="0"/>
+              <a:buChar char="•"/>
+            </a:pPr>
+            <a:endParaRPr lang="en-US" sz="1200" dirty="0"/>
+          </a:p>
+          <a:p>
+            <a:pPr marL="171450" indent="-171450">
+              <a:buFont typeface="Arial" panose="020B0604020202020204" pitchFamily="34" charset="0"/>
+              <a:buChar char="•"/>
+            </a:pPr>
+            <a:r>
+              <a:rPr lang="en-US" sz="1200" dirty="0"/>
+              <a:t>Creating Options to handle sound and control them</a:t>
+            </a:r>
+          </a:p>
+          <a:p>
+            <a:pPr marL="171450" indent="-171450">
+              <a:buFont typeface="Arial" panose="020B0604020202020204" pitchFamily="34" charset="0"/>
+              <a:buChar char="•"/>
+            </a:pPr>
+            <a:endParaRPr lang="en-US" sz="1200" dirty="0"/>
+          </a:p>
+          <a:p>
+            <a:pPr marL="171450" indent="-171450">
+              <a:buFont typeface="Arial" panose="020B0604020202020204" pitchFamily="34" charset="0"/>
+              <a:buChar char="•"/>
+            </a:pPr>
+            <a:endParaRPr lang="en-US" sz="1200" dirty="0"/>
+          </a:p>
+          <a:p>
+            <a:pPr marL="171450" indent="-171450">
+              <a:buFont typeface="Arial" panose="020B0604020202020204" pitchFamily="34" charset="0"/>
+              <a:buChar char="•"/>
+            </a:pPr>
+            <a:r>
+              <a:rPr lang="en-US" sz="1200" dirty="0"/>
+              <a:t>Implementing Niagara FX for visuals into the items.</a:t>
+            </a:r>
+            <a:br>
+              <a:rPr lang="en-US" sz="1200" dirty="0"/>
+            </a:br>
+            <a:br>
+              <a:rPr lang="en-US" sz="1200" dirty="0"/>
+            </a:br>
+            <a:br>
+              <a:rPr lang="en-US" sz="1200" dirty="0"/>
+            </a:br>
+            <a:br>
+              <a:rPr lang="en-US" sz="1200" dirty="0"/>
+            </a:br>
+            <a:endParaRPr lang="en-US" sz="2400" dirty="0"/>
+          </a:p>
+        </p:txBody>
+      </p:sp>
+      <p:sp>
+        <p:nvSpPr>
+          <p:cNvPr id="6" name="Title 5">
+            <a:extLst>
+              <a:ext uri="{FF2B5EF4-FFF2-40B4-BE49-F238E27FC236}">
+                <a16:creationId xmlns:a16="http://schemas.microsoft.com/office/drawing/2014/main" id="{91F9CAE1-FF76-EA17-D611-D6024BD82A27}"/>
+              </a:ext>
+            </a:extLst>
+          </p:cNvPr>
+          <p:cNvSpPr>
+            <a:spLocks noGrp="1"/>
+          </p:cNvSpPr>
+          <p:nvPr>
+            <p:ph type="title"/>
+          </p:nvPr>
+        </p:nvSpPr>
+        <p:spPr>
+          <a:xfrm>
+            <a:off x="3228219" y="427518"/>
+            <a:ext cx="5453550" cy="841800"/>
+          </a:xfrm>
+        </p:spPr>
+        <p:txBody>
+          <a:bodyPr/>
+          <a:lstStyle/>
+          <a:p>
+            <a:r>
+              <a:rPr lang="en-US" dirty="0"/>
+              <a:t>What I learned?</a:t>
+            </a:r>
+          </a:p>
+        </p:txBody>
+      </p:sp>
     </p:spTree>
+    <p:extLst>
+      <p:ext uri="{BB962C8B-B14F-4D97-AF65-F5344CB8AC3E}">
+        <p14:creationId xmlns:p14="http://schemas.microsoft.com/office/powerpoint/2010/main" val="1504511944"/>
+      </p:ext>
+    </p:extLst>
   </p:cSld>
   <p:clrMapOvr>
     <a:masterClrMapping/>
   </p:clrMapOvr>
-  <mc:AlternateContent xmlns:mc="http://schemas.openxmlformats.org/markup-compatibility/2006" xmlns:p14="http://schemas.microsoft.com/office/powerpoint/2010/main">
-    <mc:Choice Requires="p14">
+  <mc:AlternateContent xmlns:mc="http://schemas.openxmlformats.org/markup-compatibility/2006">
+    <mc:Choice xmlns:p14="http://schemas.microsoft.com/office/powerpoint/2010/main" Requires="p14">
       <p:transition spd="slow" p14:dur="3900">
         <p14:glitter pattern="hexagon"/>
       </p:transition>
     </mc:Choice>
-    <mc:Fallback xmlns="">
+    <mc:Fallback>
       <p:transition spd="slow">
         <p:fade/>
       </p:transition>
     </mc:Fallback>
   </mc:AlternateContent>
+  <p:timing>
+    <p:tnLst>
+      <p:par>
+        <p:cTn id="1" dur="indefinite" restart="never" nodeType="tmRoot">
+          <p:childTnLst>
+            <p:seq concurrent="1" nextAc="seek">
+              <p:cTn id="2" dur="indefinite" nodeType="mainSeq">
+                <p:childTnLst>
+                  <p:par>
+                    <p:cTn id="3" fill="hold">
+                      <p:stCondLst>
+                        <p:cond delay="indefinite"/>
+                      </p:stCondLst>
+                      <p:childTnLst>
+                        <p:par>
+                          <p:cTn id="4" fill="hold">
+                            <p:stCondLst>
+                              <p:cond delay="0"/>
+                            </p:stCondLst>
+                            <p:childTnLst>
+                              <p:par>
+                                <p:cTn id="5" presetID="42" presetClass="entr" presetSubtype="0" fill="hold" grpId="0" nodeType="clickEffect">
+                                  <p:stCondLst>
+                                    <p:cond delay="0"/>
+                                  </p:stCondLst>
+                                  <p:childTnLst>
+                                    <p:set>
+                                      <p:cBhvr>
+                                        <p:cTn id="6" dur="1" fill="hold">
+                                          <p:stCondLst>
+                                            <p:cond delay="0"/>
+                                          </p:stCondLst>
+                                        </p:cTn>
+                                        <p:tgtEl>
+                                          <p:spTgt spid="6"/>
+                                        </p:tgtEl>
+                                        <p:attrNameLst>
+                                          <p:attrName>style.visibility</p:attrName>
+                                        </p:attrNameLst>
+                                      </p:cBhvr>
+                                      <p:to>
+                                        <p:strVal val="visible"/>
+                                      </p:to>
+                                    </p:set>
+                                    <p:animEffect transition="in" filter="fade">
+                                      <p:cBhvr>
+                                        <p:cTn id="7" dur="1000"/>
+                                        <p:tgtEl>
+                                          <p:spTgt spid="6"/>
+                                        </p:tgtEl>
+                                      </p:cBhvr>
+                                    </p:animEffect>
+                                    <p:anim calcmode="lin" valueType="num">
+                                      <p:cBhvr>
+                                        <p:cTn id="8" dur="1000" fill="hold"/>
+                                        <p:tgtEl>
+                                          <p:spTgt spid="6"/>
+                                        </p:tgtEl>
+                                        <p:attrNameLst>
+                                          <p:attrName>ppt_x</p:attrName>
+                                        </p:attrNameLst>
+                                      </p:cBhvr>
+                                      <p:tavLst>
+                                        <p:tav tm="0">
+                                          <p:val>
+                                            <p:strVal val="#ppt_x"/>
+                                          </p:val>
+                                        </p:tav>
+                                        <p:tav tm="100000">
+                                          <p:val>
+                                            <p:strVal val="#ppt_x"/>
+                                          </p:val>
+                                        </p:tav>
+                                      </p:tavLst>
+                                    </p:anim>
+                                    <p:anim calcmode="lin" valueType="num">
+                                      <p:cBhvr>
+                                        <p:cTn id="9" dur="1000" fill="hold"/>
+                                        <p:tgtEl>
+                                          <p:spTgt spid="6"/>
+                                        </p:tgtEl>
+                                        <p:attrNameLst>
+                                          <p:attrName>ppt_y</p:attrName>
+                                        </p:attrNameLst>
+                                      </p:cBhvr>
+                                      <p:tavLst>
+                                        <p:tav tm="0">
+                                          <p:val>
+                                            <p:strVal val="#ppt_y+.1"/>
+                                          </p:val>
+                                        </p:tav>
+                                        <p:tav tm="100000">
+                                          <p:val>
+                                            <p:strVal val="#ppt_y"/>
+                                          </p:val>
+                                        </p:tav>
+                                      </p:tavLst>
+                                    </p:anim>
+                                  </p:childTnLst>
+                                </p:cTn>
+                              </p:par>
+                            </p:childTnLst>
+                          </p:cTn>
+                        </p:par>
+                      </p:childTnLst>
+                    </p:cTn>
+                  </p:par>
+                  <p:par>
+                    <p:cTn id="10" fill="hold">
+                      <p:stCondLst>
+                        <p:cond delay="indefinite"/>
+                      </p:stCondLst>
+                      <p:childTnLst>
+                        <p:par>
+                          <p:cTn id="11" fill="hold">
+                            <p:stCondLst>
+                              <p:cond delay="0"/>
+                            </p:stCondLst>
+                            <p:childTnLst>
+                              <p:par>
+                                <p:cTn id="12" presetID="42" presetClass="entr" presetSubtype="0" fill="hold" grpId="0" nodeType="clickEffect">
+                                  <p:stCondLst>
+                                    <p:cond delay="0"/>
+                                  </p:stCondLst>
+                                  <p:childTnLst>
+                                    <p:set>
+                                      <p:cBhvr>
+                                        <p:cTn id="13" dur="1" fill="hold">
+                                          <p:stCondLst>
+                                            <p:cond delay="0"/>
+                                          </p:stCondLst>
+                                        </p:cTn>
+                                        <p:tgtEl>
+                                          <p:spTgt spid="2"/>
+                                        </p:tgtEl>
+                                        <p:attrNameLst>
+                                          <p:attrName>style.visibility</p:attrName>
+                                        </p:attrNameLst>
+                                      </p:cBhvr>
+                                      <p:to>
+                                        <p:strVal val="visible"/>
+                                      </p:to>
+                                    </p:set>
+                                    <p:animEffect transition="in" filter="fade">
+                                      <p:cBhvr>
+                                        <p:cTn id="14" dur="1000"/>
+                                        <p:tgtEl>
+                                          <p:spTgt spid="2"/>
+                                        </p:tgtEl>
+                                      </p:cBhvr>
+                                    </p:animEffect>
+                                    <p:anim calcmode="lin" valueType="num">
+                                      <p:cBhvr>
+                                        <p:cTn id="15" dur="1000" fill="hold"/>
+                                        <p:tgtEl>
+                                          <p:spTgt spid="2"/>
+                                        </p:tgtEl>
+                                        <p:attrNameLst>
+                                          <p:attrName>ppt_x</p:attrName>
+                                        </p:attrNameLst>
+                                      </p:cBhvr>
+                                      <p:tavLst>
+                                        <p:tav tm="0">
+                                          <p:val>
+                                            <p:strVal val="#ppt_x"/>
+                                          </p:val>
+                                        </p:tav>
+                                        <p:tav tm="100000">
+                                          <p:val>
+                                            <p:strVal val="#ppt_x"/>
+                                          </p:val>
+                                        </p:tav>
+                                      </p:tavLst>
+                                    </p:anim>
+                                    <p:anim calcmode="lin" valueType="num">
+                                      <p:cBhvr>
+                                        <p:cTn id="16" dur="1000" fill="hold"/>
+                                        <p:tgtEl>
+                                          <p:spTgt spid="2"/>
+                                        </p:tgtEl>
+                                        <p:attrNameLst>
+                                          <p:attrName>ppt_y</p:attrName>
+                                        </p:attrNameLst>
+                                      </p:cBhvr>
+                                      <p:tavLst>
+                                        <p:tav tm="0">
+                                          <p:val>
+                                            <p:strVal val="#ppt_y+.1"/>
+                                          </p:val>
+                                        </p:tav>
+                                        <p:tav tm="100000">
+                                          <p:val>
+                                            <p:strVal val="#ppt_y"/>
+                                          </p:val>
+                                        </p:tav>
+                                      </p:tavLst>
+                                    </p:anim>
+                                  </p:childTnLst>
+                                </p:cTn>
+                              </p:par>
+                            </p:childTnLst>
+                          </p:cTn>
+                        </p:par>
+                      </p:childTnLst>
+                    </p:cTn>
+                  </p:par>
+                </p:childTnLst>
+              </p:cTn>
+              <p:prevCondLst>
+                <p:cond evt="onPrev" delay="0">
+                  <p:tgtEl>
+                    <p:sldTgt/>
+                  </p:tgtEl>
+                </p:cond>
+              </p:prevCondLst>
+              <p:nextCondLst>
+                <p:cond evt="onNext" delay="0">
+                  <p:tgtEl>
+                    <p:sldTgt/>
+                  </p:tgtEl>
+                </p:cond>
+              </p:nextCondLst>
+            </p:seq>
+          </p:childTnLst>
+        </p:cTn>
+      </p:par>
+    </p:tnLst>
+    <p:bldLst>
+      <p:bldP spid="2" grpId="0"/>
+      <p:bldP spid="6" grpId="0"/>
+    </p:bldLst>
+  </p:timing>
 </p:sld>
 </file>
 
@@ -12523,53 +13508,6 @@
       </p:sp>
       <p:pic>
         <p:nvPicPr>
-          <p:cNvPr id="2052" name="Picture 4" descr="DreamHack Atlanta 2024 - This is your World!">
-            <a:extLst>
-              <a:ext uri="{FF2B5EF4-FFF2-40B4-BE49-F238E27FC236}">
-                <a16:creationId xmlns:a16="http://schemas.microsoft.com/office/drawing/2014/main" id="{0ABFD988-D44E-9E18-27FF-44D3A1C00CAB}"/>
-              </a:ext>
-            </a:extLst>
-          </p:cNvPr>
-          <p:cNvPicPr>
-            <a:picLocks noChangeAspect="1" noChangeArrowheads="1"/>
-          </p:cNvPicPr>
-          <p:nvPr/>
-        </p:nvPicPr>
-        <p:blipFill>
-          <a:blip r:embed="rId2">
-            <a:extLst>
-              <a:ext uri="{28A0092B-C50C-407E-A947-70E740481C1C}">
-                <a14:useLocalDpi xmlns:a14="http://schemas.microsoft.com/office/drawing/2010/main" val="0"/>
-              </a:ext>
-            </a:extLst>
-          </a:blip>
-          <a:srcRect/>
-          <a:stretch>
-            <a:fillRect/>
-          </a:stretch>
-        </p:blipFill>
-        <p:spPr bwMode="auto">
-          <a:xfrm>
-            <a:off x="5329790" y="355595"/>
-            <a:ext cx="3336728" cy="1872510"/>
-          </a:xfrm>
-          <a:prstGeom prst="rect">
-            <a:avLst/>
-          </a:prstGeom>
-          <a:noFill/>
-          <a:extLst>
-            <a:ext uri="{909E8E84-426E-40DD-AFC4-6F175D3DCCD1}">
-              <a14:hiddenFill xmlns:a14="http://schemas.microsoft.com/office/drawing/2010/main">
-                <a:solidFill>
-                  <a:srgbClr val="FFFFFF"/>
-                </a:solidFill>
-              </a14:hiddenFill>
-            </a:ext>
-          </a:extLst>
-        </p:spPr>
-      </p:pic>
-      <p:pic>
-        <p:nvPicPr>
           <p:cNvPr id="7" name="Picture 6">
             <a:extLst>
               <a:ext uri="{FF2B5EF4-FFF2-40B4-BE49-F238E27FC236}">
@@ -12583,14 +13521,14 @@
           <p:nvPr/>
         </p:nvPicPr>
         <p:blipFill>
-          <a:blip r:embed="rId3"/>
+          <a:blip r:embed="rId2"/>
           <a:stretch>
             <a:fillRect/>
           </a:stretch>
         </p:blipFill>
         <p:spPr>
           <a:xfrm>
-            <a:off x="4729838" y="2571750"/>
+            <a:off x="3796578" y="2291645"/>
             <a:ext cx="4136306" cy="1666870"/>
           </a:xfrm>
           <a:prstGeom prst="rect">
@@ -12613,7 +13551,7 @@
           <p:nvPr/>
         </p:nvPicPr>
         <p:blipFill>
-          <a:blip r:embed="rId4">
+          <a:blip r:embed="rId3">
             <a:extLst>
               <a:ext uri="{28A0092B-C50C-407E-A947-70E740481C1C}">
                 <a14:useLocalDpi xmlns:a14="http://schemas.microsoft.com/office/drawing/2010/main" val="0"/>
@@ -12661,7 +13599,7 @@
         </p:nvSpPr>
         <p:spPr>
           <a:xfrm>
-            <a:off x="477482" y="1143034"/>
+            <a:off x="232914" y="1017725"/>
             <a:ext cx="4680542" cy="1428716"/>
           </a:xfrm>
           <a:prstGeom prst="rect">
@@ -12940,7 +13878,7 @@
             </a:pPr>
             <a:r>
               <a:rPr lang="en-US" sz="1200" dirty="0"/>
-              <a:t>Bring back Battle Arena’s</a:t>
+              <a:t>Bring back Battle Arena’s and secret track routes</a:t>
             </a:r>
           </a:p>
           <a:p>
@@ -12960,7 +13898,7 @@
             </a:pPr>
             <a:r>
               <a:rPr lang="en-US" sz="1200" dirty="0"/>
-              <a:t>More Tracks</a:t>
+              <a:t>More  Themed Tracks / Special Tracks during holiday times</a:t>
             </a:r>
           </a:p>
           <a:p>
@@ -12970,11 +13908,51 @@
             </a:pPr>
             <a:r>
               <a:rPr lang="en-US" sz="1200" dirty="0"/>
-              <a:t>More Customization</a:t>
+              <a:t>More Customization to karts </a:t>
+            </a:r>
+          </a:p>
+          <a:p>
+            <a:pPr marL="171450" indent="-171450">
+              <a:buFont typeface="Arial" panose="020B0604020202020204" pitchFamily="34" charset="0"/>
+              <a:buChar char="•"/>
+            </a:pPr>
+            <a:r>
+              <a:rPr lang="en-US" sz="1200" dirty="0"/>
+              <a:t>Character Creation </a:t>
             </a:r>
           </a:p>
         </p:txBody>
       </p:sp>
+      <p:pic>
+        <p:nvPicPr>
+          <p:cNvPr id="4" name="Picture 3">
+            <a:extLst>
+              <a:ext uri="{FF2B5EF4-FFF2-40B4-BE49-F238E27FC236}">
+                <a16:creationId xmlns:a16="http://schemas.microsoft.com/office/drawing/2014/main" id="{8852887E-799C-85AF-CE2E-985AB6E91330}"/>
+              </a:ext>
+            </a:extLst>
+          </p:cNvPr>
+          <p:cNvPicPr>
+            <a:picLocks noChangeAspect="1"/>
+          </p:cNvPicPr>
+          <p:nvPr/>
+        </p:nvPicPr>
+        <p:blipFill>
+          <a:blip r:embed="rId4"/>
+          <a:stretch>
+            <a:fillRect/>
+          </a:stretch>
+        </p:blipFill>
+        <p:spPr>
+          <a:xfrm>
+            <a:off x="4572000" y="179532"/>
+            <a:ext cx="3657787" cy="2051155"/>
+          </a:xfrm>
+          <a:prstGeom prst="rect">
+            <a:avLst/>
+          </a:prstGeom>
+        </p:spPr>
+      </p:pic>
     </p:spTree>
     <p:extLst>
       <p:ext uri="{BB962C8B-B14F-4D97-AF65-F5344CB8AC3E}">
@@ -13162,7 +14140,7 @@
                             </p:stCondLst>
                             <p:childTnLst>
                               <p:par>
-                                <p:cTn id="16" presetID="6" presetClass="entr" presetSubtype="16" fill="hold" nodeType="clickEffect">
+                                <p:cTn id="16" presetID="42" presetClass="entr" presetSubtype="0" fill="hold" nodeType="clickEffect">
                                   <p:stCondLst>
                                     <p:cond delay="0"/>
                                   </p:stCondLst>
@@ -13170,59 +14148,6 @@
                                     <p:set>
                                       <p:cBhvr>
                                         <p:cTn id="17" dur="1" fill="hold">
-                                          <p:stCondLst>
-                                            <p:cond delay="0"/>
-                                          </p:stCondLst>
-                                        </p:cTn>
-                                        <p:tgtEl>
-                                          <p:spTgt spid="2052"/>
-                                        </p:tgtEl>
-                                        <p:attrNameLst>
-                                          <p:attrName>style.visibility</p:attrName>
-                                        </p:attrNameLst>
-                                      </p:cBhvr>
-                                      <p:to>
-                                        <p:strVal val="visible"/>
-                                      </p:to>
-                                    </p:set>
-                                    <p:animEffect transition="in" filter="circle(in)">
-                                      <p:cBhvr>
-                                        <p:cTn id="18" dur="2000"/>
-                                        <p:tgtEl>
-                                          <p:spTgt spid="2052"/>
-                                        </p:tgtEl>
-                                      </p:cBhvr>
-                                    </p:animEffect>
-                                  </p:childTnLst>
-                                </p:cTn>
-                              </p:par>
-                            </p:childTnLst>
-                          </p:cTn>
-                        </p:par>
-                      </p:childTnLst>
-                    </p:cTn>
-                  </p:par>
-                  <p:par>
-                    <p:cTn id="19" fill="hold">
-                      <p:stCondLst>
-                        <p:cond delay="indefinite"/>
-                      </p:stCondLst>
-                      <p:childTnLst>
-                        <p:par>
-                          <p:cTn id="20" fill="hold">
-                            <p:stCondLst>
-                              <p:cond delay="0"/>
-                            </p:stCondLst>
-                            <p:childTnLst>
-                              <p:par>
-                                <p:cTn id="21" presetID="42" presetClass="entr" presetSubtype="0" fill="hold" nodeType="clickEffect">
-                                  <p:stCondLst>
-                                    <p:cond delay="0"/>
-                                  </p:stCondLst>
-                                  <p:childTnLst>
-                                    <p:set>
-                                      <p:cBhvr>
-                                        <p:cTn id="22" dur="1" fill="hold">
                                           <p:stCondLst>
                                             <p:cond delay="0"/>
                                           </p:stCondLst>
@@ -13240,7 +14165,7 @@
                                     </p:set>
                                     <p:animEffect transition="in" filter="fade">
                                       <p:cBhvr>
-                                        <p:cTn id="23" dur="1000"/>
+                                        <p:cTn id="18" dur="1000"/>
                                         <p:tgtEl>
                                           <p:spTgt spid="7"/>
                                         </p:tgtEl>
@@ -13248,7 +14173,7 @@
                                     </p:animEffect>
                                     <p:anim calcmode="lin" valueType="num">
                                       <p:cBhvr>
-                                        <p:cTn id="24" dur="1000" fill="hold"/>
+                                        <p:cTn id="19" dur="1000" fill="hold"/>
                                         <p:tgtEl>
                                           <p:spTgt spid="7"/>
                                         </p:tgtEl>
@@ -13271,7 +14196,7 @@
                                     </p:anim>
                                     <p:anim calcmode="lin" valueType="num">
                                       <p:cBhvr>
-                                        <p:cTn id="25" dur="1000" fill="hold"/>
+                                        <p:cTn id="20" dur="1000" fill="hold"/>
                                         <p:tgtEl>
                                           <p:spTgt spid="7"/>
                                         </p:tgtEl>
@@ -13302,26 +14227,26 @@
                     </p:cTn>
                   </p:par>
                   <p:par>
-                    <p:cTn id="26" fill="hold">
+                    <p:cTn id="21" fill="hold">
                       <p:stCondLst>
                         <p:cond delay="indefinite"/>
                       </p:stCondLst>
                       <p:childTnLst>
                         <p:par>
-                          <p:cTn id="27" fill="hold">
+                          <p:cTn id="22" fill="hold">
                             <p:stCondLst>
                               <p:cond delay="0"/>
                             </p:stCondLst>
                             <p:childTnLst>
                               <p:par>
-                                <p:cTn id="28" presetID="42" presetClass="entr" presetSubtype="0" fill="hold" nodeType="clickEffect">
+                                <p:cTn id="23" presetID="42" presetClass="entr" presetSubtype="0" fill="hold" nodeType="clickEffect">
                                   <p:stCondLst>
                                     <p:cond delay="0"/>
                                   </p:stCondLst>
                                   <p:childTnLst>
                                     <p:set>
                                       <p:cBhvr>
-                                        <p:cTn id="29" dur="1" fill="hold">
+                                        <p:cTn id="24" dur="1" fill="hold">
                                           <p:stCondLst>
                                             <p:cond delay="0"/>
                                           </p:stCondLst>
@@ -13339,7 +14264,7 @@
                                     </p:set>
                                     <p:animEffect transition="in" filter="fade">
                                       <p:cBhvr>
-                                        <p:cTn id="30" dur="1000"/>
+                                        <p:cTn id="25" dur="1000"/>
                                         <p:tgtEl>
                                           <p:spTgt spid="2054"/>
                                         </p:tgtEl>
@@ -13347,7 +14272,7 @@
                                     </p:animEffect>
                                     <p:anim calcmode="lin" valueType="num">
                                       <p:cBhvr>
-                                        <p:cTn id="31" dur="1000" fill="hold"/>
+                                        <p:cTn id="26" dur="1000" fill="hold"/>
                                         <p:tgtEl>
                                           <p:spTgt spid="2054"/>
                                         </p:tgtEl>
@@ -13370,7 +14295,7 @@
                                     </p:anim>
                                     <p:anim calcmode="lin" valueType="num">
                                       <p:cBhvr>
-                                        <p:cTn id="32" dur="1000" fill="hold"/>
+                                        <p:cTn id="27" dur="1000" fill="hold"/>
                                         <p:tgtEl>
                                           <p:spTgt spid="2054"/>
                                         </p:tgtEl>
@@ -13391,6 +14316,59 @@
                                         </p:tav>
                                       </p:tavLst>
                                     </p:anim>
+                                  </p:childTnLst>
+                                </p:cTn>
+                              </p:par>
+                            </p:childTnLst>
+                          </p:cTn>
+                        </p:par>
+                      </p:childTnLst>
+                    </p:cTn>
+                  </p:par>
+                  <p:par>
+                    <p:cTn id="28" fill="hold">
+                      <p:stCondLst>
+                        <p:cond delay="indefinite"/>
+                      </p:stCondLst>
+                      <p:childTnLst>
+                        <p:par>
+                          <p:cTn id="29" fill="hold">
+                            <p:stCondLst>
+                              <p:cond delay="0"/>
+                            </p:stCondLst>
+                            <p:childTnLst>
+                              <p:par>
+                                <p:cTn id="30" presetID="14" presetClass="entr" presetSubtype="10" fill="hold" nodeType="clickEffect">
+                                  <p:stCondLst>
+                                    <p:cond delay="0"/>
+                                  </p:stCondLst>
+                                  <p:childTnLst>
+                                    <p:set>
+                                      <p:cBhvr>
+                                        <p:cTn id="31" dur="1" fill="hold">
+                                          <p:stCondLst>
+                                            <p:cond delay="0"/>
+                                          </p:stCondLst>
+                                        </p:cTn>
+                                        <p:tgtEl>
+                                          <p:spTgt spid="4"/>
+                                        </p:tgtEl>
+                                        <p:attrNameLst>
+                                          <p:attrName>style.visibility</p:attrName>
+                                        </p:attrNameLst>
+                                      </p:cBhvr>
+                                      <p:to>
+                                        <p:strVal val="visible"/>
+                                      </p:to>
+                                    </p:set>
+                                    <p:animEffect transition="in" filter="randombar(horizontal)">
+                                      <p:cBhvr>
+                                        <p:cTn id="32" dur="500"/>
+                                        <p:tgtEl>
+                                          <p:spTgt spid="4"/>
+                                        </p:tgtEl>
+                                      </p:cBhvr>
+                                    </p:animEffect>
                                   </p:childTnLst>
                                 </p:cTn>
                               </p:par>
@@ -13426,6 +14404,826 @@
       <p:bldP spid="8" grpId="0"/>
     </p:bldLst>
   </p:timing>
+</p:sld>
+</file>
+
+<file path=ppt/slides/slide7.xml><?xml version="1.0" encoding="utf-8"?>
+<p:sld xmlns:a="http://schemas.openxmlformats.org/drawingml/2006/main" xmlns:r="http://schemas.openxmlformats.org/officeDocument/2006/relationships" xmlns:p="http://schemas.openxmlformats.org/presentationml/2006/main">
+  <p:cSld>
+    <p:bg>
+      <p:bgPr>
+        <a:blipFill>
+          <a:blip r:embed="rId3">
+            <a:alphaModFix/>
+          </a:blip>
+          <a:stretch>
+            <a:fillRect/>
+          </a:stretch>
+        </a:blipFill>
+        <a:effectLst/>
+      </p:bgPr>
+    </p:bg>
+    <p:spTree>
+      <p:nvGrpSpPr>
+        <p:cNvPr id="1" name="Shape 267"/>
+        <p:cNvGrpSpPr/>
+        <p:nvPr/>
+      </p:nvGrpSpPr>
+      <p:grpSpPr>
+        <a:xfrm>
+          <a:off x="0" y="0"/>
+          <a:ext cx="0" cy="0"/>
+          <a:chOff x="0" y="0"/>
+          <a:chExt cx="0" cy="0"/>
+        </a:xfrm>
+      </p:grpSpPr>
+      <p:sp>
+        <p:nvSpPr>
+          <p:cNvPr id="268" name="Google Shape;268;p35"/>
+          <p:cNvSpPr txBox="1">
+            <a:spLocks noGrp="1"/>
+          </p:cNvSpPr>
+          <p:nvPr>
+            <p:ph type="title"/>
+          </p:nvPr>
+        </p:nvSpPr>
+        <p:spPr>
+          <a:xfrm>
+            <a:off x="449329" y="2538430"/>
+            <a:ext cx="7704000" cy="572700"/>
+          </a:xfrm>
+          <a:prstGeom prst="rect">
+            <a:avLst/>
+          </a:prstGeom>
+        </p:spPr>
+        <p:txBody>
+          <a:bodyPr spcFirstLastPara="1" wrap="square" lIns="91425" tIns="91425" rIns="91425" bIns="91425" anchor="ctr" anchorCtr="0">
+            <a:noAutofit/>
+          </a:bodyPr>
+          <a:lstStyle/>
+          <a:p>
+            <a:pPr marL="0" lvl="0" indent="0" algn="ctr" rtl="0">
+              <a:spcBef>
+                <a:spcPts val="0"/>
+              </a:spcBef>
+              <a:spcAft>
+                <a:spcPts val="0"/>
+              </a:spcAft>
+              <a:buNone/>
+            </a:pPr>
+            <a:r>
+              <a:rPr lang="en" dirty="0"/>
+              <a:t>Demo</a:t>
+            </a:r>
+            <a:br>
+              <a:rPr lang="en" dirty="0"/>
+            </a:br>
+            <a:endParaRPr dirty="0">
+              <a:solidFill>
+                <a:schemeClr val="dk1"/>
+              </a:solidFill>
+            </a:endParaRPr>
+          </a:p>
+        </p:txBody>
+      </p:sp>
+      <p:grpSp>
+        <p:nvGrpSpPr>
+          <p:cNvPr id="270" name="Google Shape;270;p35"/>
+          <p:cNvGrpSpPr/>
+          <p:nvPr/>
+        </p:nvGrpSpPr>
+        <p:grpSpPr>
+          <a:xfrm flipH="1">
+            <a:off x="1776529" y="2913403"/>
+            <a:ext cx="5306225" cy="398700"/>
+            <a:chOff x="3141025" y="1914350"/>
+            <a:chExt cx="5306225" cy="398700"/>
+          </a:xfrm>
+        </p:grpSpPr>
+        <p:cxnSp>
+          <p:nvCxnSpPr>
+            <p:cNvPr id="271" name="Google Shape;271;p35"/>
+            <p:cNvCxnSpPr/>
+            <p:nvPr/>
+          </p:nvCxnSpPr>
+          <p:spPr>
+            <a:xfrm>
+              <a:off x="3397650" y="2113700"/>
+              <a:ext cx="5049600" cy="0"/>
+            </a:xfrm>
+            <a:prstGeom prst="straightConnector1">
+              <a:avLst/>
+            </a:prstGeom>
+            <a:noFill/>
+            <a:ln w="19050" cap="flat" cmpd="sng">
+              <a:solidFill>
+                <a:schemeClr val="accent2"/>
+              </a:solidFill>
+              <a:prstDash val="solid"/>
+              <a:round/>
+              <a:headEnd type="none" w="med" len="med"/>
+              <a:tailEnd type="none" w="med" len="med"/>
+            </a:ln>
+          </p:spPr>
+        </p:cxnSp>
+        <p:sp>
+          <p:nvSpPr>
+            <p:cNvPr id="272" name="Google Shape;272;p35"/>
+            <p:cNvSpPr/>
+            <p:nvPr/>
+          </p:nvSpPr>
+          <p:spPr>
+            <a:xfrm>
+              <a:off x="3141025" y="1914350"/>
+              <a:ext cx="398700" cy="398700"/>
+            </a:xfrm>
+            <a:prstGeom prst="star4">
+              <a:avLst>
+                <a:gd name="adj" fmla="val 12500"/>
+              </a:avLst>
+            </a:prstGeom>
+            <a:solidFill>
+              <a:schemeClr val="accent2"/>
+            </a:solidFill>
+            <a:ln>
+              <a:noFill/>
+            </a:ln>
+          </p:spPr>
+          <p:txBody>
+            <a:bodyPr spcFirstLastPara="1" wrap="square" lIns="91425" tIns="91425" rIns="91425" bIns="91425" anchor="ctr" anchorCtr="0">
+              <a:noAutofit/>
+            </a:bodyPr>
+            <a:lstStyle/>
+            <a:p>
+              <a:pPr marL="0" lvl="0" indent="0" algn="l" rtl="0">
+                <a:spcBef>
+                  <a:spcPts val="0"/>
+                </a:spcBef>
+                <a:spcAft>
+                  <a:spcPts val="0"/>
+                </a:spcAft>
+                <a:buNone/>
+              </a:pPr>
+              <a:endParaRPr/>
+            </a:p>
+          </p:txBody>
+        </p:sp>
+      </p:grpSp>
+      <p:grpSp>
+        <p:nvGrpSpPr>
+          <p:cNvPr id="280" name="Google Shape;280;p35"/>
+          <p:cNvGrpSpPr/>
+          <p:nvPr/>
+        </p:nvGrpSpPr>
+        <p:grpSpPr>
+          <a:xfrm flipH="1">
+            <a:off x="7715585" y="1398507"/>
+            <a:ext cx="301644" cy="302177"/>
+            <a:chOff x="6627300" y="1208300"/>
+            <a:chExt cx="268701" cy="269200"/>
+          </a:xfrm>
+        </p:grpSpPr>
+        <p:sp>
+          <p:nvSpPr>
+            <p:cNvPr id="281" name="Google Shape;281;p35"/>
+            <p:cNvSpPr/>
+            <p:nvPr/>
+          </p:nvSpPr>
+          <p:spPr>
+            <a:xfrm>
+              <a:off x="6627300" y="1208544"/>
+              <a:ext cx="268701" cy="268683"/>
+            </a:xfrm>
+            <a:custGeom>
+              <a:avLst/>
+              <a:gdLst/>
+              <a:ahLst/>
+              <a:cxnLst/>
+              <a:rect l="l" t="t" r="r" b="b"/>
+              <a:pathLst>
+                <a:path w="7415" h="7415" extrusionOk="0">
+                  <a:moveTo>
+                    <a:pt x="4541" y="459"/>
+                  </a:moveTo>
+                  <a:cubicBezTo>
+                    <a:pt x="6332" y="917"/>
+                    <a:pt x="7415" y="2749"/>
+                    <a:pt x="6957" y="4541"/>
+                  </a:cubicBezTo>
+                  <a:cubicBezTo>
+                    <a:pt x="6499" y="6332"/>
+                    <a:pt x="4687" y="7414"/>
+                    <a:pt x="2896" y="6956"/>
+                  </a:cubicBezTo>
+                  <a:cubicBezTo>
+                    <a:pt x="1084" y="6498"/>
+                    <a:pt x="1" y="4686"/>
+                    <a:pt x="459" y="2895"/>
+                  </a:cubicBezTo>
+                  <a:cubicBezTo>
+                    <a:pt x="917" y="1083"/>
+                    <a:pt x="2750" y="0"/>
+                    <a:pt x="4541" y="459"/>
+                  </a:cubicBezTo>
+                  <a:close/>
+                </a:path>
+              </a:pathLst>
+            </a:custGeom>
+            <a:gradFill>
+              <a:gsLst>
+                <a:gs pos="0">
+                  <a:schemeClr val="lt1"/>
+                </a:gs>
+                <a:gs pos="5000">
+                  <a:schemeClr val="lt1"/>
+                </a:gs>
+                <a:gs pos="10000">
+                  <a:schemeClr val="lt1"/>
+                </a:gs>
+                <a:gs pos="55000">
+                  <a:srgbClr val="FFFFFF">
+                    <a:alpha val="5490"/>
+                  </a:srgbClr>
+                </a:gs>
+                <a:gs pos="100000">
+                  <a:srgbClr val="FFFFFF">
+                    <a:alpha val="0"/>
+                  </a:srgbClr>
+                </a:gs>
+              </a:gsLst>
+              <a:path path="circle">
+                <a:fillToRect l="50000" t="50000" r="50000" b="50000"/>
+              </a:path>
+              <a:tileRect/>
+            </a:gradFill>
+            <a:ln>
+              <a:noFill/>
+            </a:ln>
+          </p:spPr>
+          <p:txBody>
+            <a:bodyPr spcFirstLastPara="1" wrap="square" lIns="91425" tIns="91425" rIns="91425" bIns="91425" anchor="ctr" anchorCtr="0">
+              <a:noAutofit/>
+            </a:bodyPr>
+            <a:lstStyle/>
+            <a:p>
+              <a:pPr marL="0" lvl="0" indent="0" algn="l" rtl="0">
+                <a:spcBef>
+                  <a:spcPts val="0"/>
+                </a:spcBef>
+                <a:spcAft>
+                  <a:spcPts val="0"/>
+                </a:spcAft>
+                <a:buNone/>
+              </a:pPr>
+              <a:endParaRPr/>
+            </a:p>
+          </p:txBody>
+        </p:sp>
+        <p:sp>
+          <p:nvSpPr>
+            <p:cNvPr id="282" name="Google Shape;282;p35"/>
+            <p:cNvSpPr/>
+            <p:nvPr/>
+          </p:nvSpPr>
+          <p:spPr>
+            <a:xfrm>
+              <a:off x="6627300" y="1302525"/>
+              <a:ext cx="268700" cy="80725"/>
+            </a:xfrm>
+            <a:custGeom>
+              <a:avLst/>
+              <a:gdLst/>
+              <a:ahLst/>
+              <a:cxnLst/>
+              <a:rect l="l" t="t" r="r" b="b"/>
+              <a:pathLst>
+                <a:path w="10748" h="3229" extrusionOk="0">
+                  <a:moveTo>
+                    <a:pt x="5499" y="1125"/>
+                  </a:moveTo>
+                  <a:cubicBezTo>
+                    <a:pt x="8435" y="1875"/>
+                    <a:pt x="10747" y="2687"/>
+                    <a:pt x="10685" y="2958"/>
+                  </a:cubicBezTo>
+                  <a:cubicBezTo>
+                    <a:pt x="10622" y="3229"/>
+                    <a:pt x="8185" y="2833"/>
+                    <a:pt x="5249" y="2083"/>
+                  </a:cubicBezTo>
+                  <a:cubicBezTo>
+                    <a:pt x="2313" y="1355"/>
+                    <a:pt x="1" y="522"/>
+                    <a:pt x="63" y="272"/>
+                  </a:cubicBezTo>
+                  <a:cubicBezTo>
+                    <a:pt x="126" y="1"/>
+                    <a:pt x="2562" y="376"/>
+                    <a:pt x="5499" y="1125"/>
+                  </a:cubicBezTo>
+                  <a:close/>
+                </a:path>
+              </a:pathLst>
+            </a:custGeom>
+            <a:gradFill>
+              <a:gsLst>
+                <a:gs pos="0">
+                  <a:schemeClr val="lt1">
+                    <a:alpha val="24320"/>
+                  </a:schemeClr>
+                </a:gs>
+                <a:gs pos="5000">
+                  <a:schemeClr val="lt1">
+                    <a:alpha val="24320"/>
+                  </a:schemeClr>
+                </a:gs>
+                <a:gs pos="41000">
+                  <a:schemeClr val="lt1">
+                    <a:alpha val="24320"/>
+                  </a:schemeClr>
+                </a:gs>
+                <a:gs pos="81000">
+                  <a:srgbClr val="FFFFFF">
+                    <a:alpha val="13333"/>
+                    <a:alpha val="24320"/>
+                  </a:srgbClr>
+                </a:gs>
+                <a:gs pos="100000">
+                  <a:srgbClr val="FFFFFF">
+                    <a:alpha val="13333"/>
+                    <a:alpha val="24320"/>
+                  </a:srgbClr>
+                </a:gs>
+              </a:gsLst>
+              <a:path path="circle">
+                <a:fillToRect l="50000" t="50000" r="50000" b="50000"/>
+              </a:path>
+              <a:tileRect/>
+            </a:gradFill>
+            <a:ln>
+              <a:noFill/>
+            </a:ln>
+          </p:spPr>
+          <p:txBody>
+            <a:bodyPr spcFirstLastPara="1" wrap="square" lIns="91425" tIns="91425" rIns="91425" bIns="91425" anchor="ctr" anchorCtr="0">
+              <a:noAutofit/>
+            </a:bodyPr>
+            <a:lstStyle/>
+            <a:p>
+              <a:pPr marL="0" lvl="0" indent="0" algn="l" rtl="0">
+                <a:spcBef>
+                  <a:spcPts val="0"/>
+                </a:spcBef>
+                <a:spcAft>
+                  <a:spcPts val="0"/>
+                </a:spcAft>
+                <a:buNone/>
+              </a:pPr>
+              <a:endParaRPr/>
+            </a:p>
+          </p:txBody>
+        </p:sp>
+        <p:sp>
+          <p:nvSpPr>
+            <p:cNvPr id="283" name="Google Shape;283;p35"/>
+            <p:cNvSpPr/>
+            <p:nvPr/>
+          </p:nvSpPr>
+          <p:spPr>
+            <a:xfrm>
+              <a:off x="6721550" y="1208300"/>
+              <a:ext cx="80725" cy="269200"/>
+            </a:xfrm>
+            <a:custGeom>
+              <a:avLst/>
+              <a:gdLst/>
+              <a:ahLst/>
+              <a:cxnLst/>
+              <a:rect l="l" t="t" r="r" b="b"/>
+              <a:pathLst>
+                <a:path w="3229" h="10768" extrusionOk="0">
+                  <a:moveTo>
+                    <a:pt x="2958" y="63"/>
+                  </a:moveTo>
+                  <a:cubicBezTo>
+                    <a:pt x="3228" y="125"/>
+                    <a:pt x="2833" y="2562"/>
+                    <a:pt x="2083" y="5498"/>
+                  </a:cubicBezTo>
+                  <a:cubicBezTo>
+                    <a:pt x="1333" y="8435"/>
+                    <a:pt x="521" y="10767"/>
+                    <a:pt x="250" y="10705"/>
+                  </a:cubicBezTo>
+                  <a:cubicBezTo>
+                    <a:pt x="0" y="10622"/>
+                    <a:pt x="375" y="8185"/>
+                    <a:pt x="1125" y="5249"/>
+                  </a:cubicBezTo>
+                  <a:cubicBezTo>
+                    <a:pt x="1875" y="2333"/>
+                    <a:pt x="2687" y="0"/>
+                    <a:pt x="2958" y="63"/>
+                  </a:cubicBezTo>
+                  <a:close/>
+                </a:path>
+              </a:pathLst>
+            </a:custGeom>
+            <a:gradFill>
+              <a:gsLst>
+                <a:gs pos="0">
+                  <a:schemeClr val="lt1">
+                    <a:alpha val="24320"/>
+                  </a:schemeClr>
+                </a:gs>
+                <a:gs pos="5000">
+                  <a:schemeClr val="lt1">
+                    <a:alpha val="24320"/>
+                  </a:schemeClr>
+                </a:gs>
+                <a:gs pos="41000">
+                  <a:schemeClr val="lt1">
+                    <a:alpha val="24320"/>
+                  </a:schemeClr>
+                </a:gs>
+                <a:gs pos="81000">
+                  <a:srgbClr val="FFFFFF">
+                    <a:alpha val="13333"/>
+                    <a:alpha val="24320"/>
+                  </a:srgbClr>
+                </a:gs>
+                <a:gs pos="100000">
+                  <a:srgbClr val="FFFFFF">
+                    <a:alpha val="13333"/>
+                    <a:alpha val="24320"/>
+                  </a:srgbClr>
+                </a:gs>
+              </a:gsLst>
+              <a:path path="circle">
+                <a:fillToRect l="50000" t="50000" r="50000" b="50000"/>
+              </a:path>
+              <a:tileRect/>
+            </a:gradFill>
+            <a:ln>
+              <a:noFill/>
+            </a:ln>
+          </p:spPr>
+          <p:txBody>
+            <a:bodyPr spcFirstLastPara="1" wrap="square" lIns="91425" tIns="91425" rIns="91425" bIns="91425" anchor="ctr" anchorCtr="0">
+              <a:noAutofit/>
+            </a:bodyPr>
+            <a:lstStyle/>
+            <a:p>
+              <a:pPr marL="0" lvl="0" indent="0" algn="l" rtl="0">
+                <a:spcBef>
+                  <a:spcPts val="0"/>
+                </a:spcBef>
+                <a:spcAft>
+                  <a:spcPts val="0"/>
+                </a:spcAft>
+                <a:buNone/>
+              </a:pPr>
+              <a:endParaRPr/>
+            </a:p>
+          </p:txBody>
+        </p:sp>
+      </p:grpSp>
+      <p:grpSp>
+        <p:nvGrpSpPr>
+          <p:cNvPr id="284" name="Google Shape;284;p35"/>
+          <p:cNvGrpSpPr/>
+          <p:nvPr/>
+        </p:nvGrpSpPr>
+        <p:grpSpPr>
+          <a:xfrm>
+            <a:off x="6334785" y="3010232"/>
+            <a:ext cx="301644" cy="302177"/>
+            <a:chOff x="6627300" y="1208300"/>
+            <a:chExt cx="268701" cy="269200"/>
+          </a:xfrm>
+        </p:grpSpPr>
+        <p:sp>
+          <p:nvSpPr>
+            <p:cNvPr id="285" name="Google Shape;285;p35"/>
+            <p:cNvSpPr/>
+            <p:nvPr/>
+          </p:nvSpPr>
+          <p:spPr>
+            <a:xfrm>
+              <a:off x="6627300" y="1208544"/>
+              <a:ext cx="268701" cy="268683"/>
+            </a:xfrm>
+            <a:custGeom>
+              <a:avLst/>
+              <a:gdLst/>
+              <a:ahLst/>
+              <a:cxnLst/>
+              <a:rect l="l" t="t" r="r" b="b"/>
+              <a:pathLst>
+                <a:path w="7415" h="7415" extrusionOk="0">
+                  <a:moveTo>
+                    <a:pt x="4541" y="459"/>
+                  </a:moveTo>
+                  <a:cubicBezTo>
+                    <a:pt x="6332" y="917"/>
+                    <a:pt x="7415" y="2749"/>
+                    <a:pt x="6957" y="4541"/>
+                  </a:cubicBezTo>
+                  <a:cubicBezTo>
+                    <a:pt x="6499" y="6332"/>
+                    <a:pt x="4687" y="7414"/>
+                    <a:pt x="2896" y="6956"/>
+                  </a:cubicBezTo>
+                  <a:cubicBezTo>
+                    <a:pt x="1084" y="6498"/>
+                    <a:pt x="1" y="4686"/>
+                    <a:pt x="459" y="2895"/>
+                  </a:cubicBezTo>
+                  <a:cubicBezTo>
+                    <a:pt x="917" y="1083"/>
+                    <a:pt x="2750" y="0"/>
+                    <a:pt x="4541" y="459"/>
+                  </a:cubicBezTo>
+                  <a:close/>
+                </a:path>
+              </a:pathLst>
+            </a:custGeom>
+            <a:gradFill>
+              <a:gsLst>
+                <a:gs pos="0">
+                  <a:schemeClr val="lt1"/>
+                </a:gs>
+                <a:gs pos="5000">
+                  <a:schemeClr val="lt1"/>
+                </a:gs>
+                <a:gs pos="10000">
+                  <a:schemeClr val="lt1"/>
+                </a:gs>
+                <a:gs pos="55000">
+                  <a:srgbClr val="FFFFFF">
+                    <a:alpha val="5490"/>
+                  </a:srgbClr>
+                </a:gs>
+                <a:gs pos="100000">
+                  <a:srgbClr val="FFFFFF">
+                    <a:alpha val="0"/>
+                  </a:srgbClr>
+                </a:gs>
+              </a:gsLst>
+              <a:path path="circle">
+                <a:fillToRect l="50000" t="50000" r="50000" b="50000"/>
+              </a:path>
+              <a:tileRect/>
+            </a:gradFill>
+            <a:ln>
+              <a:noFill/>
+            </a:ln>
+          </p:spPr>
+          <p:txBody>
+            <a:bodyPr spcFirstLastPara="1" wrap="square" lIns="91425" tIns="91425" rIns="91425" bIns="91425" anchor="ctr" anchorCtr="0">
+              <a:noAutofit/>
+            </a:bodyPr>
+            <a:lstStyle/>
+            <a:p>
+              <a:pPr marL="0" lvl="0" indent="0" algn="l" rtl="0">
+                <a:spcBef>
+                  <a:spcPts val="0"/>
+                </a:spcBef>
+                <a:spcAft>
+                  <a:spcPts val="0"/>
+                </a:spcAft>
+                <a:buNone/>
+              </a:pPr>
+              <a:endParaRPr/>
+            </a:p>
+          </p:txBody>
+        </p:sp>
+        <p:sp>
+          <p:nvSpPr>
+            <p:cNvPr id="286" name="Google Shape;286;p35"/>
+            <p:cNvSpPr/>
+            <p:nvPr/>
+          </p:nvSpPr>
+          <p:spPr>
+            <a:xfrm>
+              <a:off x="6627300" y="1302525"/>
+              <a:ext cx="268700" cy="80725"/>
+            </a:xfrm>
+            <a:custGeom>
+              <a:avLst/>
+              <a:gdLst/>
+              <a:ahLst/>
+              <a:cxnLst/>
+              <a:rect l="l" t="t" r="r" b="b"/>
+              <a:pathLst>
+                <a:path w="10748" h="3229" extrusionOk="0">
+                  <a:moveTo>
+                    <a:pt x="5499" y="1125"/>
+                  </a:moveTo>
+                  <a:cubicBezTo>
+                    <a:pt x="8435" y="1875"/>
+                    <a:pt x="10747" y="2687"/>
+                    <a:pt x="10685" y="2958"/>
+                  </a:cubicBezTo>
+                  <a:cubicBezTo>
+                    <a:pt x="10622" y="3229"/>
+                    <a:pt x="8185" y="2833"/>
+                    <a:pt x="5249" y="2083"/>
+                  </a:cubicBezTo>
+                  <a:cubicBezTo>
+                    <a:pt x="2313" y="1355"/>
+                    <a:pt x="1" y="522"/>
+                    <a:pt x="63" y="272"/>
+                  </a:cubicBezTo>
+                  <a:cubicBezTo>
+                    <a:pt x="126" y="1"/>
+                    <a:pt x="2562" y="376"/>
+                    <a:pt x="5499" y="1125"/>
+                  </a:cubicBezTo>
+                  <a:close/>
+                </a:path>
+              </a:pathLst>
+            </a:custGeom>
+            <a:gradFill>
+              <a:gsLst>
+                <a:gs pos="0">
+                  <a:schemeClr val="lt1">
+                    <a:alpha val="24320"/>
+                  </a:schemeClr>
+                </a:gs>
+                <a:gs pos="5000">
+                  <a:schemeClr val="lt1">
+                    <a:alpha val="24320"/>
+                  </a:schemeClr>
+                </a:gs>
+                <a:gs pos="41000">
+                  <a:schemeClr val="lt1">
+                    <a:alpha val="24320"/>
+                  </a:schemeClr>
+                </a:gs>
+                <a:gs pos="81000">
+                  <a:srgbClr val="FFFFFF">
+                    <a:alpha val="13333"/>
+                    <a:alpha val="24320"/>
+                  </a:srgbClr>
+                </a:gs>
+                <a:gs pos="100000">
+                  <a:srgbClr val="FFFFFF">
+                    <a:alpha val="13333"/>
+                    <a:alpha val="24320"/>
+                  </a:srgbClr>
+                </a:gs>
+              </a:gsLst>
+              <a:path path="circle">
+                <a:fillToRect l="50000" t="50000" r="50000" b="50000"/>
+              </a:path>
+              <a:tileRect/>
+            </a:gradFill>
+            <a:ln>
+              <a:noFill/>
+            </a:ln>
+          </p:spPr>
+          <p:txBody>
+            <a:bodyPr spcFirstLastPara="1" wrap="square" lIns="91425" tIns="91425" rIns="91425" bIns="91425" anchor="ctr" anchorCtr="0">
+              <a:noAutofit/>
+            </a:bodyPr>
+            <a:lstStyle/>
+            <a:p>
+              <a:pPr marL="0" lvl="0" indent="0" algn="l" rtl="0">
+                <a:spcBef>
+                  <a:spcPts val="0"/>
+                </a:spcBef>
+                <a:spcAft>
+                  <a:spcPts val="0"/>
+                </a:spcAft>
+                <a:buNone/>
+              </a:pPr>
+              <a:endParaRPr/>
+            </a:p>
+          </p:txBody>
+        </p:sp>
+        <p:sp>
+          <p:nvSpPr>
+            <p:cNvPr id="287" name="Google Shape;287;p35"/>
+            <p:cNvSpPr/>
+            <p:nvPr/>
+          </p:nvSpPr>
+          <p:spPr>
+            <a:xfrm>
+              <a:off x="6721550" y="1208300"/>
+              <a:ext cx="80725" cy="269200"/>
+            </a:xfrm>
+            <a:custGeom>
+              <a:avLst/>
+              <a:gdLst/>
+              <a:ahLst/>
+              <a:cxnLst/>
+              <a:rect l="l" t="t" r="r" b="b"/>
+              <a:pathLst>
+                <a:path w="3229" h="10768" extrusionOk="0">
+                  <a:moveTo>
+                    <a:pt x="2958" y="63"/>
+                  </a:moveTo>
+                  <a:cubicBezTo>
+                    <a:pt x="3228" y="125"/>
+                    <a:pt x="2833" y="2562"/>
+                    <a:pt x="2083" y="5498"/>
+                  </a:cubicBezTo>
+                  <a:cubicBezTo>
+                    <a:pt x="1333" y="8435"/>
+                    <a:pt x="521" y="10767"/>
+                    <a:pt x="250" y="10705"/>
+                  </a:cubicBezTo>
+                  <a:cubicBezTo>
+                    <a:pt x="0" y="10622"/>
+                    <a:pt x="375" y="8185"/>
+                    <a:pt x="1125" y="5249"/>
+                  </a:cubicBezTo>
+                  <a:cubicBezTo>
+                    <a:pt x="1875" y="2333"/>
+                    <a:pt x="2687" y="0"/>
+                    <a:pt x="2958" y="63"/>
+                  </a:cubicBezTo>
+                  <a:close/>
+                </a:path>
+              </a:pathLst>
+            </a:custGeom>
+            <a:gradFill>
+              <a:gsLst>
+                <a:gs pos="0">
+                  <a:schemeClr val="lt1">
+                    <a:alpha val="24320"/>
+                  </a:schemeClr>
+                </a:gs>
+                <a:gs pos="5000">
+                  <a:schemeClr val="lt1">
+                    <a:alpha val="24320"/>
+                  </a:schemeClr>
+                </a:gs>
+                <a:gs pos="41000">
+                  <a:schemeClr val="lt1">
+                    <a:alpha val="24320"/>
+                  </a:schemeClr>
+                </a:gs>
+                <a:gs pos="81000">
+                  <a:srgbClr val="FFFFFF">
+                    <a:alpha val="13333"/>
+                    <a:alpha val="24320"/>
+                  </a:srgbClr>
+                </a:gs>
+                <a:gs pos="100000">
+                  <a:srgbClr val="FFFFFF">
+                    <a:alpha val="13333"/>
+                    <a:alpha val="24320"/>
+                  </a:srgbClr>
+                </a:gs>
+              </a:gsLst>
+              <a:path path="circle">
+                <a:fillToRect l="50000" t="50000" r="50000" b="50000"/>
+              </a:path>
+              <a:tileRect/>
+            </a:gradFill>
+            <a:ln>
+              <a:noFill/>
+            </a:ln>
+          </p:spPr>
+          <p:txBody>
+            <a:bodyPr spcFirstLastPara="1" wrap="square" lIns="91425" tIns="91425" rIns="91425" bIns="91425" anchor="ctr" anchorCtr="0">
+              <a:noAutofit/>
+            </a:bodyPr>
+            <a:lstStyle/>
+            <a:p>
+              <a:pPr marL="0" lvl="0" indent="0" algn="l" rtl="0">
+                <a:spcBef>
+                  <a:spcPts val="0"/>
+                </a:spcBef>
+                <a:spcAft>
+                  <a:spcPts val="0"/>
+                </a:spcAft>
+                <a:buNone/>
+              </a:pPr>
+              <a:endParaRPr/>
+            </a:p>
+          </p:txBody>
+        </p:sp>
+      </p:grpSp>
+    </p:spTree>
+  </p:cSld>
+  <p:clrMapOvr>
+    <a:masterClrMapping/>
+  </p:clrMapOvr>
+  <mc:AlternateContent xmlns:mc="http://schemas.openxmlformats.org/markup-compatibility/2006" xmlns:p14="http://schemas.microsoft.com/office/powerpoint/2010/main">
+    <mc:Choice Requires="p14">
+      <p:transition spd="slow" p14:dur="3900">
+        <p14:glitter pattern="hexagon"/>
+      </p:transition>
+    </mc:Choice>
+    <mc:Fallback xmlns="">
+      <p:transition spd="slow">
+        <p:fade/>
+      </p:transition>
+    </mc:Fallback>
+  </mc:AlternateContent>
 </p:sld>
 </file>
 

--- a/Capstone Presentation.pptx
+++ b/Capstone Presentation.pptx
@@ -5,35 +5,36 @@
     <p:sldMasterId id="2147483676" r:id="rId1"/>
   </p:sldMasterIdLst>
   <p:notesMasterIdLst>
-    <p:notesMasterId r:id="rId9"/>
+    <p:notesMasterId r:id="rId10"/>
   </p:notesMasterIdLst>
   <p:sldIdLst>
     <p:sldId id="256" r:id="rId2"/>
     <p:sldId id="257" r:id="rId3"/>
-    <p:sldId id="258" r:id="rId4"/>
-    <p:sldId id="259" r:id="rId5"/>
-    <p:sldId id="262" r:id="rId6"/>
-    <p:sldId id="261" r:id="rId7"/>
-    <p:sldId id="260" r:id="rId8"/>
+    <p:sldId id="263" r:id="rId4"/>
+    <p:sldId id="258" r:id="rId5"/>
+    <p:sldId id="260" r:id="rId6"/>
+    <p:sldId id="259" r:id="rId7"/>
+    <p:sldId id="262" r:id="rId8"/>
+    <p:sldId id="261" r:id="rId9"/>
   </p:sldIdLst>
   <p:sldSz cx="9144000" cy="5143500" type="screen16x9"/>
   <p:notesSz cx="6858000" cy="9144000"/>
   <p:embeddedFontLst>
     <p:embeddedFont>
       <p:font typeface="DM Serif Display" pitchFamily="2" charset="0"/>
-      <p:regular r:id="rId10"/>
-      <p:italic r:id="rId11"/>
+      <p:regular r:id="rId11"/>
+      <p:italic r:id="rId12"/>
     </p:embeddedFont>
     <p:embeddedFont>
       <p:font typeface="Questrial" pitchFamily="2" charset="0"/>
-      <p:regular r:id="rId12"/>
+      <p:regular r:id="rId13"/>
     </p:embeddedFont>
     <p:embeddedFont>
       <p:font typeface="Trebuchet MS" panose="020B0603020202020204" pitchFamily="34" charset="0"/>
-      <p:regular r:id="rId13"/>
-      <p:bold r:id="rId14"/>
-      <p:italic r:id="rId15"/>
-      <p:boldItalic r:id="rId16"/>
+      <p:regular r:id="rId14"/>
+      <p:bold r:id="rId15"/>
+      <p:italic r:id="rId16"/>
+      <p:boldItalic r:id="rId17"/>
     </p:embeddedFont>
   </p:embeddedFontLst>
   <p:defaultTextStyle>
@@ -927,6 +928,115 @@
   <p:cSld>
     <p:spTree>
       <p:nvGrpSpPr>
+        <p:cNvPr id="1" name="Shape 179"/>
+        <p:cNvGrpSpPr/>
+        <p:nvPr/>
+      </p:nvGrpSpPr>
+      <p:grpSpPr>
+        <a:xfrm>
+          <a:off x="0" y="0"/>
+          <a:ext cx="0" cy="0"/>
+          <a:chOff x="0" y="0"/>
+          <a:chExt cx="0" cy="0"/>
+        </a:xfrm>
+      </p:grpSpPr>
+      <p:sp>
+        <p:nvSpPr>
+          <p:cNvPr id="180" name="Google Shape;180;ge4b7ac326b_0_1:notes"/>
+          <p:cNvSpPr>
+            <a:spLocks noGrp="1" noRot="1" noChangeAspect="1"/>
+          </p:cNvSpPr>
+          <p:nvPr>
+            <p:ph type="sldImg" idx="2"/>
+          </p:nvPr>
+        </p:nvSpPr>
+        <p:spPr>
+          <a:xfrm>
+            <a:off x="381000" y="685800"/>
+            <a:ext cx="6096000" cy="3429000"/>
+          </a:xfrm>
+          <a:custGeom>
+            <a:avLst/>
+            <a:gdLst/>
+            <a:ahLst/>
+            <a:cxnLst/>
+            <a:rect l="l" t="t" r="r" b="b"/>
+            <a:pathLst>
+              <a:path w="120000" h="120000" extrusionOk="0">
+                <a:moveTo>
+                  <a:pt x="0" y="0"/>
+                </a:moveTo>
+                <a:lnTo>
+                  <a:pt x="120000" y="0"/>
+                </a:lnTo>
+                <a:lnTo>
+                  <a:pt x="120000" y="120000"/>
+                </a:lnTo>
+                <a:lnTo>
+                  <a:pt x="0" y="120000"/>
+                </a:lnTo>
+                <a:close/>
+              </a:path>
+            </a:pathLst>
+          </a:custGeom>
+        </p:spPr>
+      </p:sp>
+      <p:sp>
+        <p:nvSpPr>
+          <p:cNvPr id="181" name="Google Shape;181;ge4b7ac326b_0_1:notes"/>
+          <p:cNvSpPr txBox="1">
+            <a:spLocks noGrp="1"/>
+          </p:cNvSpPr>
+          <p:nvPr>
+            <p:ph type="body" idx="1"/>
+          </p:nvPr>
+        </p:nvSpPr>
+        <p:spPr>
+          <a:xfrm>
+            <a:off x="685800" y="4343400"/>
+            <a:ext cx="5486400" cy="4114800"/>
+          </a:xfrm>
+          <a:prstGeom prst="rect">
+            <a:avLst/>
+          </a:prstGeom>
+        </p:spPr>
+        <p:txBody>
+          <a:bodyPr spcFirstLastPara="1" wrap="square" lIns="91425" tIns="91425" rIns="91425" bIns="91425" anchor="t" anchorCtr="0">
+            <a:noAutofit/>
+          </a:bodyPr>
+          <a:lstStyle/>
+          <a:p>
+            <a:pPr marL="0" lvl="0" indent="0" algn="l" rtl="0">
+              <a:spcBef>
+                <a:spcPts val="0"/>
+              </a:spcBef>
+              <a:spcAft>
+                <a:spcPts val="0"/>
+              </a:spcAft>
+              <a:buNone/>
+            </a:pPr>
+            <a:endParaRPr/>
+          </a:p>
+        </p:txBody>
+      </p:sp>
+    </p:spTree>
+    <p:extLst>
+      <p:ext uri="{BB962C8B-B14F-4D97-AF65-F5344CB8AC3E}">
+        <p14:creationId xmlns:p14="http://schemas.microsoft.com/office/powerpoint/2010/main" val="4097052161"/>
+      </p:ext>
+    </p:extLst>
+  </p:cSld>
+  <p:clrMapOvr>
+    <a:masterClrMapping/>
+  </p:clrMapOvr>
+</p:notes>
+</file>
+
+<file path=ppt/notesSlides/notesSlide4.xml><?xml version="1.0" encoding="utf-8"?>
+<p:notes xmlns:a="http://schemas.openxmlformats.org/drawingml/2006/main" xmlns:r="http://schemas.openxmlformats.org/officeDocument/2006/relationships" xmlns:p="http://schemas.openxmlformats.org/presentationml/2006/main" showMasterSp="0" showMasterPhAnim="0">
+  <p:cSld>
+    <p:spTree>
+      <p:nvGrpSpPr>
         <p:cNvPr id="1" name="Shape 191"/>
         <p:cNvGrpSpPr/>
         <p:nvPr/>
@@ -1026,7 +1136,111 @@
 </p:notes>
 </file>
 
-<file path=ppt/notesSlides/notesSlide4.xml><?xml version="1.0" encoding="utf-8"?>
+<file path=ppt/notesSlides/notesSlide5.xml><?xml version="1.0" encoding="utf-8"?>
+<p:notes xmlns:a="http://schemas.openxmlformats.org/drawingml/2006/main" xmlns:r="http://schemas.openxmlformats.org/officeDocument/2006/relationships" xmlns:p="http://schemas.openxmlformats.org/presentationml/2006/main" showMasterSp="0" showMasterPhAnim="0">
+  <p:cSld>
+    <p:spTree>
+      <p:nvGrpSpPr>
+        <p:cNvPr id="1" name="Shape 264"/>
+        <p:cNvGrpSpPr/>
+        <p:nvPr/>
+      </p:nvGrpSpPr>
+      <p:grpSpPr>
+        <a:xfrm>
+          <a:off x="0" y="0"/>
+          <a:ext cx="0" cy="0"/>
+          <a:chOff x="0" y="0"/>
+          <a:chExt cx="0" cy="0"/>
+        </a:xfrm>
+      </p:grpSpPr>
+      <p:sp>
+        <p:nvSpPr>
+          <p:cNvPr id="265" name="Google Shape;265;ge4b7ac326b_0_7:notes"/>
+          <p:cNvSpPr>
+            <a:spLocks noGrp="1" noRot="1" noChangeAspect="1"/>
+          </p:cNvSpPr>
+          <p:nvPr>
+            <p:ph type="sldImg" idx="2"/>
+          </p:nvPr>
+        </p:nvSpPr>
+        <p:spPr>
+          <a:xfrm>
+            <a:off x="381000" y="685800"/>
+            <a:ext cx="6096000" cy="3429000"/>
+          </a:xfrm>
+          <a:custGeom>
+            <a:avLst/>
+            <a:gdLst/>
+            <a:ahLst/>
+            <a:cxnLst/>
+            <a:rect l="l" t="t" r="r" b="b"/>
+            <a:pathLst>
+              <a:path w="120000" h="120000" extrusionOk="0">
+                <a:moveTo>
+                  <a:pt x="0" y="0"/>
+                </a:moveTo>
+                <a:lnTo>
+                  <a:pt x="120000" y="0"/>
+                </a:lnTo>
+                <a:lnTo>
+                  <a:pt x="120000" y="120000"/>
+                </a:lnTo>
+                <a:lnTo>
+                  <a:pt x="0" y="120000"/>
+                </a:lnTo>
+                <a:close/>
+              </a:path>
+            </a:pathLst>
+          </a:custGeom>
+        </p:spPr>
+      </p:sp>
+      <p:sp>
+        <p:nvSpPr>
+          <p:cNvPr id="266" name="Google Shape;266;ge4b7ac326b_0_7:notes"/>
+          <p:cNvSpPr txBox="1">
+            <a:spLocks noGrp="1"/>
+          </p:cNvSpPr>
+          <p:nvPr>
+            <p:ph type="body" idx="1"/>
+          </p:nvPr>
+        </p:nvSpPr>
+        <p:spPr>
+          <a:xfrm>
+            <a:off x="685800" y="4343400"/>
+            <a:ext cx="5486400" cy="4114800"/>
+          </a:xfrm>
+          <a:prstGeom prst="rect">
+            <a:avLst/>
+          </a:prstGeom>
+        </p:spPr>
+        <p:txBody>
+          <a:bodyPr spcFirstLastPara="1" wrap="square" lIns="91425" tIns="91425" rIns="91425" bIns="91425" anchor="t" anchorCtr="0">
+            <a:noAutofit/>
+          </a:bodyPr>
+          <a:lstStyle/>
+          <a:p>
+            <a:pPr marL="0" lvl="0" indent="0" algn="l" rtl="0">
+              <a:spcBef>
+                <a:spcPts val="0"/>
+              </a:spcBef>
+              <a:spcAft>
+                <a:spcPts val="0"/>
+              </a:spcAft>
+              <a:buNone/>
+            </a:pPr>
+            <a:endParaRPr/>
+          </a:p>
+        </p:txBody>
+      </p:sp>
+    </p:spTree>
+  </p:cSld>
+  <p:clrMapOvr>
+    <a:masterClrMapping/>
+  </p:clrMapOvr>
+</p:notes>
+</file>
+
+<file path=ppt/notesSlides/notesSlide6.xml><?xml version="1.0" encoding="utf-8"?>
 <p:notes xmlns:a="http://schemas.openxmlformats.org/drawingml/2006/main" xmlns:r="http://schemas.openxmlformats.org/officeDocument/2006/relationships" xmlns:p="http://schemas.openxmlformats.org/presentationml/2006/main" showMasterSp="0" showMasterPhAnim="0">
   <p:cSld>
     <p:spTree>
@@ -1130,7 +1344,7 @@
 </p:notes>
 </file>
 
-<file path=ppt/notesSlides/notesSlide5.xml><?xml version="1.0" encoding="utf-8"?>
+<file path=ppt/notesSlides/notesSlide7.xml><?xml version="1.0" encoding="utf-8"?>
 <p:notes xmlns:a="http://schemas.openxmlformats.org/drawingml/2006/main" xmlns:r="http://schemas.openxmlformats.org/officeDocument/2006/relationships" xmlns:p="http://schemas.openxmlformats.org/presentationml/2006/main" showMasterSp="0" showMasterPhAnim="0">
   <p:cSld>
     <p:spTree>
@@ -1232,110 +1446,6 @@
         <p14:creationId xmlns:p14="http://schemas.microsoft.com/office/powerpoint/2010/main" val="3152764163"/>
       </p:ext>
     </p:extLst>
-  </p:cSld>
-  <p:clrMapOvr>
-    <a:masterClrMapping/>
-  </p:clrMapOvr>
-</p:notes>
-</file>
-
-<file path=ppt/notesSlides/notesSlide6.xml><?xml version="1.0" encoding="utf-8"?>
-<p:notes xmlns:a="http://schemas.openxmlformats.org/drawingml/2006/main" xmlns:r="http://schemas.openxmlformats.org/officeDocument/2006/relationships" xmlns:p="http://schemas.openxmlformats.org/presentationml/2006/main" showMasterSp="0" showMasterPhAnim="0">
-  <p:cSld>
-    <p:spTree>
-      <p:nvGrpSpPr>
-        <p:cNvPr id="1" name="Shape 264"/>
-        <p:cNvGrpSpPr/>
-        <p:nvPr/>
-      </p:nvGrpSpPr>
-      <p:grpSpPr>
-        <a:xfrm>
-          <a:off x="0" y="0"/>
-          <a:ext cx="0" cy="0"/>
-          <a:chOff x="0" y="0"/>
-          <a:chExt cx="0" cy="0"/>
-        </a:xfrm>
-      </p:grpSpPr>
-      <p:sp>
-        <p:nvSpPr>
-          <p:cNvPr id="265" name="Google Shape;265;ge4b7ac326b_0_7:notes"/>
-          <p:cNvSpPr>
-            <a:spLocks noGrp="1" noRot="1" noChangeAspect="1"/>
-          </p:cNvSpPr>
-          <p:nvPr>
-            <p:ph type="sldImg" idx="2"/>
-          </p:nvPr>
-        </p:nvSpPr>
-        <p:spPr>
-          <a:xfrm>
-            <a:off x="381000" y="685800"/>
-            <a:ext cx="6096000" cy="3429000"/>
-          </a:xfrm>
-          <a:custGeom>
-            <a:avLst/>
-            <a:gdLst/>
-            <a:ahLst/>
-            <a:cxnLst/>
-            <a:rect l="l" t="t" r="r" b="b"/>
-            <a:pathLst>
-              <a:path w="120000" h="120000" extrusionOk="0">
-                <a:moveTo>
-                  <a:pt x="0" y="0"/>
-                </a:moveTo>
-                <a:lnTo>
-                  <a:pt x="120000" y="0"/>
-                </a:lnTo>
-                <a:lnTo>
-                  <a:pt x="120000" y="120000"/>
-                </a:lnTo>
-                <a:lnTo>
-                  <a:pt x="0" y="120000"/>
-                </a:lnTo>
-                <a:close/>
-              </a:path>
-            </a:pathLst>
-          </a:custGeom>
-        </p:spPr>
-      </p:sp>
-      <p:sp>
-        <p:nvSpPr>
-          <p:cNvPr id="266" name="Google Shape;266;ge4b7ac326b_0_7:notes"/>
-          <p:cNvSpPr txBox="1">
-            <a:spLocks noGrp="1"/>
-          </p:cNvSpPr>
-          <p:nvPr>
-            <p:ph type="body" idx="1"/>
-          </p:nvPr>
-        </p:nvSpPr>
-        <p:spPr>
-          <a:xfrm>
-            <a:off x="685800" y="4343400"/>
-            <a:ext cx="5486400" cy="4114800"/>
-          </a:xfrm>
-          <a:prstGeom prst="rect">
-            <a:avLst/>
-          </a:prstGeom>
-        </p:spPr>
-        <p:txBody>
-          <a:bodyPr spcFirstLastPara="1" wrap="square" lIns="91425" tIns="91425" rIns="91425" bIns="91425" anchor="t" anchorCtr="0">
-            <a:noAutofit/>
-          </a:bodyPr>
-          <a:lstStyle/>
-          <a:p>
-            <a:pPr marL="0" lvl="0" indent="0" algn="l" rtl="0">
-              <a:spcBef>
-                <a:spcPts val="0"/>
-              </a:spcBef>
-              <a:spcAft>
-                <a:spcPts val="0"/>
-              </a:spcAft>
-              <a:buNone/>
-            </a:pPr>
-            <a:endParaRPr/>
-          </a:p>
-        </p:txBody>
-      </p:sp>
-    </p:spTree>
   </p:cSld>
   <p:clrMapOvr>
     <a:masterClrMapping/>
@@ -6742,14 +6852,14 @@
             </a:pPr>
             <a:r>
               <a:rPr lang="en" sz="6200" dirty="0"/>
-              <a:t>Capstone</a:t>
+              <a:t>Candy Rush</a:t>
             </a:r>
             <a:br>
               <a:rPr lang="en" sz="6200" dirty="0"/>
             </a:br>
             <a:r>
               <a:rPr lang="en" sz="6200" dirty="0"/>
-              <a:t>Presentation</a:t>
+              <a:t>Grand Prix</a:t>
             </a:r>
             <a:br>
               <a:rPr lang="en" sz="6200" dirty="0"/>
@@ -8332,6 +8442,654 @@
 </file>
 
 <file path=ppt/slides/slide3.xml><?xml version="1.0" encoding="utf-8"?>
+<p:sld xmlns:a="http://schemas.openxmlformats.org/drawingml/2006/main" xmlns:r="http://schemas.openxmlformats.org/officeDocument/2006/relationships" xmlns:p="http://schemas.openxmlformats.org/presentationml/2006/main">
+  <p:cSld>
+    <p:bg>
+      <p:bgPr>
+        <a:blipFill>
+          <a:blip r:embed="rId3">
+            <a:alphaModFix/>
+          </a:blip>
+          <a:stretch>
+            <a:fillRect/>
+          </a:stretch>
+        </a:blipFill>
+        <a:effectLst/>
+      </p:bgPr>
+    </p:bg>
+    <p:spTree>
+      <p:nvGrpSpPr>
+        <p:cNvPr id="1" name="Shape 182"/>
+        <p:cNvGrpSpPr/>
+        <p:nvPr/>
+      </p:nvGrpSpPr>
+      <p:grpSpPr>
+        <a:xfrm>
+          <a:off x="0" y="0"/>
+          <a:ext cx="0" cy="0"/>
+          <a:chOff x="0" y="0"/>
+          <a:chExt cx="0" cy="0"/>
+        </a:xfrm>
+      </p:grpSpPr>
+      <p:sp>
+        <p:nvSpPr>
+          <p:cNvPr id="183" name="Google Shape;183;p32"/>
+          <p:cNvSpPr txBox="1">
+            <a:spLocks noGrp="1"/>
+          </p:cNvSpPr>
+          <p:nvPr>
+            <p:ph type="title"/>
+          </p:nvPr>
+        </p:nvSpPr>
+        <p:spPr>
+          <a:xfrm>
+            <a:off x="462231" y="683695"/>
+            <a:ext cx="8219538" cy="634079"/>
+          </a:xfrm>
+          <a:prstGeom prst="rect">
+            <a:avLst/>
+          </a:prstGeom>
+        </p:spPr>
+        <p:txBody>
+          <a:bodyPr spcFirstLastPara="1" wrap="square" lIns="91425" tIns="91425" rIns="91425" bIns="91425" anchor="ctr" anchorCtr="0">
+            <a:noAutofit/>
+          </a:bodyPr>
+          <a:lstStyle/>
+          <a:p>
+            <a:pPr algn="ctr"/>
+            <a:r>
+              <a:rPr lang="en-US" sz="2400" kern="100" dirty="0">
+                <a:effectLst/>
+                <a:latin typeface="Trebuchet MS" panose="020B0603020202020204" pitchFamily="34" charset="0"/>
+                <a:ea typeface="Trebuchet MS" panose="020B0603020202020204" pitchFamily="34" charset="0"/>
+                <a:cs typeface="Times New Roman" panose="02020603050405020304" pitchFamily="18" charset="0"/>
+              </a:rPr>
+              <a:t>What Inspired Me?</a:t>
+            </a:r>
+            <a:endParaRPr sz="2400" dirty="0"/>
+          </a:p>
+        </p:txBody>
+      </p:sp>
+      <p:grpSp>
+        <p:nvGrpSpPr>
+          <p:cNvPr id="188" name="Google Shape;188;p32"/>
+          <p:cNvGrpSpPr/>
+          <p:nvPr/>
+        </p:nvGrpSpPr>
+        <p:grpSpPr>
+          <a:xfrm flipH="1">
+            <a:off x="950821" y="1118424"/>
+            <a:ext cx="7034560" cy="398700"/>
+            <a:chOff x="3141025" y="1914350"/>
+            <a:chExt cx="5306225" cy="398700"/>
+          </a:xfrm>
+        </p:grpSpPr>
+        <p:cxnSp>
+          <p:nvCxnSpPr>
+            <p:cNvPr id="189" name="Google Shape;189;p32"/>
+            <p:cNvCxnSpPr/>
+            <p:nvPr/>
+          </p:nvCxnSpPr>
+          <p:spPr>
+            <a:xfrm>
+              <a:off x="3397650" y="2113700"/>
+              <a:ext cx="5049600" cy="0"/>
+            </a:xfrm>
+            <a:prstGeom prst="straightConnector1">
+              <a:avLst/>
+            </a:prstGeom>
+            <a:noFill/>
+            <a:ln w="19050" cap="flat" cmpd="sng">
+              <a:solidFill>
+                <a:schemeClr val="accent2"/>
+              </a:solidFill>
+              <a:prstDash val="solid"/>
+              <a:round/>
+              <a:headEnd type="none" w="med" len="med"/>
+              <a:tailEnd type="none" w="med" len="med"/>
+            </a:ln>
+          </p:spPr>
+        </p:cxnSp>
+        <p:sp>
+          <p:nvSpPr>
+            <p:cNvPr id="190" name="Google Shape;190;p32"/>
+            <p:cNvSpPr/>
+            <p:nvPr/>
+          </p:nvSpPr>
+          <p:spPr>
+            <a:xfrm>
+              <a:off x="3141025" y="1914350"/>
+              <a:ext cx="398700" cy="398700"/>
+            </a:xfrm>
+            <a:prstGeom prst="star4">
+              <a:avLst>
+                <a:gd name="adj" fmla="val 12500"/>
+              </a:avLst>
+            </a:prstGeom>
+            <a:solidFill>
+              <a:schemeClr val="accent2"/>
+            </a:solidFill>
+            <a:ln>
+              <a:noFill/>
+            </a:ln>
+          </p:spPr>
+          <p:txBody>
+            <a:bodyPr spcFirstLastPara="1" wrap="square" lIns="91425" tIns="91425" rIns="91425" bIns="91425" anchor="ctr" anchorCtr="0">
+              <a:noAutofit/>
+            </a:bodyPr>
+            <a:lstStyle/>
+            <a:p>
+              <a:pPr marL="0" lvl="0" indent="0" algn="l" rtl="0">
+                <a:spcBef>
+                  <a:spcPts val="0"/>
+                </a:spcBef>
+                <a:spcAft>
+                  <a:spcPts val="0"/>
+                </a:spcAft>
+                <a:buNone/>
+              </a:pPr>
+              <a:endParaRPr/>
+            </a:p>
+          </p:txBody>
+        </p:sp>
+      </p:grpSp>
+      <p:sp>
+        <p:nvSpPr>
+          <p:cNvPr id="3" name="Google Shape;183;p32">
+            <a:extLst>
+              <a:ext uri="{FF2B5EF4-FFF2-40B4-BE49-F238E27FC236}">
+                <a16:creationId xmlns:a16="http://schemas.microsoft.com/office/drawing/2014/main" id="{7EEBA2C2-4C09-2E83-4CE0-B8BB5B0D5CDE}"/>
+              </a:ext>
+            </a:extLst>
+          </p:cNvPr>
+          <p:cNvSpPr txBox="1">
+            <a:spLocks/>
+          </p:cNvSpPr>
+          <p:nvPr/>
+        </p:nvSpPr>
+        <p:spPr>
+          <a:xfrm>
+            <a:off x="372853" y="3360205"/>
+            <a:ext cx="8219538" cy="1100029"/>
+          </a:xfrm>
+          <a:prstGeom prst="rect">
+            <a:avLst/>
+          </a:prstGeom>
+          <a:noFill/>
+          <a:ln>
+            <a:noFill/>
+          </a:ln>
+        </p:spPr>
+        <p:txBody>
+          <a:bodyPr spcFirstLastPara="1" wrap="square" lIns="91425" tIns="91425" rIns="91425" bIns="91425" anchor="ctr" anchorCtr="0">
+            <a:noAutofit/>
+          </a:bodyPr>
+          <a:lstStyle>
+            <a:defPPr marR="0" lvl="0" algn="l" rtl="0">
+              <a:lnSpc>
+                <a:spcPct val="100000"/>
+              </a:lnSpc>
+              <a:spcBef>
+                <a:spcPts val="0"/>
+              </a:spcBef>
+              <a:spcAft>
+                <a:spcPts val="0"/>
+              </a:spcAft>
+            </a:defPPr>
+            <a:lvl1pPr marR="0" lvl="0" algn="l" rtl="0">
+              <a:lnSpc>
+                <a:spcPct val="100000"/>
+              </a:lnSpc>
+              <a:spcBef>
+                <a:spcPts val="0"/>
+              </a:spcBef>
+              <a:spcAft>
+                <a:spcPts val="0"/>
+              </a:spcAft>
+              <a:buClr>
+                <a:schemeClr val="dk2"/>
+              </a:buClr>
+              <a:buSzPts val="3500"/>
+              <a:buFont typeface="DM Serif Display"/>
+              <a:buNone/>
+              <a:defRPr sz="3500" b="1" i="1" u="none" strike="noStrike" cap="none">
+                <a:solidFill>
+                  <a:schemeClr val="dk2"/>
+                </a:solidFill>
+                <a:latin typeface="DM Serif Display"/>
+                <a:ea typeface="DM Serif Display"/>
+                <a:cs typeface="DM Serif Display"/>
+                <a:sym typeface="DM Serif Display"/>
+              </a:defRPr>
+            </a:lvl1pPr>
+            <a:lvl2pPr marR="0" lvl="1" algn="l" rtl="0">
+              <a:lnSpc>
+                <a:spcPct val="100000"/>
+              </a:lnSpc>
+              <a:spcBef>
+                <a:spcPts val="0"/>
+              </a:spcBef>
+              <a:spcAft>
+                <a:spcPts val="0"/>
+              </a:spcAft>
+              <a:buClr>
+                <a:schemeClr val="dk2"/>
+              </a:buClr>
+              <a:buSzPts val="3500"/>
+              <a:buFont typeface="DM Serif Display"/>
+              <a:buNone/>
+              <a:defRPr sz="3500" b="1" i="1" u="none" strike="noStrike" cap="none">
+                <a:solidFill>
+                  <a:schemeClr val="dk2"/>
+                </a:solidFill>
+                <a:latin typeface="DM Serif Display"/>
+                <a:ea typeface="DM Serif Display"/>
+                <a:cs typeface="DM Serif Display"/>
+                <a:sym typeface="DM Serif Display"/>
+              </a:defRPr>
+            </a:lvl2pPr>
+            <a:lvl3pPr marR="0" lvl="2" algn="l" rtl="0">
+              <a:lnSpc>
+                <a:spcPct val="100000"/>
+              </a:lnSpc>
+              <a:spcBef>
+                <a:spcPts val="0"/>
+              </a:spcBef>
+              <a:spcAft>
+                <a:spcPts val="0"/>
+              </a:spcAft>
+              <a:buClr>
+                <a:schemeClr val="dk2"/>
+              </a:buClr>
+              <a:buSzPts val="3500"/>
+              <a:buFont typeface="DM Serif Display"/>
+              <a:buNone/>
+              <a:defRPr sz="3500" b="1" i="1" u="none" strike="noStrike" cap="none">
+                <a:solidFill>
+                  <a:schemeClr val="dk2"/>
+                </a:solidFill>
+                <a:latin typeface="DM Serif Display"/>
+                <a:ea typeface="DM Serif Display"/>
+                <a:cs typeface="DM Serif Display"/>
+                <a:sym typeface="DM Serif Display"/>
+              </a:defRPr>
+            </a:lvl3pPr>
+            <a:lvl4pPr marR="0" lvl="3" algn="l" rtl="0">
+              <a:lnSpc>
+                <a:spcPct val="100000"/>
+              </a:lnSpc>
+              <a:spcBef>
+                <a:spcPts val="0"/>
+              </a:spcBef>
+              <a:spcAft>
+                <a:spcPts val="0"/>
+              </a:spcAft>
+              <a:buClr>
+                <a:schemeClr val="dk2"/>
+              </a:buClr>
+              <a:buSzPts val="3500"/>
+              <a:buFont typeface="DM Serif Display"/>
+              <a:buNone/>
+              <a:defRPr sz="3500" b="1" i="1" u="none" strike="noStrike" cap="none">
+                <a:solidFill>
+                  <a:schemeClr val="dk2"/>
+                </a:solidFill>
+                <a:latin typeface="DM Serif Display"/>
+                <a:ea typeface="DM Serif Display"/>
+                <a:cs typeface="DM Serif Display"/>
+                <a:sym typeface="DM Serif Display"/>
+              </a:defRPr>
+            </a:lvl4pPr>
+            <a:lvl5pPr marR="0" lvl="4" algn="l" rtl="0">
+              <a:lnSpc>
+                <a:spcPct val="100000"/>
+              </a:lnSpc>
+              <a:spcBef>
+                <a:spcPts val="0"/>
+              </a:spcBef>
+              <a:spcAft>
+                <a:spcPts val="0"/>
+              </a:spcAft>
+              <a:buClr>
+                <a:schemeClr val="dk2"/>
+              </a:buClr>
+              <a:buSzPts val="3500"/>
+              <a:buFont typeface="DM Serif Display"/>
+              <a:buNone/>
+              <a:defRPr sz="3500" b="1" i="1" u="none" strike="noStrike" cap="none">
+                <a:solidFill>
+                  <a:schemeClr val="dk2"/>
+                </a:solidFill>
+                <a:latin typeface="DM Serif Display"/>
+                <a:ea typeface="DM Serif Display"/>
+                <a:cs typeface="DM Serif Display"/>
+                <a:sym typeface="DM Serif Display"/>
+              </a:defRPr>
+            </a:lvl5pPr>
+            <a:lvl6pPr marR="0" lvl="5" algn="l" rtl="0">
+              <a:lnSpc>
+                <a:spcPct val="100000"/>
+              </a:lnSpc>
+              <a:spcBef>
+                <a:spcPts val="0"/>
+              </a:spcBef>
+              <a:spcAft>
+                <a:spcPts val="0"/>
+              </a:spcAft>
+              <a:buClr>
+                <a:schemeClr val="dk2"/>
+              </a:buClr>
+              <a:buSzPts val="3500"/>
+              <a:buFont typeface="DM Serif Display"/>
+              <a:buNone/>
+              <a:defRPr sz="3500" b="1" i="1" u="none" strike="noStrike" cap="none">
+                <a:solidFill>
+                  <a:schemeClr val="dk2"/>
+                </a:solidFill>
+                <a:latin typeface="DM Serif Display"/>
+                <a:ea typeface="DM Serif Display"/>
+                <a:cs typeface="DM Serif Display"/>
+                <a:sym typeface="DM Serif Display"/>
+              </a:defRPr>
+            </a:lvl6pPr>
+            <a:lvl7pPr marR="0" lvl="6" algn="l" rtl="0">
+              <a:lnSpc>
+                <a:spcPct val="100000"/>
+              </a:lnSpc>
+              <a:spcBef>
+                <a:spcPts val="0"/>
+              </a:spcBef>
+              <a:spcAft>
+                <a:spcPts val="0"/>
+              </a:spcAft>
+              <a:buClr>
+                <a:schemeClr val="dk2"/>
+              </a:buClr>
+              <a:buSzPts val="3500"/>
+              <a:buFont typeface="DM Serif Display"/>
+              <a:buNone/>
+              <a:defRPr sz="3500" b="1" i="1" u="none" strike="noStrike" cap="none">
+                <a:solidFill>
+                  <a:schemeClr val="dk2"/>
+                </a:solidFill>
+                <a:latin typeface="DM Serif Display"/>
+                <a:ea typeface="DM Serif Display"/>
+                <a:cs typeface="DM Serif Display"/>
+                <a:sym typeface="DM Serif Display"/>
+              </a:defRPr>
+            </a:lvl7pPr>
+            <a:lvl8pPr marR="0" lvl="7" algn="l" rtl="0">
+              <a:lnSpc>
+                <a:spcPct val="100000"/>
+              </a:lnSpc>
+              <a:spcBef>
+                <a:spcPts val="0"/>
+              </a:spcBef>
+              <a:spcAft>
+                <a:spcPts val="0"/>
+              </a:spcAft>
+              <a:buClr>
+                <a:schemeClr val="dk2"/>
+              </a:buClr>
+              <a:buSzPts val="3500"/>
+              <a:buFont typeface="DM Serif Display"/>
+              <a:buNone/>
+              <a:defRPr sz="3500" b="1" i="1" u="none" strike="noStrike" cap="none">
+                <a:solidFill>
+                  <a:schemeClr val="dk2"/>
+                </a:solidFill>
+                <a:latin typeface="DM Serif Display"/>
+                <a:ea typeface="DM Serif Display"/>
+                <a:cs typeface="DM Serif Display"/>
+                <a:sym typeface="DM Serif Display"/>
+              </a:defRPr>
+            </a:lvl8pPr>
+            <a:lvl9pPr marR="0" lvl="8" algn="l" rtl="0">
+              <a:lnSpc>
+                <a:spcPct val="100000"/>
+              </a:lnSpc>
+              <a:spcBef>
+                <a:spcPts val="0"/>
+              </a:spcBef>
+              <a:spcAft>
+                <a:spcPts val="0"/>
+              </a:spcAft>
+              <a:buClr>
+                <a:schemeClr val="dk2"/>
+              </a:buClr>
+              <a:buSzPts val="3500"/>
+              <a:buFont typeface="DM Serif Display"/>
+              <a:buNone/>
+              <a:defRPr sz="3500" b="1" i="1" u="none" strike="noStrike" cap="none">
+                <a:solidFill>
+                  <a:schemeClr val="dk2"/>
+                </a:solidFill>
+                <a:latin typeface="DM Serif Display"/>
+                <a:ea typeface="DM Serif Display"/>
+                <a:cs typeface="DM Serif Display"/>
+                <a:sym typeface="DM Serif Display"/>
+              </a:defRPr>
+            </a:lvl9pPr>
+          </a:lstStyle>
+          <a:p>
+            <a:endParaRPr lang="en-US" sz="2400" dirty="0"/>
+          </a:p>
+        </p:txBody>
+      </p:sp>
+      <p:pic>
+        <p:nvPicPr>
+          <p:cNvPr id="1026" name="Picture 2" descr="Game poster image">
+            <a:extLst>
+              <a:ext uri="{FF2B5EF4-FFF2-40B4-BE49-F238E27FC236}">
+                <a16:creationId xmlns:a16="http://schemas.microsoft.com/office/drawing/2014/main" id="{F5A69DEF-4527-EC0F-A968-24ECF648DCFB}"/>
+              </a:ext>
+            </a:extLst>
+          </p:cNvPr>
+          <p:cNvPicPr>
+            <a:picLocks noChangeAspect="1" noChangeArrowheads="1"/>
+          </p:cNvPicPr>
+          <p:nvPr/>
+        </p:nvPicPr>
+        <p:blipFill>
+          <a:blip r:embed="rId4">
+            <a:extLst>
+              <a:ext uri="{28A0092B-C50C-407E-A947-70E740481C1C}">
+                <a14:useLocalDpi xmlns:a14="http://schemas.microsoft.com/office/drawing/2010/main" val="0"/>
+              </a:ext>
+            </a:extLst>
+          </a:blip>
+          <a:srcRect/>
+          <a:stretch>
+            <a:fillRect/>
+          </a:stretch>
+        </p:blipFill>
+        <p:spPr bwMode="auto">
+          <a:xfrm>
+            <a:off x="253545" y="1914999"/>
+            <a:ext cx="2142651" cy="2142651"/>
+          </a:xfrm>
+          <a:prstGeom prst="rect">
+            <a:avLst/>
+          </a:prstGeom>
+          <a:noFill/>
+          <a:extLst>
+            <a:ext uri="{909E8E84-426E-40DD-AFC4-6F175D3DCCD1}">
+              <a14:hiddenFill xmlns:a14="http://schemas.microsoft.com/office/drawing/2010/main">
+                <a:solidFill>
+                  <a:srgbClr val="FFFFFF"/>
+                </a:solidFill>
+              </a14:hiddenFill>
+            </a:ext>
+          </a:extLst>
+        </p:spPr>
+      </p:pic>
+      <p:pic>
+        <p:nvPicPr>
+          <p:cNvPr id="1028" name="Picture 4" descr="Game poster image">
+            <a:extLst>
+              <a:ext uri="{FF2B5EF4-FFF2-40B4-BE49-F238E27FC236}">
+                <a16:creationId xmlns:a16="http://schemas.microsoft.com/office/drawing/2014/main" id="{89EF28BD-6DB9-4C20-93E5-24EAE68F7927}"/>
+              </a:ext>
+            </a:extLst>
+          </p:cNvPr>
+          <p:cNvPicPr>
+            <a:picLocks noChangeAspect="1" noChangeArrowheads="1"/>
+          </p:cNvPicPr>
+          <p:nvPr/>
+        </p:nvPicPr>
+        <p:blipFill>
+          <a:blip r:embed="rId5">
+            <a:extLst>
+              <a:ext uri="{28A0092B-C50C-407E-A947-70E740481C1C}">
+                <a14:useLocalDpi xmlns:a14="http://schemas.microsoft.com/office/drawing/2010/main" val="0"/>
+              </a:ext>
+            </a:extLst>
+          </a:blip>
+          <a:srcRect/>
+          <a:stretch>
+            <a:fillRect/>
+          </a:stretch>
+        </p:blipFill>
+        <p:spPr bwMode="auto">
+          <a:xfrm>
+            <a:off x="3006365" y="1766922"/>
+            <a:ext cx="2374575" cy="2374575"/>
+          </a:xfrm>
+          <a:prstGeom prst="rect">
+            <a:avLst/>
+          </a:prstGeom>
+          <a:noFill/>
+          <a:extLst>
+            <a:ext uri="{909E8E84-426E-40DD-AFC4-6F175D3DCCD1}">
+              <a14:hiddenFill xmlns:a14="http://schemas.microsoft.com/office/drawing/2010/main">
+                <a:solidFill>
+                  <a:srgbClr val="FFFFFF"/>
+                </a:solidFill>
+              </a14:hiddenFill>
+            </a:ext>
+          </a:extLst>
+        </p:spPr>
+      </p:pic>
+      <p:pic>
+        <p:nvPicPr>
+          <p:cNvPr id="1034" name="Picture 10" descr="Wreck-it Ralph: Sugar Rush Featurette ...">
+            <a:extLst>
+              <a:ext uri="{FF2B5EF4-FFF2-40B4-BE49-F238E27FC236}">
+                <a16:creationId xmlns:a16="http://schemas.microsoft.com/office/drawing/2014/main" id="{9BAC3116-97DB-B278-8AA6-742CD03E2B42}"/>
+              </a:ext>
+            </a:extLst>
+          </p:cNvPr>
+          <p:cNvPicPr>
+            <a:picLocks noChangeAspect="1" noChangeArrowheads="1"/>
+          </p:cNvPicPr>
+          <p:nvPr/>
+        </p:nvPicPr>
+        <p:blipFill>
+          <a:blip r:embed="rId6">
+            <a:extLst>
+              <a:ext uri="{28A0092B-C50C-407E-A947-70E740481C1C}">
+                <a14:useLocalDpi xmlns:a14="http://schemas.microsoft.com/office/drawing/2010/main" val="0"/>
+              </a:ext>
+            </a:extLst>
+          </a:blip>
+          <a:srcRect/>
+          <a:stretch>
+            <a:fillRect/>
+          </a:stretch>
+        </p:blipFill>
+        <p:spPr bwMode="auto">
+          <a:xfrm>
+            <a:off x="5530106" y="1421435"/>
+            <a:ext cx="3267075" cy="1400175"/>
+          </a:xfrm>
+          <a:prstGeom prst="rect">
+            <a:avLst/>
+          </a:prstGeom>
+          <a:noFill/>
+          <a:extLst>
+            <a:ext uri="{909E8E84-426E-40DD-AFC4-6F175D3DCCD1}">
+              <a14:hiddenFill xmlns:a14="http://schemas.microsoft.com/office/drawing/2010/main">
+                <a:solidFill>
+                  <a:srgbClr val="FFFFFF"/>
+                </a:solidFill>
+              </a14:hiddenFill>
+            </a:ext>
+          </a:extLst>
+        </p:spPr>
+      </p:pic>
+      <p:pic>
+        <p:nvPicPr>
+          <p:cNvPr id="1036" name="Picture 12" descr="Wreck-It Ralph - Welcome to Sugar Rush ...">
+            <a:extLst>
+              <a:ext uri="{FF2B5EF4-FFF2-40B4-BE49-F238E27FC236}">
+                <a16:creationId xmlns:a16="http://schemas.microsoft.com/office/drawing/2014/main" id="{4605B867-46BE-C5B7-A5BF-36C91373AD10}"/>
+              </a:ext>
+            </a:extLst>
+          </p:cNvPr>
+          <p:cNvPicPr>
+            <a:picLocks noChangeAspect="1" noChangeArrowheads="1"/>
+          </p:cNvPicPr>
+          <p:nvPr/>
+        </p:nvPicPr>
+        <p:blipFill>
+          <a:blip r:embed="rId7">
+            <a:extLst>
+              <a:ext uri="{28A0092B-C50C-407E-A947-70E740481C1C}">
+                <a14:useLocalDpi xmlns:a14="http://schemas.microsoft.com/office/drawing/2010/main" val="0"/>
+              </a:ext>
+            </a:extLst>
+          </a:blip>
+          <a:srcRect/>
+          <a:stretch>
+            <a:fillRect/>
+          </a:stretch>
+        </p:blipFill>
+        <p:spPr bwMode="auto">
+          <a:xfrm>
+            <a:off x="5502110" y="2821610"/>
+            <a:ext cx="3305175" cy="1381125"/>
+          </a:xfrm>
+          <a:prstGeom prst="rect">
+            <a:avLst/>
+          </a:prstGeom>
+          <a:noFill/>
+          <a:extLst>
+            <a:ext uri="{909E8E84-426E-40DD-AFC4-6F175D3DCCD1}">
+              <a14:hiddenFill xmlns:a14="http://schemas.microsoft.com/office/drawing/2010/main">
+                <a:solidFill>
+                  <a:srgbClr val="FFFFFF"/>
+                </a:solidFill>
+              </a14:hiddenFill>
+            </a:ext>
+          </a:extLst>
+        </p:spPr>
+      </p:pic>
+    </p:spTree>
+    <p:extLst>
+      <p:ext uri="{BB962C8B-B14F-4D97-AF65-F5344CB8AC3E}">
+        <p14:creationId xmlns:p14="http://schemas.microsoft.com/office/powerpoint/2010/main" val="103342840"/>
+      </p:ext>
+    </p:extLst>
+  </p:cSld>
+  <p:clrMapOvr>
+    <a:masterClrMapping/>
+  </p:clrMapOvr>
+  <mc:AlternateContent xmlns:mc="http://schemas.openxmlformats.org/markup-compatibility/2006">
+    <mc:Choice xmlns:p14="http://schemas.microsoft.com/office/powerpoint/2010/main" Requires="p14">
+      <p:transition spd="slow" p14:dur="3900">
+        <p14:glitter pattern="hexagon"/>
+      </p:transition>
+    </mc:Choice>
+    <mc:Fallback>
+      <p:transition spd="slow">
+        <p:fade/>
+      </p:transition>
+    </mc:Fallback>
+  </mc:AlternateContent>
+</p:sld>
+</file>
+
+<file path=ppt/slides/slide4.xml><?xml version="1.0" encoding="utf-8"?>
 <p:sld xmlns:a="http://schemas.openxmlformats.org/drawingml/2006/main" xmlns:r="http://schemas.openxmlformats.org/officeDocument/2006/relationships" xmlns:p="http://schemas.openxmlformats.org/presentationml/2006/main">
   <p:cSld>
     <p:spTree>
@@ -10147,7 +10905,827 @@
 </p:sld>
 </file>
 
-<file path=ppt/slides/slide4.xml><?xml version="1.0" encoding="utf-8"?>
+<file path=ppt/slides/slide5.xml><?xml version="1.0" encoding="utf-8"?>
+<p:sld xmlns:a="http://schemas.openxmlformats.org/drawingml/2006/main" xmlns:r="http://schemas.openxmlformats.org/officeDocument/2006/relationships" xmlns:p="http://schemas.openxmlformats.org/presentationml/2006/main">
+  <p:cSld>
+    <p:bg>
+      <p:bgPr>
+        <a:blipFill>
+          <a:blip r:embed="rId3">
+            <a:alphaModFix/>
+          </a:blip>
+          <a:stretch>
+            <a:fillRect/>
+          </a:stretch>
+        </a:blipFill>
+        <a:effectLst/>
+      </p:bgPr>
+    </p:bg>
+    <p:spTree>
+      <p:nvGrpSpPr>
+        <p:cNvPr id="1" name="Shape 267"/>
+        <p:cNvGrpSpPr/>
+        <p:nvPr/>
+      </p:nvGrpSpPr>
+      <p:grpSpPr>
+        <a:xfrm>
+          <a:off x="0" y="0"/>
+          <a:ext cx="0" cy="0"/>
+          <a:chOff x="0" y="0"/>
+          <a:chExt cx="0" cy="0"/>
+        </a:xfrm>
+      </p:grpSpPr>
+      <p:sp>
+        <p:nvSpPr>
+          <p:cNvPr id="268" name="Google Shape;268;p35"/>
+          <p:cNvSpPr txBox="1">
+            <a:spLocks noGrp="1"/>
+          </p:cNvSpPr>
+          <p:nvPr>
+            <p:ph type="title"/>
+          </p:nvPr>
+        </p:nvSpPr>
+        <p:spPr>
+          <a:xfrm>
+            <a:off x="449329" y="2538430"/>
+            <a:ext cx="7704000" cy="572700"/>
+          </a:xfrm>
+          <a:prstGeom prst="rect">
+            <a:avLst/>
+          </a:prstGeom>
+        </p:spPr>
+        <p:txBody>
+          <a:bodyPr spcFirstLastPara="1" wrap="square" lIns="91425" tIns="91425" rIns="91425" bIns="91425" anchor="ctr" anchorCtr="0">
+            <a:noAutofit/>
+          </a:bodyPr>
+          <a:lstStyle/>
+          <a:p>
+            <a:pPr marL="0" lvl="0" indent="0" algn="ctr" rtl="0">
+              <a:spcBef>
+                <a:spcPts val="0"/>
+              </a:spcBef>
+              <a:spcAft>
+                <a:spcPts val="0"/>
+              </a:spcAft>
+              <a:buNone/>
+            </a:pPr>
+            <a:r>
+              <a:rPr lang="en" dirty="0"/>
+              <a:t>Demo</a:t>
+            </a:r>
+            <a:br>
+              <a:rPr lang="en" dirty="0"/>
+            </a:br>
+            <a:endParaRPr dirty="0">
+              <a:solidFill>
+                <a:schemeClr val="dk1"/>
+              </a:solidFill>
+            </a:endParaRPr>
+          </a:p>
+        </p:txBody>
+      </p:sp>
+      <p:grpSp>
+        <p:nvGrpSpPr>
+          <p:cNvPr id="270" name="Google Shape;270;p35"/>
+          <p:cNvGrpSpPr/>
+          <p:nvPr/>
+        </p:nvGrpSpPr>
+        <p:grpSpPr>
+          <a:xfrm flipH="1">
+            <a:off x="1776529" y="2913403"/>
+            <a:ext cx="5306225" cy="398700"/>
+            <a:chOff x="3141025" y="1914350"/>
+            <a:chExt cx="5306225" cy="398700"/>
+          </a:xfrm>
+        </p:grpSpPr>
+        <p:cxnSp>
+          <p:nvCxnSpPr>
+            <p:cNvPr id="271" name="Google Shape;271;p35"/>
+            <p:cNvCxnSpPr/>
+            <p:nvPr/>
+          </p:nvCxnSpPr>
+          <p:spPr>
+            <a:xfrm>
+              <a:off x="3397650" y="2113700"/>
+              <a:ext cx="5049600" cy="0"/>
+            </a:xfrm>
+            <a:prstGeom prst="straightConnector1">
+              <a:avLst/>
+            </a:prstGeom>
+            <a:noFill/>
+            <a:ln w="19050" cap="flat" cmpd="sng">
+              <a:solidFill>
+                <a:schemeClr val="accent2"/>
+              </a:solidFill>
+              <a:prstDash val="solid"/>
+              <a:round/>
+              <a:headEnd type="none" w="med" len="med"/>
+              <a:tailEnd type="none" w="med" len="med"/>
+            </a:ln>
+          </p:spPr>
+        </p:cxnSp>
+        <p:sp>
+          <p:nvSpPr>
+            <p:cNvPr id="272" name="Google Shape;272;p35"/>
+            <p:cNvSpPr/>
+            <p:nvPr/>
+          </p:nvSpPr>
+          <p:spPr>
+            <a:xfrm>
+              <a:off x="3141025" y="1914350"/>
+              <a:ext cx="398700" cy="398700"/>
+            </a:xfrm>
+            <a:prstGeom prst="star4">
+              <a:avLst>
+                <a:gd name="adj" fmla="val 12500"/>
+              </a:avLst>
+            </a:prstGeom>
+            <a:solidFill>
+              <a:schemeClr val="accent2"/>
+            </a:solidFill>
+            <a:ln>
+              <a:noFill/>
+            </a:ln>
+          </p:spPr>
+          <p:txBody>
+            <a:bodyPr spcFirstLastPara="1" wrap="square" lIns="91425" tIns="91425" rIns="91425" bIns="91425" anchor="ctr" anchorCtr="0">
+              <a:noAutofit/>
+            </a:bodyPr>
+            <a:lstStyle/>
+            <a:p>
+              <a:pPr marL="0" lvl="0" indent="0" algn="l" rtl="0">
+                <a:spcBef>
+                  <a:spcPts val="0"/>
+                </a:spcBef>
+                <a:spcAft>
+                  <a:spcPts val="0"/>
+                </a:spcAft>
+                <a:buNone/>
+              </a:pPr>
+              <a:endParaRPr/>
+            </a:p>
+          </p:txBody>
+        </p:sp>
+      </p:grpSp>
+      <p:grpSp>
+        <p:nvGrpSpPr>
+          <p:cNvPr id="280" name="Google Shape;280;p35"/>
+          <p:cNvGrpSpPr/>
+          <p:nvPr/>
+        </p:nvGrpSpPr>
+        <p:grpSpPr>
+          <a:xfrm flipH="1">
+            <a:off x="7715585" y="1398507"/>
+            <a:ext cx="301644" cy="302177"/>
+            <a:chOff x="6627300" y="1208300"/>
+            <a:chExt cx="268701" cy="269200"/>
+          </a:xfrm>
+        </p:grpSpPr>
+        <p:sp>
+          <p:nvSpPr>
+            <p:cNvPr id="281" name="Google Shape;281;p35"/>
+            <p:cNvSpPr/>
+            <p:nvPr/>
+          </p:nvSpPr>
+          <p:spPr>
+            <a:xfrm>
+              <a:off x="6627300" y="1208544"/>
+              <a:ext cx="268701" cy="268683"/>
+            </a:xfrm>
+            <a:custGeom>
+              <a:avLst/>
+              <a:gdLst/>
+              <a:ahLst/>
+              <a:cxnLst/>
+              <a:rect l="l" t="t" r="r" b="b"/>
+              <a:pathLst>
+                <a:path w="7415" h="7415" extrusionOk="0">
+                  <a:moveTo>
+                    <a:pt x="4541" y="459"/>
+                  </a:moveTo>
+                  <a:cubicBezTo>
+                    <a:pt x="6332" y="917"/>
+                    <a:pt x="7415" y="2749"/>
+                    <a:pt x="6957" y="4541"/>
+                  </a:cubicBezTo>
+                  <a:cubicBezTo>
+                    <a:pt x="6499" y="6332"/>
+                    <a:pt x="4687" y="7414"/>
+                    <a:pt x="2896" y="6956"/>
+                  </a:cubicBezTo>
+                  <a:cubicBezTo>
+                    <a:pt x="1084" y="6498"/>
+                    <a:pt x="1" y="4686"/>
+                    <a:pt x="459" y="2895"/>
+                  </a:cubicBezTo>
+                  <a:cubicBezTo>
+                    <a:pt x="917" y="1083"/>
+                    <a:pt x="2750" y="0"/>
+                    <a:pt x="4541" y="459"/>
+                  </a:cubicBezTo>
+                  <a:close/>
+                </a:path>
+              </a:pathLst>
+            </a:custGeom>
+            <a:gradFill>
+              <a:gsLst>
+                <a:gs pos="0">
+                  <a:schemeClr val="lt1"/>
+                </a:gs>
+                <a:gs pos="5000">
+                  <a:schemeClr val="lt1"/>
+                </a:gs>
+                <a:gs pos="10000">
+                  <a:schemeClr val="lt1"/>
+                </a:gs>
+                <a:gs pos="55000">
+                  <a:srgbClr val="FFFFFF">
+                    <a:alpha val="5490"/>
+                  </a:srgbClr>
+                </a:gs>
+                <a:gs pos="100000">
+                  <a:srgbClr val="FFFFFF">
+                    <a:alpha val="0"/>
+                  </a:srgbClr>
+                </a:gs>
+              </a:gsLst>
+              <a:path path="circle">
+                <a:fillToRect l="50000" t="50000" r="50000" b="50000"/>
+              </a:path>
+              <a:tileRect/>
+            </a:gradFill>
+            <a:ln>
+              <a:noFill/>
+            </a:ln>
+          </p:spPr>
+          <p:txBody>
+            <a:bodyPr spcFirstLastPara="1" wrap="square" lIns="91425" tIns="91425" rIns="91425" bIns="91425" anchor="ctr" anchorCtr="0">
+              <a:noAutofit/>
+            </a:bodyPr>
+            <a:lstStyle/>
+            <a:p>
+              <a:pPr marL="0" lvl="0" indent="0" algn="l" rtl="0">
+                <a:spcBef>
+                  <a:spcPts val="0"/>
+                </a:spcBef>
+                <a:spcAft>
+                  <a:spcPts val="0"/>
+                </a:spcAft>
+                <a:buNone/>
+              </a:pPr>
+              <a:endParaRPr/>
+            </a:p>
+          </p:txBody>
+        </p:sp>
+        <p:sp>
+          <p:nvSpPr>
+            <p:cNvPr id="282" name="Google Shape;282;p35"/>
+            <p:cNvSpPr/>
+            <p:nvPr/>
+          </p:nvSpPr>
+          <p:spPr>
+            <a:xfrm>
+              <a:off x="6627300" y="1302525"/>
+              <a:ext cx="268700" cy="80725"/>
+            </a:xfrm>
+            <a:custGeom>
+              <a:avLst/>
+              <a:gdLst/>
+              <a:ahLst/>
+              <a:cxnLst/>
+              <a:rect l="l" t="t" r="r" b="b"/>
+              <a:pathLst>
+                <a:path w="10748" h="3229" extrusionOk="0">
+                  <a:moveTo>
+                    <a:pt x="5499" y="1125"/>
+                  </a:moveTo>
+                  <a:cubicBezTo>
+                    <a:pt x="8435" y="1875"/>
+                    <a:pt x="10747" y="2687"/>
+                    <a:pt x="10685" y="2958"/>
+                  </a:cubicBezTo>
+                  <a:cubicBezTo>
+                    <a:pt x="10622" y="3229"/>
+                    <a:pt x="8185" y="2833"/>
+                    <a:pt x="5249" y="2083"/>
+                  </a:cubicBezTo>
+                  <a:cubicBezTo>
+                    <a:pt x="2313" y="1355"/>
+                    <a:pt x="1" y="522"/>
+                    <a:pt x="63" y="272"/>
+                  </a:cubicBezTo>
+                  <a:cubicBezTo>
+                    <a:pt x="126" y="1"/>
+                    <a:pt x="2562" y="376"/>
+                    <a:pt x="5499" y="1125"/>
+                  </a:cubicBezTo>
+                  <a:close/>
+                </a:path>
+              </a:pathLst>
+            </a:custGeom>
+            <a:gradFill>
+              <a:gsLst>
+                <a:gs pos="0">
+                  <a:schemeClr val="lt1">
+                    <a:alpha val="24320"/>
+                  </a:schemeClr>
+                </a:gs>
+                <a:gs pos="5000">
+                  <a:schemeClr val="lt1">
+                    <a:alpha val="24320"/>
+                  </a:schemeClr>
+                </a:gs>
+                <a:gs pos="41000">
+                  <a:schemeClr val="lt1">
+                    <a:alpha val="24320"/>
+                  </a:schemeClr>
+                </a:gs>
+                <a:gs pos="81000">
+                  <a:srgbClr val="FFFFFF">
+                    <a:alpha val="13333"/>
+                    <a:alpha val="24320"/>
+                  </a:srgbClr>
+                </a:gs>
+                <a:gs pos="100000">
+                  <a:srgbClr val="FFFFFF">
+                    <a:alpha val="13333"/>
+                    <a:alpha val="24320"/>
+                  </a:srgbClr>
+                </a:gs>
+              </a:gsLst>
+              <a:path path="circle">
+                <a:fillToRect l="50000" t="50000" r="50000" b="50000"/>
+              </a:path>
+              <a:tileRect/>
+            </a:gradFill>
+            <a:ln>
+              <a:noFill/>
+            </a:ln>
+          </p:spPr>
+          <p:txBody>
+            <a:bodyPr spcFirstLastPara="1" wrap="square" lIns="91425" tIns="91425" rIns="91425" bIns="91425" anchor="ctr" anchorCtr="0">
+              <a:noAutofit/>
+            </a:bodyPr>
+            <a:lstStyle/>
+            <a:p>
+              <a:pPr marL="0" lvl="0" indent="0" algn="l" rtl="0">
+                <a:spcBef>
+                  <a:spcPts val="0"/>
+                </a:spcBef>
+                <a:spcAft>
+                  <a:spcPts val="0"/>
+                </a:spcAft>
+                <a:buNone/>
+              </a:pPr>
+              <a:endParaRPr/>
+            </a:p>
+          </p:txBody>
+        </p:sp>
+        <p:sp>
+          <p:nvSpPr>
+            <p:cNvPr id="283" name="Google Shape;283;p35"/>
+            <p:cNvSpPr/>
+            <p:nvPr/>
+          </p:nvSpPr>
+          <p:spPr>
+            <a:xfrm>
+              <a:off x="6721550" y="1208300"/>
+              <a:ext cx="80725" cy="269200"/>
+            </a:xfrm>
+            <a:custGeom>
+              <a:avLst/>
+              <a:gdLst/>
+              <a:ahLst/>
+              <a:cxnLst/>
+              <a:rect l="l" t="t" r="r" b="b"/>
+              <a:pathLst>
+                <a:path w="3229" h="10768" extrusionOk="0">
+                  <a:moveTo>
+                    <a:pt x="2958" y="63"/>
+                  </a:moveTo>
+                  <a:cubicBezTo>
+                    <a:pt x="3228" y="125"/>
+                    <a:pt x="2833" y="2562"/>
+                    <a:pt x="2083" y="5498"/>
+                  </a:cubicBezTo>
+                  <a:cubicBezTo>
+                    <a:pt x="1333" y="8435"/>
+                    <a:pt x="521" y="10767"/>
+                    <a:pt x="250" y="10705"/>
+                  </a:cubicBezTo>
+                  <a:cubicBezTo>
+                    <a:pt x="0" y="10622"/>
+                    <a:pt x="375" y="8185"/>
+                    <a:pt x="1125" y="5249"/>
+                  </a:cubicBezTo>
+                  <a:cubicBezTo>
+                    <a:pt x="1875" y="2333"/>
+                    <a:pt x="2687" y="0"/>
+                    <a:pt x="2958" y="63"/>
+                  </a:cubicBezTo>
+                  <a:close/>
+                </a:path>
+              </a:pathLst>
+            </a:custGeom>
+            <a:gradFill>
+              <a:gsLst>
+                <a:gs pos="0">
+                  <a:schemeClr val="lt1">
+                    <a:alpha val="24320"/>
+                  </a:schemeClr>
+                </a:gs>
+                <a:gs pos="5000">
+                  <a:schemeClr val="lt1">
+                    <a:alpha val="24320"/>
+                  </a:schemeClr>
+                </a:gs>
+                <a:gs pos="41000">
+                  <a:schemeClr val="lt1">
+                    <a:alpha val="24320"/>
+                  </a:schemeClr>
+                </a:gs>
+                <a:gs pos="81000">
+                  <a:srgbClr val="FFFFFF">
+                    <a:alpha val="13333"/>
+                    <a:alpha val="24320"/>
+                  </a:srgbClr>
+                </a:gs>
+                <a:gs pos="100000">
+                  <a:srgbClr val="FFFFFF">
+                    <a:alpha val="13333"/>
+                    <a:alpha val="24320"/>
+                  </a:srgbClr>
+                </a:gs>
+              </a:gsLst>
+              <a:path path="circle">
+                <a:fillToRect l="50000" t="50000" r="50000" b="50000"/>
+              </a:path>
+              <a:tileRect/>
+            </a:gradFill>
+            <a:ln>
+              <a:noFill/>
+            </a:ln>
+          </p:spPr>
+          <p:txBody>
+            <a:bodyPr spcFirstLastPara="1" wrap="square" lIns="91425" tIns="91425" rIns="91425" bIns="91425" anchor="ctr" anchorCtr="0">
+              <a:noAutofit/>
+            </a:bodyPr>
+            <a:lstStyle/>
+            <a:p>
+              <a:pPr marL="0" lvl="0" indent="0" algn="l" rtl="0">
+                <a:spcBef>
+                  <a:spcPts val="0"/>
+                </a:spcBef>
+                <a:spcAft>
+                  <a:spcPts val="0"/>
+                </a:spcAft>
+                <a:buNone/>
+              </a:pPr>
+              <a:endParaRPr/>
+            </a:p>
+          </p:txBody>
+        </p:sp>
+      </p:grpSp>
+      <p:grpSp>
+        <p:nvGrpSpPr>
+          <p:cNvPr id="284" name="Google Shape;284;p35"/>
+          <p:cNvGrpSpPr/>
+          <p:nvPr/>
+        </p:nvGrpSpPr>
+        <p:grpSpPr>
+          <a:xfrm>
+            <a:off x="6334785" y="3010232"/>
+            <a:ext cx="301644" cy="302177"/>
+            <a:chOff x="6627300" y="1208300"/>
+            <a:chExt cx="268701" cy="269200"/>
+          </a:xfrm>
+        </p:grpSpPr>
+        <p:sp>
+          <p:nvSpPr>
+            <p:cNvPr id="285" name="Google Shape;285;p35"/>
+            <p:cNvSpPr/>
+            <p:nvPr/>
+          </p:nvSpPr>
+          <p:spPr>
+            <a:xfrm>
+              <a:off x="6627300" y="1208544"/>
+              <a:ext cx="268701" cy="268683"/>
+            </a:xfrm>
+            <a:custGeom>
+              <a:avLst/>
+              <a:gdLst/>
+              <a:ahLst/>
+              <a:cxnLst/>
+              <a:rect l="l" t="t" r="r" b="b"/>
+              <a:pathLst>
+                <a:path w="7415" h="7415" extrusionOk="0">
+                  <a:moveTo>
+                    <a:pt x="4541" y="459"/>
+                  </a:moveTo>
+                  <a:cubicBezTo>
+                    <a:pt x="6332" y="917"/>
+                    <a:pt x="7415" y="2749"/>
+                    <a:pt x="6957" y="4541"/>
+                  </a:cubicBezTo>
+                  <a:cubicBezTo>
+                    <a:pt x="6499" y="6332"/>
+                    <a:pt x="4687" y="7414"/>
+                    <a:pt x="2896" y="6956"/>
+                  </a:cubicBezTo>
+                  <a:cubicBezTo>
+                    <a:pt x="1084" y="6498"/>
+                    <a:pt x="1" y="4686"/>
+                    <a:pt x="459" y="2895"/>
+                  </a:cubicBezTo>
+                  <a:cubicBezTo>
+                    <a:pt x="917" y="1083"/>
+                    <a:pt x="2750" y="0"/>
+                    <a:pt x="4541" y="459"/>
+                  </a:cubicBezTo>
+                  <a:close/>
+                </a:path>
+              </a:pathLst>
+            </a:custGeom>
+            <a:gradFill>
+              <a:gsLst>
+                <a:gs pos="0">
+                  <a:schemeClr val="lt1"/>
+                </a:gs>
+                <a:gs pos="5000">
+                  <a:schemeClr val="lt1"/>
+                </a:gs>
+                <a:gs pos="10000">
+                  <a:schemeClr val="lt1"/>
+                </a:gs>
+                <a:gs pos="55000">
+                  <a:srgbClr val="FFFFFF">
+                    <a:alpha val="5490"/>
+                  </a:srgbClr>
+                </a:gs>
+                <a:gs pos="100000">
+                  <a:srgbClr val="FFFFFF">
+                    <a:alpha val="0"/>
+                  </a:srgbClr>
+                </a:gs>
+              </a:gsLst>
+              <a:path path="circle">
+                <a:fillToRect l="50000" t="50000" r="50000" b="50000"/>
+              </a:path>
+              <a:tileRect/>
+            </a:gradFill>
+            <a:ln>
+              <a:noFill/>
+            </a:ln>
+          </p:spPr>
+          <p:txBody>
+            <a:bodyPr spcFirstLastPara="1" wrap="square" lIns="91425" tIns="91425" rIns="91425" bIns="91425" anchor="ctr" anchorCtr="0">
+              <a:noAutofit/>
+            </a:bodyPr>
+            <a:lstStyle/>
+            <a:p>
+              <a:pPr marL="0" lvl="0" indent="0" algn="l" rtl="0">
+                <a:spcBef>
+                  <a:spcPts val="0"/>
+                </a:spcBef>
+                <a:spcAft>
+                  <a:spcPts val="0"/>
+                </a:spcAft>
+                <a:buNone/>
+              </a:pPr>
+              <a:endParaRPr/>
+            </a:p>
+          </p:txBody>
+        </p:sp>
+        <p:sp>
+          <p:nvSpPr>
+            <p:cNvPr id="286" name="Google Shape;286;p35"/>
+            <p:cNvSpPr/>
+            <p:nvPr/>
+          </p:nvSpPr>
+          <p:spPr>
+            <a:xfrm>
+              <a:off x="6627300" y="1302525"/>
+              <a:ext cx="268700" cy="80725"/>
+            </a:xfrm>
+            <a:custGeom>
+              <a:avLst/>
+              <a:gdLst/>
+              <a:ahLst/>
+              <a:cxnLst/>
+              <a:rect l="l" t="t" r="r" b="b"/>
+              <a:pathLst>
+                <a:path w="10748" h="3229" extrusionOk="0">
+                  <a:moveTo>
+                    <a:pt x="5499" y="1125"/>
+                  </a:moveTo>
+                  <a:cubicBezTo>
+                    <a:pt x="8435" y="1875"/>
+                    <a:pt x="10747" y="2687"/>
+                    <a:pt x="10685" y="2958"/>
+                  </a:cubicBezTo>
+                  <a:cubicBezTo>
+                    <a:pt x="10622" y="3229"/>
+                    <a:pt x="8185" y="2833"/>
+                    <a:pt x="5249" y="2083"/>
+                  </a:cubicBezTo>
+                  <a:cubicBezTo>
+                    <a:pt x="2313" y="1355"/>
+                    <a:pt x="1" y="522"/>
+                    <a:pt x="63" y="272"/>
+                  </a:cubicBezTo>
+                  <a:cubicBezTo>
+                    <a:pt x="126" y="1"/>
+                    <a:pt x="2562" y="376"/>
+                    <a:pt x="5499" y="1125"/>
+                  </a:cubicBezTo>
+                  <a:close/>
+                </a:path>
+              </a:pathLst>
+            </a:custGeom>
+            <a:gradFill>
+              <a:gsLst>
+                <a:gs pos="0">
+                  <a:schemeClr val="lt1">
+                    <a:alpha val="24320"/>
+                  </a:schemeClr>
+                </a:gs>
+                <a:gs pos="5000">
+                  <a:schemeClr val="lt1">
+                    <a:alpha val="24320"/>
+                  </a:schemeClr>
+                </a:gs>
+                <a:gs pos="41000">
+                  <a:schemeClr val="lt1">
+                    <a:alpha val="24320"/>
+                  </a:schemeClr>
+                </a:gs>
+                <a:gs pos="81000">
+                  <a:srgbClr val="FFFFFF">
+                    <a:alpha val="13333"/>
+                    <a:alpha val="24320"/>
+                  </a:srgbClr>
+                </a:gs>
+                <a:gs pos="100000">
+                  <a:srgbClr val="FFFFFF">
+                    <a:alpha val="13333"/>
+                    <a:alpha val="24320"/>
+                  </a:srgbClr>
+                </a:gs>
+              </a:gsLst>
+              <a:path path="circle">
+                <a:fillToRect l="50000" t="50000" r="50000" b="50000"/>
+              </a:path>
+              <a:tileRect/>
+            </a:gradFill>
+            <a:ln>
+              <a:noFill/>
+            </a:ln>
+          </p:spPr>
+          <p:txBody>
+            <a:bodyPr spcFirstLastPara="1" wrap="square" lIns="91425" tIns="91425" rIns="91425" bIns="91425" anchor="ctr" anchorCtr="0">
+              <a:noAutofit/>
+            </a:bodyPr>
+            <a:lstStyle/>
+            <a:p>
+              <a:pPr marL="0" lvl="0" indent="0" algn="l" rtl="0">
+                <a:spcBef>
+                  <a:spcPts val="0"/>
+                </a:spcBef>
+                <a:spcAft>
+                  <a:spcPts val="0"/>
+                </a:spcAft>
+                <a:buNone/>
+              </a:pPr>
+              <a:endParaRPr/>
+            </a:p>
+          </p:txBody>
+        </p:sp>
+        <p:sp>
+          <p:nvSpPr>
+            <p:cNvPr id="287" name="Google Shape;287;p35"/>
+            <p:cNvSpPr/>
+            <p:nvPr/>
+          </p:nvSpPr>
+          <p:spPr>
+            <a:xfrm>
+              <a:off x="6721550" y="1208300"/>
+              <a:ext cx="80725" cy="269200"/>
+            </a:xfrm>
+            <a:custGeom>
+              <a:avLst/>
+              <a:gdLst/>
+              <a:ahLst/>
+              <a:cxnLst/>
+              <a:rect l="l" t="t" r="r" b="b"/>
+              <a:pathLst>
+                <a:path w="3229" h="10768" extrusionOk="0">
+                  <a:moveTo>
+                    <a:pt x="2958" y="63"/>
+                  </a:moveTo>
+                  <a:cubicBezTo>
+                    <a:pt x="3228" y="125"/>
+                    <a:pt x="2833" y="2562"/>
+                    <a:pt x="2083" y="5498"/>
+                  </a:cubicBezTo>
+                  <a:cubicBezTo>
+                    <a:pt x="1333" y="8435"/>
+                    <a:pt x="521" y="10767"/>
+                    <a:pt x="250" y="10705"/>
+                  </a:cubicBezTo>
+                  <a:cubicBezTo>
+                    <a:pt x="0" y="10622"/>
+                    <a:pt x="375" y="8185"/>
+                    <a:pt x="1125" y="5249"/>
+                  </a:cubicBezTo>
+                  <a:cubicBezTo>
+                    <a:pt x="1875" y="2333"/>
+                    <a:pt x="2687" y="0"/>
+                    <a:pt x="2958" y="63"/>
+                  </a:cubicBezTo>
+                  <a:close/>
+                </a:path>
+              </a:pathLst>
+            </a:custGeom>
+            <a:gradFill>
+              <a:gsLst>
+                <a:gs pos="0">
+                  <a:schemeClr val="lt1">
+                    <a:alpha val="24320"/>
+                  </a:schemeClr>
+                </a:gs>
+                <a:gs pos="5000">
+                  <a:schemeClr val="lt1">
+                    <a:alpha val="24320"/>
+                  </a:schemeClr>
+                </a:gs>
+                <a:gs pos="41000">
+                  <a:schemeClr val="lt1">
+                    <a:alpha val="24320"/>
+                  </a:schemeClr>
+                </a:gs>
+                <a:gs pos="81000">
+                  <a:srgbClr val="FFFFFF">
+                    <a:alpha val="13333"/>
+                    <a:alpha val="24320"/>
+                  </a:srgbClr>
+                </a:gs>
+                <a:gs pos="100000">
+                  <a:srgbClr val="FFFFFF">
+                    <a:alpha val="13333"/>
+                    <a:alpha val="24320"/>
+                  </a:srgbClr>
+                </a:gs>
+              </a:gsLst>
+              <a:path path="circle">
+                <a:fillToRect l="50000" t="50000" r="50000" b="50000"/>
+              </a:path>
+              <a:tileRect/>
+            </a:gradFill>
+            <a:ln>
+              <a:noFill/>
+            </a:ln>
+          </p:spPr>
+          <p:txBody>
+            <a:bodyPr spcFirstLastPara="1" wrap="square" lIns="91425" tIns="91425" rIns="91425" bIns="91425" anchor="ctr" anchorCtr="0">
+              <a:noAutofit/>
+            </a:bodyPr>
+            <a:lstStyle/>
+            <a:p>
+              <a:pPr marL="0" lvl="0" indent="0" algn="l" rtl="0">
+                <a:spcBef>
+                  <a:spcPts val="0"/>
+                </a:spcBef>
+                <a:spcAft>
+                  <a:spcPts val="0"/>
+                </a:spcAft>
+                <a:buNone/>
+              </a:pPr>
+              <a:endParaRPr/>
+            </a:p>
+          </p:txBody>
+        </p:sp>
+      </p:grpSp>
+    </p:spTree>
+  </p:cSld>
+  <p:clrMapOvr>
+    <a:masterClrMapping/>
+  </p:clrMapOvr>
+  <mc:AlternateContent xmlns:mc="http://schemas.openxmlformats.org/markup-compatibility/2006" xmlns:p14="http://schemas.microsoft.com/office/powerpoint/2010/main">
+    <mc:Choice Requires="p14">
+      <p:transition spd="slow" p14:dur="3900">
+        <p14:glitter pattern="hexagon"/>
+      </p:transition>
+    </mc:Choice>
+    <mc:Fallback xmlns="">
+      <p:transition spd="slow">
+        <p:fade/>
+      </p:transition>
+    </mc:Fallback>
+  </mc:AlternateContent>
+</p:sld>
+</file>
+
+<file path=ppt/slides/slide6.xml><?xml version="1.0" encoding="utf-8"?>
 <p:sld xmlns:a="http://schemas.openxmlformats.org/drawingml/2006/main" xmlns:r="http://schemas.openxmlformats.org/officeDocument/2006/relationships" xmlns:p="http://schemas.openxmlformats.org/presentationml/2006/main">
   <p:cSld>
     <p:bg>
@@ -11150,8 +12728,8 @@
         </p:nvSpPr>
         <p:spPr>
           <a:xfrm>
-            <a:off x="1266596" y="1547386"/>
-            <a:ext cx="7018005" cy="3278995"/>
+            <a:off x="3152407" y="1818696"/>
+            <a:ext cx="5132194" cy="3007685"/>
           </a:xfrm>
           <a:prstGeom prst="rect">
             <a:avLst/>
@@ -11533,6 +13111,36 @@
           </a:p>
         </p:txBody>
       </p:sp>
+      <p:pic>
+        <p:nvPicPr>
+          <p:cNvPr id="4" name="Picture 3">
+            <a:extLst>
+              <a:ext uri="{FF2B5EF4-FFF2-40B4-BE49-F238E27FC236}">
+                <a16:creationId xmlns:a16="http://schemas.microsoft.com/office/drawing/2014/main" id="{B8715820-B9D2-DA8B-1E25-57F7F1D0B742}"/>
+              </a:ext>
+            </a:extLst>
+          </p:cNvPr>
+          <p:cNvPicPr>
+            <a:picLocks noChangeAspect="1"/>
+          </p:cNvPicPr>
+          <p:nvPr/>
+        </p:nvPicPr>
+        <p:blipFill>
+          <a:blip r:embed="rId4"/>
+          <a:stretch>
+            <a:fillRect/>
+          </a:stretch>
+        </p:blipFill>
+        <p:spPr>
+          <a:xfrm>
+            <a:off x="129253" y="878923"/>
+            <a:ext cx="2807149" cy="1269100"/>
+          </a:xfrm>
+          <a:prstGeom prst="rect">
+            <a:avLst/>
+          </a:prstGeom>
+        </p:spPr>
+      </p:pic>
     </p:spTree>
   </p:cSld>
   <p:clrMapOvr>
@@ -11670,7 +13278,7 @@
                             </p:stCondLst>
                             <p:childTnLst>
                               <p:par>
-                                <p:cTn id="12" presetID="42" presetClass="entr" presetSubtype="0" fill="hold" grpId="0" nodeType="clickEffect">
+                                <p:cTn id="12" presetID="6" presetClass="entr" presetSubtype="16" fill="hold" nodeType="clickEffect">
                                   <p:stCondLst>
                                     <p:cond delay="0"/>
                                   </p:stCondLst>
@@ -11678,6 +13286,59 @@
                                     <p:set>
                                       <p:cBhvr>
                                         <p:cTn id="13" dur="1" fill="hold">
+                                          <p:stCondLst>
+                                            <p:cond delay="0"/>
+                                          </p:stCondLst>
+                                        </p:cTn>
+                                        <p:tgtEl>
+                                          <p:spTgt spid="4"/>
+                                        </p:tgtEl>
+                                        <p:attrNameLst>
+                                          <p:attrName>style.visibility</p:attrName>
+                                        </p:attrNameLst>
+                                      </p:cBhvr>
+                                      <p:to>
+                                        <p:strVal val="visible"/>
+                                      </p:to>
+                                    </p:set>
+                                    <p:animEffect transition="in" filter="circle(in)">
+                                      <p:cBhvr>
+                                        <p:cTn id="14" dur="2000"/>
+                                        <p:tgtEl>
+                                          <p:spTgt spid="4"/>
+                                        </p:tgtEl>
+                                      </p:cBhvr>
+                                    </p:animEffect>
+                                  </p:childTnLst>
+                                </p:cTn>
+                              </p:par>
+                            </p:childTnLst>
+                          </p:cTn>
+                        </p:par>
+                      </p:childTnLst>
+                    </p:cTn>
+                  </p:par>
+                  <p:par>
+                    <p:cTn id="15" fill="hold">
+                      <p:stCondLst>
+                        <p:cond delay="indefinite"/>
+                      </p:stCondLst>
+                      <p:childTnLst>
+                        <p:par>
+                          <p:cTn id="16" fill="hold">
+                            <p:stCondLst>
+                              <p:cond delay="0"/>
+                            </p:stCondLst>
+                            <p:childTnLst>
+                              <p:par>
+                                <p:cTn id="17" presetID="42" presetClass="entr" presetSubtype="0" fill="hold" grpId="0" nodeType="clickEffect">
+                                  <p:stCondLst>
+                                    <p:cond delay="0"/>
+                                  </p:stCondLst>
+                                  <p:childTnLst>
+                                    <p:set>
+                                      <p:cBhvr>
+                                        <p:cTn id="18" dur="1" fill="hold">
                                           <p:stCondLst>
                                             <p:cond delay="0"/>
                                           </p:stCondLst>
@@ -11695,7 +13356,7 @@
                                     </p:set>
                                     <p:animEffect transition="in" filter="fade">
                                       <p:cBhvr>
-                                        <p:cTn id="14" dur="1000"/>
+                                        <p:cTn id="19" dur="1000"/>
                                         <p:tgtEl>
                                           <p:spTgt spid="2"/>
                                         </p:tgtEl>
@@ -11703,7 +13364,7 @@
                                     </p:animEffect>
                                     <p:anim calcmode="lin" valueType="num">
                                       <p:cBhvr>
-                                        <p:cTn id="15" dur="1000" fill="hold"/>
+                                        <p:cTn id="20" dur="1000" fill="hold"/>
                                         <p:tgtEl>
                                           <p:spTgt spid="2"/>
                                         </p:tgtEl>
@@ -11726,7 +13387,7 @@
                                     </p:anim>
                                     <p:anim calcmode="lin" valueType="num">
                                       <p:cBhvr>
-                                        <p:cTn id="16" dur="1000" fill="hold"/>
+                                        <p:cTn id="21" dur="1000" fill="hold"/>
                                         <p:tgtEl>
                                           <p:spTgt spid="2"/>
                                         </p:tgtEl>
@@ -11785,7 +13446,7 @@
 </p:sld>
 </file>
 
-<file path=ppt/slides/slide5.xml><?xml version="1.0" encoding="utf-8"?>
+<file path=ppt/slides/slide7.xml><?xml version="1.0" encoding="utf-8"?>
 <p:sld xmlns:a="http://schemas.openxmlformats.org/drawingml/2006/main" xmlns:r="http://schemas.openxmlformats.org/officeDocument/2006/relationships" xmlns:p="http://schemas.openxmlformats.org/presentationml/2006/main">
   <p:cSld>
     <p:bg>
@@ -13461,7 +15122,7 @@
 </p:sld>
 </file>
 
-<file path=ppt/slides/slide6.xml><?xml version="1.0" encoding="utf-8"?>
+<file path=ppt/slides/slide8.xml><?xml version="1.0" encoding="utf-8"?>
 <p:sld xmlns:a="http://schemas.openxmlformats.org/drawingml/2006/main" xmlns:r="http://schemas.openxmlformats.org/officeDocument/2006/relationships" xmlns:p="http://schemas.openxmlformats.org/presentationml/2006/main">
   <p:cSld>
     <p:spTree>
@@ -14404,826 +16065,6 @@
       <p:bldP spid="8" grpId="0"/>
     </p:bldLst>
   </p:timing>
-</p:sld>
-</file>
-
-<file path=ppt/slides/slide7.xml><?xml version="1.0" encoding="utf-8"?>
-<p:sld xmlns:a="http://schemas.openxmlformats.org/drawingml/2006/main" xmlns:r="http://schemas.openxmlformats.org/officeDocument/2006/relationships" xmlns:p="http://schemas.openxmlformats.org/presentationml/2006/main">
-  <p:cSld>
-    <p:bg>
-      <p:bgPr>
-        <a:blipFill>
-          <a:blip r:embed="rId3">
-            <a:alphaModFix/>
-          </a:blip>
-          <a:stretch>
-            <a:fillRect/>
-          </a:stretch>
-        </a:blipFill>
-        <a:effectLst/>
-      </p:bgPr>
-    </p:bg>
-    <p:spTree>
-      <p:nvGrpSpPr>
-        <p:cNvPr id="1" name="Shape 267"/>
-        <p:cNvGrpSpPr/>
-        <p:nvPr/>
-      </p:nvGrpSpPr>
-      <p:grpSpPr>
-        <a:xfrm>
-          <a:off x="0" y="0"/>
-          <a:ext cx="0" cy="0"/>
-          <a:chOff x="0" y="0"/>
-          <a:chExt cx="0" cy="0"/>
-        </a:xfrm>
-      </p:grpSpPr>
-      <p:sp>
-        <p:nvSpPr>
-          <p:cNvPr id="268" name="Google Shape;268;p35"/>
-          <p:cNvSpPr txBox="1">
-            <a:spLocks noGrp="1"/>
-          </p:cNvSpPr>
-          <p:nvPr>
-            <p:ph type="title"/>
-          </p:nvPr>
-        </p:nvSpPr>
-        <p:spPr>
-          <a:xfrm>
-            <a:off x="449329" y="2538430"/>
-            <a:ext cx="7704000" cy="572700"/>
-          </a:xfrm>
-          <a:prstGeom prst="rect">
-            <a:avLst/>
-          </a:prstGeom>
-        </p:spPr>
-        <p:txBody>
-          <a:bodyPr spcFirstLastPara="1" wrap="square" lIns="91425" tIns="91425" rIns="91425" bIns="91425" anchor="ctr" anchorCtr="0">
-            <a:noAutofit/>
-          </a:bodyPr>
-          <a:lstStyle/>
-          <a:p>
-            <a:pPr marL="0" lvl="0" indent="0" algn="ctr" rtl="0">
-              <a:spcBef>
-                <a:spcPts val="0"/>
-              </a:spcBef>
-              <a:spcAft>
-                <a:spcPts val="0"/>
-              </a:spcAft>
-              <a:buNone/>
-            </a:pPr>
-            <a:r>
-              <a:rPr lang="en" dirty="0"/>
-              <a:t>Demo</a:t>
-            </a:r>
-            <a:br>
-              <a:rPr lang="en" dirty="0"/>
-            </a:br>
-            <a:endParaRPr dirty="0">
-              <a:solidFill>
-                <a:schemeClr val="dk1"/>
-              </a:solidFill>
-            </a:endParaRPr>
-          </a:p>
-        </p:txBody>
-      </p:sp>
-      <p:grpSp>
-        <p:nvGrpSpPr>
-          <p:cNvPr id="270" name="Google Shape;270;p35"/>
-          <p:cNvGrpSpPr/>
-          <p:nvPr/>
-        </p:nvGrpSpPr>
-        <p:grpSpPr>
-          <a:xfrm flipH="1">
-            <a:off x="1776529" y="2913403"/>
-            <a:ext cx="5306225" cy="398700"/>
-            <a:chOff x="3141025" y="1914350"/>
-            <a:chExt cx="5306225" cy="398700"/>
-          </a:xfrm>
-        </p:grpSpPr>
-        <p:cxnSp>
-          <p:nvCxnSpPr>
-            <p:cNvPr id="271" name="Google Shape;271;p35"/>
-            <p:cNvCxnSpPr/>
-            <p:nvPr/>
-          </p:nvCxnSpPr>
-          <p:spPr>
-            <a:xfrm>
-              <a:off x="3397650" y="2113700"/>
-              <a:ext cx="5049600" cy="0"/>
-            </a:xfrm>
-            <a:prstGeom prst="straightConnector1">
-              <a:avLst/>
-            </a:prstGeom>
-            <a:noFill/>
-            <a:ln w="19050" cap="flat" cmpd="sng">
-              <a:solidFill>
-                <a:schemeClr val="accent2"/>
-              </a:solidFill>
-              <a:prstDash val="solid"/>
-              <a:round/>
-              <a:headEnd type="none" w="med" len="med"/>
-              <a:tailEnd type="none" w="med" len="med"/>
-            </a:ln>
-          </p:spPr>
-        </p:cxnSp>
-        <p:sp>
-          <p:nvSpPr>
-            <p:cNvPr id="272" name="Google Shape;272;p35"/>
-            <p:cNvSpPr/>
-            <p:nvPr/>
-          </p:nvSpPr>
-          <p:spPr>
-            <a:xfrm>
-              <a:off x="3141025" y="1914350"/>
-              <a:ext cx="398700" cy="398700"/>
-            </a:xfrm>
-            <a:prstGeom prst="star4">
-              <a:avLst>
-                <a:gd name="adj" fmla="val 12500"/>
-              </a:avLst>
-            </a:prstGeom>
-            <a:solidFill>
-              <a:schemeClr val="accent2"/>
-            </a:solidFill>
-            <a:ln>
-              <a:noFill/>
-            </a:ln>
-          </p:spPr>
-          <p:txBody>
-            <a:bodyPr spcFirstLastPara="1" wrap="square" lIns="91425" tIns="91425" rIns="91425" bIns="91425" anchor="ctr" anchorCtr="0">
-              <a:noAutofit/>
-            </a:bodyPr>
-            <a:lstStyle/>
-            <a:p>
-              <a:pPr marL="0" lvl="0" indent="0" algn="l" rtl="0">
-                <a:spcBef>
-                  <a:spcPts val="0"/>
-                </a:spcBef>
-                <a:spcAft>
-                  <a:spcPts val="0"/>
-                </a:spcAft>
-                <a:buNone/>
-              </a:pPr>
-              <a:endParaRPr/>
-            </a:p>
-          </p:txBody>
-        </p:sp>
-      </p:grpSp>
-      <p:grpSp>
-        <p:nvGrpSpPr>
-          <p:cNvPr id="280" name="Google Shape;280;p35"/>
-          <p:cNvGrpSpPr/>
-          <p:nvPr/>
-        </p:nvGrpSpPr>
-        <p:grpSpPr>
-          <a:xfrm flipH="1">
-            <a:off x="7715585" y="1398507"/>
-            <a:ext cx="301644" cy="302177"/>
-            <a:chOff x="6627300" y="1208300"/>
-            <a:chExt cx="268701" cy="269200"/>
-          </a:xfrm>
-        </p:grpSpPr>
-        <p:sp>
-          <p:nvSpPr>
-            <p:cNvPr id="281" name="Google Shape;281;p35"/>
-            <p:cNvSpPr/>
-            <p:nvPr/>
-          </p:nvSpPr>
-          <p:spPr>
-            <a:xfrm>
-              <a:off x="6627300" y="1208544"/>
-              <a:ext cx="268701" cy="268683"/>
-            </a:xfrm>
-            <a:custGeom>
-              <a:avLst/>
-              <a:gdLst/>
-              <a:ahLst/>
-              <a:cxnLst/>
-              <a:rect l="l" t="t" r="r" b="b"/>
-              <a:pathLst>
-                <a:path w="7415" h="7415" extrusionOk="0">
-                  <a:moveTo>
-                    <a:pt x="4541" y="459"/>
-                  </a:moveTo>
-                  <a:cubicBezTo>
-                    <a:pt x="6332" y="917"/>
-                    <a:pt x="7415" y="2749"/>
-                    <a:pt x="6957" y="4541"/>
-                  </a:cubicBezTo>
-                  <a:cubicBezTo>
-                    <a:pt x="6499" y="6332"/>
-                    <a:pt x="4687" y="7414"/>
-                    <a:pt x="2896" y="6956"/>
-                  </a:cubicBezTo>
-                  <a:cubicBezTo>
-                    <a:pt x="1084" y="6498"/>
-                    <a:pt x="1" y="4686"/>
-                    <a:pt x="459" y="2895"/>
-                  </a:cubicBezTo>
-                  <a:cubicBezTo>
-                    <a:pt x="917" y="1083"/>
-                    <a:pt x="2750" y="0"/>
-                    <a:pt x="4541" y="459"/>
-                  </a:cubicBezTo>
-                  <a:close/>
-                </a:path>
-              </a:pathLst>
-            </a:custGeom>
-            <a:gradFill>
-              <a:gsLst>
-                <a:gs pos="0">
-                  <a:schemeClr val="lt1"/>
-                </a:gs>
-                <a:gs pos="5000">
-                  <a:schemeClr val="lt1"/>
-                </a:gs>
-                <a:gs pos="10000">
-                  <a:schemeClr val="lt1"/>
-                </a:gs>
-                <a:gs pos="55000">
-                  <a:srgbClr val="FFFFFF">
-                    <a:alpha val="5490"/>
-                  </a:srgbClr>
-                </a:gs>
-                <a:gs pos="100000">
-                  <a:srgbClr val="FFFFFF">
-                    <a:alpha val="0"/>
-                  </a:srgbClr>
-                </a:gs>
-              </a:gsLst>
-              <a:path path="circle">
-                <a:fillToRect l="50000" t="50000" r="50000" b="50000"/>
-              </a:path>
-              <a:tileRect/>
-            </a:gradFill>
-            <a:ln>
-              <a:noFill/>
-            </a:ln>
-          </p:spPr>
-          <p:txBody>
-            <a:bodyPr spcFirstLastPara="1" wrap="square" lIns="91425" tIns="91425" rIns="91425" bIns="91425" anchor="ctr" anchorCtr="0">
-              <a:noAutofit/>
-            </a:bodyPr>
-            <a:lstStyle/>
-            <a:p>
-              <a:pPr marL="0" lvl="0" indent="0" algn="l" rtl="0">
-                <a:spcBef>
-                  <a:spcPts val="0"/>
-                </a:spcBef>
-                <a:spcAft>
-                  <a:spcPts val="0"/>
-                </a:spcAft>
-                <a:buNone/>
-              </a:pPr>
-              <a:endParaRPr/>
-            </a:p>
-          </p:txBody>
-        </p:sp>
-        <p:sp>
-          <p:nvSpPr>
-            <p:cNvPr id="282" name="Google Shape;282;p35"/>
-            <p:cNvSpPr/>
-            <p:nvPr/>
-          </p:nvSpPr>
-          <p:spPr>
-            <a:xfrm>
-              <a:off x="6627300" y="1302525"/>
-              <a:ext cx="268700" cy="80725"/>
-            </a:xfrm>
-            <a:custGeom>
-              <a:avLst/>
-              <a:gdLst/>
-              <a:ahLst/>
-              <a:cxnLst/>
-              <a:rect l="l" t="t" r="r" b="b"/>
-              <a:pathLst>
-                <a:path w="10748" h="3229" extrusionOk="0">
-                  <a:moveTo>
-                    <a:pt x="5499" y="1125"/>
-                  </a:moveTo>
-                  <a:cubicBezTo>
-                    <a:pt x="8435" y="1875"/>
-                    <a:pt x="10747" y="2687"/>
-                    <a:pt x="10685" y="2958"/>
-                  </a:cubicBezTo>
-                  <a:cubicBezTo>
-                    <a:pt x="10622" y="3229"/>
-                    <a:pt x="8185" y="2833"/>
-                    <a:pt x="5249" y="2083"/>
-                  </a:cubicBezTo>
-                  <a:cubicBezTo>
-                    <a:pt x="2313" y="1355"/>
-                    <a:pt x="1" y="522"/>
-                    <a:pt x="63" y="272"/>
-                  </a:cubicBezTo>
-                  <a:cubicBezTo>
-                    <a:pt x="126" y="1"/>
-                    <a:pt x="2562" y="376"/>
-                    <a:pt x="5499" y="1125"/>
-                  </a:cubicBezTo>
-                  <a:close/>
-                </a:path>
-              </a:pathLst>
-            </a:custGeom>
-            <a:gradFill>
-              <a:gsLst>
-                <a:gs pos="0">
-                  <a:schemeClr val="lt1">
-                    <a:alpha val="24320"/>
-                  </a:schemeClr>
-                </a:gs>
-                <a:gs pos="5000">
-                  <a:schemeClr val="lt1">
-                    <a:alpha val="24320"/>
-                  </a:schemeClr>
-                </a:gs>
-                <a:gs pos="41000">
-                  <a:schemeClr val="lt1">
-                    <a:alpha val="24320"/>
-                  </a:schemeClr>
-                </a:gs>
-                <a:gs pos="81000">
-                  <a:srgbClr val="FFFFFF">
-                    <a:alpha val="13333"/>
-                    <a:alpha val="24320"/>
-                  </a:srgbClr>
-                </a:gs>
-                <a:gs pos="100000">
-                  <a:srgbClr val="FFFFFF">
-                    <a:alpha val="13333"/>
-                    <a:alpha val="24320"/>
-                  </a:srgbClr>
-                </a:gs>
-              </a:gsLst>
-              <a:path path="circle">
-                <a:fillToRect l="50000" t="50000" r="50000" b="50000"/>
-              </a:path>
-              <a:tileRect/>
-            </a:gradFill>
-            <a:ln>
-              <a:noFill/>
-            </a:ln>
-          </p:spPr>
-          <p:txBody>
-            <a:bodyPr spcFirstLastPara="1" wrap="square" lIns="91425" tIns="91425" rIns="91425" bIns="91425" anchor="ctr" anchorCtr="0">
-              <a:noAutofit/>
-            </a:bodyPr>
-            <a:lstStyle/>
-            <a:p>
-              <a:pPr marL="0" lvl="0" indent="0" algn="l" rtl="0">
-                <a:spcBef>
-                  <a:spcPts val="0"/>
-                </a:spcBef>
-                <a:spcAft>
-                  <a:spcPts val="0"/>
-                </a:spcAft>
-                <a:buNone/>
-              </a:pPr>
-              <a:endParaRPr/>
-            </a:p>
-          </p:txBody>
-        </p:sp>
-        <p:sp>
-          <p:nvSpPr>
-            <p:cNvPr id="283" name="Google Shape;283;p35"/>
-            <p:cNvSpPr/>
-            <p:nvPr/>
-          </p:nvSpPr>
-          <p:spPr>
-            <a:xfrm>
-              <a:off x="6721550" y="1208300"/>
-              <a:ext cx="80725" cy="269200"/>
-            </a:xfrm>
-            <a:custGeom>
-              <a:avLst/>
-              <a:gdLst/>
-              <a:ahLst/>
-              <a:cxnLst/>
-              <a:rect l="l" t="t" r="r" b="b"/>
-              <a:pathLst>
-                <a:path w="3229" h="10768" extrusionOk="0">
-                  <a:moveTo>
-                    <a:pt x="2958" y="63"/>
-                  </a:moveTo>
-                  <a:cubicBezTo>
-                    <a:pt x="3228" y="125"/>
-                    <a:pt x="2833" y="2562"/>
-                    <a:pt x="2083" y="5498"/>
-                  </a:cubicBezTo>
-                  <a:cubicBezTo>
-                    <a:pt x="1333" y="8435"/>
-                    <a:pt x="521" y="10767"/>
-                    <a:pt x="250" y="10705"/>
-                  </a:cubicBezTo>
-                  <a:cubicBezTo>
-                    <a:pt x="0" y="10622"/>
-                    <a:pt x="375" y="8185"/>
-                    <a:pt x="1125" y="5249"/>
-                  </a:cubicBezTo>
-                  <a:cubicBezTo>
-                    <a:pt x="1875" y="2333"/>
-                    <a:pt x="2687" y="0"/>
-                    <a:pt x="2958" y="63"/>
-                  </a:cubicBezTo>
-                  <a:close/>
-                </a:path>
-              </a:pathLst>
-            </a:custGeom>
-            <a:gradFill>
-              <a:gsLst>
-                <a:gs pos="0">
-                  <a:schemeClr val="lt1">
-                    <a:alpha val="24320"/>
-                  </a:schemeClr>
-                </a:gs>
-                <a:gs pos="5000">
-                  <a:schemeClr val="lt1">
-                    <a:alpha val="24320"/>
-                  </a:schemeClr>
-                </a:gs>
-                <a:gs pos="41000">
-                  <a:schemeClr val="lt1">
-                    <a:alpha val="24320"/>
-                  </a:schemeClr>
-                </a:gs>
-                <a:gs pos="81000">
-                  <a:srgbClr val="FFFFFF">
-                    <a:alpha val="13333"/>
-                    <a:alpha val="24320"/>
-                  </a:srgbClr>
-                </a:gs>
-                <a:gs pos="100000">
-                  <a:srgbClr val="FFFFFF">
-                    <a:alpha val="13333"/>
-                    <a:alpha val="24320"/>
-                  </a:srgbClr>
-                </a:gs>
-              </a:gsLst>
-              <a:path path="circle">
-                <a:fillToRect l="50000" t="50000" r="50000" b="50000"/>
-              </a:path>
-              <a:tileRect/>
-            </a:gradFill>
-            <a:ln>
-              <a:noFill/>
-            </a:ln>
-          </p:spPr>
-          <p:txBody>
-            <a:bodyPr spcFirstLastPara="1" wrap="square" lIns="91425" tIns="91425" rIns="91425" bIns="91425" anchor="ctr" anchorCtr="0">
-              <a:noAutofit/>
-            </a:bodyPr>
-            <a:lstStyle/>
-            <a:p>
-              <a:pPr marL="0" lvl="0" indent="0" algn="l" rtl="0">
-                <a:spcBef>
-                  <a:spcPts val="0"/>
-                </a:spcBef>
-                <a:spcAft>
-                  <a:spcPts val="0"/>
-                </a:spcAft>
-                <a:buNone/>
-              </a:pPr>
-              <a:endParaRPr/>
-            </a:p>
-          </p:txBody>
-        </p:sp>
-      </p:grpSp>
-      <p:grpSp>
-        <p:nvGrpSpPr>
-          <p:cNvPr id="284" name="Google Shape;284;p35"/>
-          <p:cNvGrpSpPr/>
-          <p:nvPr/>
-        </p:nvGrpSpPr>
-        <p:grpSpPr>
-          <a:xfrm>
-            <a:off x="6334785" y="3010232"/>
-            <a:ext cx="301644" cy="302177"/>
-            <a:chOff x="6627300" y="1208300"/>
-            <a:chExt cx="268701" cy="269200"/>
-          </a:xfrm>
-        </p:grpSpPr>
-        <p:sp>
-          <p:nvSpPr>
-            <p:cNvPr id="285" name="Google Shape;285;p35"/>
-            <p:cNvSpPr/>
-            <p:nvPr/>
-          </p:nvSpPr>
-          <p:spPr>
-            <a:xfrm>
-              <a:off x="6627300" y="1208544"/>
-              <a:ext cx="268701" cy="268683"/>
-            </a:xfrm>
-            <a:custGeom>
-              <a:avLst/>
-              <a:gdLst/>
-              <a:ahLst/>
-              <a:cxnLst/>
-              <a:rect l="l" t="t" r="r" b="b"/>
-              <a:pathLst>
-                <a:path w="7415" h="7415" extrusionOk="0">
-                  <a:moveTo>
-                    <a:pt x="4541" y="459"/>
-                  </a:moveTo>
-                  <a:cubicBezTo>
-                    <a:pt x="6332" y="917"/>
-                    <a:pt x="7415" y="2749"/>
-                    <a:pt x="6957" y="4541"/>
-                  </a:cubicBezTo>
-                  <a:cubicBezTo>
-                    <a:pt x="6499" y="6332"/>
-                    <a:pt x="4687" y="7414"/>
-                    <a:pt x="2896" y="6956"/>
-                  </a:cubicBezTo>
-                  <a:cubicBezTo>
-                    <a:pt x="1084" y="6498"/>
-                    <a:pt x="1" y="4686"/>
-                    <a:pt x="459" y="2895"/>
-                  </a:cubicBezTo>
-                  <a:cubicBezTo>
-                    <a:pt x="917" y="1083"/>
-                    <a:pt x="2750" y="0"/>
-                    <a:pt x="4541" y="459"/>
-                  </a:cubicBezTo>
-                  <a:close/>
-                </a:path>
-              </a:pathLst>
-            </a:custGeom>
-            <a:gradFill>
-              <a:gsLst>
-                <a:gs pos="0">
-                  <a:schemeClr val="lt1"/>
-                </a:gs>
-                <a:gs pos="5000">
-                  <a:schemeClr val="lt1"/>
-                </a:gs>
-                <a:gs pos="10000">
-                  <a:schemeClr val="lt1"/>
-                </a:gs>
-                <a:gs pos="55000">
-                  <a:srgbClr val="FFFFFF">
-                    <a:alpha val="5490"/>
-                  </a:srgbClr>
-                </a:gs>
-                <a:gs pos="100000">
-                  <a:srgbClr val="FFFFFF">
-                    <a:alpha val="0"/>
-                  </a:srgbClr>
-                </a:gs>
-              </a:gsLst>
-              <a:path path="circle">
-                <a:fillToRect l="50000" t="50000" r="50000" b="50000"/>
-              </a:path>
-              <a:tileRect/>
-            </a:gradFill>
-            <a:ln>
-              <a:noFill/>
-            </a:ln>
-          </p:spPr>
-          <p:txBody>
-            <a:bodyPr spcFirstLastPara="1" wrap="square" lIns="91425" tIns="91425" rIns="91425" bIns="91425" anchor="ctr" anchorCtr="0">
-              <a:noAutofit/>
-            </a:bodyPr>
-            <a:lstStyle/>
-            <a:p>
-              <a:pPr marL="0" lvl="0" indent="0" algn="l" rtl="0">
-                <a:spcBef>
-                  <a:spcPts val="0"/>
-                </a:spcBef>
-                <a:spcAft>
-                  <a:spcPts val="0"/>
-                </a:spcAft>
-                <a:buNone/>
-              </a:pPr>
-              <a:endParaRPr/>
-            </a:p>
-          </p:txBody>
-        </p:sp>
-        <p:sp>
-          <p:nvSpPr>
-            <p:cNvPr id="286" name="Google Shape;286;p35"/>
-            <p:cNvSpPr/>
-            <p:nvPr/>
-          </p:nvSpPr>
-          <p:spPr>
-            <a:xfrm>
-              <a:off x="6627300" y="1302525"/>
-              <a:ext cx="268700" cy="80725"/>
-            </a:xfrm>
-            <a:custGeom>
-              <a:avLst/>
-              <a:gdLst/>
-              <a:ahLst/>
-              <a:cxnLst/>
-              <a:rect l="l" t="t" r="r" b="b"/>
-              <a:pathLst>
-                <a:path w="10748" h="3229" extrusionOk="0">
-                  <a:moveTo>
-                    <a:pt x="5499" y="1125"/>
-                  </a:moveTo>
-                  <a:cubicBezTo>
-                    <a:pt x="8435" y="1875"/>
-                    <a:pt x="10747" y="2687"/>
-                    <a:pt x="10685" y="2958"/>
-                  </a:cubicBezTo>
-                  <a:cubicBezTo>
-                    <a:pt x="10622" y="3229"/>
-                    <a:pt x="8185" y="2833"/>
-                    <a:pt x="5249" y="2083"/>
-                  </a:cubicBezTo>
-                  <a:cubicBezTo>
-                    <a:pt x="2313" y="1355"/>
-                    <a:pt x="1" y="522"/>
-                    <a:pt x="63" y="272"/>
-                  </a:cubicBezTo>
-                  <a:cubicBezTo>
-                    <a:pt x="126" y="1"/>
-                    <a:pt x="2562" y="376"/>
-                    <a:pt x="5499" y="1125"/>
-                  </a:cubicBezTo>
-                  <a:close/>
-                </a:path>
-              </a:pathLst>
-            </a:custGeom>
-            <a:gradFill>
-              <a:gsLst>
-                <a:gs pos="0">
-                  <a:schemeClr val="lt1">
-                    <a:alpha val="24320"/>
-                  </a:schemeClr>
-                </a:gs>
-                <a:gs pos="5000">
-                  <a:schemeClr val="lt1">
-                    <a:alpha val="24320"/>
-                  </a:schemeClr>
-                </a:gs>
-                <a:gs pos="41000">
-                  <a:schemeClr val="lt1">
-                    <a:alpha val="24320"/>
-                  </a:schemeClr>
-                </a:gs>
-                <a:gs pos="81000">
-                  <a:srgbClr val="FFFFFF">
-                    <a:alpha val="13333"/>
-                    <a:alpha val="24320"/>
-                  </a:srgbClr>
-                </a:gs>
-                <a:gs pos="100000">
-                  <a:srgbClr val="FFFFFF">
-                    <a:alpha val="13333"/>
-                    <a:alpha val="24320"/>
-                  </a:srgbClr>
-                </a:gs>
-              </a:gsLst>
-              <a:path path="circle">
-                <a:fillToRect l="50000" t="50000" r="50000" b="50000"/>
-              </a:path>
-              <a:tileRect/>
-            </a:gradFill>
-            <a:ln>
-              <a:noFill/>
-            </a:ln>
-          </p:spPr>
-          <p:txBody>
-            <a:bodyPr spcFirstLastPara="1" wrap="square" lIns="91425" tIns="91425" rIns="91425" bIns="91425" anchor="ctr" anchorCtr="0">
-              <a:noAutofit/>
-            </a:bodyPr>
-            <a:lstStyle/>
-            <a:p>
-              <a:pPr marL="0" lvl="0" indent="0" algn="l" rtl="0">
-                <a:spcBef>
-                  <a:spcPts val="0"/>
-                </a:spcBef>
-                <a:spcAft>
-                  <a:spcPts val="0"/>
-                </a:spcAft>
-                <a:buNone/>
-              </a:pPr>
-              <a:endParaRPr/>
-            </a:p>
-          </p:txBody>
-        </p:sp>
-        <p:sp>
-          <p:nvSpPr>
-            <p:cNvPr id="287" name="Google Shape;287;p35"/>
-            <p:cNvSpPr/>
-            <p:nvPr/>
-          </p:nvSpPr>
-          <p:spPr>
-            <a:xfrm>
-              <a:off x="6721550" y="1208300"/>
-              <a:ext cx="80725" cy="269200"/>
-            </a:xfrm>
-            <a:custGeom>
-              <a:avLst/>
-              <a:gdLst/>
-              <a:ahLst/>
-              <a:cxnLst/>
-              <a:rect l="l" t="t" r="r" b="b"/>
-              <a:pathLst>
-                <a:path w="3229" h="10768" extrusionOk="0">
-                  <a:moveTo>
-                    <a:pt x="2958" y="63"/>
-                  </a:moveTo>
-                  <a:cubicBezTo>
-                    <a:pt x="3228" y="125"/>
-                    <a:pt x="2833" y="2562"/>
-                    <a:pt x="2083" y="5498"/>
-                  </a:cubicBezTo>
-                  <a:cubicBezTo>
-                    <a:pt x="1333" y="8435"/>
-                    <a:pt x="521" y="10767"/>
-                    <a:pt x="250" y="10705"/>
-                  </a:cubicBezTo>
-                  <a:cubicBezTo>
-                    <a:pt x="0" y="10622"/>
-                    <a:pt x="375" y="8185"/>
-                    <a:pt x="1125" y="5249"/>
-                  </a:cubicBezTo>
-                  <a:cubicBezTo>
-                    <a:pt x="1875" y="2333"/>
-                    <a:pt x="2687" y="0"/>
-                    <a:pt x="2958" y="63"/>
-                  </a:cubicBezTo>
-                  <a:close/>
-                </a:path>
-              </a:pathLst>
-            </a:custGeom>
-            <a:gradFill>
-              <a:gsLst>
-                <a:gs pos="0">
-                  <a:schemeClr val="lt1">
-                    <a:alpha val="24320"/>
-                  </a:schemeClr>
-                </a:gs>
-                <a:gs pos="5000">
-                  <a:schemeClr val="lt1">
-                    <a:alpha val="24320"/>
-                  </a:schemeClr>
-                </a:gs>
-                <a:gs pos="41000">
-                  <a:schemeClr val="lt1">
-                    <a:alpha val="24320"/>
-                  </a:schemeClr>
-                </a:gs>
-                <a:gs pos="81000">
-                  <a:srgbClr val="FFFFFF">
-                    <a:alpha val="13333"/>
-                    <a:alpha val="24320"/>
-                  </a:srgbClr>
-                </a:gs>
-                <a:gs pos="100000">
-                  <a:srgbClr val="FFFFFF">
-                    <a:alpha val="13333"/>
-                    <a:alpha val="24320"/>
-                  </a:srgbClr>
-                </a:gs>
-              </a:gsLst>
-              <a:path path="circle">
-                <a:fillToRect l="50000" t="50000" r="50000" b="50000"/>
-              </a:path>
-              <a:tileRect/>
-            </a:gradFill>
-            <a:ln>
-              <a:noFill/>
-            </a:ln>
-          </p:spPr>
-          <p:txBody>
-            <a:bodyPr spcFirstLastPara="1" wrap="square" lIns="91425" tIns="91425" rIns="91425" bIns="91425" anchor="ctr" anchorCtr="0">
-              <a:noAutofit/>
-            </a:bodyPr>
-            <a:lstStyle/>
-            <a:p>
-              <a:pPr marL="0" lvl="0" indent="0" algn="l" rtl="0">
-                <a:spcBef>
-                  <a:spcPts val="0"/>
-                </a:spcBef>
-                <a:spcAft>
-                  <a:spcPts val="0"/>
-                </a:spcAft>
-                <a:buNone/>
-              </a:pPr>
-              <a:endParaRPr/>
-            </a:p>
-          </p:txBody>
-        </p:sp>
-      </p:grpSp>
-    </p:spTree>
-  </p:cSld>
-  <p:clrMapOvr>
-    <a:masterClrMapping/>
-  </p:clrMapOvr>
-  <mc:AlternateContent xmlns:mc="http://schemas.openxmlformats.org/markup-compatibility/2006" xmlns:p14="http://schemas.microsoft.com/office/powerpoint/2010/main">
-    <mc:Choice Requires="p14">
-      <p:transition spd="slow" p14:dur="3900">
-        <p14:glitter pattern="hexagon"/>
-      </p:transition>
-    </mc:Choice>
-    <mc:Fallback xmlns="">
-      <p:transition spd="slow">
-        <p:fade/>
-      </p:transition>
-    </mc:Fallback>
-  </mc:AlternateContent>
 </p:sld>
 </file>
 

--- a/Capstone Presentation.pptx
+++ b/Capstone Presentation.pptx
@@ -5,36 +5,33 @@
     <p:sldMasterId id="2147483676" r:id="rId1"/>
   </p:sldMasterIdLst>
   <p:notesMasterIdLst>
-    <p:notesMasterId r:id="rId10"/>
+    <p:notesMasterId r:id="rId7"/>
   </p:notesMasterIdLst>
   <p:sldIdLst>
     <p:sldId id="256" r:id="rId2"/>
     <p:sldId id="257" r:id="rId3"/>
-    <p:sldId id="263" r:id="rId4"/>
-    <p:sldId id="258" r:id="rId5"/>
-    <p:sldId id="260" r:id="rId6"/>
-    <p:sldId id="259" r:id="rId7"/>
-    <p:sldId id="262" r:id="rId8"/>
-    <p:sldId id="261" r:id="rId9"/>
+    <p:sldId id="258" r:id="rId4"/>
+    <p:sldId id="260" r:id="rId5"/>
+    <p:sldId id="261" r:id="rId6"/>
   </p:sldIdLst>
   <p:sldSz cx="9144000" cy="5143500" type="screen16x9"/>
   <p:notesSz cx="6858000" cy="9144000"/>
   <p:embeddedFontLst>
     <p:embeddedFont>
       <p:font typeface="DM Serif Display" pitchFamily="2" charset="0"/>
-      <p:regular r:id="rId11"/>
-      <p:italic r:id="rId12"/>
+      <p:regular r:id="rId8"/>
+      <p:italic r:id="rId9"/>
     </p:embeddedFont>
     <p:embeddedFont>
       <p:font typeface="Questrial" pitchFamily="2" charset="0"/>
-      <p:regular r:id="rId13"/>
+      <p:regular r:id="rId10"/>
     </p:embeddedFont>
     <p:embeddedFont>
       <p:font typeface="Trebuchet MS" panose="020B0603020202020204" pitchFamily="34" charset="0"/>
-      <p:regular r:id="rId14"/>
-      <p:bold r:id="rId15"/>
-      <p:italic r:id="rId16"/>
-      <p:boldItalic r:id="rId17"/>
+      <p:regular r:id="rId11"/>
+      <p:bold r:id="rId12"/>
+      <p:italic r:id="rId13"/>
+      <p:boldItalic r:id="rId14"/>
     </p:embeddedFont>
   </p:embeddedFontLst>
   <p:defaultTextStyle>
@@ -928,115 +925,6 @@
   <p:cSld>
     <p:spTree>
       <p:nvGrpSpPr>
-        <p:cNvPr id="1" name="Shape 179"/>
-        <p:cNvGrpSpPr/>
-        <p:nvPr/>
-      </p:nvGrpSpPr>
-      <p:grpSpPr>
-        <a:xfrm>
-          <a:off x="0" y="0"/>
-          <a:ext cx="0" cy="0"/>
-          <a:chOff x="0" y="0"/>
-          <a:chExt cx="0" cy="0"/>
-        </a:xfrm>
-      </p:grpSpPr>
-      <p:sp>
-        <p:nvSpPr>
-          <p:cNvPr id="180" name="Google Shape;180;ge4b7ac326b_0_1:notes"/>
-          <p:cNvSpPr>
-            <a:spLocks noGrp="1" noRot="1" noChangeAspect="1"/>
-          </p:cNvSpPr>
-          <p:nvPr>
-            <p:ph type="sldImg" idx="2"/>
-          </p:nvPr>
-        </p:nvSpPr>
-        <p:spPr>
-          <a:xfrm>
-            <a:off x="381000" y="685800"/>
-            <a:ext cx="6096000" cy="3429000"/>
-          </a:xfrm>
-          <a:custGeom>
-            <a:avLst/>
-            <a:gdLst/>
-            <a:ahLst/>
-            <a:cxnLst/>
-            <a:rect l="l" t="t" r="r" b="b"/>
-            <a:pathLst>
-              <a:path w="120000" h="120000" extrusionOk="0">
-                <a:moveTo>
-                  <a:pt x="0" y="0"/>
-                </a:moveTo>
-                <a:lnTo>
-                  <a:pt x="120000" y="0"/>
-                </a:lnTo>
-                <a:lnTo>
-                  <a:pt x="120000" y="120000"/>
-                </a:lnTo>
-                <a:lnTo>
-                  <a:pt x="0" y="120000"/>
-                </a:lnTo>
-                <a:close/>
-              </a:path>
-            </a:pathLst>
-          </a:custGeom>
-        </p:spPr>
-      </p:sp>
-      <p:sp>
-        <p:nvSpPr>
-          <p:cNvPr id="181" name="Google Shape;181;ge4b7ac326b_0_1:notes"/>
-          <p:cNvSpPr txBox="1">
-            <a:spLocks noGrp="1"/>
-          </p:cNvSpPr>
-          <p:nvPr>
-            <p:ph type="body" idx="1"/>
-          </p:nvPr>
-        </p:nvSpPr>
-        <p:spPr>
-          <a:xfrm>
-            <a:off x="685800" y="4343400"/>
-            <a:ext cx="5486400" cy="4114800"/>
-          </a:xfrm>
-          <a:prstGeom prst="rect">
-            <a:avLst/>
-          </a:prstGeom>
-        </p:spPr>
-        <p:txBody>
-          <a:bodyPr spcFirstLastPara="1" wrap="square" lIns="91425" tIns="91425" rIns="91425" bIns="91425" anchor="t" anchorCtr="0">
-            <a:noAutofit/>
-          </a:bodyPr>
-          <a:lstStyle/>
-          <a:p>
-            <a:pPr marL="0" lvl="0" indent="0" algn="l" rtl="0">
-              <a:spcBef>
-                <a:spcPts val="0"/>
-              </a:spcBef>
-              <a:spcAft>
-                <a:spcPts val="0"/>
-              </a:spcAft>
-              <a:buNone/>
-            </a:pPr>
-            <a:endParaRPr/>
-          </a:p>
-        </p:txBody>
-      </p:sp>
-    </p:spTree>
-    <p:extLst>
-      <p:ext uri="{BB962C8B-B14F-4D97-AF65-F5344CB8AC3E}">
-        <p14:creationId xmlns:p14="http://schemas.microsoft.com/office/powerpoint/2010/main" val="4097052161"/>
-      </p:ext>
-    </p:extLst>
-  </p:cSld>
-  <p:clrMapOvr>
-    <a:masterClrMapping/>
-  </p:clrMapOvr>
-</p:notes>
-</file>
-
-<file path=ppt/notesSlides/notesSlide4.xml><?xml version="1.0" encoding="utf-8"?>
-<p:notes xmlns:a="http://schemas.openxmlformats.org/drawingml/2006/main" xmlns:r="http://schemas.openxmlformats.org/officeDocument/2006/relationships" xmlns:p="http://schemas.openxmlformats.org/presentationml/2006/main" showMasterSp="0" showMasterPhAnim="0">
-  <p:cSld>
-    <p:spTree>
-      <p:nvGrpSpPr>
         <p:cNvPr id="1" name="Shape 191"/>
         <p:cNvGrpSpPr/>
         <p:nvPr/>
@@ -1136,7 +1024,7 @@
 </p:notes>
 </file>
 
-<file path=ppt/notesSlides/notesSlide5.xml><?xml version="1.0" encoding="utf-8"?>
+<file path=ppt/notesSlides/notesSlide4.xml><?xml version="1.0" encoding="utf-8"?>
 <p:notes xmlns:a="http://schemas.openxmlformats.org/drawingml/2006/main" xmlns:r="http://schemas.openxmlformats.org/officeDocument/2006/relationships" xmlns:p="http://schemas.openxmlformats.org/presentationml/2006/main" showMasterSp="0" showMasterPhAnim="0">
   <p:cSld>
     <p:spTree>
@@ -1240,219 +1128,6 @@
 </p:notes>
 </file>
 
-<file path=ppt/notesSlides/notesSlide6.xml><?xml version="1.0" encoding="utf-8"?>
-<p:notes xmlns:a="http://schemas.openxmlformats.org/drawingml/2006/main" xmlns:r="http://schemas.openxmlformats.org/officeDocument/2006/relationships" xmlns:p="http://schemas.openxmlformats.org/presentationml/2006/main" showMasterSp="0" showMasterPhAnim="0">
-  <p:cSld>
-    <p:spTree>
-      <p:nvGrpSpPr>
-        <p:cNvPr id="1" name="Shape 241"/>
-        <p:cNvGrpSpPr/>
-        <p:nvPr/>
-      </p:nvGrpSpPr>
-      <p:grpSpPr>
-        <a:xfrm>
-          <a:off x="0" y="0"/>
-          <a:ext cx="0" cy="0"/>
-          <a:chOff x="0" y="0"/>
-          <a:chExt cx="0" cy="0"/>
-        </a:xfrm>
-      </p:grpSpPr>
-      <p:sp>
-        <p:nvSpPr>
-          <p:cNvPr id="242" name="Google Shape;242;ge4b7ac326b_0_193:notes"/>
-          <p:cNvSpPr>
-            <a:spLocks noGrp="1" noRot="1" noChangeAspect="1"/>
-          </p:cNvSpPr>
-          <p:nvPr>
-            <p:ph type="sldImg" idx="2"/>
-          </p:nvPr>
-        </p:nvSpPr>
-        <p:spPr>
-          <a:xfrm>
-            <a:off x="381000" y="685800"/>
-            <a:ext cx="6096000" cy="3429000"/>
-          </a:xfrm>
-          <a:custGeom>
-            <a:avLst/>
-            <a:gdLst/>
-            <a:ahLst/>
-            <a:cxnLst/>
-            <a:rect l="l" t="t" r="r" b="b"/>
-            <a:pathLst>
-              <a:path w="120000" h="120000" extrusionOk="0">
-                <a:moveTo>
-                  <a:pt x="0" y="0"/>
-                </a:moveTo>
-                <a:lnTo>
-                  <a:pt x="120000" y="0"/>
-                </a:lnTo>
-                <a:lnTo>
-                  <a:pt x="120000" y="120000"/>
-                </a:lnTo>
-                <a:lnTo>
-                  <a:pt x="0" y="120000"/>
-                </a:lnTo>
-                <a:close/>
-              </a:path>
-            </a:pathLst>
-          </a:custGeom>
-        </p:spPr>
-      </p:sp>
-      <p:sp>
-        <p:nvSpPr>
-          <p:cNvPr id="243" name="Google Shape;243;ge4b7ac326b_0_193:notes"/>
-          <p:cNvSpPr txBox="1">
-            <a:spLocks noGrp="1"/>
-          </p:cNvSpPr>
-          <p:nvPr>
-            <p:ph type="body" idx="1"/>
-          </p:nvPr>
-        </p:nvSpPr>
-        <p:spPr>
-          <a:xfrm>
-            <a:off x="685800" y="4343400"/>
-            <a:ext cx="5486400" cy="4114800"/>
-          </a:xfrm>
-          <a:prstGeom prst="rect">
-            <a:avLst/>
-          </a:prstGeom>
-        </p:spPr>
-        <p:txBody>
-          <a:bodyPr spcFirstLastPara="1" wrap="square" lIns="91425" tIns="91425" rIns="91425" bIns="91425" anchor="t" anchorCtr="0">
-            <a:noAutofit/>
-          </a:bodyPr>
-          <a:lstStyle/>
-          <a:p>
-            <a:pPr marL="0" lvl="0" indent="0" algn="l" rtl="0">
-              <a:spcBef>
-                <a:spcPts val="0"/>
-              </a:spcBef>
-              <a:spcAft>
-                <a:spcPts val="0"/>
-              </a:spcAft>
-              <a:buNone/>
-            </a:pPr>
-            <a:endParaRPr/>
-          </a:p>
-        </p:txBody>
-      </p:sp>
-    </p:spTree>
-  </p:cSld>
-  <p:clrMapOvr>
-    <a:masterClrMapping/>
-  </p:clrMapOvr>
-</p:notes>
-</file>
-
-<file path=ppt/notesSlides/notesSlide7.xml><?xml version="1.0" encoding="utf-8"?>
-<p:notes xmlns:a="http://schemas.openxmlformats.org/drawingml/2006/main" xmlns:r="http://schemas.openxmlformats.org/officeDocument/2006/relationships" xmlns:p="http://schemas.openxmlformats.org/presentationml/2006/main" showMasterSp="0" showMasterPhAnim="0">
-  <p:cSld>
-    <p:spTree>
-      <p:nvGrpSpPr>
-        <p:cNvPr id="1" name="Shape 241"/>
-        <p:cNvGrpSpPr/>
-        <p:nvPr/>
-      </p:nvGrpSpPr>
-      <p:grpSpPr>
-        <a:xfrm>
-          <a:off x="0" y="0"/>
-          <a:ext cx="0" cy="0"/>
-          <a:chOff x="0" y="0"/>
-          <a:chExt cx="0" cy="0"/>
-        </a:xfrm>
-      </p:grpSpPr>
-      <p:sp>
-        <p:nvSpPr>
-          <p:cNvPr id="242" name="Google Shape;242;ge4b7ac326b_0_193:notes"/>
-          <p:cNvSpPr>
-            <a:spLocks noGrp="1" noRot="1" noChangeAspect="1"/>
-          </p:cNvSpPr>
-          <p:nvPr>
-            <p:ph type="sldImg" idx="2"/>
-          </p:nvPr>
-        </p:nvSpPr>
-        <p:spPr>
-          <a:xfrm>
-            <a:off x="381000" y="685800"/>
-            <a:ext cx="6096000" cy="3429000"/>
-          </a:xfrm>
-          <a:custGeom>
-            <a:avLst/>
-            <a:gdLst/>
-            <a:ahLst/>
-            <a:cxnLst/>
-            <a:rect l="l" t="t" r="r" b="b"/>
-            <a:pathLst>
-              <a:path w="120000" h="120000" extrusionOk="0">
-                <a:moveTo>
-                  <a:pt x="0" y="0"/>
-                </a:moveTo>
-                <a:lnTo>
-                  <a:pt x="120000" y="0"/>
-                </a:lnTo>
-                <a:lnTo>
-                  <a:pt x="120000" y="120000"/>
-                </a:lnTo>
-                <a:lnTo>
-                  <a:pt x="0" y="120000"/>
-                </a:lnTo>
-                <a:close/>
-              </a:path>
-            </a:pathLst>
-          </a:custGeom>
-        </p:spPr>
-      </p:sp>
-      <p:sp>
-        <p:nvSpPr>
-          <p:cNvPr id="243" name="Google Shape;243;ge4b7ac326b_0_193:notes"/>
-          <p:cNvSpPr txBox="1">
-            <a:spLocks noGrp="1"/>
-          </p:cNvSpPr>
-          <p:nvPr>
-            <p:ph type="body" idx="1"/>
-          </p:nvPr>
-        </p:nvSpPr>
-        <p:spPr>
-          <a:xfrm>
-            <a:off x="685800" y="4343400"/>
-            <a:ext cx="5486400" cy="4114800"/>
-          </a:xfrm>
-          <a:prstGeom prst="rect">
-            <a:avLst/>
-          </a:prstGeom>
-        </p:spPr>
-        <p:txBody>
-          <a:bodyPr spcFirstLastPara="1" wrap="square" lIns="91425" tIns="91425" rIns="91425" bIns="91425" anchor="t" anchorCtr="0">
-            <a:noAutofit/>
-          </a:bodyPr>
-          <a:lstStyle/>
-          <a:p>
-            <a:pPr marL="0" lvl="0" indent="0" algn="l" rtl="0">
-              <a:spcBef>
-                <a:spcPts val="0"/>
-              </a:spcBef>
-              <a:spcAft>
-                <a:spcPts val="0"/>
-              </a:spcAft>
-              <a:buNone/>
-            </a:pPr>
-            <a:endParaRPr/>
-          </a:p>
-        </p:txBody>
-      </p:sp>
-    </p:spTree>
-    <p:extLst>
-      <p:ext uri="{BB962C8B-B14F-4D97-AF65-F5344CB8AC3E}">
-        <p14:creationId xmlns:p14="http://schemas.microsoft.com/office/powerpoint/2010/main" val="3152764163"/>
-      </p:ext>
-    </p:extLst>
-  </p:cSld>
-  <p:clrMapOvr>
-    <a:masterClrMapping/>
-  </p:clrMapOvr>
-</p:notes>
-</file>
-
 <file path=ppt/slideLayouts/slideLayout1.xml><?xml version="1.0" encoding="utf-8"?>
 <p:sldLayout xmlns:a="http://schemas.openxmlformats.org/drawingml/2006/main" xmlns:r="http://schemas.openxmlformats.org/officeDocument/2006/relationships" xmlns:p="http://schemas.openxmlformats.org/presentationml/2006/main" matchingName="Title slide" type="title">
   <p:cSld name="TITLE">
@@ -2014,328 +1689,6 @@
 </file>
 
 <file path=ppt/slideLayouts/slideLayout3.xml><?xml version="1.0" encoding="utf-8"?>
-<p:sldLayout xmlns:a="http://schemas.openxmlformats.org/drawingml/2006/main" xmlns:r="http://schemas.openxmlformats.org/officeDocument/2006/relationships" xmlns:p="http://schemas.openxmlformats.org/presentationml/2006/main" matchingName="Section title and description">
-  <p:cSld name="SECTION_TITLE_AND_DESCRIPTION">
-    <p:spTree>
-      <p:nvGrpSpPr>
-        <p:cNvPr id="1" name="Shape 31"/>
-        <p:cNvGrpSpPr/>
-        <p:nvPr/>
-      </p:nvGrpSpPr>
-      <p:grpSpPr>
-        <a:xfrm>
-          <a:off x="0" y="0"/>
-          <a:ext cx="0" cy="0"/>
-          <a:chOff x="0" y="0"/>
-          <a:chExt cx="0" cy="0"/>
-        </a:xfrm>
-      </p:grpSpPr>
-      <p:sp>
-        <p:nvSpPr>
-          <p:cNvPr id="32" name="Google Shape;32;p9"/>
-          <p:cNvSpPr txBox="1">
-            <a:spLocks noGrp="1"/>
-          </p:cNvSpPr>
-          <p:nvPr>
-            <p:ph type="title"/>
-          </p:nvPr>
-        </p:nvSpPr>
-        <p:spPr>
-          <a:xfrm>
-            <a:off x="3873326" y="1254200"/>
-            <a:ext cx="4357800" cy="841800"/>
-          </a:xfrm>
-          <a:prstGeom prst="rect">
-            <a:avLst/>
-          </a:prstGeom>
-        </p:spPr>
-        <p:txBody>
-          <a:bodyPr spcFirstLastPara="1" wrap="square" lIns="91425" tIns="91425" rIns="91425" bIns="91425" anchor="ctr" anchorCtr="0">
-            <a:noAutofit/>
-          </a:bodyPr>
-          <a:lstStyle>
-            <a:lvl1pPr lvl="0" algn="r" rtl="0">
-              <a:spcBef>
-                <a:spcPts val="0"/>
-              </a:spcBef>
-              <a:spcAft>
-                <a:spcPts val="0"/>
-              </a:spcAft>
-              <a:buSzPts val="3600"/>
-              <a:buNone/>
-              <a:defRPr sz="5100"/>
-            </a:lvl1pPr>
-            <a:lvl2pPr lvl="1" algn="ctr" rtl="0">
-              <a:spcBef>
-                <a:spcPts val="0"/>
-              </a:spcBef>
-              <a:spcAft>
-                <a:spcPts val="0"/>
-              </a:spcAft>
-              <a:buSzPts val="3600"/>
-              <a:buNone/>
-              <a:defRPr sz="3600"/>
-            </a:lvl2pPr>
-            <a:lvl3pPr lvl="2" algn="ctr" rtl="0">
-              <a:spcBef>
-                <a:spcPts val="0"/>
-              </a:spcBef>
-              <a:spcAft>
-                <a:spcPts val="0"/>
-              </a:spcAft>
-              <a:buSzPts val="3600"/>
-              <a:buNone/>
-              <a:defRPr sz="3600"/>
-            </a:lvl3pPr>
-            <a:lvl4pPr lvl="3" algn="ctr" rtl="0">
-              <a:spcBef>
-                <a:spcPts val="0"/>
-              </a:spcBef>
-              <a:spcAft>
-                <a:spcPts val="0"/>
-              </a:spcAft>
-              <a:buSzPts val="3600"/>
-              <a:buNone/>
-              <a:defRPr sz="3600"/>
-            </a:lvl4pPr>
-            <a:lvl5pPr lvl="4" algn="ctr" rtl="0">
-              <a:spcBef>
-                <a:spcPts val="0"/>
-              </a:spcBef>
-              <a:spcAft>
-                <a:spcPts val="0"/>
-              </a:spcAft>
-              <a:buSzPts val="3600"/>
-              <a:buNone/>
-              <a:defRPr sz="3600"/>
-            </a:lvl5pPr>
-            <a:lvl6pPr lvl="5" algn="ctr" rtl="0">
-              <a:spcBef>
-                <a:spcPts val="0"/>
-              </a:spcBef>
-              <a:spcAft>
-                <a:spcPts val="0"/>
-              </a:spcAft>
-              <a:buSzPts val="3600"/>
-              <a:buNone/>
-              <a:defRPr sz="3600"/>
-            </a:lvl6pPr>
-            <a:lvl7pPr lvl="6" algn="ctr" rtl="0">
-              <a:spcBef>
-                <a:spcPts val="0"/>
-              </a:spcBef>
-              <a:spcAft>
-                <a:spcPts val="0"/>
-              </a:spcAft>
-              <a:buSzPts val="3600"/>
-              <a:buNone/>
-              <a:defRPr sz="3600"/>
-            </a:lvl7pPr>
-            <a:lvl8pPr lvl="7" algn="ctr" rtl="0">
-              <a:spcBef>
-                <a:spcPts val="0"/>
-              </a:spcBef>
-              <a:spcAft>
-                <a:spcPts val="0"/>
-              </a:spcAft>
-              <a:buSzPts val="3600"/>
-              <a:buNone/>
-              <a:defRPr sz="3600"/>
-            </a:lvl8pPr>
-            <a:lvl9pPr lvl="8" algn="ctr" rtl="0">
-              <a:spcBef>
-                <a:spcPts val="0"/>
-              </a:spcBef>
-              <a:spcAft>
-                <a:spcPts val="0"/>
-              </a:spcAft>
-              <a:buSzPts val="3600"/>
-              <a:buNone/>
-              <a:defRPr sz="3600"/>
-            </a:lvl9pPr>
-          </a:lstStyle>
-          <a:p>
-            <a:endParaRPr/>
-          </a:p>
-        </p:txBody>
-      </p:sp>
-      <p:sp>
-        <p:nvSpPr>
-          <p:cNvPr id="33" name="Google Shape;33;p9"/>
-          <p:cNvSpPr txBox="1">
-            <a:spLocks noGrp="1"/>
-          </p:cNvSpPr>
-          <p:nvPr>
-            <p:ph type="subTitle" idx="1"/>
-          </p:nvPr>
-        </p:nvSpPr>
-        <p:spPr>
-          <a:xfrm>
-            <a:off x="4189826" y="2207500"/>
-            <a:ext cx="4041300" cy="1681800"/>
-          </a:xfrm>
-          <a:prstGeom prst="rect">
-            <a:avLst/>
-          </a:prstGeom>
-        </p:spPr>
-        <p:txBody>
-          <a:bodyPr spcFirstLastPara="1" wrap="square" lIns="91425" tIns="91425" rIns="91425" bIns="91425" anchor="ctr" anchorCtr="0">
-            <a:noAutofit/>
-          </a:bodyPr>
-          <a:lstStyle>
-            <a:lvl1pPr lvl="0" algn="r" rtl="0">
-              <a:lnSpc>
-                <a:spcPct val="100000"/>
-              </a:lnSpc>
-              <a:spcBef>
-                <a:spcPts val="0"/>
-              </a:spcBef>
-              <a:spcAft>
-                <a:spcPts val="0"/>
-              </a:spcAft>
-              <a:buSzPts val="1400"/>
-              <a:buNone/>
-              <a:defRPr sz="1600"/>
-            </a:lvl1pPr>
-            <a:lvl2pPr lvl="1" algn="ctr" rtl="0">
-              <a:lnSpc>
-                <a:spcPct val="100000"/>
-              </a:lnSpc>
-              <a:spcBef>
-                <a:spcPts val="1600"/>
-              </a:spcBef>
-              <a:spcAft>
-                <a:spcPts val="0"/>
-              </a:spcAft>
-              <a:buSzPts val="1400"/>
-              <a:buNone/>
-              <a:defRPr/>
-            </a:lvl2pPr>
-            <a:lvl3pPr lvl="2" algn="ctr" rtl="0">
-              <a:lnSpc>
-                <a:spcPct val="100000"/>
-              </a:lnSpc>
-              <a:spcBef>
-                <a:spcPts val="1600"/>
-              </a:spcBef>
-              <a:spcAft>
-                <a:spcPts val="0"/>
-              </a:spcAft>
-              <a:buSzPts val="1400"/>
-              <a:buNone/>
-              <a:defRPr/>
-            </a:lvl3pPr>
-            <a:lvl4pPr lvl="3" algn="ctr" rtl="0">
-              <a:lnSpc>
-                <a:spcPct val="100000"/>
-              </a:lnSpc>
-              <a:spcBef>
-                <a:spcPts val="1600"/>
-              </a:spcBef>
-              <a:spcAft>
-                <a:spcPts val="0"/>
-              </a:spcAft>
-              <a:buSzPts val="1400"/>
-              <a:buNone/>
-              <a:defRPr/>
-            </a:lvl4pPr>
-            <a:lvl5pPr lvl="4" algn="ctr" rtl="0">
-              <a:lnSpc>
-                <a:spcPct val="100000"/>
-              </a:lnSpc>
-              <a:spcBef>
-                <a:spcPts val="1600"/>
-              </a:spcBef>
-              <a:spcAft>
-                <a:spcPts val="0"/>
-              </a:spcAft>
-              <a:buSzPts val="1400"/>
-              <a:buNone/>
-              <a:defRPr/>
-            </a:lvl5pPr>
-            <a:lvl6pPr lvl="5" algn="ctr" rtl="0">
-              <a:lnSpc>
-                <a:spcPct val="100000"/>
-              </a:lnSpc>
-              <a:spcBef>
-                <a:spcPts val="1600"/>
-              </a:spcBef>
-              <a:spcAft>
-                <a:spcPts val="0"/>
-              </a:spcAft>
-              <a:buSzPts val="1400"/>
-              <a:buNone/>
-              <a:defRPr/>
-            </a:lvl6pPr>
-            <a:lvl7pPr lvl="6" algn="ctr" rtl="0">
-              <a:lnSpc>
-                <a:spcPct val="100000"/>
-              </a:lnSpc>
-              <a:spcBef>
-                <a:spcPts val="1600"/>
-              </a:spcBef>
-              <a:spcAft>
-                <a:spcPts val="0"/>
-              </a:spcAft>
-              <a:buSzPts val="1400"/>
-              <a:buNone/>
-              <a:defRPr/>
-            </a:lvl7pPr>
-            <a:lvl8pPr lvl="7" algn="ctr" rtl="0">
-              <a:lnSpc>
-                <a:spcPct val="100000"/>
-              </a:lnSpc>
-              <a:spcBef>
-                <a:spcPts val="1600"/>
-              </a:spcBef>
-              <a:spcAft>
-                <a:spcPts val="0"/>
-              </a:spcAft>
-              <a:buSzPts val="1400"/>
-              <a:buNone/>
-              <a:defRPr/>
-            </a:lvl8pPr>
-            <a:lvl9pPr lvl="8" algn="ctr" rtl="0">
-              <a:lnSpc>
-                <a:spcPct val="100000"/>
-              </a:lnSpc>
-              <a:spcBef>
-                <a:spcPts val="1600"/>
-              </a:spcBef>
-              <a:spcAft>
-                <a:spcPts val="1600"/>
-              </a:spcAft>
-              <a:buSzPts val="1400"/>
-              <a:buNone/>
-              <a:defRPr/>
-            </a:lvl9pPr>
-          </a:lstStyle>
-          <a:p>
-            <a:endParaRPr/>
-          </a:p>
-        </p:txBody>
-      </p:sp>
-    </p:spTree>
-  </p:cSld>
-  <p:clrMapOvr>
-    <a:masterClrMapping/>
-  </p:clrMapOvr>
-  <mc:AlternateContent xmlns:mc="http://schemas.openxmlformats.org/markup-compatibility/2006" xmlns:p14="http://schemas.microsoft.com/office/powerpoint/2010/main">
-    <mc:Choice Requires="p14">
-      <p:transition spd="slow" p14:dur="3900">
-        <p14:glitter pattern="hexagon"/>
-      </p:transition>
-    </mc:Choice>
-    <mc:Fallback xmlns="">
-      <p:transition spd="slow">
-        <p:fade/>
-      </p:transition>
-    </mc:Fallback>
-  </mc:AlternateContent>
-</p:sldLayout>
-</file>
-
-<file path=ppt/slideLayouts/slideLayout4.xml><?xml version="1.0" encoding="utf-8"?>
 <p:sldLayout xmlns:a="http://schemas.openxmlformats.org/drawingml/2006/main" xmlns:r="http://schemas.openxmlformats.org/officeDocument/2006/relationships" xmlns:p="http://schemas.openxmlformats.org/presentationml/2006/main" matchingName="Blank" type="blank">
   <p:cSld name="BLANK">
     <p:bg>
@@ -2380,7 +1733,7 @@
 </p:sldLayout>
 </file>
 
-<file path=ppt/slideLayouts/slideLayout5.xml><?xml version="1.0" encoding="utf-8"?>
+<file path=ppt/slideLayouts/slideLayout4.xml><?xml version="1.0" encoding="utf-8"?>
 <p:sldLayout xmlns:a="http://schemas.openxmlformats.org/drawingml/2006/main" xmlns:r="http://schemas.openxmlformats.org/officeDocument/2006/relationships" xmlns:p="http://schemas.openxmlformats.org/presentationml/2006/main" matchingName="Table of contents">
   <p:cSld name="BLANK_1">
     <p:spTree>
@@ -5066,7 +4419,7 @@
 </p:sldLayout>
 </file>
 
-<file path=ppt/slideLayouts/slideLayout6.xml><?xml version="1.0" encoding="utf-8"?>
+<file path=ppt/slideLayouts/slideLayout5.xml><?xml version="1.0" encoding="utf-8"?>
 <p:sldLayout xmlns:a="http://schemas.openxmlformats.org/drawingml/2006/main" xmlns:r="http://schemas.openxmlformats.org/officeDocument/2006/relationships" xmlns:p="http://schemas.openxmlformats.org/presentationml/2006/main" matchingName="Title and text">
   <p:cSld name="CUSTOM">
     <p:spTree>
@@ -5391,7 +4744,7 @@
 </p:sldLayout>
 </file>
 
-<file path=ppt/slideLayouts/slideLayout7.xml><?xml version="1.0" encoding="utf-8"?>
+<file path=ppt/slideLayouts/slideLayout6.xml><?xml version="1.0" encoding="utf-8"?>
 <p:sldLayout xmlns:a="http://schemas.openxmlformats.org/drawingml/2006/main" xmlns:r="http://schemas.openxmlformats.org/officeDocument/2006/relationships" xmlns:p="http://schemas.openxmlformats.org/presentationml/2006/main" matchingName="Background ">
   <p:cSld name="BLANK_1_1_1_1_1_1_1_1">
     <p:spTree>
@@ -5428,7 +4781,7 @@
 </p:sldLayout>
 </file>
 
-<file path=ppt/slideLayouts/slideLayout8.xml><?xml version="1.0" encoding="utf-8"?>
+<file path=ppt/slideLayouts/slideLayout7.xml><?xml version="1.0" encoding="utf-8"?>
 <p:sldLayout xmlns:a="http://schemas.openxmlformats.org/drawingml/2006/main" xmlns:r="http://schemas.openxmlformats.org/officeDocument/2006/relationships" xmlns:p="http://schemas.openxmlformats.org/presentationml/2006/main" matchingName="Background  1">
   <p:cSld name="BLANK_1_1_1_1_1_1_1_1_1">
     <p:bg>
@@ -5478,7 +4831,7 @@
 </p:sldLayout>
 </file>
 
-<file path=ppt/slideLayouts/slideLayout9.xml><?xml version="1.0" encoding="utf-8"?>
+<file path=ppt/slideLayouts/slideLayout8.xml><?xml version="1.0" encoding="utf-8"?>
 <p:sldLayout xmlns:a="http://schemas.openxmlformats.org/drawingml/2006/main" xmlns:r="http://schemas.openxmlformats.org/officeDocument/2006/relationships" xmlns:p="http://schemas.openxmlformats.org/presentationml/2006/main" matchingName="Background  2">
   <p:cSld name="BLANK_1_1_1_1_1_1_1_1_2">
     <p:bg>
@@ -5534,7 +4887,7 @@
     <p:bg>
       <p:bgPr>
         <a:blipFill>
-          <a:blip r:embed="rId11">
+          <a:blip r:embed="rId10">
             <a:alphaModFix/>
           </a:blip>
           <a:stretch>
@@ -6073,13 +5426,12 @@
   <p:sldLayoutIdLst>
     <p:sldLayoutId id="2147483648" r:id="rId1"/>
     <p:sldLayoutId id="2147483652" r:id="rId2"/>
-    <p:sldLayoutId id="2147483655" r:id="rId3"/>
-    <p:sldLayoutId id="2147483658" r:id="rId4"/>
-    <p:sldLayoutId id="2147483659" r:id="rId5"/>
-    <p:sldLayoutId id="2147483661" r:id="rId6"/>
-    <p:sldLayoutId id="2147483671" r:id="rId7"/>
-    <p:sldLayoutId id="2147483672" r:id="rId8"/>
-    <p:sldLayoutId id="2147483673" r:id="rId9"/>
+    <p:sldLayoutId id="2147483658" r:id="rId3"/>
+    <p:sldLayoutId id="2147483659" r:id="rId4"/>
+    <p:sldLayoutId id="2147483661" r:id="rId5"/>
+    <p:sldLayoutId id="2147483671" r:id="rId6"/>
+    <p:sldLayoutId id="2147483672" r:id="rId7"/>
+    <p:sldLayoutId id="2147483673" r:id="rId8"/>
   </p:sldLayoutIdLst>
   <mc:AlternateContent xmlns:mc="http://schemas.openxmlformats.org/markup-compatibility/2006" xmlns:p14="http://schemas.microsoft.com/office/powerpoint/2010/main">
     <mc:Choice Requires="p14">
@@ -6828,8 +6180,8 @@
         </p:nvSpPr>
         <p:spPr>
           <a:xfrm>
-            <a:off x="2000250" y="858286"/>
-            <a:ext cx="5143500" cy="2756100"/>
+            <a:off x="2000250" y="1838938"/>
+            <a:ext cx="5143500" cy="1775447"/>
           </a:xfrm>
           <a:prstGeom prst="rect">
             <a:avLst/>
@@ -6852,15 +6204,11 @@
             </a:pPr>
             <a:r>
               <a:rPr lang="en" sz="6200" dirty="0"/>
-              <a:t>Candy Rush</a:t>
+              <a:t>Capstone</a:t>
             </a:r>
             <a:br>
               <a:rPr lang="en" sz="6200" dirty="0"/>
             </a:br>
-            <a:r>
-              <a:rPr lang="en" sz="6200" dirty="0"/>
-              <a:t>Grand Prix</a:t>
-            </a:r>
             <a:br>
               <a:rPr lang="en" sz="6200" dirty="0"/>
             </a:br>
@@ -6922,7 +6270,7 @@
         </p:nvGrpSpPr>
         <p:grpSpPr>
           <a:xfrm>
-            <a:off x="1722399" y="1827485"/>
+            <a:off x="1727018" y="2432467"/>
             <a:ext cx="5822957" cy="398700"/>
             <a:chOff x="1494838" y="3496125"/>
             <a:chExt cx="5822957" cy="398700"/>
@@ -7390,305 +6738,6 @@
       </p:transition>
     </mc:Fallback>
   </mc:AlternateContent>
-  <p:timing>
-    <p:tnLst>
-      <p:par>
-        <p:cTn id="1" dur="indefinite" restart="never" nodeType="tmRoot">
-          <p:childTnLst>
-            <p:seq concurrent="1" nextAc="seek">
-              <p:cTn id="2" dur="indefinite" nodeType="mainSeq">
-                <p:childTnLst>
-                  <p:par>
-                    <p:cTn id="3" fill="hold">
-                      <p:stCondLst>
-                        <p:cond delay="indefinite"/>
-                      </p:stCondLst>
-                      <p:childTnLst>
-                        <p:par>
-                          <p:cTn id="4" fill="hold">
-                            <p:stCondLst>
-                              <p:cond delay="0"/>
-                            </p:stCondLst>
-                            <p:childTnLst>
-                              <p:par>
-                                <p:cTn id="5" presetID="42" presetClass="entr" presetSubtype="0" fill="hold" grpId="0" nodeType="clickEffect">
-                                  <p:stCondLst>
-                                    <p:cond delay="0"/>
-                                  </p:stCondLst>
-                                  <p:childTnLst>
-                                    <p:set>
-                                      <p:cBhvr>
-                                        <p:cTn id="6" dur="1" fill="hold">
-                                          <p:stCondLst>
-                                            <p:cond delay="0"/>
-                                          </p:stCondLst>
-                                        </p:cTn>
-                                        <p:tgtEl>
-                                          <p:spTgt spid="168"/>
-                                        </p:tgtEl>
-                                        <p:attrNameLst>
-                                          <p:attrName>style.visibility</p:attrName>
-                                        </p:attrNameLst>
-                                      </p:cBhvr>
-                                      <p:to>
-                                        <p:strVal val="visible"/>
-                                      </p:to>
-                                    </p:set>
-                                    <p:animEffect transition="in" filter="fade">
-                                      <p:cBhvr>
-                                        <p:cTn id="7" dur="1000"/>
-                                        <p:tgtEl>
-                                          <p:spTgt spid="168"/>
-                                        </p:tgtEl>
-                                      </p:cBhvr>
-                                    </p:animEffect>
-                                    <p:anim calcmode="lin" valueType="num">
-                                      <p:cBhvr>
-                                        <p:cTn id="8" dur="1000" fill="hold"/>
-                                        <p:tgtEl>
-                                          <p:spTgt spid="168"/>
-                                        </p:tgtEl>
-                                        <p:attrNameLst>
-                                          <p:attrName>ppt_x</p:attrName>
-                                        </p:attrNameLst>
-                                      </p:cBhvr>
-                                      <p:tavLst>
-                                        <p:tav tm="0">
-                                          <p:val>
-                                            <p:strVal val="#ppt_x"/>
-                                          </p:val>
-                                        </p:tav>
-                                        <p:tav tm="100000">
-                                          <p:val>
-                                            <p:strVal val="#ppt_x"/>
-                                          </p:val>
-                                        </p:tav>
-                                      </p:tavLst>
-                                    </p:anim>
-                                    <p:anim calcmode="lin" valueType="num">
-                                      <p:cBhvr>
-                                        <p:cTn id="9" dur="1000" fill="hold"/>
-                                        <p:tgtEl>
-                                          <p:spTgt spid="168"/>
-                                        </p:tgtEl>
-                                        <p:attrNameLst>
-                                          <p:attrName>ppt_y</p:attrName>
-                                        </p:attrNameLst>
-                                      </p:cBhvr>
-                                      <p:tavLst>
-                                        <p:tav tm="0">
-                                          <p:val>
-                                            <p:strVal val="#ppt_y+.1"/>
-                                          </p:val>
-                                        </p:tav>
-                                        <p:tav tm="100000">
-                                          <p:val>
-                                            <p:strVal val="#ppt_y"/>
-                                          </p:val>
-                                        </p:tav>
-                                      </p:tavLst>
-                                    </p:anim>
-                                  </p:childTnLst>
-                                </p:cTn>
-                              </p:par>
-                              <p:par>
-                                <p:cTn id="10" presetID="42" presetClass="entr" presetSubtype="0" fill="hold" nodeType="withEffect">
-                                  <p:stCondLst>
-                                    <p:cond delay="0"/>
-                                  </p:stCondLst>
-                                  <p:childTnLst>
-                                    <p:set>
-                                      <p:cBhvr>
-                                        <p:cTn id="11" dur="1" fill="hold">
-                                          <p:stCondLst>
-                                            <p:cond delay="0"/>
-                                          </p:stCondLst>
-                                        </p:cTn>
-                                        <p:tgtEl>
-                                          <p:spTgt spid="170"/>
-                                        </p:tgtEl>
-                                        <p:attrNameLst>
-                                          <p:attrName>style.visibility</p:attrName>
-                                        </p:attrNameLst>
-                                      </p:cBhvr>
-                                      <p:to>
-                                        <p:strVal val="visible"/>
-                                      </p:to>
-                                    </p:set>
-                                    <p:animEffect transition="in" filter="fade">
-                                      <p:cBhvr>
-                                        <p:cTn id="12" dur="1000"/>
-                                        <p:tgtEl>
-                                          <p:spTgt spid="170"/>
-                                        </p:tgtEl>
-                                      </p:cBhvr>
-                                    </p:animEffect>
-                                    <p:anim calcmode="lin" valueType="num">
-                                      <p:cBhvr>
-                                        <p:cTn id="13" dur="1000" fill="hold"/>
-                                        <p:tgtEl>
-                                          <p:spTgt spid="170"/>
-                                        </p:tgtEl>
-                                        <p:attrNameLst>
-                                          <p:attrName>ppt_x</p:attrName>
-                                        </p:attrNameLst>
-                                      </p:cBhvr>
-                                      <p:tavLst>
-                                        <p:tav tm="0">
-                                          <p:val>
-                                            <p:strVal val="#ppt_x"/>
-                                          </p:val>
-                                        </p:tav>
-                                        <p:tav tm="100000">
-                                          <p:val>
-                                            <p:strVal val="#ppt_x"/>
-                                          </p:val>
-                                        </p:tav>
-                                      </p:tavLst>
-                                    </p:anim>
-                                    <p:anim calcmode="lin" valueType="num">
-                                      <p:cBhvr>
-                                        <p:cTn id="14" dur="1000" fill="hold"/>
-                                        <p:tgtEl>
-                                          <p:spTgt spid="170"/>
-                                        </p:tgtEl>
-                                        <p:attrNameLst>
-                                          <p:attrName>ppt_y</p:attrName>
-                                        </p:attrNameLst>
-                                      </p:cBhvr>
-                                      <p:tavLst>
-                                        <p:tav tm="0">
-                                          <p:val>
-                                            <p:strVal val="#ppt_y+.1"/>
-                                          </p:val>
-                                        </p:tav>
-                                        <p:tav tm="100000">
-                                          <p:val>
-                                            <p:strVal val="#ppt_y"/>
-                                          </p:val>
-                                        </p:tav>
-                                      </p:tavLst>
-                                    </p:anim>
-                                  </p:childTnLst>
-                                </p:cTn>
-                              </p:par>
-                              <p:par>
-                                <p:cTn id="15" presetID="2" presetClass="entr" presetSubtype="4" fill="hold" grpId="0" nodeType="withEffect">
-                                  <p:stCondLst>
-                                    <p:cond delay="0"/>
-                                  </p:stCondLst>
-                                  <p:childTnLst>
-                                    <p:set>
-                                      <p:cBhvr>
-                                        <p:cTn id="16" dur="1" fill="hold">
-                                          <p:stCondLst>
-                                            <p:cond delay="0"/>
-                                          </p:stCondLst>
-                                        </p:cTn>
-                                        <p:tgtEl>
-                                          <p:spTgt spid="169">
-                                            <p:txEl>
-                                              <p:pRg st="0" end="0"/>
-                                            </p:txEl>
-                                          </p:spTgt>
-                                        </p:tgtEl>
-                                        <p:attrNameLst>
-                                          <p:attrName>style.visibility</p:attrName>
-                                        </p:attrNameLst>
-                                      </p:cBhvr>
-                                      <p:to>
-                                        <p:strVal val="visible"/>
-                                      </p:to>
-                                    </p:set>
-                                    <p:anim calcmode="lin" valueType="num">
-                                      <p:cBhvr additive="base">
-                                        <p:cTn id="17" dur="500" fill="hold"/>
-                                        <p:tgtEl>
-                                          <p:spTgt spid="169">
-                                            <p:txEl>
-                                              <p:pRg st="0" end="0"/>
-                                            </p:txEl>
-                                          </p:spTgt>
-                                        </p:tgtEl>
-                                        <p:attrNameLst>
-                                          <p:attrName>ppt_x</p:attrName>
-                                        </p:attrNameLst>
-                                      </p:cBhvr>
-                                      <p:tavLst>
-                                        <p:tav tm="0">
-                                          <p:val>
-                                            <p:strVal val="#ppt_x"/>
-                                          </p:val>
-                                        </p:tav>
-                                        <p:tav tm="100000">
-                                          <p:val>
-                                            <p:strVal val="#ppt_x"/>
-                                          </p:val>
-                                        </p:tav>
-                                      </p:tavLst>
-                                    </p:anim>
-                                    <p:anim calcmode="lin" valueType="num">
-                                      <p:cBhvr additive="base">
-                                        <p:cTn id="18" dur="500" fill="hold"/>
-                                        <p:tgtEl>
-                                          <p:spTgt spid="169">
-                                            <p:txEl>
-                                              <p:pRg st="0" end="0"/>
-                                            </p:txEl>
-                                          </p:spTgt>
-                                        </p:tgtEl>
-                                        <p:attrNameLst>
-                                          <p:attrName>ppt_y</p:attrName>
-                                        </p:attrNameLst>
-                                      </p:cBhvr>
-                                      <p:tavLst>
-                                        <p:tav tm="0">
-                                          <p:val>
-                                            <p:strVal val="1+#ppt_h/2"/>
-                                          </p:val>
-                                        </p:tav>
-                                        <p:tav tm="100000">
-                                          <p:val>
-                                            <p:strVal val="#ppt_y"/>
-                                          </p:val>
-                                        </p:tav>
-                                      </p:tavLst>
-                                    </p:anim>
-                                  </p:childTnLst>
-                                </p:cTn>
-                              </p:par>
-                            </p:childTnLst>
-                          </p:cTn>
-                        </p:par>
-                      </p:childTnLst>
-                    </p:cTn>
-                  </p:par>
-                </p:childTnLst>
-              </p:cTn>
-              <p:prevCondLst>
-                <p:cond evt="onPrev" delay="0">
-                  <p:tgtEl>
-                    <p:sldTgt/>
-                  </p:tgtEl>
-                </p:cond>
-              </p:prevCondLst>
-              <p:nextCondLst>
-                <p:cond evt="onNext" delay="0">
-                  <p:tgtEl>
-                    <p:sldTgt/>
-                  </p:tgtEl>
-                </p:cond>
-              </p:nextCondLst>
-            </p:seq>
-          </p:childTnLst>
-        </p:cTn>
-      </p:par>
-    </p:tnLst>
-    <p:bldLst>
-      <p:bldP spid="168" grpId="0"/>
-      <p:bldP spid="169" grpId="0" build="p"/>
-    </p:bldLst>
-  </p:timing>
 </p:sld>
 </file>
 
@@ -8123,301 +7172,64 @@
             </a:lvl9pPr>
           </a:lstStyle>
           <a:p>
-            <a:pPr marL="171450" indent="-171450">
-              <a:buFont typeface="Arial" panose="020B0604020202020204" pitchFamily="34" charset="0"/>
-              <a:buChar char="•"/>
-            </a:pPr>
             <a:r>
               <a:rPr lang="en-US" sz="1800" dirty="0">
                 <a:solidFill>
                   <a:schemeClr val="accent2"/>
                 </a:solidFill>
               </a:rPr>
-              <a:t>"Candy Rush Grand Prix" is a candy-themed go-kart racing game inspired by Mario Kart. Players race through whimsical, sugar-filled environments, navigating tracks made of chocolate, licorice, and other sweets. The game features colorful karts, candy power-ups, and fun, competitive gameplay, perfect for players of all ages.</a:t>
+              <a:t>"</a:t>
+            </a:r>
+            <a:r>
+              <a:rPr lang="en-US" sz="2400" dirty="0">
+                <a:solidFill>
+                  <a:schemeClr val="accent2"/>
+                </a:solidFill>
+              </a:rPr>
+              <a:t>Candy Rush Grand Prix</a:t>
+            </a:r>
+            <a:r>
+              <a:rPr lang="en-US" sz="1800" dirty="0">
+                <a:solidFill>
+                  <a:schemeClr val="accent2"/>
+                </a:solidFill>
+              </a:rPr>
+              <a:t>"</a:t>
             </a:r>
           </a:p>
-        </p:txBody>
-      </p:sp>
-      <p:sp>
-        <p:nvSpPr>
-          <p:cNvPr id="3" name="Google Shape;183;p32">
-            <a:extLst>
-              <a:ext uri="{FF2B5EF4-FFF2-40B4-BE49-F238E27FC236}">
-                <a16:creationId xmlns:a16="http://schemas.microsoft.com/office/drawing/2014/main" id="{7EEBA2C2-4C09-2E83-4CE0-B8BB5B0D5CDE}"/>
-              </a:ext>
-            </a:extLst>
-          </p:cNvPr>
-          <p:cNvSpPr txBox="1">
-            <a:spLocks/>
-          </p:cNvSpPr>
-          <p:nvPr/>
-        </p:nvSpPr>
-        <p:spPr>
-          <a:xfrm>
-            <a:off x="372853" y="3360205"/>
-            <a:ext cx="8219538" cy="1100029"/>
-          </a:xfrm>
-          <a:prstGeom prst="rect">
-            <a:avLst/>
-          </a:prstGeom>
-          <a:noFill/>
-          <a:ln>
-            <a:noFill/>
-          </a:ln>
-        </p:spPr>
-        <p:txBody>
-          <a:bodyPr spcFirstLastPara="1" wrap="square" lIns="91425" tIns="91425" rIns="91425" bIns="91425" anchor="ctr" anchorCtr="0">
-            <a:noAutofit/>
-          </a:bodyPr>
-          <a:lstStyle>
-            <a:defPPr marR="0" lvl="0" algn="l" rtl="0">
-              <a:lnSpc>
-                <a:spcPct val="100000"/>
-              </a:lnSpc>
-              <a:spcBef>
-                <a:spcPts val="0"/>
-              </a:spcBef>
-              <a:spcAft>
-                <a:spcPts val="0"/>
-              </a:spcAft>
-            </a:defPPr>
-            <a:lvl1pPr marR="0" lvl="0" algn="l" rtl="0">
-              <a:lnSpc>
-                <a:spcPct val="100000"/>
-              </a:lnSpc>
-              <a:spcBef>
-                <a:spcPts val="0"/>
-              </a:spcBef>
-              <a:spcAft>
-                <a:spcPts val="0"/>
-              </a:spcAft>
-              <a:buClr>
-                <a:schemeClr val="dk2"/>
-              </a:buClr>
-              <a:buSzPts val="3500"/>
-              <a:buFont typeface="DM Serif Display"/>
-              <a:buNone/>
-              <a:defRPr sz="3500" b="1" i="1" u="none" strike="noStrike" cap="none">
+          <a:p>
+            <a:endParaRPr lang="en-US" sz="1800" dirty="0">
+              <a:solidFill>
+                <a:schemeClr val="accent2"/>
+              </a:solidFill>
+            </a:endParaRPr>
+          </a:p>
+          <a:p>
+            <a:r>
+              <a:rPr lang="en-US" sz="1800" dirty="0">
                 <a:solidFill>
-                  <a:schemeClr val="dk2"/>
+                  <a:schemeClr val="accent2"/>
                 </a:solidFill>
-                <a:latin typeface="DM Serif Display"/>
-                <a:ea typeface="DM Serif Display"/>
-                <a:cs typeface="DM Serif Display"/>
-                <a:sym typeface="DM Serif Display"/>
-              </a:defRPr>
-            </a:lvl1pPr>
-            <a:lvl2pPr marR="0" lvl="1" algn="l" rtl="0">
-              <a:lnSpc>
-                <a:spcPct val="100000"/>
-              </a:lnSpc>
-              <a:spcBef>
-                <a:spcPts val="0"/>
-              </a:spcBef>
-              <a:spcAft>
-                <a:spcPts val="0"/>
-              </a:spcAft>
-              <a:buClr>
-                <a:schemeClr val="dk2"/>
-              </a:buClr>
-              <a:buSzPts val="3500"/>
-              <a:buFont typeface="DM Serif Display"/>
-              <a:buNone/>
-              <a:defRPr sz="3500" b="1" i="1" u="none" strike="noStrike" cap="none">
+              </a:rPr>
+              <a:t>A candy-themed go-kart racing game inspired by Diddy Kong Racing. </a:t>
+            </a:r>
+          </a:p>
+          <a:p>
+            <a:endParaRPr lang="en-US" sz="1800" dirty="0">
+              <a:solidFill>
+                <a:schemeClr val="accent2"/>
+              </a:solidFill>
+            </a:endParaRPr>
+          </a:p>
+          <a:p>
+            <a:r>
+              <a:rPr lang="en-US" sz="1800" dirty="0">
                 <a:solidFill>
-                  <a:schemeClr val="dk2"/>
+                  <a:schemeClr val="accent2"/>
                 </a:solidFill>
-                <a:latin typeface="DM Serif Display"/>
-                <a:ea typeface="DM Serif Display"/>
-                <a:cs typeface="DM Serif Display"/>
-                <a:sym typeface="DM Serif Display"/>
-              </a:defRPr>
-            </a:lvl2pPr>
-            <a:lvl3pPr marR="0" lvl="2" algn="l" rtl="0">
-              <a:lnSpc>
-                <a:spcPct val="100000"/>
-              </a:lnSpc>
-              <a:spcBef>
-                <a:spcPts val="0"/>
-              </a:spcBef>
-              <a:spcAft>
-                <a:spcPts val="0"/>
-              </a:spcAft>
-              <a:buClr>
-                <a:schemeClr val="dk2"/>
-              </a:buClr>
-              <a:buSzPts val="3500"/>
-              <a:buFont typeface="DM Serif Display"/>
-              <a:buNone/>
-              <a:defRPr sz="3500" b="1" i="1" u="none" strike="noStrike" cap="none">
-                <a:solidFill>
-                  <a:schemeClr val="dk2"/>
-                </a:solidFill>
-                <a:latin typeface="DM Serif Display"/>
-                <a:ea typeface="DM Serif Display"/>
-                <a:cs typeface="DM Serif Display"/>
-                <a:sym typeface="DM Serif Display"/>
-              </a:defRPr>
-            </a:lvl3pPr>
-            <a:lvl4pPr marR="0" lvl="3" algn="l" rtl="0">
-              <a:lnSpc>
-                <a:spcPct val="100000"/>
-              </a:lnSpc>
-              <a:spcBef>
-                <a:spcPts val="0"/>
-              </a:spcBef>
-              <a:spcAft>
-                <a:spcPts val="0"/>
-              </a:spcAft>
-              <a:buClr>
-                <a:schemeClr val="dk2"/>
-              </a:buClr>
-              <a:buSzPts val="3500"/>
-              <a:buFont typeface="DM Serif Display"/>
-              <a:buNone/>
-              <a:defRPr sz="3500" b="1" i="1" u="none" strike="noStrike" cap="none">
-                <a:solidFill>
-                  <a:schemeClr val="dk2"/>
-                </a:solidFill>
-                <a:latin typeface="DM Serif Display"/>
-                <a:ea typeface="DM Serif Display"/>
-                <a:cs typeface="DM Serif Display"/>
-                <a:sym typeface="DM Serif Display"/>
-              </a:defRPr>
-            </a:lvl4pPr>
-            <a:lvl5pPr marR="0" lvl="4" algn="l" rtl="0">
-              <a:lnSpc>
-                <a:spcPct val="100000"/>
-              </a:lnSpc>
-              <a:spcBef>
-                <a:spcPts val="0"/>
-              </a:spcBef>
-              <a:spcAft>
-                <a:spcPts val="0"/>
-              </a:spcAft>
-              <a:buClr>
-                <a:schemeClr val="dk2"/>
-              </a:buClr>
-              <a:buSzPts val="3500"/>
-              <a:buFont typeface="DM Serif Display"/>
-              <a:buNone/>
-              <a:defRPr sz="3500" b="1" i="1" u="none" strike="noStrike" cap="none">
-                <a:solidFill>
-                  <a:schemeClr val="dk2"/>
-                </a:solidFill>
-                <a:latin typeface="DM Serif Display"/>
-                <a:ea typeface="DM Serif Display"/>
-                <a:cs typeface="DM Serif Display"/>
-                <a:sym typeface="DM Serif Display"/>
-              </a:defRPr>
-            </a:lvl5pPr>
-            <a:lvl6pPr marR="0" lvl="5" algn="l" rtl="0">
-              <a:lnSpc>
-                <a:spcPct val="100000"/>
-              </a:lnSpc>
-              <a:spcBef>
-                <a:spcPts val="0"/>
-              </a:spcBef>
-              <a:spcAft>
-                <a:spcPts val="0"/>
-              </a:spcAft>
-              <a:buClr>
-                <a:schemeClr val="dk2"/>
-              </a:buClr>
-              <a:buSzPts val="3500"/>
-              <a:buFont typeface="DM Serif Display"/>
-              <a:buNone/>
-              <a:defRPr sz="3500" b="1" i="1" u="none" strike="noStrike" cap="none">
-                <a:solidFill>
-                  <a:schemeClr val="dk2"/>
-                </a:solidFill>
-                <a:latin typeface="DM Serif Display"/>
-                <a:ea typeface="DM Serif Display"/>
-                <a:cs typeface="DM Serif Display"/>
-                <a:sym typeface="DM Serif Display"/>
-              </a:defRPr>
-            </a:lvl6pPr>
-            <a:lvl7pPr marR="0" lvl="6" algn="l" rtl="0">
-              <a:lnSpc>
-                <a:spcPct val="100000"/>
-              </a:lnSpc>
-              <a:spcBef>
-                <a:spcPts val="0"/>
-              </a:spcBef>
-              <a:spcAft>
-                <a:spcPts val="0"/>
-              </a:spcAft>
-              <a:buClr>
-                <a:schemeClr val="dk2"/>
-              </a:buClr>
-              <a:buSzPts val="3500"/>
-              <a:buFont typeface="DM Serif Display"/>
-              <a:buNone/>
-              <a:defRPr sz="3500" b="1" i="1" u="none" strike="noStrike" cap="none">
-                <a:solidFill>
-                  <a:schemeClr val="dk2"/>
-                </a:solidFill>
-                <a:latin typeface="DM Serif Display"/>
-                <a:ea typeface="DM Serif Display"/>
-                <a:cs typeface="DM Serif Display"/>
-                <a:sym typeface="DM Serif Display"/>
-              </a:defRPr>
-            </a:lvl7pPr>
-            <a:lvl8pPr marR="0" lvl="7" algn="l" rtl="0">
-              <a:lnSpc>
-                <a:spcPct val="100000"/>
-              </a:lnSpc>
-              <a:spcBef>
-                <a:spcPts val="0"/>
-              </a:spcBef>
-              <a:spcAft>
-                <a:spcPts val="0"/>
-              </a:spcAft>
-              <a:buClr>
-                <a:schemeClr val="dk2"/>
-              </a:buClr>
-              <a:buSzPts val="3500"/>
-              <a:buFont typeface="DM Serif Display"/>
-              <a:buNone/>
-              <a:defRPr sz="3500" b="1" i="1" u="none" strike="noStrike" cap="none">
-                <a:solidFill>
-                  <a:schemeClr val="dk2"/>
-                </a:solidFill>
-                <a:latin typeface="DM Serif Display"/>
-                <a:ea typeface="DM Serif Display"/>
-                <a:cs typeface="DM Serif Display"/>
-                <a:sym typeface="DM Serif Display"/>
-              </a:defRPr>
-            </a:lvl8pPr>
-            <a:lvl9pPr marR="0" lvl="8" algn="l" rtl="0">
-              <a:lnSpc>
-                <a:spcPct val="100000"/>
-              </a:lnSpc>
-              <a:spcBef>
-                <a:spcPts val="0"/>
-              </a:spcBef>
-              <a:spcAft>
-                <a:spcPts val="0"/>
-              </a:spcAft>
-              <a:buClr>
-                <a:schemeClr val="dk2"/>
-              </a:buClr>
-              <a:buSzPts val="3500"/>
-              <a:buFont typeface="DM Serif Display"/>
-              <a:buNone/>
-              <a:defRPr sz="3500" b="1" i="1" u="none" strike="noStrike" cap="none">
-                <a:solidFill>
-                  <a:schemeClr val="dk2"/>
-                </a:solidFill>
-                <a:latin typeface="DM Serif Display"/>
-                <a:ea typeface="DM Serif Display"/>
-                <a:cs typeface="DM Serif Display"/>
-                <a:sym typeface="DM Serif Display"/>
-              </a:defRPr>
-            </a:lvl9pPr>
-          </a:lstStyle>
-          <a:p>
-            <a:endParaRPr lang="en-US" sz="2400" dirty="0"/>
+              </a:rPr>
+              <a:t>Players race through whimsical, sugar-filled environments, navigating tracks made of chocolate, licorice, and other sweets. The game features colorful karts, candy power-ups, and fun, competitive gameplay, perfect for players of all ages.</a:t>
+            </a:r>
           </a:p>
         </p:txBody>
       </p:sp>
@@ -8442,654 +7254,6 @@
 </file>
 
 <file path=ppt/slides/slide3.xml><?xml version="1.0" encoding="utf-8"?>
-<p:sld xmlns:a="http://schemas.openxmlformats.org/drawingml/2006/main" xmlns:r="http://schemas.openxmlformats.org/officeDocument/2006/relationships" xmlns:p="http://schemas.openxmlformats.org/presentationml/2006/main">
-  <p:cSld>
-    <p:bg>
-      <p:bgPr>
-        <a:blipFill>
-          <a:blip r:embed="rId3">
-            <a:alphaModFix/>
-          </a:blip>
-          <a:stretch>
-            <a:fillRect/>
-          </a:stretch>
-        </a:blipFill>
-        <a:effectLst/>
-      </p:bgPr>
-    </p:bg>
-    <p:spTree>
-      <p:nvGrpSpPr>
-        <p:cNvPr id="1" name="Shape 182"/>
-        <p:cNvGrpSpPr/>
-        <p:nvPr/>
-      </p:nvGrpSpPr>
-      <p:grpSpPr>
-        <a:xfrm>
-          <a:off x="0" y="0"/>
-          <a:ext cx="0" cy="0"/>
-          <a:chOff x="0" y="0"/>
-          <a:chExt cx="0" cy="0"/>
-        </a:xfrm>
-      </p:grpSpPr>
-      <p:sp>
-        <p:nvSpPr>
-          <p:cNvPr id="183" name="Google Shape;183;p32"/>
-          <p:cNvSpPr txBox="1">
-            <a:spLocks noGrp="1"/>
-          </p:cNvSpPr>
-          <p:nvPr>
-            <p:ph type="title"/>
-          </p:nvPr>
-        </p:nvSpPr>
-        <p:spPr>
-          <a:xfrm>
-            <a:off x="462231" y="683695"/>
-            <a:ext cx="8219538" cy="634079"/>
-          </a:xfrm>
-          <a:prstGeom prst="rect">
-            <a:avLst/>
-          </a:prstGeom>
-        </p:spPr>
-        <p:txBody>
-          <a:bodyPr spcFirstLastPara="1" wrap="square" lIns="91425" tIns="91425" rIns="91425" bIns="91425" anchor="ctr" anchorCtr="0">
-            <a:noAutofit/>
-          </a:bodyPr>
-          <a:lstStyle/>
-          <a:p>
-            <a:pPr algn="ctr"/>
-            <a:r>
-              <a:rPr lang="en-US" sz="2400" kern="100" dirty="0">
-                <a:effectLst/>
-                <a:latin typeface="Trebuchet MS" panose="020B0603020202020204" pitchFamily="34" charset="0"/>
-                <a:ea typeface="Trebuchet MS" panose="020B0603020202020204" pitchFamily="34" charset="0"/>
-                <a:cs typeface="Times New Roman" panose="02020603050405020304" pitchFamily="18" charset="0"/>
-              </a:rPr>
-              <a:t>What Inspired Me?</a:t>
-            </a:r>
-            <a:endParaRPr sz="2400" dirty="0"/>
-          </a:p>
-        </p:txBody>
-      </p:sp>
-      <p:grpSp>
-        <p:nvGrpSpPr>
-          <p:cNvPr id="188" name="Google Shape;188;p32"/>
-          <p:cNvGrpSpPr/>
-          <p:nvPr/>
-        </p:nvGrpSpPr>
-        <p:grpSpPr>
-          <a:xfrm flipH="1">
-            <a:off x="950821" y="1118424"/>
-            <a:ext cx="7034560" cy="398700"/>
-            <a:chOff x="3141025" y="1914350"/>
-            <a:chExt cx="5306225" cy="398700"/>
-          </a:xfrm>
-        </p:grpSpPr>
-        <p:cxnSp>
-          <p:nvCxnSpPr>
-            <p:cNvPr id="189" name="Google Shape;189;p32"/>
-            <p:cNvCxnSpPr/>
-            <p:nvPr/>
-          </p:nvCxnSpPr>
-          <p:spPr>
-            <a:xfrm>
-              <a:off x="3397650" y="2113700"/>
-              <a:ext cx="5049600" cy="0"/>
-            </a:xfrm>
-            <a:prstGeom prst="straightConnector1">
-              <a:avLst/>
-            </a:prstGeom>
-            <a:noFill/>
-            <a:ln w="19050" cap="flat" cmpd="sng">
-              <a:solidFill>
-                <a:schemeClr val="accent2"/>
-              </a:solidFill>
-              <a:prstDash val="solid"/>
-              <a:round/>
-              <a:headEnd type="none" w="med" len="med"/>
-              <a:tailEnd type="none" w="med" len="med"/>
-            </a:ln>
-          </p:spPr>
-        </p:cxnSp>
-        <p:sp>
-          <p:nvSpPr>
-            <p:cNvPr id="190" name="Google Shape;190;p32"/>
-            <p:cNvSpPr/>
-            <p:nvPr/>
-          </p:nvSpPr>
-          <p:spPr>
-            <a:xfrm>
-              <a:off x="3141025" y="1914350"/>
-              <a:ext cx="398700" cy="398700"/>
-            </a:xfrm>
-            <a:prstGeom prst="star4">
-              <a:avLst>
-                <a:gd name="adj" fmla="val 12500"/>
-              </a:avLst>
-            </a:prstGeom>
-            <a:solidFill>
-              <a:schemeClr val="accent2"/>
-            </a:solidFill>
-            <a:ln>
-              <a:noFill/>
-            </a:ln>
-          </p:spPr>
-          <p:txBody>
-            <a:bodyPr spcFirstLastPara="1" wrap="square" lIns="91425" tIns="91425" rIns="91425" bIns="91425" anchor="ctr" anchorCtr="0">
-              <a:noAutofit/>
-            </a:bodyPr>
-            <a:lstStyle/>
-            <a:p>
-              <a:pPr marL="0" lvl="0" indent="0" algn="l" rtl="0">
-                <a:spcBef>
-                  <a:spcPts val="0"/>
-                </a:spcBef>
-                <a:spcAft>
-                  <a:spcPts val="0"/>
-                </a:spcAft>
-                <a:buNone/>
-              </a:pPr>
-              <a:endParaRPr/>
-            </a:p>
-          </p:txBody>
-        </p:sp>
-      </p:grpSp>
-      <p:sp>
-        <p:nvSpPr>
-          <p:cNvPr id="3" name="Google Shape;183;p32">
-            <a:extLst>
-              <a:ext uri="{FF2B5EF4-FFF2-40B4-BE49-F238E27FC236}">
-                <a16:creationId xmlns:a16="http://schemas.microsoft.com/office/drawing/2014/main" id="{7EEBA2C2-4C09-2E83-4CE0-B8BB5B0D5CDE}"/>
-              </a:ext>
-            </a:extLst>
-          </p:cNvPr>
-          <p:cNvSpPr txBox="1">
-            <a:spLocks/>
-          </p:cNvSpPr>
-          <p:nvPr/>
-        </p:nvSpPr>
-        <p:spPr>
-          <a:xfrm>
-            <a:off x="372853" y="3360205"/>
-            <a:ext cx="8219538" cy="1100029"/>
-          </a:xfrm>
-          <a:prstGeom prst="rect">
-            <a:avLst/>
-          </a:prstGeom>
-          <a:noFill/>
-          <a:ln>
-            <a:noFill/>
-          </a:ln>
-        </p:spPr>
-        <p:txBody>
-          <a:bodyPr spcFirstLastPara="1" wrap="square" lIns="91425" tIns="91425" rIns="91425" bIns="91425" anchor="ctr" anchorCtr="0">
-            <a:noAutofit/>
-          </a:bodyPr>
-          <a:lstStyle>
-            <a:defPPr marR="0" lvl="0" algn="l" rtl="0">
-              <a:lnSpc>
-                <a:spcPct val="100000"/>
-              </a:lnSpc>
-              <a:spcBef>
-                <a:spcPts val="0"/>
-              </a:spcBef>
-              <a:spcAft>
-                <a:spcPts val="0"/>
-              </a:spcAft>
-            </a:defPPr>
-            <a:lvl1pPr marR="0" lvl="0" algn="l" rtl="0">
-              <a:lnSpc>
-                <a:spcPct val="100000"/>
-              </a:lnSpc>
-              <a:spcBef>
-                <a:spcPts val="0"/>
-              </a:spcBef>
-              <a:spcAft>
-                <a:spcPts val="0"/>
-              </a:spcAft>
-              <a:buClr>
-                <a:schemeClr val="dk2"/>
-              </a:buClr>
-              <a:buSzPts val="3500"/>
-              <a:buFont typeface="DM Serif Display"/>
-              <a:buNone/>
-              <a:defRPr sz="3500" b="1" i="1" u="none" strike="noStrike" cap="none">
-                <a:solidFill>
-                  <a:schemeClr val="dk2"/>
-                </a:solidFill>
-                <a:latin typeface="DM Serif Display"/>
-                <a:ea typeface="DM Serif Display"/>
-                <a:cs typeface="DM Serif Display"/>
-                <a:sym typeface="DM Serif Display"/>
-              </a:defRPr>
-            </a:lvl1pPr>
-            <a:lvl2pPr marR="0" lvl="1" algn="l" rtl="0">
-              <a:lnSpc>
-                <a:spcPct val="100000"/>
-              </a:lnSpc>
-              <a:spcBef>
-                <a:spcPts val="0"/>
-              </a:spcBef>
-              <a:spcAft>
-                <a:spcPts val="0"/>
-              </a:spcAft>
-              <a:buClr>
-                <a:schemeClr val="dk2"/>
-              </a:buClr>
-              <a:buSzPts val="3500"/>
-              <a:buFont typeface="DM Serif Display"/>
-              <a:buNone/>
-              <a:defRPr sz="3500" b="1" i="1" u="none" strike="noStrike" cap="none">
-                <a:solidFill>
-                  <a:schemeClr val="dk2"/>
-                </a:solidFill>
-                <a:latin typeface="DM Serif Display"/>
-                <a:ea typeface="DM Serif Display"/>
-                <a:cs typeface="DM Serif Display"/>
-                <a:sym typeface="DM Serif Display"/>
-              </a:defRPr>
-            </a:lvl2pPr>
-            <a:lvl3pPr marR="0" lvl="2" algn="l" rtl="0">
-              <a:lnSpc>
-                <a:spcPct val="100000"/>
-              </a:lnSpc>
-              <a:spcBef>
-                <a:spcPts val="0"/>
-              </a:spcBef>
-              <a:spcAft>
-                <a:spcPts val="0"/>
-              </a:spcAft>
-              <a:buClr>
-                <a:schemeClr val="dk2"/>
-              </a:buClr>
-              <a:buSzPts val="3500"/>
-              <a:buFont typeface="DM Serif Display"/>
-              <a:buNone/>
-              <a:defRPr sz="3500" b="1" i="1" u="none" strike="noStrike" cap="none">
-                <a:solidFill>
-                  <a:schemeClr val="dk2"/>
-                </a:solidFill>
-                <a:latin typeface="DM Serif Display"/>
-                <a:ea typeface="DM Serif Display"/>
-                <a:cs typeface="DM Serif Display"/>
-                <a:sym typeface="DM Serif Display"/>
-              </a:defRPr>
-            </a:lvl3pPr>
-            <a:lvl4pPr marR="0" lvl="3" algn="l" rtl="0">
-              <a:lnSpc>
-                <a:spcPct val="100000"/>
-              </a:lnSpc>
-              <a:spcBef>
-                <a:spcPts val="0"/>
-              </a:spcBef>
-              <a:spcAft>
-                <a:spcPts val="0"/>
-              </a:spcAft>
-              <a:buClr>
-                <a:schemeClr val="dk2"/>
-              </a:buClr>
-              <a:buSzPts val="3500"/>
-              <a:buFont typeface="DM Serif Display"/>
-              <a:buNone/>
-              <a:defRPr sz="3500" b="1" i="1" u="none" strike="noStrike" cap="none">
-                <a:solidFill>
-                  <a:schemeClr val="dk2"/>
-                </a:solidFill>
-                <a:latin typeface="DM Serif Display"/>
-                <a:ea typeface="DM Serif Display"/>
-                <a:cs typeface="DM Serif Display"/>
-                <a:sym typeface="DM Serif Display"/>
-              </a:defRPr>
-            </a:lvl4pPr>
-            <a:lvl5pPr marR="0" lvl="4" algn="l" rtl="0">
-              <a:lnSpc>
-                <a:spcPct val="100000"/>
-              </a:lnSpc>
-              <a:spcBef>
-                <a:spcPts val="0"/>
-              </a:spcBef>
-              <a:spcAft>
-                <a:spcPts val="0"/>
-              </a:spcAft>
-              <a:buClr>
-                <a:schemeClr val="dk2"/>
-              </a:buClr>
-              <a:buSzPts val="3500"/>
-              <a:buFont typeface="DM Serif Display"/>
-              <a:buNone/>
-              <a:defRPr sz="3500" b="1" i="1" u="none" strike="noStrike" cap="none">
-                <a:solidFill>
-                  <a:schemeClr val="dk2"/>
-                </a:solidFill>
-                <a:latin typeface="DM Serif Display"/>
-                <a:ea typeface="DM Serif Display"/>
-                <a:cs typeface="DM Serif Display"/>
-                <a:sym typeface="DM Serif Display"/>
-              </a:defRPr>
-            </a:lvl5pPr>
-            <a:lvl6pPr marR="0" lvl="5" algn="l" rtl="0">
-              <a:lnSpc>
-                <a:spcPct val="100000"/>
-              </a:lnSpc>
-              <a:spcBef>
-                <a:spcPts val="0"/>
-              </a:spcBef>
-              <a:spcAft>
-                <a:spcPts val="0"/>
-              </a:spcAft>
-              <a:buClr>
-                <a:schemeClr val="dk2"/>
-              </a:buClr>
-              <a:buSzPts val="3500"/>
-              <a:buFont typeface="DM Serif Display"/>
-              <a:buNone/>
-              <a:defRPr sz="3500" b="1" i="1" u="none" strike="noStrike" cap="none">
-                <a:solidFill>
-                  <a:schemeClr val="dk2"/>
-                </a:solidFill>
-                <a:latin typeface="DM Serif Display"/>
-                <a:ea typeface="DM Serif Display"/>
-                <a:cs typeface="DM Serif Display"/>
-                <a:sym typeface="DM Serif Display"/>
-              </a:defRPr>
-            </a:lvl6pPr>
-            <a:lvl7pPr marR="0" lvl="6" algn="l" rtl="0">
-              <a:lnSpc>
-                <a:spcPct val="100000"/>
-              </a:lnSpc>
-              <a:spcBef>
-                <a:spcPts val="0"/>
-              </a:spcBef>
-              <a:spcAft>
-                <a:spcPts val="0"/>
-              </a:spcAft>
-              <a:buClr>
-                <a:schemeClr val="dk2"/>
-              </a:buClr>
-              <a:buSzPts val="3500"/>
-              <a:buFont typeface="DM Serif Display"/>
-              <a:buNone/>
-              <a:defRPr sz="3500" b="1" i="1" u="none" strike="noStrike" cap="none">
-                <a:solidFill>
-                  <a:schemeClr val="dk2"/>
-                </a:solidFill>
-                <a:latin typeface="DM Serif Display"/>
-                <a:ea typeface="DM Serif Display"/>
-                <a:cs typeface="DM Serif Display"/>
-                <a:sym typeface="DM Serif Display"/>
-              </a:defRPr>
-            </a:lvl7pPr>
-            <a:lvl8pPr marR="0" lvl="7" algn="l" rtl="0">
-              <a:lnSpc>
-                <a:spcPct val="100000"/>
-              </a:lnSpc>
-              <a:spcBef>
-                <a:spcPts val="0"/>
-              </a:spcBef>
-              <a:spcAft>
-                <a:spcPts val="0"/>
-              </a:spcAft>
-              <a:buClr>
-                <a:schemeClr val="dk2"/>
-              </a:buClr>
-              <a:buSzPts val="3500"/>
-              <a:buFont typeface="DM Serif Display"/>
-              <a:buNone/>
-              <a:defRPr sz="3500" b="1" i="1" u="none" strike="noStrike" cap="none">
-                <a:solidFill>
-                  <a:schemeClr val="dk2"/>
-                </a:solidFill>
-                <a:latin typeface="DM Serif Display"/>
-                <a:ea typeface="DM Serif Display"/>
-                <a:cs typeface="DM Serif Display"/>
-                <a:sym typeface="DM Serif Display"/>
-              </a:defRPr>
-            </a:lvl8pPr>
-            <a:lvl9pPr marR="0" lvl="8" algn="l" rtl="0">
-              <a:lnSpc>
-                <a:spcPct val="100000"/>
-              </a:lnSpc>
-              <a:spcBef>
-                <a:spcPts val="0"/>
-              </a:spcBef>
-              <a:spcAft>
-                <a:spcPts val="0"/>
-              </a:spcAft>
-              <a:buClr>
-                <a:schemeClr val="dk2"/>
-              </a:buClr>
-              <a:buSzPts val="3500"/>
-              <a:buFont typeface="DM Serif Display"/>
-              <a:buNone/>
-              <a:defRPr sz="3500" b="1" i="1" u="none" strike="noStrike" cap="none">
-                <a:solidFill>
-                  <a:schemeClr val="dk2"/>
-                </a:solidFill>
-                <a:latin typeface="DM Serif Display"/>
-                <a:ea typeface="DM Serif Display"/>
-                <a:cs typeface="DM Serif Display"/>
-                <a:sym typeface="DM Serif Display"/>
-              </a:defRPr>
-            </a:lvl9pPr>
-          </a:lstStyle>
-          <a:p>
-            <a:endParaRPr lang="en-US" sz="2400" dirty="0"/>
-          </a:p>
-        </p:txBody>
-      </p:sp>
-      <p:pic>
-        <p:nvPicPr>
-          <p:cNvPr id="1026" name="Picture 2" descr="Game poster image">
-            <a:extLst>
-              <a:ext uri="{FF2B5EF4-FFF2-40B4-BE49-F238E27FC236}">
-                <a16:creationId xmlns:a16="http://schemas.microsoft.com/office/drawing/2014/main" id="{F5A69DEF-4527-EC0F-A968-24ECF648DCFB}"/>
-              </a:ext>
-            </a:extLst>
-          </p:cNvPr>
-          <p:cNvPicPr>
-            <a:picLocks noChangeAspect="1" noChangeArrowheads="1"/>
-          </p:cNvPicPr>
-          <p:nvPr/>
-        </p:nvPicPr>
-        <p:blipFill>
-          <a:blip r:embed="rId4">
-            <a:extLst>
-              <a:ext uri="{28A0092B-C50C-407E-A947-70E740481C1C}">
-                <a14:useLocalDpi xmlns:a14="http://schemas.microsoft.com/office/drawing/2010/main" val="0"/>
-              </a:ext>
-            </a:extLst>
-          </a:blip>
-          <a:srcRect/>
-          <a:stretch>
-            <a:fillRect/>
-          </a:stretch>
-        </p:blipFill>
-        <p:spPr bwMode="auto">
-          <a:xfrm>
-            <a:off x="253545" y="1914999"/>
-            <a:ext cx="2142651" cy="2142651"/>
-          </a:xfrm>
-          <a:prstGeom prst="rect">
-            <a:avLst/>
-          </a:prstGeom>
-          <a:noFill/>
-          <a:extLst>
-            <a:ext uri="{909E8E84-426E-40DD-AFC4-6F175D3DCCD1}">
-              <a14:hiddenFill xmlns:a14="http://schemas.microsoft.com/office/drawing/2010/main">
-                <a:solidFill>
-                  <a:srgbClr val="FFFFFF"/>
-                </a:solidFill>
-              </a14:hiddenFill>
-            </a:ext>
-          </a:extLst>
-        </p:spPr>
-      </p:pic>
-      <p:pic>
-        <p:nvPicPr>
-          <p:cNvPr id="1028" name="Picture 4" descr="Game poster image">
-            <a:extLst>
-              <a:ext uri="{FF2B5EF4-FFF2-40B4-BE49-F238E27FC236}">
-                <a16:creationId xmlns:a16="http://schemas.microsoft.com/office/drawing/2014/main" id="{89EF28BD-6DB9-4C20-93E5-24EAE68F7927}"/>
-              </a:ext>
-            </a:extLst>
-          </p:cNvPr>
-          <p:cNvPicPr>
-            <a:picLocks noChangeAspect="1" noChangeArrowheads="1"/>
-          </p:cNvPicPr>
-          <p:nvPr/>
-        </p:nvPicPr>
-        <p:blipFill>
-          <a:blip r:embed="rId5">
-            <a:extLst>
-              <a:ext uri="{28A0092B-C50C-407E-A947-70E740481C1C}">
-                <a14:useLocalDpi xmlns:a14="http://schemas.microsoft.com/office/drawing/2010/main" val="0"/>
-              </a:ext>
-            </a:extLst>
-          </a:blip>
-          <a:srcRect/>
-          <a:stretch>
-            <a:fillRect/>
-          </a:stretch>
-        </p:blipFill>
-        <p:spPr bwMode="auto">
-          <a:xfrm>
-            <a:off x="3006365" y="1766922"/>
-            <a:ext cx="2374575" cy="2374575"/>
-          </a:xfrm>
-          <a:prstGeom prst="rect">
-            <a:avLst/>
-          </a:prstGeom>
-          <a:noFill/>
-          <a:extLst>
-            <a:ext uri="{909E8E84-426E-40DD-AFC4-6F175D3DCCD1}">
-              <a14:hiddenFill xmlns:a14="http://schemas.microsoft.com/office/drawing/2010/main">
-                <a:solidFill>
-                  <a:srgbClr val="FFFFFF"/>
-                </a:solidFill>
-              </a14:hiddenFill>
-            </a:ext>
-          </a:extLst>
-        </p:spPr>
-      </p:pic>
-      <p:pic>
-        <p:nvPicPr>
-          <p:cNvPr id="1034" name="Picture 10" descr="Wreck-it Ralph: Sugar Rush Featurette ...">
-            <a:extLst>
-              <a:ext uri="{FF2B5EF4-FFF2-40B4-BE49-F238E27FC236}">
-                <a16:creationId xmlns:a16="http://schemas.microsoft.com/office/drawing/2014/main" id="{9BAC3116-97DB-B278-8AA6-742CD03E2B42}"/>
-              </a:ext>
-            </a:extLst>
-          </p:cNvPr>
-          <p:cNvPicPr>
-            <a:picLocks noChangeAspect="1" noChangeArrowheads="1"/>
-          </p:cNvPicPr>
-          <p:nvPr/>
-        </p:nvPicPr>
-        <p:blipFill>
-          <a:blip r:embed="rId6">
-            <a:extLst>
-              <a:ext uri="{28A0092B-C50C-407E-A947-70E740481C1C}">
-                <a14:useLocalDpi xmlns:a14="http://schemas.microsoft.com/office/drawing/2010/main" val="0"/>
-              </a:ext>
-            </a:extLst>
-          </a:blip>
-          <a:srcRect/>
-          <a:stretch>
-            <a:fillRect/>
-          </a:stretch>
-        </p:blipFill>
-        <p:spPr bwMode="auto">
-          <a:xfrm>
-            <a:off x="5530106" y="1421435"/>
-            <a:ext cx="3267075" cy="1400175"/>
-          </a:xfrm>
-          <a:prstGeom prst="rect">
-            <a:avLst/>
-          </a:prstGeom>
-          <a:noFill/>
-          <a:extLst>
-            <a:ext uri="{909E8E84-426E-40DD-AFC4-6F175D3DCCD1}">
-              <a14:hiddenFill xmlns:a14="http://schemas.microsoft.com/office/drawing/2010/main">
-                <a:solidFill>
-                  <a:srgbClr val="FFFFFF"/>
-                </a:solidFill>
-              </a14:hiddenFill>
-            </a:ext>
-          </a:extLst>
-        </p:spPr>
-      </p:pic>
-      <p:pic>
-        <p:nvPicPr>
-          <p:cNvPr id="1036" name="Picture 12" descr="Wreck-It Ralph - Welcome to Sugar Rush ...">
-            <a:extLst>
-              <a:ext uri="{FF2B5EF4-FFF2-40B4-BE49-F238E27FC236}">
-                <a16:creationId xmlns:a16="http://schemas.microsoft.com/office/drawing/2014/main" id="{4605B867-46BE-C5B7-A5BF-36C91373AD10}"/>
-              </a:ext>
-            </a:extLst>
-          </p:cNvPr>
-          <p:cNvPicPr>
-            <a:picLocks noChangeAspect="1" noChangeArrowheads="1"/>
-          </p:cNvPicPr>
-          <p:nvPr/>
-        </p:nvPicPr>
-        <p:blipFill>
-          <a:blip r:embed="rId7">
-            <a:extLst>
-              <a:ext uri="{28A0092B-C50C-407E-A947-70E740481C1C}">
-                <a14:useLocalDpi xmlns:a14="http://schemas.microsoft.com/office/drawing/2010/main" val="0"/>
-              </a:ext>
-            </a:extLst>
-          </a:blip>
-          <a:srcRect/>
-          <a:stretch>
-            <a:fillRect/>
-          </a:stretch>
-        </p:blipFill>
-        <p:spPr bwMode="auto">
-          <a:xfrm>
-            <a:off x="5502110" y="2821610"/>
-            <a:ext cx="3305175" cy="1381125"/>
-          </a:xfrm>
-          <a:prstGeom prst="rect">
-            <a:avLst/>
-          </a:prstGeom>
-          <a:noFill/>
-          <a:extLst>
-            <a:ext uri="{909E8E84-426E-40DD-AFC4-6F175D3DCCD1}">
-              <a14:hiddenFill xmlns:a14="http://schemas.microsoft.com/office/drawing/2010/main">
-                <a:solidFill>
-                  <a:srgbClr val="FFFFFF"/>
-                </a:solidFill>
-              </a14:hiddenFill>
-            </a:ext>
-          </a:extLst>
-        </p:spPr>
-      </p:pic>
-    </p:spTree>
-    <p:extLst>
-      <p:ext uri="{BB962C8B-B14F-4D97-AF65-F5344CB8AC3E}">
-        <p14:creationId xmlns:p14="http://schemas.microsoft.com/office/powerpoint/2010/main" val="103342840"/>
-      </p:ext>
-    </p:extLst>
-  </p:cSld>
-  <p:clrMapOvr>
-    <a:masterClrMapping/>
-  </p:clrMapOvr>
-  <mc:AlternateContent xmlns:mc="http://schemas.openxmlformats.org/markup-compatibility/2006">
-    <mc:Choice xmlns:p14="http://schemas.microsoft.com/office/powerpoint/2010/main" Requires="p14">
-      <p:transition spd="slow" p14:dur="3900">
-        <p14:glitter pattern="hexagon"/>
-      </p:transition>
-    </mc:Choice>
-    <mc:Fallback>
-      <p:transition spd="slow">
-        <p:fade/>
-      </p:transition>
-    </mc:Fallback>
-  </mc:AlternateContent>
-</p:sld>
-</file>
-
-<file path=ppt/slides/slide4.xml><?xml version="1.0" encoding="utf-8"?>
 <p:sld xmlns:a="http://schemas.openxmlformats.org/drawingml/2006/main" xmlns:r="http://schemas.openxmlformats.org/officeDocument/2006/relationships" xmlns:p="http://schemas.openxmlformats.org/presentationml/2006/main">
   <p:cSld>
     <p:spTree>
@@ -10485,398 +8649,6 @@
                       </p:childTnLst>
                     </p:cTn>
                   </p:par>
-                  <p:par>
-                    <p:cTn id="10" fill="hold">
-                      <p:stCondLst>
-                        <p:cond delay="indefinite"/>
-                      </p:stCondLst>
-                      <p:childTnLst>
-                        <p:par>
-                          <p:cTn id="11" fill="hold">
-                            <p:stCondLst>
-                              <p:cond delay="0"/>
-                            </p:stCondLst>
-                            <p:childTnLst>
-                              <p:par>
-                                <p:cTn id="12" presetID="21" presetClass="entr" presetSubtype="1" fill="hold" nodeType="clickEffect">
-                                  <p:stCondLst>
-                                    <p:cond delay="0"/>
-                                  </p:stCondLst>
-                                  <p:childTnLst>
-                                    <p:set>
-                                      <p:cBhvr>
-                                        <p:cTn id="13" dur="1" fill="hold">
-                                          <p:stCondLst>
-                                            <p:cond delay="0"/>
-                                          </p:stCondLst>
-                                        </p:cTn>
-                                        <p:tgtEl>
-                                          <p:spTgt spid="1026"/>
-                                        </p:tgtEl>
-                                        <p:attrNameLst>
-                                          <p:attrName>style.visibility</p:attrName>
-                                        </p:attrNameLst>
-                                      </p:cBhvr>
-                                      <p:to>
-                                        <p:strVal val="visible"/>
-                                      </p:to>
-                                    </p:set>
-                                    <p:animEffect transition="in" filter="wheel(1)">
-                                      <p:cBhvr>
-                                        <p:cTn id="14" dur="2000"/>
-                                        <p:tgtEl>
-                                          <p:spTgt spid="1026"/>
-                                        </p:tgtEl>
-                                      </p:cBhvr>
-                                    </p:animEffect>
-                                  </p:childTnLst>
-                                </p:cTn>
-                              </p:par>
-                            </p:childTnLst>
-                          </p:cTn>
-                        </p:par>
-                      </p:childTnLst>
-                    </p:cTn>
-                  </p:par>
-                  <p:par>
-                    <p:cTn id="15" fill="hold">
-                      <p:stCondLst>
-                        <p:cond delay="indefinite"/>
-                      </p:stCondLst>
-                      <p:childTnLst>
-                        <p:par>
-                          <p:cTn id="16" fill="hold">
-                            <p:stCondLst>
-                              <p:cond delay="0"/>
-                            </p:stCondLst>
-                            <p:childTnLst>
-                              <p:par>
-                                <p:cTn id="17" presetID="16" presetClass="entr" presetSubtype="21" fill="hold" nodeType="clickEffect">
-                                  <p:stCondLst>
-                                    <p:cond delay="0"/>
-                                  </p:stCondLst>
-                                  <p:childTnLst>
-                                    <p:set>
-                                      <p:cBhvr>
-                                        <p:cTn id="18" dur="1" fill="hold">
-                                          <p:stCondLst>
-                                            <p:cond delay="0"/>
-                                          </p:stCondLst>
-                                        </p:cTn>
-                                        <p:tgtEl>
-                                          <p:spTgt spid="2"/>
-                                        </p:tgtEl>
-                                        <p:attrNameLst>
-                                          <p:attrName>style.visibility</p:attrName>
-                                        </p:attrNameLst>
-                                      </p:cBhvr>
-                                      <p:to>
-                                        <p:strVal val="visible"/>
-                                      </p:to>
-                                    </p:set>
-                                    <p:animEffect transition="in" filter="barn(inVertical)">
-                                      <p:cBhvr>
-                                        <p:cTn id="19" dur="500"/>
-                                        <p:tgtEl>
-                                          <p:spTgt spid="2"/>
-                                        </p:tgtEl>
-                                      </p:cBhvr>
-                                    </p:animEffect>
-                                  </p:childTnLst>
-                                </p:cTn>
-                              </p:par>
-                            </p:childTnLst>
-                          </p:cTn>
-                        </p:par>
-                      </p:childTnLst>
-                    </p:cTn>
-                  </p:par>
-                  <p:par>
-                    <p:cTn id="20" fill="hold">
-                      <p:stCondLst>
-                        <p:cond delay="indefinite"/>
-                      </p:stCondLst>
-                      <p:childTnLst>
-                        <p:par>
-                          <p:cTn id="21" fill="hold">
-                            <p:stCondLst>
-                              <p:cond delay="0"/>
-                            </p:stCondLst>
-                            <p:childTnLst>
-                              <p:par>
-                                <p:cTn id="22" presetID="22" presetClass="entr" presetSubtype="4" fill="hold" nodeType="clickEffect">
-                                  <p:stCondLst>
-                                    <p:cond delay="0"/>
-                                  </p:stCondLst>
-                                  <p:childTnLst>
-                                    <p:set>
-                                      <p:cBhvr>
-                                        <p:cTn id="23" dur="1" fill="hold">
-                                          <p:stCondLst>
-                                            <p:cond delay="0"/>
-                                          </p:stCondLst>
-                                        </p:cTn>
-                                        <p:tgtEl>
-                                          <p:spTgt spid="1028"/>
-                                        </p:tgtEl>
-                                        <p:attrNameLst>
-                                          <p:attrName>style.visibility</p:attrName>
-                                        </p:attrNameLst>
-                                      </p:cBhvr>
-                                      <p:to>
-                                        <p:strVal val="visible"/>
-                                      </p:to>
-                                    </p:set>
-                                    <p:animEffect transition="in" filter="wipe(down)">
-                                      <p:cBhvr>
-                                        <p:cTn id="24" dur="500"/>
-                                        <p:tgtEl>
-                                          <p:spTgt spid="1028"/>
-                                        </p:tgtEl>
-                                      </p:cBhvr>
-                                    </p:animEffect>
-                                  </p:childTnLst>
-                                </p:cTn>
-                              </p:par>
-                              <p:par>
-                                <p:cTn id="25" presetID="22" presetClass="entr" presetSubtype="4" fill="hold" nodeType="withEffect">
-                                  <p:stCondLst>
-                                    <p:cond delay="0"/>
-                                  </p:stCondLst>
-                                  <p:childTnLst>
-                                    <p:set>
-                                      <p:cBhvr>
-                                        <p:cTn id="26" dur="1" fill="hold">
-                                          <p:stCondLst>
-                                            <p:cond delay="0"/>
-                                          </p:stCondLst>
-                                        </p:cTn>
-                                        <p:tgtEl>
-                                          <p:spTgt spid="5"/>
-                                        </p:tgtEl>
-                                        <p:attrNameLst>
-                                          <p:attrName>style.visibility</p:attrName>
-                                        </p:attrNameLst>
-                                      </p:cBhvr>
-                                      <p:to>
-                                        <p:strVal val="visible"/>
-                                      </p:to>
-                                    </p:set>
-                                    <p:animEffect transition="in" filter="wipe(down)">
-                                      <p:cBhvr>
-                                        <p:cTn id="27" dur="500"/>
-                                        <p:tgtEl>
-                                          <p:spTgt spid="5"/>
-                                        </p:tgtEl>
-                                      </p:cBhvr>
-                                    </p:animEffect>
-                                  </p:childTnLst>
-                                </p:cTn>
-                              </p:par>
-                            </p:childTnLst>
-                          </p:cTn>
-                        </p:par>
-                      </p:childTnLst>
-                    </p:cTn>
-                  </p:par>
-                  <p:par>
-                    <p:cTn id="28" fill="hold">
-                      <p:stCondLst>
-                        <p:cond delay="indefinite"/>
-                      </p:stCondLst>
-                      <p:childTnLst>
-                        <p:par>
-                          <p:cTn id="29" fill="hold">
-                            <p:stCondLst>
-                              <p:cond delay="0"/>
-                            </p:stCondLst>
-                            <p:childTnLst>
-                              <p:par>
-                                <p:cTn id="30" presetID="42" presetClass="entr" presetSubtype="0" fill="hold" nodeType="clickEffect">
-                                  <p:stCondLst>
-                                    <p:cond delay="0"/>
-                                  </p:stCondLst>
-                                  <p:childTnLst>
-                                    <p:set>
-                                      <p:cBhvr>
-                                        <p:cTn id="31" dur="1" fill="hold">
-                                          <p:stCondLst>
-                                            <p:cond delay="0"/>
-                                          </p:stCondLst>
-                                        </p:cTn>
-                                        <p:tgtEl>
-                                          <p:spTgt spid="1032"/>
-                                        </p:tgtEl>
-                                        <p:attrNameLst>
-                                          <p:attrName>style.visibility</p:attrName>
-                                        </p:attrNameLst>
-                                      </p:cBhvr>
-                                      <p:to>
-                                        <p:strVal val="visible"/>
-                                      </p:to>
-                                    </p:set>
-                                    <p:animEffect transition="in" filter="fade">
-                                      <p:cBhvr>
-                                        <p:cTn id="32" dur="1000"/>
-                                        <p:tgtEl>
-                                          <p:spTgt spid="1032"/>
-                                        </p:tgtEl>
-                                      </p:cBhvr>
-                                    </p:animEffect>
-                                    <p:anim calcmode="lin" valueType="num">
-                                      <p:cBhvr>
-                                        <p:cTn id="33" dur="1000" fill="hold"/>
-                                        <p:tgtEl>
-                                          <p:spTgt spid="1032"/>
-                                        </p:tgtEl>
-                                        <p:attrNameLst>
-                                          <p:attrName>ppt_x</p:attrName>
-                                        </p:attrNameLst>
-                                      </p:cBhvr>
-                                      <p:tavLst>
-                                        <p:tav tm="0">
-                                          <p:val>
-                                            <p:strVal val="#ppt_x"/>
-                                          </p:val>
-                                        </p:tav>
-                                        <p:tav tm="100000">
-                                          <p:val>
-                                            <p:strVal val="#ppt_x"/>
-                                          </p:val>
-                                        </p:tav>
-                                      </p:tavLst>
-                                    </p:anim>
-                                    <p:anim calcmode="lin" valueType="num">
-                                      <p:cBhvr>
-                                        <p:cTn id="34" dur="1000" fill="hold"/>
-                                        <p:tgtEl>
-                                          <p:spTgt spid="1032"/>
-                                        </p:tgtEl>
-                                        <p:attrNameLst>
-                                          <p:attrName>ppt_y</p:attrName>
-                                        </p:attrNameLst>
-                                      </p:cBhvr>
-                                      <p:tavLst>
-                                        <p:tav tm="0">
-                                          <p:val>
-                                            <p:strVal val="#ppt_y+.1"/>
-                                          </p:val>
-                                        </p:tav>
-                                        <p:tav tm="100000">
-                                          <p:val>
-                                            <p:strVal val="#ppt_y"/>
-                                          </p:val>
-                                        </p:tav>
-                                      </p:tavLst>
-                                    </p:anim>
-                                  </p:childTnLst>
-                                </p:cTn>
-                              </p:par>
-                            </p:childTnLst>
-                          </p:cTn>
-                        </p:par>
-                      </p:childTnLst>
-                    </p:cTn>
-                  </p:par>
-                  <p:par>
-                    <p:cTn id="35" fill="hold">
-                      <p:stCondLst>
-                        <p:cond delay="indefinite"/>
-                      </p:stCondLst>
-                      <p:childTnLst>
-                        <p:par>
-                          <p:cTn id="36" fill="hold">
-                            <p:stCondLst>
-                              <p:cond delay="0"/>
-                            </p:stCondLst>
-                            <p:childTnLst>
-                              <p:par>
-                                <p:cTn id="37" presetID="42" presetClass="entr" presetSubtype="0" fill="hold" nodeType="clickEffect">
-                                  <p:stCondLst>
-                                    <p:cond delay="0"/>
-                                  </p:stCondLst>
-                                  <p:childTnLst>
-                                    <p:set>
-                                      <p:cBhvr>
-                                        <p:cTn id="38" dur="1" fill="hold">
-                                          <p:stCondLst>
-                                            <p:cond delay="0"/>
-                                          </p:stCondLst>
-                                        </p:cTn>
-                                        <p:tgtEl>
-                                          <p:spTgt spid="1030"/>
-                                        </p:tgtEl>
-                                        <p:attrNameLst>
-                                          <p:attrName>style.visibility</p:attrName>
-                                        </p:attrNameLst>
-                                      </p:cBhvr>
-                                      <p:to>
-                                        <p:strVal val="visible"/>
-                                      </p:to>
-                                    </p:set>
-                                    <p:animEffect transition="in" filter="fade">
-                                      <p:cBhvr>
-                                        <p:cTn id="39" dur="1000"/>
-                                        <p:tgtEl>
-                                          <p:spTgt spid="1030"/>
-                                        </p:tgtEl>
-                                      </p:cBhvr>
-                                    </p:animEffect>
-                                    <p:anim calcmode="lin" valueType="num">
-                                      <p:cBhvr>
-                                        <p:cTn id="40" dur="1000" fill="hold"/>
-                                        <p:tgtEl>
-                                          <p:spTgt spid="1030"/>
-                                        </p:tgtEl>
-                                        <p:attrNameLst>
-                                          <p:attrName>ppt_x</p:attrName>
-                                        </p:attrNameLst>
-                                      </p:cBhvr>
-                                      <p:tavLst>
-                                        <p:tav tm="0">
-                                          <p:val>
-                                            <p:strVal val="#ppt_x"/>
-                                          </p:val>
-                                        </p:tav>
-                                        <p:tav tm="100000">
-                                          <p:val>
-                                            <p:strVal val="#ppt_x"/>
-                                          </p:val>
-                                        </p:tav>
-                                      </p:tavLst>
-                                    </p:anim>
-                                    <p:anim calcmode="lin" valueType="num">
-                                      <p:cBhvr>
-                                        <p:cTn id="41" dur="1000" fill="hold"/>
-                                        <p:tgtEl>
-                                          <p:spTgt spid="1030"/>
-                                        </p:tgtEl>
-                                        <p:attrNameLst>
-                                          <p:attrName>ppt_y</p:attrName>
-                                        </p:attrNameLst>
-                                      </p:cBhvr>
-                                      <p:tavLst>
-                                        <p:tav tm="0">
-                                          <p:val>
-                                            <p:strVal val="#ppt_y+.1"/>
-                                          </p:val>
-                                        </p:tav>
-                                        <p:tav tm="100000">
-                                          <p:val>
-                                            <p:strVal val="#ppt_y"/>
-                                          </p:val>
-                                        </p:tav>
-                                      </p:tavLst>
-                                    </p:anim>
-                                  </p:childTnLst>
-                                </p:cTn>
-                              </p:par>
-                            </p:childTnLst>
-                          </p:cTn>
-                        </p:par>
-                      </p:childTnLst>
-                    </p:cTn>
-                  </p:par>
                 </p:childTnLst>
               </p:cTn>
               <p:prevCondLst>
@@ -10905,7 +8677,7 @@
 </p:sld>
 </file>
 
-<file path=ppt/slides/slide5.xml><?xml version="1.0" encoding="utf-8"?>
+<file path=ppt/slides/slide4.xml><?xml version="1.0" encoding="utf-8"?>
 <p:sld xmlns:a="http://schemas.openxmlformats.org/drawingml/2006/main" xmlns:r="http://schemas.openxmlformats.org/officeDocument/2006/relationships" xmlns:p="http://schemas.openxmlformats.org/presentationml/2006/main">
   <p:cSld>
     <p:bg>
@@ -11725,3404 +9497,7 @@
 </p:sld>
 </file>
 
-<file path=ppt/slides/slide6.xml><?xml version="1.0" encoding="utf-8"?>
-<p:sld xmlns:a="http://schemas.openxmlformats.org/drawingml/2006/main" xmlns:r="http://schemas.openxmlformats.org/officeDocument/2006/relationships" xmlns:p="http://schemas.openxmlformats.org/presentationml/2006/main">
-  <p:cSld>
-    <p:bg>
-      <p:bgPr>
-        <a:blipFill>
-          <a:blip r:embed="rId3">
-            <a:alphaModFix/>
-          </a:blip>
-          <a:stretch>
-            <a:fillRect/>
-          </a:stretch>
-        </a:blipFill>
-        <a:effectLst/>
-      </p:bgPr>
-    </p:bg>
-    <p:spTree>
-      <p:nvGrpSpPr>
-        <p:cNvPr id="1" name="Shape 244"/>
-        <p:cNvGrpSpPr/>
-        <p:nvPr/>
-      </p:nvGrpSpPr>
-      <p:grpSpPr>
-        <a:xfrm>
-          <a:off x="0" y="0"/>
-          <a:ext cx="0" cy="0"/>
-          <a:chOff x="0" y="0"/>
-          <a:chExt cx="0" cy="0"/>
-        </a:xfrm>
-      </p:grpSpPr>
-      <p:grpSp>
-        <p:nvGrpSpPr>
-          <p:cNvPr id="251" name="Google Shape;251;p34"/>
-          <p:cNvGrpSpPr/>
-          <p:nvPr/>
-        </p:nvGrpSpPr>
-        <p:grpSpPr>
-          <a:xfrm>
-            <a:off x="4319248" y="1374807"/>
-            <a:ext cx="301644" cy="302177"/>
-            <a:chOff x="6627300" y="1208300"/>
-            <a:chExt cx="268701" cy="269200"/>
-          </a:xfrm>
-        </p:grpSpPr>
-        <p:sp>
-          <p:nvSpPr>
-            <p:cNvPr id="252" name="Google Shape;252;p34"/>
-            <p:cNvSpPr/>
-            <p:nvPr/>
-          </p:nvSpPr>
-          <p:spPr>
-            <a:xfrm>
-              <a:off x="6627300" y="1208544"/>
-              <a:ext cx="268701" cy="268683"/>
-            </a:xfrm>
-            <a:custGeom>
-              <a:avLst/>
-              <a:gdLst/>
-              <a:ahLst/>
-              <a:cxnLst/>
-              <a:rect l="l" t="t" r="r" b="b"/>
-              <a:pathLst>
-                <a:path w="7415" h="7415" extrusionOk="0">
-                  <a:moveTo>
-                    <a:pt x="4541" y="459"/>
-                  </a:moveTo>
-                  <a:cubicBezTo>
-                    <a:pt x="6332" y="917"/>
-                    <a:pt x="7415" y="2749"/>
-                    <a:pt x="6957" y="4541"/>
-                  </a:cubicBezTo>
-                  <a:cubicBezTo>
-                    <a:pt x="6499" y="6332"/>
-                    <a:pt x="4687" y="7414"/>
-                    <a:pt x="2896" y="6956"/>
-                  </a:cubicBezTo>
-                  <a:cubicBezTo>
-                    <a:pt x="1084" y="6498"/>
-                    <a:pt x="1" y="4686"/>
-                    <a:pt x="459" y="2895"/>
-                  </a:cubicBezTo>
-                  <a:cubicBezTo>
-                    <a:pt x="917" y="1083"/>
-                    <a:pt x="2750" y="0"/>
-                    <a:pt x="4541" y="459"/>
-                  </a:cubicBezTo>
-                  <a:close/>
-                </a:path>
-              </a:pathLst>
-            </a:custGeom>
-            <a:gradFill>
-              <a:gsLst>
-                <a:gs pos="0">
-                  <a:schemeClr val="lt1"/>
-                </a:gs>
-                <a:gs pos="5000">
-                  <a:schemeClr val="lt1"/>
-                </a:gs>
-                <a:gs pos="10000">
-                  <a:schemeClr val="lt1"/>
-                </a:gs>
-                <a:gs pos="55000">
-                  <a:srgbClr val="FFFFFF">
-                    <a:alpha val="5490"/>
-                  </a:srgbClr>
-                </a:gs>
-                <a:gs pos="100000">
-                  <a:srgbClr val="FFFFFF">
-                    <a:alpha val="0"/>
-                  </a:srgbClr>
-                </a:gs>
-              </a:gsLst>
-              <a:path path="circle">
-                <a:fillToRect l="50000" t="50000" r="50000" b="50000"/>
-              </a:path>
-              <a:tileRect/>
-            </a:gradFill>
-            <a:ln>
-              <a:noFill/>
-            </a:ln>
-          </p:spPr>
-          <p:txBody>
-            <a:bodyPr spcFirstLastPara="1" wrap="square" lIns="91425" tIns="91425" rIns="91425" bIns="91425" anchor="ctr" anchorCtr="0">
-              <a:noAutofit/>
-            </a:bodyPr>
-            <a:lstStyle/>
-            <a:p>
-              <a:pPr marL="0" lvl="0" indent="0" algn="l" rtl="0">
-                <a:spcBef>
-                  <a:spcPts val="0"/>
-                </a:spcBef>
-                <a:spcAft>
-                  <a:spcPts val="0"/>
-                </a:spcAft>
-                <a:buNone/>
-              </a:pPr>
-              <a:endParaRPr/>
-            </a:p>
-          </p:txBody>
-        </p:sp>
-        <p:sp>
-          <p:nvSpPr>
-            <p:cNvPr id="253" name="Google Shape;253;p34"/>
-            <p:cNvSpPr/>
-            <p:nvPr/>
-          </p:nvSpPr>
-          <p:spPr>
-            <a:xfrm>
-              <a:off x="6627300" y="1302525"/>
-              <a:ext cx="268700" cy="80725"/>
-            </a:xfrm>
-            <a:custGeom>
-              <a:avLst/>
-              <a:gdLst/>
-              <a:ahLst/>
-              <a:cxnLst/>
-              <a:rect l="l" t="t" r="r" b="b"/>
-              <a:pathLst>
-                <a:path w="10748" h="3229" extrusionOk="0">
-                  <a:moveTo>
-                    <a:pt x="5499" y="1125"/>
-                  </a:moveTo>
-                  <a:cubicBezTo>
-                    <a:pt x="8435" y="1875"/>
-                    <a:pt x="10747" y="2687"/>
-                    <a:pt x="10685" y="2958"/>
-                  </a:cubicBezTo>
-                  <a:cubicBezTo>
-                    <a:pt x="10622" y="3229"/>
-                    <a:pt x="8185" y="2833"/>
-                    <a:pt x="5249" y="2083"/>
-                  </a:cubicBezTo>
-                  <a:cubicBezTo>
-                    <a:pt x="2313" y="1355"/>
-                    <a:pt x="1" y="522"/>
-                    <a:pt x="63" y="272"/>
-                  </a:cubicBezTo>
-                  <a:cubicBezTo>
-                    <a:pt x="126" y="1"/>
-                    <a:pt x="2562" y="376"/>
-                    <a:pt x="5499" y="1125"/>
-                  </a:cubicBezTo>
-                  <a:close/>
-                </a:path>
-              </a:pathLst>
-            </a:custGeom>
-            <a:gradFill>
-              <a:gsLst>
-                <a:gs pos="0">
-                  <a:schemeClr val="lt1">
-                    <a:alpha val="24320"/>
-                  </a:schemeClr>
-                </a:gs>
-                <a:gs pos="5000">
-                  <a:schemeClr val="lt1">
-                    <a:alpha val="24320"/>
-                  </a:schemeClr>
-                </a:gs>
-                <a:gs pos="41000">
-                  <a:schemeClr val="lt1">
-                    <a:alpha val="24320"/>
-                  </a:schemeClr>
-                </a:gs>
-                <a:gs pos="81000">
-                  <a:srgbClr val="FFFFFF">
-                    <a:alpha val="13333"/>
-                    <a:alpha val="24320"/>
-                  </a:srgbClr>
-                </a:gs>
-                <a:gs pos="100000">
-                  <a:srgbClr val="FFFFFF">
-                    <a:alpha val="13333"/>
-                    <a:alpha val="24320"/>
-                  </a:srgbClr>
-                </a:gs>
-              </a:gsLst>
-              <a:path path="circle">
-                <a:fillToRect l="50000" t="50000" r="50000" b="50000"/>
-              </a:path>
-              <a:tileRect/>
-            </a:gradFill>
-            <a:ln>
-              <a:noFill/>
-            </a:ln>
-          </p:spPr>
-          <p:txBody>
-            <a:bodyPr spcFirstLastPara="1" wrap="square" lIns="91425" tIns="91425" rIns="91425" bIns="91425" anchor="ctr" anchorCtr="0">
-              <a:noAutofit/>
-            </a:bodyPr>
-            <a:lstStyle/>
-            <a:p>
-              <a:pPr marL="0" lvl="0" indent="0" algn="l" rtl="0">
-                <a:spcBef>
-                  <a:spcPts val="0"/>
-                </a:spcBef>
-                <a:spcAft>
-                  <a:spcPts val="0"/>
-                </a:spcAft>
-                <a:buNone/>
-              </a:pPr>
-              <a:endParaRPr/>
-            </a:p>
-          </p:txBody>
-        </p:sp>
-        <p:sp>
-          <p:nvSpPr>
-            <p:cNvPr id="254" name="Google Shape;254;p34"/>
-            <p:cNvSpPr/>
-            <p:nvPr/>
-          </p:nvSpPr>
-          <p:spPr>
-            <a:xfrm>
-              <a:off x="6721550" y="1208300"/>
-              <a:ext cx="80725" cy="269200"/>
-            </a:xfrm>
-            <a:custGeom>
-              <a:avLst/>
-              <a:gdLst/>
-              <a:ahLst/>
-              <a:cxnLst/>
-              <a:rect l="l" t="t" r="r" b="b"/>
-              <a:pathLst>
-                <a:path w="3229" h="10768" extrusionOk="0">
-                  <a:moveTo>
-                    <a:pt x="2958" y="63"/>
-                  </a:moveTo>
-                  <a:cubicBezTo>
-                    <a:pt x="3228" y="125"/>
-                    <a:pt x="2833" y="2562"/>
-                    <a:pt x="2083" y="5498"/>
-                  </a:cubicBezTo>
-                  <a:cubicBezTo>
-                    <a:pt x="1333" y="8435"/>
-                    <a:pt x="521" y="10767"/>
-                    <a:pt x="250" y="10705"/>
-                  </a:cubicBezTo>
-                  <a:cubicBezTo>
-                    <a:pt x="0" y="10622"/>
-                    <a:pt x="375" y="8185"/>
-                    <a:pt x="1125" y="5249"/>
-                  </a:cubicBezTo>
-                  <a:cubicBezTo>
-                    <a:pt x="1875" y="2333"/>
-                    <a:pt x="2687" y="0"/>
-                    <a:pt x="2958" y="63"/>
-                  </a:cubicBezTo>
-                  <a:close/>
-                </a:path>
-              </a:pathLst>
-            </a:custGeom>
-            <a:gradFill>
-              <a:gsLst>
-                <a:gs pos="0">
-                  <a:schemeClr val="lt1">
-                    <a:alpha val="24320"/>
-                  </a:schemeClr>
-                </a:gs>
-                <a:gs pos="5000">
-                  <a:schemeClr val="lt1">
-                    <a:alpha val="24320"/>
-                  </a:schemeClr>
-                </a:gs>
-                <a:gs pos="41000">
-                  <a:schemeClr val="lt1">
-                    <a:alpha val="24320"/>
-                  </a:schemeClr>
-                </a:gs>
-                <a:gs pos="81000">
-                  <a:srgbClr val="FFFFFF">
-                    <a:alpha val="13333"/>
-                    <a:alpha val="24320"/>
-                  </a:srgbClr>
-                </a:gs>
-                <a:gs pos="100000">
-                  <a:srgbClr val="FFFFFF">
-                    <a:alpha val="13333"/>
-                    <a:alpha val="24320"/>
-                  </a:srgbClr>
-                </a:gs>
-              </a:gsLst>
-              <a:path path="circle">
-                <a:fillToRect l="50000" t="50000" r="50000" b="50000"/>
-              </a:path>
-              <a:tileRect/>
-            </a:gradFill>
-            <a:ln>
-              <a:noFill/>
-            </a:ln>
-          </p:spPr>
-          <p:txBody>
-            <a:bodyPr spcFirstLastPara="1" wrap="square" lIns="91425" tIns="91425" rIns="91425" bIns="91425" anchor="ctr" anchorCtr="0">
-              <a:noAutofit/>
-            </a:bodyPr>
-            <a:lstStyle/>
-            <a:p>
-              <a:pPr marL="0" lvl="0" indent="0" algn="l" rtl="0">
-                <a:spcBef>
-                  <a:spcPts val="0"/>
-                </a:spcBef>
-                <a:spcAft>
-                  <a:spcPts val="0"/>
-                </a:spcAft>
-                <a:buNone/>
-              </a:pPr>
-              <a:endParaRPr/>
-            </a:p>
-          </p:txBody>
-        </p:sp>
-      </p:grpSp>
-      <p:grpSp>
-        <p:nvGrpSpPr>
-          <p:cNvPr id="255" name="Google Shape;255;p34"/>
-          <p:cNvGrpSpPr/>
-          <p:nvPr/>
-        </p:nvGrpSpPr>
-        <p:grpSpPr>
-          <a:xfrm>
-            <a:off x="1319923" y="1441619"/>
-            <a:ext cx="301644" cy="302177"/>
-            <a:chOff x="6627300" y="1208300"/>
-            <a:chExt cx="268701" cy="269200"/>
-          </a:xfrm>
-        </p:grpSpPr>
-        <p:sp>
-          <p:nvSpPr>
-            <p:cNvPr id="256" name="Google Shape;256;p34"/>
-            <p:cNvSpPr/>
-            <p:nvPr/>
-          </p:nvSpPr>
-          <p:spPr>
-            <a:xfrm>
-              <a:off x="6627300" y="1208544"/>
-              <a:ext cx="268701" cy="268683"/>
-            </a:xfrm>
-            <a:custGeom>
-              <a:avLst/>
-              <a:gdLst/>
-              <a:ahLst/>
-              <a:cxnLst/>
-              <a:rect l="l" t="t" r="r" b="b"/>
-              <a:pathLst>
-                <a:path w="7415" h="7415" extrusionOk="0">
-                  <a:moveTo>
-                    <a:pt x="4541" y="459"/>
-                  </a:moveTo>
-                  <a:cubicBezTo>
-                    <a:pt x="6332" y="917"/>
-                    <a:pt x="7415" y="2749"/>
-                    <a:pt x="6957" y="4541"/>
-                  </a:cubicBezTo>
-                  <a:cubicBezTo>
-                    <a:pt x="6499" y="6332"/>
-                    <a:pt x="4687" y="7414"/>
-                    <a:pt x="2896" y="6956"/>
-                  </a:cubicBezTo>
-                  <a:cubicBezTo>
-                    <a:pt x="1084" y="6498"/>
-                    <a:pt x="1" y="4686"/>
-                    <a:pt x="459" y="2895"/>
-                  </a:cubicBezTo>
-                  <a:cubicBezTo>
-                    <a:pt x="917" y="1083"/>
-                    <a:pt x="2750" y="0"/>
-                    <a:pt x="4541" y="459"/>
-                  </a:cubicBezTo>
-                  <a:close/>
-                </a:path>
-              </a:pathLst>
-            </a:custGeom>
-            <a:gradFill>
-              <a:gsLst>
-                <a:gs pos="0">
-                  <a:schemeClr val="lt1"/>
-                </a:gs>
-                <a:gs pos="5000">
-                  <a:schemeClr val="lt1"/>
-                </a:gs>
-                <a:gs pos="10000">
-                  <a:schemeClr val="lt1"/>
-                </a:gs>
-                <a:gs pos="55000">
-                  <a:srgbClr val="FFFFFF">
-                    <a:alpha val="5490"/>
-                  </a:srgbClr>
-                </a:gs>
-                <a:gs pos="100000">
-                  <a:srgbClr val="FFFFFF">
-                    <a:alpha val="0"/>
-                  </a:srgbClr>
-                </a:gs>
-              </a:gsLst>
-              <a:path path="circle">
-                <a:fillToRect l="50000" t="50000" r="50000" b="50000"/>
-              </a:path>
-              <a:tileRect/>
-            </a:gradFill>
-            <a:ln>
-              <a:noFill/>
-            </a:ln>
-          </p:spPr>
-          <p:txBody>
-            <a:bodyPr spcFirstLastPara="1" wrap="square" lIns="91425" tIns="91425" rIns="91425" bIns="91425" anchor="ctr" anchorCtr="0">
-              <a:noAutofit/>
-            </a:bodyPr>
-            <a:lstStyle/>
-            <a:p>
-              <a:pPr marL="0" lvl="0" indent="0" algn="l" rtl="0">
-                <a:spcBef>
-                  <a:spcPts val="0"/>
-                </a:spcBef>
-                <a:spcAft>
-                  <a:spcPts val="0"/>
-                </a:spcAft>
-                <a:buNone/>
-              </a:pPr>
-              <a:endParaRPr/>
-            </a:p>
-          </p:txBody>
-        </p:sp>
-        <p:sp>
-          <p:nvSpPr>
-            <p:cNvPr id="257" name="Google Shape;257;p34"/>
-            <p:cNvSpPr/>
-            <p:nvPr/>
-          </p:nvSpPr>
-          <p:spPr>
-            <a:xfrm>
-              <a:off x="6627300" y="1302525"/>
-              <a:ext cx="268700" cy="80725"/>
-            </a:xfrm>
-            <a:custGeom>
-              <a:avLst/>
-              <a:gdLst/>
-              <a:ahLst/>
-              <a:cxnLst/>
-              <a:rect l="l" t="t" r="r" b="b"/>
-              <a:pathLst>
-                <a:path w="10748" h="3229" extrusionOk="0">
-                  <a:moveTo>
-                    <a:pt x="5499" y="1125"/>
-                  </a:moveTo>
-                  <a:cubicBezTo>
-                    <a:pt x="8435" y="1875"/>
-                    <a:pt x="10747" y="2687"/>
-                    <a:pt x="10685" y="2958"/>
-                  </a:cubicBezTo>
-                  <a:cubicBezTo>
-                    <a:pt x="10622" y="3229"/>
-                    <a:pt x="8185" y="2833"/>
-                    <a:pt x="5249" y="2083"/>
-                  </a:cubicBezTo>
-                  <a:cubicBezTo>
-                    <a:pt x="2313" y="1355"/>
-                    <a:pt x="1" y="522"/>
-                    <a:pt x="63" y="272"/>
-                  </a:cubicBezTo>
-                  <a:cubicBezTo>
-                    <a:pt x="126" y="1"/>
-                    <a:pt x="2562" y="376"/>
-                    <a:pt x="5499" y="1125"/>
-                  </a:cubicBezTo>
-                  <a:close/>
-                </a:path>
-              </a:pathLst>
-            </a:custGeom>
-            <a:gradFill>
-              <a:gsLst>
-                <a:gs pos="0">
-                  <a:schemeClr val="lt1">
-                    <a:alpha val="24320"/>
-                  </a:schemeClr>
-                </a:gs>
-                <a:gs pos="5000">
-                  <a:schemeClr val="lt1">
-                    <a:alpha val="24320"/>
-                  </a:schemeClr>
-                </a:gs>
-                <a:gs pos="41000">
-                  <a:schemeClr val="lt1">
-                    <a:alpha val="24320"/>
-                  </a:schemeClr>
-                </a:gs>
-                <a:gs pos="81000">
-                  <a:srgbClr val="FFFFFF">
-                    <a:alpha val="13333"/>
-                    <a:alpha val="24320"/>
-                  </a:srgbClr>
-                </a:gs>
-                <a:gs pos="100000">
-                  <a:srgbClr val="FFFFFF">
-                    <a:alpha val="13333"/>
-                    <a:alpha val="24320"/>
-                  </a:srgbClr>
-                </a:gs>
-              </a:gsLst>
-              <a:path path="circle">
-                <a:fillToRect l="50000" t="50000" r="50000" b="50000"/>
-              </a:path>
-              <a:tileRect/>
-            </a:gradFill>
-            <a:ln>
-              <a:noFill/>
-            </a:ln>
-          </p:spPr>
-          <p:txBody>
-            <a:bodyPr spcFirstLastPara="1" wrap="square" lIns="91425" tIns="91425" rIns="91425" bIns="91425" anchor="ctr" anchorCtr="0">
-              <a:noAutofit/>
-            </a:bodyPr>
-            <a:lstStyle/>
-            <a:p>
-              <a:pPr marL="0" lvl="0" indent="0" algn="l" rtl="0">
-                <a:spcBef>
-                  <a:spcPts val="0"/>
-                </a:spcBef>
-                <a:spcAft>
-                  <a:spcPts val="0"/>
-                </a:spcAft>
-                <a:buNone/>
-              </a:pPr>
-              <a:endParaRPr/>
-            </a:p>
-          </p:txBody>
-        </p:sp>
-        <p:sp>
-          <p:nvSpPr>
-            <p:cNvPr id="258" name="Google Shape;258;p34"/>
-            <p:cNvSpPr/>
-            <p:nvPr/>
-          </p:nvSpPr>
-          <p:spPr>
-            <a:xfrm>
-              <a:off x="6721550" y="1208300"/>
-              <a:ext cx="80725" cy="269200"/>
-            </a:xfrm>
-            <a:custGeom>
-              <a:avLst/>
-              <a:gdLst/>
-              <a:ahLst/>
-              <a:cxnLst/>
-              <a:rect l="l" t="t" r="r" b="b"/>
-              <a:pathLst>
-                <a:path w="3229" h="10768" extrusionOk="0">
-                  <a:moveTo>
-                    <a:pt x="2958" y="63"/>
-                  </a:moveTo>
-                  <a:cubicBezTo>
-                    <a:pt x="3228" y="125"/>
-                    <a:pt x="2833" y="2562"/>
-                    <a:pt x="2083" y="5498"/>
-                  </a:cubicBezTo>
-                  <a:cubicBezTo>
-                    <a:pt x="1333" y="8435"/>
-                    <a:pt x="521" y="10767"/>
-                    <a:pt x="250" y="10705"/>
-                  </a:cubicBezTo>
-                  <a:cubicBezTo>
-                    <a:pt x="0" y="10622"/>
-                    <a:pt x="375" y="8185"/>
-                    <a:pt x="1125" y="5249"/>
-                  </a:cubicBezTo>
-                  <a:cubicBezTo>
-                    <a:pt x="1875" y="2333"/>
-                    <a:pt x="2687" y="0"/>
-                    <a:pt x="2958" y="63"/>
-                  </a:cubicBezTo>
-                  <a:close/>
-                </a:path>
-              </a:pathLst>
-            </a:custGeom>
-            <a:gradFill>
-              <a:gsLst>
-                <a:gs pos="0">
-                  <a:schemeClr val="lt1">
-                    <a:alpha val="24320"/>
-                  </a:schemeClr>
-                </a:gs>
-                <a:gs pos="5000">
-                  <a:schemeClr val="lt1">
-                    <a:alpha val="24320"/>
-                  </a:schemeClr>
-                </a:gs>
-                <a:gs pos="41000">
-                  <a:schemeClr val="lt1">
-                    <a:alpha val="24320"/>
-                  </a:schemeClr>
-                </a:gs>
-                <a:gs pos="81000">
-                  <a:srgbClr val="FFFFFF">
-                    <a:alpha val="13333"/>
-                    <a:alpha val="24320"/>
-                  </a:srgbClr>
-                </a:gs>
-                <a:gs pos="100000">
-                  <a:srgbClr val="FFFFFF">
-                    <a:alpha val="13333"/>
-                    <a:alpha val="24320"/>
-                  </a:srgbClr>
-                </a:gs>
-              </a:gsLst>
-              <a:path path="circle">
-                <a:fillToRect l="50000" t="50000" r="50000" b="50000"/>
-              </a:path>
-              <a:tileRect/>
-            </a:gradFill>
-            <a:ln>
-              <a:noFill/>
-            </a:ln>
-          </p:spPr>
-          <p:txBody>
-            <a:bodyPr spcFirstLastPara="1" wrap="square" lIns="91425" tIns="91425" rIns="91425" bIns="91425" anchor="ctr" anchorCtr="0">
-              <a:noAutofit/>
-            </a:bodyPr>
-            <a:lstStyle/>
-            <a:p>
-              <a:pPr marL="0" lvl="0" indent="0" algn="l" rtl="0">
-                <a:spcBef>
-                  <a:spcPts val="0"/>
-                </a:spcBef>
-                <a:spcAft>
-                  <a:spcPts val="0"/>
-                </a:spcAft>
-                <a:buNone/>
-              </a:pPr>
-              <a:endParaRPr/>
-            </a:p>
-          </p:txBody>
-        </p:sp>
-      </p:grpSp>
-      <p:grpSp>
-        <p:nvGrpSpPr>
-          <p:cNvPr id="260" name="Google Shape;260;p34"/>
-          <p:cNvGrpSpPr/>
-          <p:nvPr/>
-        </p:nvGrpSpPr>
-        <p:grpSpPr>
-          <a:xfrm flipH="1">
-            <a:off x="2348473" y="2427957"/>
-            <a:ext cx="301644" cy="302177"/>
-            <a:chOff x="6627300" y="1208300"/>
-            <a:chExt cx="268701" cy="269200"/>
-          </a:xfrm>
-        </p:grpSpPr>
-        <p:sp>
-          <p:nvSpPr>
-            <p:cNvPr id="261" name="Google Shape;261;p34"/>
-            <p:cNvSpPr/>
-            <p:nvPr/>
-          </p:nvSpPr>
-          <p:spPr>
-            <a:xfrm>
-              <a:off x="6627300" y="1208544"/>
-              <a:ext cx="268701" cy="268683"/>
-            </a:xfrm>
-            <a:custGeom>
-              <a:avLst/>
-              <a:gdLst/>
-              <a:ahLst/>
-              <a:cxnLst/>
-              <a:rect l="l" t="t" r="r" b="b"/>
-              <a:pathLst>
-                <a:path w="7415" h="7415" extrusionOk="0">
-                  <a:moveTo>
-                    <a:pt x="4541" y="459"/>
-                  </a:moveTo>
-                  <a:cubicBezTo>
-                    <a:pt x="6332" y="917"/>
-                    <a:pt x="7415" y="2749"/>
-                    <a:pt x="6957" y="4541"/>
-                  </a:cubicBezTo>
-                  <a:cubicBezTo>
-                    <a:pt x="6499" y="6332"/>
-                    <a:pt x="4687" y="7414"/>
-                    <a:pt x="2896" y="6956"/>
-                  </a:cubicBezTo>
-                  <a:cubicBezTo>
-                    <a:pt x="1084" y="6498"/>
-                    <a:pt x="1" y="4686"/>
-                    <a:pt x="459" y="2895"/>
-                  </a:cubicBezTo>
-                  <a:cubicBezTo>
-                    <a:pt x="917" y="1083"/>
-                    <a:pt x="2750" y="0"/>
-                    <a:pt x="4541" y="459"/>
-                  </a:cubicBezTo>
-                  <a:close/>
-                </a:path>
-              </a:pathLst>
-            </a:custGeom>
-            <a:gradFill>
-              <a:gsLst>
-                <a:gs pos="0">
-                  <a:schemeClr val="lt1"/>
-                </a:gs>
-                <a:gs pos="5000">
-                  <a:schemeClr val="lt1"/>
-                </a:gs>
-                <a:gs pos="10000">
-                  <a:schemeClr val="lt1"/>
-                </a:gs>
-                <a:gs pos="55000">
-                  <a:srgbClr val="FFFFFF">
-                    <a:alpha val="5490"/>
-                  </a:srgbClr>
-                </a:gs>
-                <a:gs pos="100000">
-                  <a:srgbClr val="FFFFFF">
-                    <a:alpha val="0"/>
-                  </a:srgbClr>
-                </a:gs>
-              </a:gsLst>
-              <a:path path="circle">
-                <a:fillToRect l="50000" t="50000" r="50000" b="50000"/>
-              </a:path>
-              <a:tileRect/>
-            </a:gradFill>
-            <a:ln>
-              <a:noFill/>
-            </a:ln>
-          </p:spPr>
-          <p:txBody>
-            <a:bodyPr spcFirstLastPara="1" wrap="square" lIns="91425" tIns="91425" rIns="91425" bIns="91425" anchor="ctr" anchorCtr="0">
-              <a:noAutofit/>
-            </a:bodyPr>
-            <a:lstStyle/>
-            <a:p>
-              <a:pPr marL="0" lvl="0" indent="0" algn="l" rtl="0">
-                <a:spcBef>
-                  <a:spcPts val="0"/>
-                </a:spcBef>
-                <a:spcAft>
-                  <a:spcPts val="0"/>
-                </a:spcAft>
-                <a:buNone/>
-              </a:pPr>
-              <a:endParaRPr/>
-            </a:p>
-          </p:txBody>
-        </p:sp>
-        <p:sp>
-          <p:nvSpPr>
-            <p:cNvPr id="262" name="Google Shape;262;p34"/>
-            <p:cNvSpPr/>
-            <p:nvPr/>
-          </p:nvSpPr>
-          <p:spPr>
-            <a:xfrm>
-              <a:off x="6627300" y="1302525"/>
-              <a:ext cx="268700" cy="80725"/>
-            </a:xfrm>
-            <a:custGeom>
-              <a:avLst/>
-              <a:gdLst/>
-              <a:ahLst/>
-              <a:cxnLst/>
-              <a:rect l="l" t="t" r="r" b="b"/>
-              <a:pathLst>
-                <a:path w="10748" h="3229" extrusionOk="0">
-                  <a:moveTo>
-                    <a:pt x="5499" y="1125"/>
-                  </a:moveTo>
-                  <a:cubicBezTo>
-                    <a:pt x="8435" y="1875"/>
-                    <a:pt x="10747" y="2687"/>
-                    <a:pt x="10685" y="2958"/>
-                  </a:cubicBezTo>
-                  <a:cubicBezTo>
-                    <a:pt x="10622" y="3229"/>
-                    <a:pt x="8185" y="2833"/>
-                    <a:pt x="5249" y="2083"/>
-                  </a:cubicBezTo>
-                  <a:cubicBezTo>
-                    <a:pt x="2313" y="1355"/>
-                    <a:pt x="1" y="522"/>
-                    <a:pt x="63" y="272"/>
-                  </a:cubicBezTo>
-                  <a:cubicBezTo>
-                    <a:pt x="126" y="1"/>
-                    <a:pt x="2562" y="376"/>
-                    <a:pt x="5499" y="1125"/>
-                  </a:cubicBezTo>
-                  <a:close/>
-                </a:path>
-              </a:pathLst>
-            </a:custGeom>
-            <a:gradFill>
-              <a:gsLst>
-                <a:gs pos="0">
-                  <a:schemeClr val="lt1">
-                    <a:alpha val="24320"/>
-                  </a:schemeClr>
-                </a:gs>
-                <a:gs pos="5000">
-                  <a:schemeClr val="lt1">
-                    <a:alpha val="24320"/>
-                  </a:schemeClr>
-                </a:gs>
-                <a:gs pos="41000">
-                  <a:schemeClr val="lt1">
-                    <a:alpha val="24320"/>
-                  </a:schemeClr>
-                </a:gs>
-                <a:gs pos="81000">
-                  <a:srgbClr val="FFFFFF">
-                    <a:alpha val="13333"/>
-                    <a:alpha val="24320"/>
-                  </a:srgbClr>
-                </a:gs>
-                <a:gs pos="100000">
-                  <a:srgbClr val="FFFFFF">
-                    <a:alpha val="13333"/>
-                    <a:alpha val="24320"/>
-                  </a:srgbClr>
-                </a:gs>
-              </a:gsLst>
-              <a:path path="circle">
-                <a:fillToRect l="50000" t="50000" r="50000" b="50000"/>
-              </a:path>
-              <a:tileRect/>
-            </a:gradFill>
-            <a:ln>
-              <a:noFill/>
-            </a:ln>
-          </p:spPr>
-          <p:txBody>
-            <a:bodyPr spcFirstLastPara="1" wrap="square" lIns="91425" tIns="91425" rIns="91425" bIns="91425" anchor="ctr" anchorCtr="0">
-              <a:noAutofit/>
-            </a:bodyPr>
-            <a:lstStyle/>
-            <a:p>
-              <a:pPr marL="0" lvl="0" indent="0" algn="l" rtl="0">
-                <a:spcBef>
-                  <a:spcPts val="0"/>
-                </a:spcBef>
-                <a:spcAft>
-                  <a:spcPts val="0"/>
-                </a:spcAft>
-                <a:buNone/>
-              </a:pPr>
-              <a:endParaRPr/>
-            </a:p>
-          </p:txBody>
-        </p:sp>
-        <p:sp>
-          <p:nvSpPr>
-            <p:cNvPr id="263" name="Google Shape;263;p34"/>
-            <p:cNvSpPr/>
-            <p:nvPr/>
-          </p:nvSpPr>
-          <p:spPr>
-            <a:xfrm>
-              <a:off x="6721550" y="1208300"/>
-              <a:ext cx="80725" cy="269200"/>
-            </a:xfrm>
-            <a:custGeom>
-              <a:avLst/>
-              <a:gdLst/>
-              <a:ahLst/>
-              <a:cxnLst/>
-              <a:rect l="l" t="t" r="r" b="b"/>
-              <a:pathLst>
-                <a:path w="3229" h="10768" extrusionOk="0">
-                  <a:moveTo>
-                    <a:pt x="2958" y="63"/>
-                  </a:moveTo>
-                  <a:cubicBezTo>
-                    <a:pt x="3228" y="125"/>
-                    <a:pt x="2833" y="2562"/>
-                    <a:pt x="2083" y="5498"/>
-                  </a:cubicBezTo>
-                  <a:cubicBezTo>
-                    <a:pt x="1333" y="8435"/>
-                    <a:pt x="521" y="10767"/>
-                    <a:pt x="250" y="10705"/>
-                  </a:cubicBezTo>
-                  <a:cubicBezTo>
-                    <a:pt x="0" y="10622"/>
-                    <a:pt x="375" y="8185"/>
-                    <a:pt x="1125" y="5249"/>
-                  </a:cubicBezTo>
-                  <a:cubicBezTo>
-                    <a:pt x="1875" y="2333"/>
-                    <a:pt x="2687" y="0"/>
-                    <a:pt x="2958" y="63"/>
-                  </a:cubicBezTo>
-                  <a:close/>
-                </a:path>
-              </a:pathLst>
-            </a:custGeom>
-            <a:gradFill>
-              <a:gsLst>
-                <a:gs pos="0">
-                  <a:schemeClr val="lt1">
-                    <a:alpha val="24320"/>
-                  </a:schemeClr>
-                </a:gs>
-                <a:gs pos="5000">
-                  <a:schemeClr val="lt1">
-                    <a:alpha val="24320"/>
-                  </a:schemeClr>
-                </a:gs>
-                <a:gs pos="41000">
-                  <a:schemeClr val="lt1">
-                    <a:alpha val="24320"/>
-                  </a:schemeClr>
-                </a:gs>
-                <a:gs pos="81000">
-                  <a:srgbClr val="FFFFFF">
-                    <a:alpha val="13333"/>
-                    <a:alpha val="24320"/>
-                  </a:srgbClr>
-                </a:gs>
-                <a:gs pos="100000">
-                  <a:srgbClr val="FFFFFF">
-                    <a:alpha val="13333"/>
-                    <a:alpha val="24320"/>
-                  </a:srgbClr>
-                </a:gs>
-              </a:gsLst>
-              <a:path path="circle">
-                <a:fillToRect l="50000" t="50000" r="50000" b="50000"/>
-              </a:path>
-              <a:tileRect/>
-            </a:gradFill>
-            <a:ln>
-              <a:noFill/>
-            </a:ln>
-          </p:spPr>
-          <p:txBody>
-            <a:bodyPr spcFirstLastPara="1" wrap="square" lIns="91425" tIns="91425" rIns="91425" bIns="91425" anchor="ctr" anchorCtr="0">
-              <a:noAutofit/>
-            </a:bodyPr>
-            <a:lstStyle/>
-            <a:p>
-              <a:pPr marL="0" lvl="0" indent="0" algn="l" rtl="0">
-                <a:spcBef>
-                  <a:spcPts val="0"/>
-                </a:spcBef>
-                <a:spcAft>
-                  <a:spcPts val="0"/>
-                </a:spcAft>
-                <a:buNone/>
-              </a:pPr>
-              <a:endParaRPr/>
-            </a:p>
-          </p:txBody>
-        </p:sp>
-      </p:grpSp>
-      <p:sp>
-        <p:nvSpPr>
-          <p:cNvPr id="2" name="Google Shape;183;p32">
-            <a:extLst>
-              <a:ext uri="{FF2B5EF4-FFF2-40B4-BE49-F238E27FC236}">
-                <a16:creationId xmlns:a16="http://schemas.microsoft.com/office/drawing/2014/main" id="{255B7192-2AB1-6805-0573-68E3FB7C5BC7}"/>
-              </a:ext>
-            </a:extLst>
-          </p:cNvPr>
-          <p:cNvSpPr txBox="1">
-            <a:spLocks/>
-          </p:cNvSpPr>
-          <p:nvPr/>
-        </p:nvSpPr>
-        <p:spPr>
-          <a:xfrm>
-            <a:off x="3152407" y="1818696"/>
-            <a:ext cx="5132194" cy="3007685"/>
-          </a:xfrm>
-          <a:prstGeom prst="rect">
-            <a:avLst/>
-          </a:prstGeom>
-          <a:noFill/>
-          <a:ln>
-            <a:noFill/>
-          </a:ln>
-        </p:spPr>
-        <p:txBody>
-          <a:bodyPr spcFirstLastPara="1" wrap="square" lIns="91425" tIns="91425" rIns="91425" bIns="91425" anchor="ctr" anchorCtr="0">
-            <a:noAutofit/>
-          </a:bodyPr>
-          <a:lstStyle>
-            <a:defPPr marR="0" lvl="0" algn="l" rtl="0">
-              <a:lnSpc>
-                <a:spcPct val="100000"/>
-              </a:lnSpc>
-              <a:spcBef>
-                <a:spcPts val="0"/>
-              </a:spcBef>
-              <a:spcAft>
-                <a:spcPts val="0"/>
-              </a:spcAft>
-            </a:defPPr>
-            <a:lvl1pPr marR="0" lvl="0" algn="l" rtl="0">
-              <a:lnSpc>
-                <a:spcPct val="100000"/>
-              </a:lnSpc>
-              <a:spcBef>
-                <a:spcPts val="0"/>
-              </a:spcBef>
-              <a:spcAft>
-                <a:spcPts val="0"/>
-              </a:spcAft>
-              <a:buClr>
-                <a:schemeClr val="dk2"/>
-              </a:buClr>
-              <a:buSzPts val="3500"/>
-              <a:buFont typeface="DM Serif Display"/>
-              <a:buNone/>
-              <a:defRPr sz="3500" b="1" i="1" u="none" strike="noStrike" cap="none">
-                <a:solidFill>
-                  <a:schemeClr val="dk2"/>
-                </a:solidFill>
-                <a:latin typeface="DM Serif Display"/>
-                <a:ea typeface="DM Serif Display"/>
-                <a:cs typeface="DM Serif Display"/>
-                <a:sym typeface="DM Serif Display"/>
-              </a:defRPr>
-            </a:lvl1pPr>
-            <a:lvl2pPr marR="0" lvl="1" algn="l" rtl="0">
-              <a:lnSpc>
-                <a:spcPct val="100000"/>
-              </a:lnSpc>
-              <a:spcBef>
-                <a:spcPts val="0"/>
-              </a:spcBef>
-              <a:spcAft>
-                <a:spcPts val="0"/>
-              </a:spcAft>
-              <a:buClr>
-                <a:schemeClr val="dk2"/>
-              </a:buClr>
-              <a:buSzPts val="3500"/>
-              <a:buFont typeface="DM Serif Display"/>
-              <a:buNone/>
-              <a:defRPr sz="3500" b="1" i="1" u="none" strike="noStrike" cap="none">
-                <a:solidFill>
-                  <a:schemeClr val="dk2"/>
-                </a:solidFill>
-                <a:latin typeface="DM Serif Display"/>
-                <a:ea typeface="DM Serif Display"/>
-                <a:cs typeface="DM Serif Display"/>
-                <a:sym typeface="DM Serif Display"/>
-              </a:defRPr>
-            </a:lvl2pPr>
-            <a:lvl3pPr marR="0" lvl="2" algn="l" rtl="0">
-              <a:lnSpc>
-                <a:spcPct val="100000"/>
-              </a:lnSpc>
-              <a:spcBef>
-                <a:spcPts val="0"/>
-              </a:spcBef>
-              <a:spcAft>
-                <a:spcPts val="0"/>
-              </a:spcAft>
-              <a:buClr>
-                <a:schemeClr val="dk2"/>
-              </a:buClr>
-              <a:buSzPts val="3500"/>
-              <a:buFont typeface="DM Serif Display"/>
-              <a:buNone/>
-              <a:defRPr sz="3500" b="1" i="1" u="none" strike="noStrike" cap="none">
-                <a:solidFill>
-                  <a:schemeClr val="dk2"/>
-                </a:solidFill>
-                <a:latin typeface="DM Serif Display"/>
-                <a:ea typeface="DM Serif Display"/>
-                <a:cs typeface="DM Serif Display"/>
-                <a:sym typeface="DM Serif Display"/>
-              </a:defRPr>
-            </a:lvl3pPr>
-            <a:lvl4pPr marR="0" lvl="3" algn="l" rtl="0">
-              <a:lnSpc>
-                <a:spcPct val="100000"/>
-              </a:lnSpc>
-              <a:spcBef>
-                <a:spcPts val="0"/>
-              </a:spcBef>
-              <a:spcAft>
-                <a:spcPts val="0"/>
-              </a:spcAft>
-              <a:buClr>
-                <a:schemeClr val="dk2"/>
-              </a:buClr>
-              <a:buSzPts val="3500"/>
-              <a:buFont typeface="DM Serif Display"/>
-              <a:buNone/>
-              <a:defRPr sz="3500" b="1" i="1" u="none" strike="noStrike" cap="none">
-                <a:solidFill>
-                  <a:schemeClr val="dk2"/>
-                </a:solidFill>
-                <a:latin typeface="DM Serif Display"/>
-                <a:ea typeface="DM Serif Display"/>
-                <a:cs typeface="DM Serif Display"/>
-                <a:sym typeface="DM Serif Display"/>
-              </a:defRPr>
-            </a:lvl4pPr>
-            <a:lvl5pPr marR="0" lvl="4" algn="l" rtl="0">
-              <a:lnSpc>
-                <a:spcPct val="100000"/>
-              </a:lnSpc>
-              <a:spcBef>
-                <a:spcPts val="0"/>
-              </a:spcBef>
-              <a:spcAft>
-                <a:spcPts val="0"/>
-              </a:spcAft>
-              <a:buClr>
-                <a:schemeClr val="dk2"/>
-              </a:buClr>
-              <a:buSzPts val="3500"/>
-              <a:buFont typeface="DM Serif Display"/>
-              <a:buNone/>
-              <a:defRPr sz="3500" b="1" i="1" u="none" strike="noStrike" cap="none">
-                <a:solidFill>
-                  <a:schemeClr val="dk2"/>
-                </a:solidFill>
-                <a:latin typeface="DM Serif Display"/>
-                <a:ea typeface="DM Serif Display"/>
-                <a:cs typeface="DM Serif Display"/>
-                <a:sym typeface="DM Serif Display"/>
-              </a:defRPr>
-            </a:lvl5pPr>
-            <a:lvl6pPr marR="0" lvl="5" algn="l" rtl="0">
-              <a:lnSpc>
-                <a:spcPct val="100000"/>
-              </a:lnSpc>
-              <a:spcBef>
-                <a:spcPts val="0"/>
-              </a:spcBef>
-              <a:spcAft>
-                <a:spcPts val="0"/>
-              </a:spcAft>
-              <a:buClr>
-                <a:schemeClr val="dk2"/>
-              </a:buClr>
-              <a:buSzPts val="3500"/>
-              <a:buFont typeface="DM Serif Display"/>
-              <a:buNone/>
-              <a:defRPr sz="3500" b="1" i="1" u="none" strike="noStrike" cap="none">
-                <a:solidFill>
-                  <a:schemeClr val="dk2"/>
-                </a:solidFill>
-                <a:latin typeface="DM Serif Display"/>
-                <a:ea typeface="DM Serif Display"/>
-                <a:cs typeface="DM Serif Display"/>
-                <a:sym typeface="DM Serif Display"/>
-              </a:defRPr>
-            </a:lvl6pPr>
-            <a:lvl7pPr marR="0" lvl="6" algn="l" rtl="0">
-              <a:lnSpc>
-                <a:spcPct val="100000"/>
-              </a:lnSpc>
-              <a:spcBef>
-                <a:spcPts val="0"/>
-              </a:spcBef>
-              <a:spcAft>
-                <a:spcPts val="0"/>
-              </a:spcAft>
-              <a:buClr>
-                <a:schemeClr val="dk2"/>
-              </a:buClr>
-              <a:buSzPts val="3500"/>
-              <a:buFont typeface="DM Serif Display"/>
-              <a:buNone/>
-              <a:defRPr sz="3500" b="1" i="1" u="none" strike="noStrike" cap="none">
-                <a:solidFill>
-                  <a:schemeClr val="dk2"/>
-                </a:solidFill>
-                <a:latin typeface="DM Serif Display"/>
-                <a:ea typeface="DM Serif Display"/>
-                <a:cs typeface="DM Serif Display"/>
-                <a:sym typeface="DM Serif Display"/>
-              </a:defRPr>
-            </a:lvl7pPr>
-            <a:lvl8pPr marR="0" lvl="7" algn="l" rtl="0">
-              <a:lnSpc>
-                <a:spcPct val="100000"/>
-              </a:lnSpc>
-              <a:spcBef>
-                <a:spcPts val="0"/>
-              </a:spcBef>
-              <a:spcAft>
-                <a:spcPts val="0"/>
-              </a:spcAft>
-              <a:buClr>
-                <a:schemeClr val="dk2"/>
-              </a:buClr>
-              <a:buSzPts val="3500"/>
-              <a:buFont typeface="DM Serif Display"/>
-              <a:buNone/>
-              <a:defRPr sz="3500" b="1" i="1" u="none" strike="noStrike" cap="none">
-                <a:solidFill>
-                  <a:schemeClr val="dk2"/>
-                </a:solidFill>
-                <a:latin typeface="DM Serif Display"/>
-                <a:ea typeface="DM Serif Display"/>
-                <a:cs typeface="DM Serif Display"/>
-                <a:sym typeface="DM Serif Display"/>
-              </a:defRPr>
-            </a:lvl8pPr>
-            <a:lvl9pPr marR="0" lvl="8" algn="l" rtl="0">
-              <a:lnSpc>
-                <a:spcPct val="100000"/>
-              </a:lnSpc>
-              <a:spcBef>
-                <a:spcPts val="0"/>
-              </a:spcBef>
-              <a:spcAft>
-                <a:spcPts val="0"/>
-              </a:spcAft>
-              <a:buClr>
-                <a:schemeClr val="dk2"/>
-              </a:buClr>
-              <a:buSzPts val="3500"/>
-              <a:buFont typeface="DM Serif Display"/>
-              <a:buNone/>
-              <a:defRPr sz="3500" b="1" i="1" u="none" strike="noStrike" cap="none">
-                <a:solidFill>
-                  <a:schemeClr val="dk2"/>
-                </a:solidFill>
-                <a:latin typeface="DM Serif Display"/>
-                <a:ea typeface="DM Serif Display"/>
-                <a:cs typeface="DM Serif Display"/>
-                <a:sym typeface="DM Serif Display"/>
-              </a:defRPr>
-            </a:lvl9pPr>
-          </a:lstStyle>
-          <a:p>
-            <a:pPr marL="171450" indent="-171450">
-              <a:buFont typeface="Arial" panose="020B0604020202020204" pitchFamily="34" charset="0"/>
-              <a:buChar char="•"/>
-            </a:pPr>
-            <a:r>
-              <a:rPr lang="en-US" sz="1200" dirty="0"/>
-              <a:t>Passive Fog so players can move threw the clouds and the fog would disperse</a:t>
-            </a:r>
-            <a:br>
-              <a:rPr lang="en-US" sz="1200" dirty="0"/>
-            </a:br>
-            <a:br>
-              <a:rPr lang="en-US" sz="1200" dirty="0"/>
-            </a:br>
-            <a:endParaRPr lang="en-US" sz="1200" dirty="0"/>
-          </a:p>
-          <a:p>
-            <a:pPr marL="171450" indent="-171450">
-              <a:buFont typeface="Arial" panose="020B0604020202020204" pitchFamily="34" charset="0"/>
-              <a:buChar char="•"/>
-            </a:pPr>
-            <a:r>
-              <a:rPr lang="en-US" sz="1200" dirty="0"/>
-              <a:t>GitHub</a:t>
-            </a:r>
-            <a:r>
-              <a:rPr lang="en-US" sz="1200" b="1" dirty="0"/>
-              <a:t> Source Control Setup – at first it wasn’t working to setup but found a work around.</a:t>
-            </a:r>
-            <a:br>
-              <a:rPr lang="en-US" sz="1200" dirty="0"/>
-            </a:br>
-            <a:endParaRPr lang="en-US" sz="1200" dirty="0"/>
-          </a:p>
-          <a:p>
-            <a:pPr marL="171450" indent="-171450">
-              <a:buFont typeface="Arial" panose="020B0604020202020204" pitchFamily="34" charset="0"/>
-              <a:buChar char="•"/>
-            </a:pPr>
-            <a:r>
-              <a:rPr lang="en-US" sz="1200" dirty="0"/>
-              <a:t>Track Design: track was fairly easy to make and setup but upon testing found track wasn’t connected and later on in development was able to make  a fluid seamless track.</a:t>
-            </a:r>
-            <a:br>
-              <a:rPr lang="en-US" sz="1200" dirty="0"/>
-            </a:br>
-            <a:br>
-              <a:rPr lang="en-US" sz="1200" dirty="0"/>
-            </a:br>
-            <a:endParaRPr lang="en-US" sz="1200" dirty="0"/>
-          </a:p>
-          <a:p>
-            <a:pPr marL="171450" indent="-171450">
-              <a:buFont typeface="Arial" panose="020B0604020202020204" pitchFamily="34" charset="0"/>
-              <a:buChar char="•"/>
-            </a:pPr>
-            <a:r>
-              <a:rPr lang="en-US" sz="1200" dirty="0"/>
-              <a:t>Initial problems with the lap counting system, causing laps not to register correctly or inaccurately tracking player progress</a:t>
-            </a:r>
-            <a:br>
-              <a:rPr lang="en-US" sz="1200" dirty="0"/>
-            </a:br>
-            <a:br>
-              <a:rPr lang="en-US" sz="1200" dirty="0"/>
-            </a:br>
-            <a:endParaRPr lang="en-US" sz="1200" dirty="0"/>
-          </a:p>
-          <a:p>
-            <a:pPr marL="171450" indent="-171450">
-              <a:buFont typeface="Arial" panose="020B0604020202020204" pitchFamily="34" charset="0"/>
-              <a:buChar char="•"/>
-            </a:pPr>
-            <a:r>
-              <a:rPr lang="en-US" sz="1200" dirty="0"/>
-              <a:t>Challenges in balancing the power-ups to ensure fair and fun gameplay, as some abilities might have been too powerful or ineffective in early iterations</a:t>
-            </a:r>
-          </a:p>
-          <a:p>
-            <a:pPr marL="171450" indent="-171450">
-              <a:buFont typeface="Arial" panose="020B0604020202020204" pitchFamily="34" charset="0"/>
-              <a:buChar char="•"/>
-            </a:pPr>
-            <a:endParaRPr lang="en-US" sz="2400" dirty="0"/>
-          </a:p>
-        </p:txBody>
-      </p:sp>
-      <p:sp>
-        <p:nvSpPr>
-          <p:cNvPr id="6" name="Title 5">
-            <a:extLst>
-              <a:ext uri="{FF2B5EF4-FFF2-40B4-BE49-F238E27FC236}">
-                <a16:creationId xmlns:a16="http://schemas.microsoft.com/office/drawing/2014/main" id="{91F9CAE1-FF76-EA17-D611-D6024BD82A27}"/>
-              </a:ext>
-            </a:extLst>
-          </p:cNvPr>
-          <p:cNvSpPr>
-            <a:spLocks noGrp="1"/>
-          </p:cNvSpPr>
-          <p:nvPr>
-            <p:ph type="title"/>
-          </p:nvPr>
-        </p:nvSpPr>
-        <p:spPr>
-          <a:xfrm>
-            <a:off x="3228219" y="427518"/>
-            <a:ext cx="5453550" cy="841800"/>
-          </a:xfrm>
-        </p:spPr>
-        <p:txBody>
-          <a:bodyPr/>
-          <a:lstStyle/>
-          <a:p>
-            <a:r>
-              <a:rPr lang="en-US" dirty="0"/>
-              <a:t>What didn’t work?</a:t>
-            </a:r>
-          </a:p>
-        </p:txBody>
-      </p:sp>
-      <p:pic>
-        <p:nvPicPr>
-          <p:cNvPr id="4" name="Picture 3">
-            <a:extLst>
-              <a:ext uri="{FF2B5EF4-FFF2-40B4-BE49-F238E27FC236}">
-                <a16:creationId xmlns:a16="http://schemas.microsoft.com/office/drawing/2014/main" id="{B8715820-B9D2-DA8B-1E25-57F7F1D0B742}"/>
-              </a:ext>
-            </a:extLst>
-          </p:cNvPr>
-          <p:cNvPicPr>
-            <a:picLocks noChangeAspect="1"/>
-          </p:cNvPicPr>
-          <p:nvPr/>
-        </p:nvPicPr>
-        <p:blipFill>
-          <a:blip r:embed="rId4"/>
-          <a:stretch>
-            <a:fillRect/>
-          </a:stretch>
-        </p:blipFill>
-        <p:spPr>
-          <a:xfrm>
-            <a:off x="129253" y="878923"/>
-            <a:ext cx="2807149" cy="1269100"/>
-          </a:xfrm>
-          <a:prstGeom prst="rect">
-            <a:avLst/>
-          </a:prstGeom>
-        </p:spPr>
-      </p:pic>
-    </p:spTree>
-  </p:cSld>
-  <p:clrMapOvr>
-    <a:masterClrMapping/>
-  </p:clrMapOvr>
-  <mc:AlternateContent xmlns:mc="http://schemas.openxmlformats.org/markup-compatibility/2006" xmlns:p14="http://schemas.microsoft.com/office/powerpoint/2010/main">
-    <mc:Choice Requires="p14">
-      <p:transition spd="slow" p14:dur="3900">
-        <p14:glitter pattern="hexagon"/>
-      </p:transition>
-    </mc:Choice>
-    <mc:Fallback xmlns="">
-      <p:transition spd="slow">
-        <p:fade/>
-      </p:transition>
-    </mc:Fallback>
-  </mc:AlternateContent>
-  <p:timing>
-    <p:tnLst>
-      <p:par>
-        <p:cTn id="1" dur="indefinite" restart="never" nodeType="tmRoot">
-          <p:childTnLst>
-            <p:seq concurrent="1" nextAc="seek">
-              <p:cTn id="2" dur="indefinite" nodeType="mainSeq">
-                <p:childTnLst>
-                  <p:par>
-                    <p:cTn id="3" fill="hold">
-                      <p:stCondLst>
-                        <p:cond delay="indefinite"/>
-                      </p:stCondLst>
-                      <p:childTnLst>
-                        <p:par>
-                          <p:cTn id="4" fill="hold">
-                            <p:stCondLst>
-                              <p:cond delay="0"/>
-                            </p:stCondLst>
-                            <p:childTnLst>
-                              <p:par>
-                                <p:cTn id="5" presetID="42" presetClass="entr" presetSubtype="0" fill="hold" grpId="0" nodeType="clickEffect">
-                                  <p:stCondLst>
-                                    <p:cond delay="0"/>
-                                  </p:stCondLst>
-                                  <p:childTnLst>
-                                    <p:set>
-                                      <p:cBhvr>
-                                        <p:cTn id="6" dur="1" fill="hold">
-                                          <p:stCondLst>
-                                            <p:cond delay="0"/>
-                                          </p:stCondLst>
-                                        </p:cTn>
-                                        <p:tgtEl>
-                                          <p:spTgt spid="6"/>
-                                        </p:tgtEl>
-                                        <p:attrNameLst>
-                                          <p:attrName>style.visibility</p:attrName>
-                                        </p:attrNameLst>
-                                      </p:cBhvr>
-                                      <p:to>
-                                        <p:strVal val="visible"/>
-                                      </p:to>
-                                    </p:set>
-                                    <p:animEffect transition="in" filter="fade">
-                                      <p:cBhvr>
-                                        <p:cTn id="7" dur="1000"/>
-                                        <p:tgtEl>
-                                          <p:spTgt spid="6"/>
-                                        </p:tgtEl>
-                                      </p:cBhvr>
-                                    </p:animEffect>
-                                    <p:anim calcmode="lin" valueType="num">
-                                      <p:cBhvr>
-                                        <p:cTn id="8" dur="1000" fill="hold"/>
-                                        <p:tgtEl>
-                                          <p:spTgt spid="6"/>
-                                        </p:tgtEl>
-                                        <p:attrNameLst>
-                                          <p:attrName>ppt_x</p:attrName>
-                                        </p:attrNameLst>
-                                      </p:cBhvr>
-                                      <p:tavLst>
-                                        <p:tav tm="0">
-                                          <p:val>
-                                            <p:strVal val="#ppt_x"/>
-                                          </p:val>
-                                        </p:tav>
-                                        <p:tav tm="100000">
-                                          <p:val>
-                                            <p:strVal val="#ppt_x"/>
-                                          </p:val>
-                                        </p:tav>
-                                      </p:tavLst>
-                                    </p:anim>
-                                    <p:anim calcmode="lin" valueType="num">
-                                      <p:cBhvr>
-                                        <p:cTn id="9" dur="1000" fill="hold"/>
-                                        <p:tgtEl>
-                                          <p:spTgt spid="6"/>
-                                        </p:tgtEl>
-                                        <p:attrNameLst>
-                                          <p:attrName>ppt_y</p:attrName>
-                                        </p:attrNameLst>
-                                      </p:cBhvr>
-                                      <p:tavLst>
-                                        <p:tav tm="0">
-                                          <p:val>
-                                            <p:strVal val="#ppt_y+.1"/>
-                                          </p:val>
-                                        </p:tav>
-                                        <p:tav tm="100000">
-                                          <p:val>
-                                            <p:strVal val="#ppt_y"/>
-                                          </p:val>
-                                        </p:tav>
-                                      </p:tavLst>
-                                    </p:anim>
-                                  </p:childTnLst>
-                                </p:cTn>
-                              </p:par>
-                            </p:childTnLst>
-                          </p:cTn>
-                        </p:par>
-                      </p:childTnLst>
-                    </p:cTn>
-                  </p:par>
-                  <p:par>
-                    <p:cTn id="10" fill="hold">
-                      <p:stCondLst>
-                        <p:cond delay="indefinite"/>
-                      </p:stCondLst>
-                      <p:childTnLst>
-                        <p:par>
-                          <p:cTn id="11" fill="hold">
-                            <p:stCondLst>
-                              <p:cond delay="0"/>
-                            </p:stCondLst>
-                            <p:childTnLst>
-                              <p:par>
-                                <p:cTn id="12" presetID="6" presetClass="entr" presetSubtype="16" fill="hold" nodeType="clickEffect">
-                                  <p:stCondLst>
-                                    <p:cond delay="0"/>
-                                  </p:stCondLst>
-                                  <p:childTnLst>
-                                    <p:set>
-                                      <p:cBhvr>
-                                        <p:cTn id="13" dur="1" fill="hold">
-                                          <p:stCondLst>
-                                            <p:cond delay="0"/>
-                                          </p:stCondLst>
-                                        </p:cTn>
-                                        <p:tgtEl>
-                                          <p:spTgt spid="4"/>
-                                        </p:tgtEl>
-                                        <p:attrNameLst>
-                                          <p:attrName>style.visibility</p:attrName>
-                                        </p:attrNameLst>
-                                      </p:cBhvr>
-                                      <p:to>
-                                        <p:strVal val="visible"/>
-                                      </p:to>
-                                    </p:set>
-                                    <p:animEffect transition="in" filter="circle(in)">
-                                      <p:cBhvr>
-                                        <p:cTn id="14" dur="2000"/>
-                                        <p:tgtEl>
-                                          <p:spTgt spid="4"/>
-                                        </p:tgtEl>
-                                      </p:cBhvr>
-                                    </p:animEffect>
-                                  </p:childTnLst>
-                                </p:cTn>
-                              </p:par>
-                            </p:childTnLst>
-                          </p:cTn>
-                        </p:par>
-                      </p:childTnLst>
-                    </p:cTn>
-                  </p:par>
-                  <p:par>
-                    <p:cTn id="15" fill="hold">
-                      <p:stCondLst>
-                        <p:cond delay="indefinite"/>
-                      </p:stCondLst>
-                      <p:childTnLst>
-                        <p:par>
-                          <p:cTn id="16" fill="hold">
-                            <p:stCondLst>
-                              <p:cond delay="0"/>
-                            </p:stCondLst>
-                            <p:childTnLst>
-                              <p:par>
-                                <p:cTn id="17" presetID="42" presetClass="entr" presetSubtype="0" fill="hold" grpId="0" nodeType="clickEffect">
-                                  <p:stCondLst>
-                                    <p:cond delay="0"/>
-                                  </p:stCondLst>
-                                  <p:childTnLst>
-                                    <p:set>
-                                      <p:cBhvr>
-                                        <p:cTn id="18" dur="1" fill="hold">
-                                          <p:stCondLst>
-                                            <p:cond delay="0"/>
-                                          </p:stCondLst>
-                                        </p:cTn>
-                                        <p:tgtEl>
-                                          <p:spTgt spid="2"/>
-                                        </p:tgtEl>
-                                        <p:attrNameLst>
-                                          <p:attrName>style.visibility</p:attrName>
-                                        </p:attrNameLst>
-                                      </p:cBhvr>
-                                      <p:to>
-                                        <p:strVal val="visible"/>
-                                      </p:to>
-                                    </p:set>
-                                    <p:animEffect transition="in" filter="fade">
-                                      <p:cBhvr>
-                                        <p:cTn id="19" dur="1000"/>
-                                        <p:tgtEl>
-                                          <p:spTgt spid="2"/>
-                                        </p:tgtEl>
-                                      </p:cBhvr>
-                                    </p:animEffect>
-                                    <p:anim calcmode="lin" valueType="num">
-                                      <p:cBhvr>
-                                        <p:cTn id="20" dur="1000" fill="hold"/>
-                                        <p:tgtEl>
-                                          <p:spTgt spid="2"/>
-                                        </p:tgtEl>
-                                        <p:attrNameLst>
-                                          <p:attrName>ppt_x</p:attrName>
-                                        </p:attrNameLst>
-                                      </p:cBhvr>
-                                      <p:tavLst>
-                                        <p:tav tm="0">
-                                          <p:val>
-                                            <p:strVal val="#ppt_x"/>
-                                          </p:val>
-                                        </p:tav>
-                                        <p:tav tm="100000">
-                                          <p:val>
-                                            <p:strVal val="#ppt_x"/>
-                                          </p:val>
-                                        </p:tav>
-                                      </p:tavLst>
-                                    </p:anim>
-                                    <p:anim calcmode="lin" valueType="num">
-                                      <p:cBhvr>
-                                        <p:cTn id="21" dur="1000" fill="hold"/>
-                                        <p:tgtEl>
-                                          <p:spTgt spid="2"/>
-                                        </p:tgtEl>
-                                        <p:attrNameLst>
-                                          <p:attrName>ppt_y</p:attrName>
-                                        </p:attrNameLst>
-                                      </p:cBhvr>
-                                      <p:tavLst>
-                                        <p:tav tm="0">
-                                          <p:val>
-                                            <p:strVal val="#ppt_y+.1"/>
-                                          </p:val>
-                                        </p:tav>
-                                        <p:tav tm="100000">
-                                          <p:val>
-                                            <p:strVal val="#ppt_y"/>
-                                          </p:val>
-                                        </p:tav>
-                                      </p:tavLst>
-                                    </p:anim>
-                                  </p:childTnLst>
-                                </p:cTn>
-                              </p:par>
-                            </p:childTnLst>
-                          </p:cTn>
-                        </p:par>
-                      </p:childTnLst>
-                    </p:cTn>
-                  </p:par>
-                </p:childTnLst>
-              </p:cTn>
-              <p:prevCondLst>
-                <p:cond evt="onPrev" delay="0">
-                  <p:tgtEl>
-                    <p:sldTgt/>
-                  </p:tgtEl>
-                </p:cond>
-              </p:prevCondLst>
-              <p:nextCondLst>
-                <p:cond evt="onNext" delay="0">
-                  <p:tgtEl>
-                    <p:sldTgt/>
-                  </p:tgtEl>
-                </p:cond>
-              </p:nextCondLst>
-            </p:seq>
-          </p:childTnLst>
-        </p:cTn>
-      </p:par>
-    </p:tnLst>
-    <p:bldLst>
-      <p:bldP spid="2" grpId="0"/>
-      <p:bldP spid="6" grpId="0"/>
-    </p:bldLst>
-  </p:timing>
-</p:sld>
-</file>
-
-<file path=ppt/slides/slide7.xml><?xml version="1.0" encoding="utf-8"?>
-<p:sld xmlns:a="http://schemas.openxmlformats.org/drawingml/2006/main" xmlns:r="http://schemas.openxmlformats.org/officeDocument/2006/relationships" xmlns:p="http://schemas.openxmlformats.org/presentationml/2006/main">
-  <p:cSld>
-    <p:bg>
-      <p:bgPr>
-        <a:blipFill>
-          <a:blip r:embed="rId3">
-            <a:alphaModFix/>
-          </a:blip>
-          <a:stretch>
-            <a:fillRect/>
-          </a:stretch>
-        </a:blipFill>
-        <a:effectLst/>
-      </p:bgPr>
-    </p:bg>
-    <p:spTree>
-      <p:nvGrpSpPr>
-        <p:cNvPr id="1" name="Shape 244"/>
-        <p:cNvGrpSpPr/>
-        <p:nvPr/>
-      </p:nvGrpSpPr>
-      <p:grpSpPr>
-        <a:xfrm>
-          <a:off x="0" y="0"/>
-          <a:ext cx="0" cy="0"/>
-          <a:chOff x="0" y="0"/>
-          <a:chExt cx="0" cy="0"/>
-        </a:xfrm>
-      </p:grpSpPr>
-      <p:grpSp>
-        <p:nvGrpSpPr>
-          <p:cNvPr id="251" name="Google Shape;251;p34"/>
-          <p:cNvGrpSpPr/>
-          <p:nvPr/>
-        </p:nvGrpSpPr>
-        <p:grpSpPr>
-          <a:xfrm>
-            <a:off x="4319248" y="1374807"/>
-            <a:ext cx="301644" cy="302177"/>
-            <a:chOff x="6627300" y="1208300"/>
-            <a:chExt cx="268701" cy="269200"/>
-          </a:xfrm>
-        </p:grpSpPr>
-        <p:sp>
-          <p:nvSpPr>
-            <p:cNvPr id="252" name="Google Shape;252;p34"/>
-            <p:cNvSpPr/>
-            <p:nvPr/>
-          </p:nvSpPr>
-          <p:spPr>
-            <a:xfrm>
-              <a:off x="6627300" y="1208544"/>
-              <a:ext cx="268701" cy="268683"/>
-            </a:xfrm>
-            <a:custGeom>
-              <a:avLst/>
-              <a:gdLst/>
-              <a:ahLst/>
-              <a:cxnLst/>
-              <a:rect l="l" t="t" r="r" b="b"/>
-              <a:pathLst>
-                <a:path w="7415" h="7415" extrusionOk="0">
-                  <a:moveTo>
-                    <a:pt x="4541" y="459"/>
-                  </a:moveTo>
-                  <a:cubicBezTo>
-                    <a:pt x="6332" y="917"/>
-                    <a:pt x="7415" y="2749"/>
-                    <a:pt x="6957" y="4541"/>
-                  </a:cubicBezTo>
-                  <a:cubicBezTo>
-                    <a:pt x="6499" y="6332"/>
-                    <a:pt x="4687" y="7414"/>
-                    <a:pt x="2896" y="6956"/>
-                  </a:cubicBezTo>
-                  <a:cubicBezTo>
-                    <a:pt x="1084" y="6498"/>
-                    <a:pt x="1" y="4686"/>
-                    <a:pt x="459" y="2895"/>
-                  </a:cubicBezTo>
-                  <a:cubicBezTo>
-                    <a:pt x="917" y="1083"/>
-                    <a:pt x="2750" y="0"/>
-                    <a:pt x="4541" y="459"/>
-                  </a:cubicBezTo>
-                  <a:close/>
-                </a:path>
-              </a:pathLst>
-            </a:custGeom>
-            <a:gradFill>
-              <a:gsLst>
-                <a:gs pos="0">
-                  <a:schemeClr val="lt1"/>
-                </a:gs>
-                <a:gs pos="5000">
-                  <a:schemeClr val="lt1"/>
-                </a:gs>
-                <a:gs pos="10000">
-                  <a:schemeClr val="lt1"/>
-                </a:gs>
-                <a:gs pos="55000">
-                  <a:srgbClr val="FFFFFF">
-                    <a:alpha val="5490"/>
-                  </a:srgbClr>
-                </a:gs>
-                <a:gs pos="100000">
-                  <a:srgbClr val="FFFFFF">
-                    <a:alpha val="0"/>
-                  </a:srgbClr>
-                </a:gs>
-              </a:gsLst>
-              <a:path path="circle">
-                <a:fillToRect l="50000" t="50000" r="50000" b="50000"/>
-              </a:path>
-              <a:tileRect/>
-            </a:gradFill>
-            <a:ln>
-              <a:noFill/>
-            </a:ln>
-          </p:spPr>
-          <p:txBody>
-            <a:bodyPr spcFirstLastPara="1" wrap="square" lIns="91425" tIns="91425" rIns="91425" bIns="91425" anchor="ctr" anchorCtr="0">
-              <a:noAutofit/>
-            </a:bodyPr>
-            <a:lstStyle/>
-            <a:p>
-              <a:pPr marL="0" lvl="0" indent="0" algn="l" rtl="0">
-                <a:spcBef>
-                  <a:spcPts val="0"/>
-                </a:spcBef>
-                <a:spcAft>
-                  <a:spcPts val="0"/>
-                </a:spcAft>
-                <a:buNone/>
-              </a:pPr>
-              <a:endParaRPr/>
-            </a:p>
-          </p:txBody>
-        </p:sp>
-        <p:sp>
-          <p:nvSpPr>
-            <p:cNvPr id="253" name="Google Shape;253;p34"/>
-            <p:cNvSpPr/>
-            <p:nvPr/>
-          </p:nvSpPr>
-          <p:spPr>
-            <a:xfrm>
-              <a:off x="6627300" y="1302525"/>
-              <a:ext cx="268700" cy="80725"/>
-            </a:xfrm>
-            <a:custGeom>
-              <a:avLst/>
-              <a:gdLst/>
-              <a:ahLst/>
-              <a:cxnLst/>
-              <a:rect l="l" t="t" r="r" b="b"/>
-              <a:pathLst>
-                <a:path w="10748" h="3229" extrusionOk="0">
-                  <a:moveTo>
-                    <a:pt x="5499" y="1125"/>
-                  </a:moveTo>
-                  <a:cubicBezTo>
-                    <a:pt x="8435" y="1875"/>
-                    <a:pt x="10747" y="2687"/>
-                    <a:pt x="10685" y="2958"/>
-                  </a:cubicBezTo>
-                  <a:cubicBezTo>
-                    <a:pt x="10622" y="3229"/>
-                    <a:pt x="8185" y="2833"/>
-                    <a:pt x="5249" y="2083"/>
-                  </a:cubicBezTo>
-                  <a:cubicBezTo>
-                    <a:pt x="2313" y="1355"/>
-                    <a:pt x="1" y="522"/>
-                    <a:pt x="63" y="272"/>
-                  </a:cubicBezTo>
-                  <a:cubicBezTo>
-                    <a:pt x="126" y="1"/>
-                    <a:pt x="2562" y="376"/>
-                    <a:pt x="5499" y="1125"/>
-                  </a:cubicBezTo>
-                  <a:close/>
-                </a:path>
-              </a:pathLst>
-            </a:custGeom>
-            <a:gradFill>
-              <a:gsLst>
-                <a:gs pos="0">
-                  <a:schemeClr val="lt1">
-                    <a:alpha val="24320"/>
-                  </a:schemeClr>
-                </a:gs>
-                <a:gs pos="5000">
-                  <a:schemeClr val="lt1">
-                    <a:alpha val="24320"/>
-                  </a:schemeClr>
-                </a:gs>
-                <a:gs pos="41000">
-                  <a:schemeClr val="lt1">
-                    <a:alpha val="24320"/>
-                  </a:schemeClr>
-                </a:gs>
-                <a:gs pos="81000">
-                  <a:srgbClr val="FFFFFF">
-                    <a:alpha val="13333"/>
-                    <a:alpha val="24320"/>
-                  </a:srgbClr>
-                </a:gs>
-                <a:gs pos="100000">
-                  <a:srgbClr val="FFFFFF">
-                    <a:alpha val="13333"/>
-                    <a:alpha val="24320"/>
-                  </a:srgbClr>
-                </a:gs>
-              </a:gsLst>
-              <a:path path="circle">
-                <a:fillToRect l="50000" t="50000" r="50000" b="50000"/>
-              </a:path>
-              <a:tileRect/>
-            </a:gradFill>
-            <a:ln>
-              <a:noFill/>
-            </a:ln>
-          </p:spPr>
-          <p:txBody>
-            <a:bodyPr spcFirstLastPara="1" wrap="square" lIns="91425" tIns="91425" rIns="91425" bIns="91425" anchor="ctr" anchorCtr="0">
-              <a:noAutofit/>
-            </a:bodyPr>
-            <a:lstStyle/>
-            <a:p>
-              <a:pPr marL="0" lvl="0" indent="0" algn="l" rtl="0">
-                <a:spcBef>
-                  <a:spcPts val="0"/>
-                </a:spcBef>
-                <a:spcAft>
-                  <a:spcPts val="0"/>
-                </a:spcAft>
-                <a:buNone/>
-              </a:pPr>
-              <a:endParaRPr/>
-            </a:p>
-          </p:txBody>
-        </p:sp>
-        <p:sp>
-          <p:nvSpPr>
-            <p:cNvPr id="254" name="Google Shape;254;p34"/>
-            <p:cNvSpPr/>
-            <p:nvPr/>
-          </p:nvSpPr>
-          <p:spPr>
-            <a:xfrm>
-              <a:off x="6721550" y="1208300"/>
-              <a:ext cx="80725" cy="269200"/>
-            </a:xfrm>
-            <a:custGeom>
-              <a:avLst/>
-              <a:gdLst/>
-              <a:ahLst/>
-              <a:cxnLst/>
-              <a:rect l="l" t="t" r="r" b="b"/>
-              <a:pathLst>
-                <a:path w="3229" h="10768" extrusionOk="0">
-                  <a:moveTo>
-                    <a:pt x="2958" y="63"/>
-                  </a:moveTo>
-                  <a:cubicBezTo>
-                    <a:pt x="3228" y="125"/>
-                    <a:pt x="2833" y="2562"/>
-                    <a:pt x="2083" y="5498"/>
-                  </a:cubicBezTo>
-                  <a:cubicBezTo>
-                    <a:pt x="1333" y="8435"/>
-                    <a:pt x="521" y="10767"/>
-                    <a:pt x="250" y="10705"/>
-                  </a:cubicBezTo>
-                  <a:cubicBezTo>
-                    <a:pt x="0" y="10622"/>
-                    <a:pt x="375" y="8185"/>
-                    <a:pt x="1125" y="5249"/>
-                  </a:cubicBezTo>
-                  <a:cubicBezTo>
-                    <a:pt x="1875" y="2333"/>
-                    <a:pt x="2687" y="0"/>
-                    <a:pt x="2958" y="63"/>
-                  </a:cubicBezTo>
-                  <a:close/>
-                </a:path>
-              </a:pathLst>
-            </a:custGeom>
-            <a:gradFill>
-              <a:gsLst>
-                <a:gs pos="0">
-                  <a:schemeClr val="lt1">
-                    <a:alpha val="24320"/>
-                  </a:schemeClr>
-                </a:gs>
-                <a:gs pos="5000">
-                  <a:schemeClr val="lt1">
-                    <a:alpha val="24320"/>
-                  </a:schemeClr>
-                </a:gs>
-                <a:gs pos="41000">
-                  <a:schemeClr val="lt1">
-                    <a:alpha val="24320"/>
-                  </a:schemeClr>
-                </a:gs>
-                <a:gs pos="81000">
-                  <a:srgbClr val="FFFFFF">
-                    <a:alpha val="13333"/>
-                    <a:alpha val="24320"/>
-                  </a:srgbClr>
-                </a:gs>
-                <a:gs pos="100000">
-                  <a:srgbClr val="FFFFFF">
-                    <a:alpha val="13333"/>
-                    <a:alpha val="24320"/>
-                  </a:srgbClr>
-                </a:gs>
-              </a:gsLst>
-              <a:path path="circle">
-                <a:fillToRect l="50000" t="50000" r="50000" b="50000"/>
-              </a:path>
-              <a:tileRect/>
-            </a:gradFill>
-            <a:ln>
-              <a:noFill/>
-            </a:ln>
-          </p:spPr>
-          <p:txBody>
-            <a:bodyPr spcFirstLastPara="1" wrap="square" lIns="91425" tIns="91425" rIns="91425" bIns="91425" anchor="ctr" anchorCtr="0">
-              <a:noAutofit/>
-            </a:bodyPr>
-            <a:lstStyle/>
-            <a:p>
-              <a:pPr marL="0" lvl="0" indent="0" algn="l" rtl="0">
-                <a:spcBef>
-                  <a:spcPts val="0"/>
-                </a:spcBef>
-                <a:spcAft>
-                  <a:spcPts val="0"/>
-                </a:spcAft>
-                <a:buNone/>
-              </a:pPr>
-              <a:endParaRPr/>
-            </a:p>
-          </p:txBody>
-        </p:sp>
-      </p:grpSp>
-      <p:grpSp>
-        <p:nvGrpSpPr>
-          <p:cNvPr id="255" name="Google Shape;255;p34"/>
-          <p:cNvGrpSpPr/>
-          <p:nvPr/>
-        </p:nvGrpSpPr>
-        <p:grpSpPr>
-          <a:xfrm>
-            <a:off x="1319923" y="1441619"/>
-            <a:ext cx="301644" cy="302177"/>
-            <a:chOff x="6627300" y="1208300"/>
-            <a:chExt cx="268701" cy="269200"/>
-          </a:xfrm>
-        </p:grpSpPr>
-        <p:sp>
-          <p:nvSpPr>
-            <p:cNvPr id="256" name="Google Shape;256;p34"/>
-            <p:cNvSpPr/>
-            <p:nvPr/>
-          </p:nvSpPr>
-          <p:spPr>
-            <a:xfrm>
-              <a:off x="6627300" y="1208544"/>
-              <a:ext cx="268701" cy="268683"/>
-            </a:xfrm>
-            <a:custGeom>
-              <a:avLst/>
-              <a:gdLst/>
-              <a:ahLst/>
-              <a:cxnLst/>
-              <a:rect l="l" t="t" r="r" b="b"/>
-              <a:pathLst>
-                <a:path w="7415" h="7415" extrusionOk="0">
-                  <a:moveTo>
-                    <a:pt x="4541" y="459"/>
-                  </a:moveTo>
-                  <a:cubicBezTo>
-                    <a:pt x="6332" y="917"/>
-                    <a:pt x="7415" y="2749"/>
-                    <a:pt x="6957" y="4541"/>
-                  </a:cubicBezTo>
-                  <a:cubicBezTo>
-                    <a:pt x="6499" y="6332"/>
-                    <a:pt x="4687" y="7414"/>
-                    <a:pt x="2896" y="6956"/>
-                  </a:cubicBezTo>
-                  <a:cubicBezTo>
-                    <a:pt x="1084" y="6498"/>
-                    <a:pt x="1" y="4686"/>
-                    <a:pt x="459" y="2895"/>
-                  </a:cubicBezTo>
-                  <a:cubicBezTo>
-                    <a:pt x="917" y="1083"/>
-                    <a:pt x="2750" y="0"/>
-                    <a:pt x="4541" y="459"/>
-                  </a:cubicBezTo>
-                  <a:close/>
-                </a:path>
-              </a:pathLst>
-            </a:custGeom>
-            <a:gradFill>
-              <a:gsLst>
-                <a:gs pos="0">
-                  <a:schemeClr val="lt1"/>
-                </a:gs>
-                <a:gs pos="5000">
-                  <a:schemeClr val="lt1"/>
-                </a:gs>
-                <a:gs pos="10000">
-                  <a:schemeClr val="lt1"/>
-                </a:gs>
-                <a:gs pos="55000">
-                  <a:srgbClr val="FFFFFF">
-                    <a:alpha val="5490"/>
-                  </a:srgbClr>
-                </a:gs>
-                <a:gs pos="100000">
-                  <a:srgbClr val="FFFFFF">
-                    <a:alpha val="0"/>
-                  </a:srgbClr>
-                </a:gs>
-              </a:gsLst>
-              <a:path path="circle">
-                <a:fillToRect l="50000" t="50000" r="50000" b="50000"/>
-              </a:path>
-              <a:tileRect/>
-            </a:gradFill>
-            <a:ln>
-              <a:noFill/>
-            </a:ln>
-          </p:spPr>
-          <p:txBody>
-            <a:bodyPr spcFirstLastPara="1" wrap="square" lIns="91425" tIns="91425" rIns="91425" bIns="91425" anchor="ctr" anchorCtr="0">
-              <a:noAutofit/>
-            </a:bodyPr>
-            <a:lstStyle/>
-            <a:p>
-              <a:pPr marL="0" lvl="0" indent="0" algn="l" rtl="0">
-                <a:spcBef>
-                  <a:spcPts val="0"/>
-                </a:spcBef>
-                <a:spcAft>
-                  <a:spcPts val="0"/>
-                </a:spcAft>
-                <a:buNone/>
-              </a:pPr>
-              <a:endParaRPr/>
-            </a:p>
-          </p:txBody>
-        </p:sp>
-        <p:sp>
-          <p:nvSpPr>
-            <p:cNvPr id="257" name="Google Shape;257;p34"/>
-            <p:cNvSpPr/>
-            <p:nvPr/>
-          </p:nvSpPr>
-          <p:spPr>
-            <a:xfrm>
-              <a:off x="6627300" y="1302525"/>
-              <a:ext cx="268700" cy="80725"/>
-            </a:xfrm>
-            <a:custGeom>
-              <a:avLst/>
-              <a:gdLst/>
-              <a:ahLst/>
-              <a:cxnLst/>
-              <a:rect l="l" t="t" r="r" b="b"/>
-              <a:pathLst>
-                <a:path w="10748" h="3229" extrusionOk="0">
-                  <a:moveTo>
-                    <a:pt x="5499" y="1125"/>
-                  </a:moveTo>
-                  <a:cubicBezTo>
-                    <a:pt x="8435" y="1875"/>
-                    <a:pt x="10747" y="2687"/>
-                    <a:pt x="10685" y="2958"/>
-                  </a:cubicBezTo>
-                  <a:cubicBezTo>
-                    <a:pt x="10622" y="3229"/>
-                    <a:pt x="8185" y="2833"/>
-                    <a:pt x="5249" y="2083"/>
-                  </a:cubicBezTo>
-                  <a:cubicBezTo>
-                    <a:pt x="2313" y="1355"/>
-                    <a:pt x="1" y="522"/>
-                    <a:pt x="63" y="272"/>
-                  </a:cubicBezTo>
-                  <a:cubicBezTo>
-                    <a:pt x="126" y="1"/>
-                    <a:pt x="2562" y="376"/>
-                    <a:pt x="5499" y="1125"/>
-                  </a:cubicBezTo>
-                  <a:close/>
-                </a:path>
-              </a:pathLst>
-            </a:custGeom>
-            <a:gradFill>
-              <a:gsLst>
-                <a:gs pos="0">
-                  <a:schemeClr val="lt1">
-                    <a:alpha val="24320"/>
-                  </a:schemeClr>
-                </a:gs>
-                <a:gs pos="5000">
-                  <a:schemeClr val="lt1">
-                    <a:alpha val="24320"/>
-                  </a:schemeClr>
-                </a:gs>
-                <a:gs pos="41000">
-                  <a:schemeClr val="lt1">
-                    <a:alpha val="24320"/>
-                  </a:schemeClr>
-                </a:gs>
-                <a:gs pos="81000">
-                  <a:srgbClr val="FFFFFF">
-                    <a:alpha val="13333"/>
-                    <a:alpha val="24320"/>
-                  </a:srgbClr>
-                </a:gs>
-                <a:gs pos="100000">
-                  <a:srgbClr val="FFFFFF">
-                    <a:alpha val="13333"/>
-                    <a:alpha val="24320"/>
-                  </a:srgbClr>
-                </a:gs>
-              </a:gsLst>
-              <a:path path="circle">
-                <a:fillToRect l="50000" t="50000" r="50000" b="50000"/>
-              </a:path>
-              <a:tileRect/>
-            </a:gradFill>
-            <a:ln>
-              <a:noFill/>
-            </a:ln>
-          </p:spPr>
-          <p:txBody>
-            <a:bodyPr spcFirstLastPara="1" wrap="square" lIns="91425" tIns="91425" rIns="91425" bIns="91425" anchor="ctr" anchorCtr="0">
-              <a:noAutofit/>
-            </a:bodyPr>
-            <a:lstStyle/>
-            <a:p>
-              <a:pPr marL="0" lvl="0" indent="0" algn="l" rtl="0">
-                <a:spcBef>
-                  <a:spcPts val="0"/>
-                </a:spcBef>
-                <a:spcAft>
-                  <a:spcPts val="0"/>
-                </a:spcAft>
-                <a:buNone/>
-              </a:pPr>
-              <a:endParaRPr/>
-            </a:p>
-          </p:txBody>
-        </p:sp>
-        <p:sp>
-          <p:nvSpPr>
-            <p:cNvPr id="258" name="Google Shape;258;p34"/>
-            <p:cNvSpPr/>
-            <p:nvPr/>
-          </p:nvSpPr>
-          <p:spPr>
-            <a:xfrm>
-              <a:off x="6721550" y="1208300"/>
-              <a:ext cx="80725" cy="269200"/>
-            </a:xfrm>
-            <a:custGeom>
-              <a:avLst/>
-              <a:gdLst/>
-              <a:ahLst/>
-              <a:cxnLst/>
-              <a:rect l="l" t="t" r="r" b="b"/>
-              <a:pathLst>
-                <a:path w="3229" h="10768" extrusionOk="0">
-                  <a:moveTo>
-                    <a:pt x="2958" y="63"/>
-                  </a:moveTo>
-                  <a:cubicBezTo>
-                    <a:pt x="3228" y="125"/>
-                    <a:pt x="2833" y="2562"/>
-                    <a:pt x="2083" y="5498"/>
-                  </a:cubicBezTo>
-                  <a:cubicBezTo>
-                    <a:pt x="1333" y="8435"/>
-                    <a:pt x="521" y="10767"/>
-                    <a:pt x="250" y="10705"/>
-                  </a:cubicBezTo>
-                  <a:cubicBezTo>
-                    <a:pt x="0" y="10622"/>
-                    <a:pt x="375" y="8185"/>
-                    <a:pt x="1125" y="5249"/>
-                  </a:cubicBezTo>
-                  <a:cubicBezTo>
-                    <a:pt x="1875" y="2333"/>
-                    <a:pt x="2687" y="0"/>
-                    <a:pt x="2958" y="63"/>
-                  </a:cubicBezTo>
-                  <a:close/>
-                </a:path>
-              </a:pathLst>
-            </a:custGeom>
-            <a:gradFill>
-              <a:gsLst>
-                <a:gs pos="0">
-                  <a:schemeClr val="lt1">
-                    <a:alpha val="24320"/>
-                  </a:schemeClr>
-                </a:gs>
-                <a:gs pos="5000">
-                  <a:schemeClr val="lt1">
-                    <a:alpha val="24320"/>
-                  </a:schemeClr>
-                </a:gs>
-                <a:gs pos="41000">
-                  <a:schemeClr val="lt1">
-                    <a:alpha val="24320"/>
-                  </a:schemeClr>
-                </a:gs>
-                <a:gs pos="81000">
-                  <a:srgbClr val="FFFFFF">
-                    <a:alpha val="13333"/>
-                    <a:alpha val="24320"/>
-                  </a:srgbClr>
-                </a:gs>
-                <a:gs pos="100000">
-                  <a:srgbClr val="FFFFFF">
-                    <a:alpha val="13333"/>
-                    <a:alpha val="24320"/>
-                  </a:srgbClr>
-                </a:gs>
-              </a:gsLst>
-              <a:path path="circle">
-                <a:fillToRect l="50000" t="50000" r="50000" b="50000"/>
-              </a:path>
-              <a:tileRect/>
-            </a:gradFill>
-            <a:ln>
-              <a:noFill/>
-            </a:ln>
-          </p:spPr>
-          <p:txBody>
-            <a:bodyPr spcFirstLastPara="1" wrap="square" lIns="91425" tIns="91425" rIns="91425" bIns="91425" anchor="ctr" anchorCtr="0">
-              <a:noAutofit/>
-            </a:bodyPr>
-            <a:lstStyle/>
-            <a:p>
-              <a:pPr marL="0" lvl="0" indent="0" algn="l" rtl="0">
-                <a:spcBef>
-                  <a:spcPts val="0"/>
-                </a:spcBef>
-                <a:spcAft>
-                  <a:spcPts val="0"/>
-                </a:spcAft>
-                <a:buNone/>
-              </a:pPr>
-              <a:endParaRPr/>
-            </a:p>
-          </p:txBody>
-        </p:sp>
-      </p:grpSp>
-      <p:grpSp>
-        <p:nvGrpSpPr>
-          <p:cNvPr id="260" name="Google Shape;260;p34"/>
-          <p:cNvGrpSpPr/>
-          <p:nvPr/>
-        </p:nvGrpSpPr>
-        <p:grpSpPr>
-          <a:xfrm flipH="1">
-            <a:off x="2348473" y="2427957"/>
-            <a:ext cx="301644" cy="302177"/>
-            <a:chOff x="6627300" y="1208300"/>
-            <a:chExt cx="268701" cy="269200"/>
-          </a:xfrm>
-        </p:grpSpPr>
-        <p:sp>
-          <p:nvSpPr>
-            <p:cNvPr id="261" name="Google Shape;261;p34"/>
-            <p:cNvSpPr/>
-            <p:nvPr/>
-          </p:nvSpPr>
-          <p:spPr>
-            <a:xfrm>
-              <a:off x="6627300" y="1208544"/>
-              <a:ext cx="268701" cy="268683"/>
-            </a:xfrm>
-            <a:custGeom>
-              <a:avLst/>
-              <a:gdLst/>
-              <a:ahLst/>
-              <a:cxnLst/>
-              <a:rect l="l" t="t" r="r" b="b"/>
-              <a:pathLst>
-                <a:path w="7415" h="7415" extrusionOk="0">
-                  <a:moveTo>
-                    <a:pt x="4541" y="459"/>
-                  </a:moveTo>
-                  <a:cubicBezTo>
-                    <a:pt x="6332" y="917"/>
-                    <a:pt x="7415" y="2749"/>
-                    <a:pt x="6957" y="4541"/>
-                  </a:cubicBezTo>
-                  <a:cubicBezTo>
-                    <a:pt x="6499" y="6332"/>
-                    <a:pt x="4687" y="7414"/>
-                    <a:pt x="2896" y="6956"/>
-                  </a:cubicBezTo>
-                  <a:cubicBezTo>
-                    <a:pt x="1084" y="6498"/>
-                    <a:pt x="1" y="4686"/>
-                    <a:pt x="459" y="2895"/>
-                  </a:cubicBezTo>
-                  <a:cubicBezTo>
-                    <a:pt x="917" y="1083"/>
-                    <a:pt x="2750" y="0"/>
-                    <a:pt x="4541" y="459"/>
-                  </a:cubicBezTo>
-                  <a:close/>
-                </a:path>
-              </a:pathLst>
-            </a:custGeom>
-            <a:gradFill>
-              <a:gsLst>
-                <a:gs pos="0">
-                  <a:schemeClr val="lt1"/>
-                </a:gs>
-                <a:gs pos="5000">
-                  <a:schemeClr val="lt1"/>
-                </a:gs>
-                <a:gs pos="10000">
-                  <a:schemeClr val="lt1"/>
-                </a:gs>
-                <a:gs pos="55000">
-                  <a:srgbClr val="FFFFFF">
-                    <a:alpha val="5490"/>
-                  </a:srgbClr>
-                </a:gs>
-                <a:gs pos="100000">
-                  <a:srgbClr val="FFFFFF">
-                    <a:alpha val="0"/>
-                  </a:srgbClr>
-                </a:gs>
-              </a:gsLst>
-              <a:path path="circle">
-                <a:fillToRect l="50000" t="50000" r="50000" b="50000"/>
-              </a:path>
-              <a:tileRect/>
-            </a:gradFill>
-            <a:ln>
-              <a:noFill/>
-            </a:ln>
-          </p:spPr>
-          <p:txBody>
-            <a:bodyPr spcFirstLastPara="1" wrap="square" lIns="91425" tIns="91425" rIns="91425" bIns="91425" anchor="ctr" anchorCtr="0">
-              <a:noAutofit/>
-            </a:bodyPr>
-            <a:lstStyle/>
-            <a:p>
-              <a:pPr marL="0" lvl="0" indent="0" algn="l" rtl="0">
-                <a:spcBef>
-                  <a:spcPts val="0"/>
-                </a:spcBef>
-                <a:spcAft>
-                  <a:spcPts val="0"/>
-                </a:spcAft>
-                <a:buNone/>
-              </a:pPr>
-              <a:endParaRPr/>
-            </a:p>
-          </p:txBody>
-        </p:sp>
-        <p:sp>
-          <p:nvSpPr>
-            <p:cNvPr id="262" name="Google Shape;262;p34"/>
-            <p:cNvSpPr/>
-            <p:nvPr/>
-          </p:nvSpPr>
-          <p:spPr>
-            <a:xfrm>
-              <a:off x="6627300" y="1302525"/>
-              <a:ext cx="268700" cy="80725"/>
-            </a:xfrm>
-            <a:custGeom>
-              <a:avLst/>
-              <a:gdLst/>
-              <a:ahLst/>
-              <a:cxnLst/>
-              <a:rect l="l" t="t" r="r" b="b"/>
-              <a:pathLst>
-                <a:path w="10748" h="3229" extrusionOk="0">
-                  <a:moveTo>
-                    <a:pt x="5499" y="1125"/>
-                  </a:moveTo>
-                  <a:cubicBezTo>
-                    <a:pt x="8435" y="1875"/>
-                    <a:pt x="10747" y="2687"/>
-                    <a:pt x="10685" y="2958"/>
-                  </a:cubicBezTo>
-                  <a:cubicBezTo>
-                    <a:pt x="10622" y="3229"/>
-                    <a:pt x="8185" y="2833"/>
-                    <a:pt x="5249" y="2083"/>
-                  </a:cubicBezTo>
-                  <a:cubicBezTo>
-                    <a:pt x="2313" y="1355"/>
-                    <a:pt x="1" y="522"/>
-                    <a:pt x="63" y="272"/>
-                  </a:cubicBezTo>
-                  <a:cubicBezTo>
-                    <a:pt x="126" y="1"/>
-                    <a:pt x="2562" y="376"/>
-                    <a:pt x="5499" y="1125"/>
-                  </a:cubicBezTo>
-                  <a:close/>
-                </a:path>
-              </a:pathLst>
-            </a:custGeom>
-            <a:gradFill>
-              <a:gsLst>
-                <a:gs pos="0">
-                  <a:schemeClr val="lt1">
-                    <a:alpha val="24320"/>
-                  </a:schemeClr>
-                </a:gs>
-                <a:gs pos="5000">
-                  <a:schemeClr val="lt1">
-                    <a:alpha val="24320"/>
-                  </a:schemeClr>
-                </a:gs>
-                <a:gs pos="41000">
-                  <a:schemeClr val="lt1">
-                    <a:alpha val="24320"/>
-                  </a:schemeClr>
-                </a:gs>
-                <a:gs pos="81000">
-                  <a:srgbClr val="FFFFFF">
-                    <a:alpha val="13333"/>
-                    <a:alpha val="24320"/>
-                  </a:srgbClr>
-                </a:gs>
-                <a:gs pos="100000">
-                  <a:srgbClr val="FFFFFF">
-                    <a:alpha val="13333"/>
-                    <a:alpha val="24320"/>
-                  </a:srgbClr>
-                </a:gs>
-              </a:gsLst>
-              <a:path path="circle">
-                <a:fillToRect l="50000" t="50000" r="50000" b="50000"/>
-              </a:path>
-              <a:tileRect/>
-            </a:gradFill>
-            <a:ln>
-              <a:noFill/>
-            </a:ln>
-          </p:spPr>
-          <p:txBody>
-            <a:bodyPr spcFirstLastPara="1" wrap="square" lIns="91425" tIns="91425" rIns="91425" bIns="91425" anchor="ctr" anchorCtr="0">
-              <a:noAutofit/>
-            </a:bodyPr>
-            <a:lstStyle/>
-            <a:p>
-              <a:pPr marL="0" lvl="0" indent="0" algn="l" rtl="0">
-                <a:spcBef>
-                  <a:spcPts val="0"/>
-                </a:spcBef>
-                <a:spcAft>
-                  <a:spcPts val="0"/>
-                </a:spcAft>
-                <a:buNone/>
-              </a:pPr>
-              <a:endParaRPr/>
-            </a:p>
-          </p:txBody>
-        </p:sp>
-        <p:sp>
-          <p:nvSpPr>
-            <p:cNvPr id="263" name="Google Shape;263;p34"/>
-            <p:cNvSpPr/>
-            <p:nvPr/>
-          </p:nvSpPr>
-          <p:spPr>
-            <a:xfrm>
-              <a:off x="6721550" y="1208300"/>
-              <a:ext cx="80725" cy="269200"/>
-            </a:xfrm>
-            <a:custGeom>
-              <a:avLst/>
-              <a:gdLst/>
-              <a:ahLst/>
-              <a:cxnLst/>
-              <a:rect l="l" t="t" r="r" b="b"/>
-              <a:pathLst>
-                <a:path w="3229" h="10768" extrusionOk="0">
-                  <a:moveTo>
-                    <a:pt x="2958" y="63"/>
-                  </a:moveTo>
-                  <a:cubicBezTo>
-                    <a:pt x="3228" y="125"/>
-                    <a:pt x="2833" y="2562"/>
-                    <a:pt x="2083" y="5498"/>
-                  </a:cubicBezTo>
-                  <a:cubicBezTo>
-                    <a:pt x="1333" y="8435"/>
-                    <a:pt x="521" y="10767"/>
-                    <a:pt x="250" y="10705"/>
-                  </a:cubicBezTo>
-                  <a:cubicBezTo>
-                    <a:pt x="0" y="10622"/>
-                    <a:pt x="375" y="8185"/>
-                    <a:pt x="1125" y="5249"/>
-                  </a:cubicBezTo>
-                  <a:cubicBezTo>
-                    <a:pt x="1875" y="2333"/>
-                    <a:pt x="2687" y="0"/>
-                    <a:pt x="2958" y="63"/>
-                  </a:cubicBezTo>
-                  <a:close/>
-                </a:path>
-              </a:pathLst>
-            </a:custGeom>
-            <a:gradFill>
-              <a:gsLst>
-                <a:gs pos="0">
-                  <a:schemeClr val="lt1">
-                    <a:alpha val="24320"/>
-                  </a:schemeClr>
-                </a:gs>
-                <a:gs pos="5000">
-                  <a:schemeClr val="lt1">
-                    <a:alpha val="24320"/>
-                  </a:schemeClr>
-                </a:gs>
-                <a:gs pos="41000">
-                  <a:schemeClr val="lt1">
-                    <a:alpha val="24320"/>
-                  </a:schemeClr>
-                </a:gs>
-                <a:gs pos="81000">
-                  <a:srgbClr val="FFFFFF">
-                    <a:alpha val="13333"/>
-                    <a:alpha val="24320"/>
-                  </a:srgbClr>
-                </a:gs>
-                <a:gs pos="100000">
-                  <a:srgbClr val="FFFFFF">
-                    <a:alpha val="13333"/>
-                    <a:alpha val="24320"/>
-                  </a:srgbClr>
-                </a:gs>
-              </a:gsLst>
-              <a:path path="circle">
-                <a:fillToRect l="50000" t="50000" r="50000" b="50000"/>
-              </a:path>
-              <a:tileRect/>
-            </a:gradFill>
-            <a:ln>
-              <a:noFill/>
-            </a:ln>
-          </p:spPr>
-          <p:txBody>
-            <a:bodyPr spcFirstLastPara="1" wrap="square" lIns="91425" tIns="91425" rIns="91425" bIns="91425" anchor="ctr" anchorCtr="0">
-              <a:noAutofit/>
-            </a:bodyPr>
-            <a:lstStyle/>
-            <a:p>
-              <a:pPr marL="0" lvl="0" indent="0" algn="l" rtl="0">
-                <a:spcBef>
-                  <a:spcPts val="0"/>
-                </a:spcBef>
-                <a:spcAft>
-                  <a:spcPts val="0"/>
-                </a:spcAft>
-                <a:buNone/>
-              </a:pPr>
-              <a:endParaRPr/>
-            </a:p>
-          </p:txBody>
-        </p:sp>
-      </p:grpSp>
-      <p:sp>
-        <p:nvSpPr>
-          <p:cNvPr id="2" name="Google Shape;183;p32">
-            <a:extLst>
-              <a:ext uri="{FF2B5EF4-FFF2-40B4-BE49-F238E27FC236}">
-                <a16:creationId xmlns:a16="http://schemas.microsoft.com/office/drawing/2014/main" id="{255B7192-2AB1-6805-0573-68E3FB7C5BC7}"/>
-              </a:ext>
-            </a:extLst>
-          </p:cNvPr>
-          <p:cNvSpPr txBox="1">
-            <a:spLocks/>
-          </p:cNvSpPr>
-          <p:nvPr/>
-        </p:nvSpPr>
-        <p:spPr>
-          <a:xfrm>
-            <a:off x="1266596" y="1547386"/>
-            <a:ext cx="7018005" cy="3278995"/>
-          </a:xfrm>
-          <a:prstGeom prst="rect">
-            <a:avLst/>
-          </a:prstGeom>
-          <a:noFill/>
-          <a:ln>
-            <a:noFill/>
-          </a:ln>
-        </p:spPr>
-        <p:txBody>
-          <a:bodyPr spcFirstLastPara="1" wrap="square" lIns="91425" tIns="91425" rIns="91425" bIns="91425" anchor="ctr" anchorCtr="0">
-            <a:noAutofit/>
-          </a:bodyPr>
-          <a:lstStyle>
-            <a:defPPr marR="0" lvl="0" algn="l" rtl="0">
-              <a:lnSpc>
-                <a:spcPct val="100000"/>
-              </a:lnSpc>
-              <a:spcBef>
-                <a:spcPts val="0"/>
-              </a:spcBef>
-              <a:spcAft>
-                <a:spcPts val="0"/>
-              </a:spcAft>
-            </a:defPPr>
-            <a:lvl1pPr marR="0" lvl="0" algn="l" rtl="0">
-              <a:lnSpc>
-                <a:spcPct val="100000"/>
-              </a:lnSpc>
-              <a:spcBef>
-                <a:spcPts val="0"/>
-              </a:spcBef>
-              <a:spcAft>
-                <a:spcPts val="0"/>
-              </a:spcAft>
-              <a:buClr>
-                <a:schemeClr val="dk2"/>
-              </a:buClr>
-              <a:buSzPts val="3500"/>
-              <a:buFont typeface="DM Serif Display"/>
-              <a:buNone/>
-              <a:defRPr sz="3500" b="1" i="1" u="none" strike="noStrike" cap="none">
-                <a:solidFill>
-                  <a:schemeClr val="dk2"/>
-                </a:solidFill>
-                <a:latin typeface="DM Serif Display"/>
-                <a:ea typeface="DM Serif Display"/>
-                <a:cs typeface="DM Serif Display"/>
-                <a:sym typeface="DM Serif Display"/>
-              </a:defRPr>
-            </a:lvl1pPr>
-            <a:lvl2pPr marR="0" lvl="1" algn="l" rtl="0">
-              <a:lnSpc>
-                <a:spcPct val="100000"/>
-              </a:lnSpc>
-              <a:spcBef>
-                <a:spcPts val="0"/>
-              </a:spcBef>
-              <a:spcAft>
-                <a:spcPts val="0"/>
-              </a:spcAft>
-              <a:buClr>
-                <a:schemeClr val="dk2"/>
-              </a:buClr>
-              <a:buSzPts val="3500"/>
-              <a:buFont typeface="DM Serif Display"/>
-              <a:buNone/>
-              <a:defRPr sz="3500" b="1" i="1" u="none" strike="noStrike" cap="none">
-                <a:solidFill>
-                  <a:schemeClr val="dk2"/>
-                </a:solidFill>
-                <a:latin typeface="DM Serif Display"/>
-                <a:ea typeface="DM Serif Display"/>
-                <a:cs typeface="DM Serif Display"/>
-                <a:sym typeface="DM Serif Display"/>
-              </a:defRPr>
-            </a:lvl2pPr>
-            <a:lvl3pPr marR="0" lvl="2" algn="l" rtl="0">
-              <a:lnSpc>
-                <a:spcPct val="100000"/>
-              </a:lnSpc>
-              <a:spcBef>
-                <a:spcPts val="0"/>
-              </a:spcBef>
-              <a:spcAft>
-                <a:spcPts val="0"/>
-              </a:spcAft>
-              <a:buClr>
-                <a:schemeClr val="dk2"/>
-              </a:buClr>
-              <a:buSzPts val="3500"/>
-              <a:buFont typeface="DM Serif Display"/>
-              <a:buNone/>
-              <a:defRPr sz="3500" b="1" i="1" u="none" strike="noStrike" cap="none">
-                <a:solidFill>
-                  <a:schemeClr val="dk2"/>
-                </a:solidFill>
-                <a:latin typeface="DM Serif Display"/>
-                <a:ea typeface="DM Serif Display"/>
-                <a:cs typeface="DM Serif Display"/>
-                <a:sym typeface="DM Serif Display"/>
-              </a:defRPr>
-            </a:lvl3pPr>
-            <a:lvl4pPr marR="0" lvl="3" algn="l" rtl="0">
-              <a:lnSpc>
-                <a:spcPct val="100000"/>
-              </a:lnSpc>
-              <a:spcBef>
-                <a:spcPts val="0"/>
-              </a:spcBef>
-              <a:spcAft>
-                <a:spcPts val="0"/>
-              </a:spcAft>
-              <a:buClr>
-                <a:schemeClr val="dk2"/>
-              </a:buClr>
-              <a:buSzPts val="3500"/>
-              <a:buFont typeface="DM Serif Display"/>
-              <a:buNone/>
-              <a:defRPr sz="3500" b="1" i="1" u="none" strike="noStrike" cap="none">
-                <a:solidFill>
-                  <a:schemeClr val="dk2"/>
-                </a:solidFill>
-                <a:latin typeface="DM Serif Display"/>
-                <a:ea typeface="DM Serif Display"/>
-                <a:cs typeface="DM Serif Display"/>
-                <a:sym typeface="DM Serif Display"/>
-              </a:defRPr>
-            </a:lvl4pPr>
-            <a:lvl5pPr marR="0" lvl="4" algn="l" rtl="0">
-              <a:lnSpc>
-                <a:spcPct val="100000"/>
-              </a:lnSpc>
-              <a:spcBef>
-                <a:spcPts val="0"/>
-              </a:spcBef>
-              <a:spcAft>
-                <a:spcPts val="0"/>
-              </a:spcAft>
-              <a:buClr>
-                <a:schemeClr val="dk2"/>
-              </a:buClr>
-              <a:buSzPts val="3500"/>
-              <a:buFont typeface="DM Serif Display"/>
-              <a:buNone/>
-              <a:defRPr sz="3500" b="1" i="1" u="none" strike="noStrike" cap="none">
-                <a:solidFill>
-                  <a:schemeClr val="dk2"/>
-                </a:solidFill>
-                <a:latin typeface="DM Serif Display"/>
-                <a:ea typeface="DM Serif Display"/>
-                <a:cs typeface="DM Serif Display"/>
-                <a:sym typeface="DM Serif Display"/>
-              </a:defRPr>
-            </a:lvl5pPr>
-            <a:lvl6pPr marR="0" lvl="5" algn="l" rtl="0">
-              <a:lnSpc>
-                <a:spcPct val="100000"/>
-              </a:lnSpc>
-              <a:spcBef>
-                <a:spcPts val="0"/>
-              </a:spcBef>
-              <a:spcAft>
-                <a:spcPts val="0"/>
-              </a:spcAft>
-              <a:buClr>
-                <a:schemeClr val="dk2"/>
-              </a:buClr>
-              <a:buSzPts val="3500"/>
-              <a:buFont typeface="DM Serif Display"/>
-              <a:buNone/>
-              <a:defRPr sz="3500" b="1" i="1" u="none" strike="noStrike" cap="none">
-                <a:solidFill>
-                  <a:schemeClr val="dk2"/>
-                </a:solidFill>
-                <a:latin typeface="DM Serif Display"/>
-                <a:ea typeface="DM Serif Display"/>
-                <a:cs typeface="DM Serif Display"/>
-                <a:sym typeface="DM Serif Display"/>
-              </a:defRPr>
-            </a:lvl6pPr>
-            <a:lvl7pPr marR="0" lvl="6" algn="l" rtl="0">
-              <a:lnSpc>
-                <a:spcPct val="100000"/>
-              </a:lnSpc>
-              <a:spcBef>
-                <a:spcPts val="0"/>
-              </a:spcBef>
-              <a:spcAft>
-                <a:spcPts val="0"/>
-              </a:spcAft>
-              <a:buClr>
-                <a:schemeClr val="dk2"/>
-              </a:buClr>
-              <a:buSzPts val="3500"/>
-              <a:buFont typeface="DM Serif Display"/>
-              <a:buNone/>
-              <a:defRPr sz="3500" b="1" i="1" u="none" strike="noStrike" cap="none">
-                <a:solidFill>
-                  <a:schemeClr val="dk2"/>
-                </a:solidFill>
-                <a:latin typeface="DM Serif Display"/>
-                <a:ea typeface="DM Serif Display"/>
-                <a:cs typeface="DM Serif Display"/>
-                <a:sym typeface="DM Serif Display"/>
-              </a:defRPr>
-            </a:lvl7pPr>
-            <a:lvl8pPr marR="0" lvl="7" algn="l" rtl="0">
-              <a:lnSpc>
-                <a:spcPct val="100000"/>
-              </a:lnSpc>
-              <a:spcBef>
-                <a:spcPts val="0"/>
-              </a:spcBef>
-              <a:spcAft>
-                <a:spcPts val="0"/>
-              </a:spcAft>
-              <a:buClr>
-                <a:schemeClr val="dk2"/>
-              </a:buClr>
-              <a:buSzPts val="3500"/>
-              <a:buFont typeface="DM Serif Display"/>
-              <a:buNone/>
-              <a:defRPr sz="3500" b="1" i="1" u="none" strike="noStrike" cap="none">
-                <a:solidFill>
-                  <a:schemeClr val="dk2"/>
-                </a:solidFill>
-                <a:latin typeface="DM Serif Display"/>
-                <a:ea typeface="DM Serif Display"/>
-                <a:cs typeface="DM Serif Display"/>
-                <a:sym typeface="DM Serif Display"/>
-              </a:defRPr>
-            </a:lvl8pPr>
-            <a:lvl9pPr marR="0" lvl="8" algn="l" rtl="0">
-              <a:lnSpc>
-                <a:spcPct val="100000"/>
-              </a:lnSpc>
-              <a:spcBef>
-                <a:spcPts val="0"/>
-              </a:spcBef>
-              <a:spcAft>
-                <a:spcPts val="0"/>
-              </a:spcAft>
-              <a:buClr>
-                <a:schemeClr val="dk2"/>
-              </a:buClr>
-              <a:buSzPts val="3500"/>
-              <a:buFont typeface="DM Serif Display"/>
-              <a:buNone/>
-              <a:defRPr sz="3500" b="1" i="1" u="none" strike="noStrike" cap="none">
-                <a:solidFill>
-                  <a:schemeClr val="dk2"/>
-                </a:solidFill>
-                <a:latin typeface="DM Serif Display"/>
-                <a:ea typeface="DM Serif Display"/>
-                <a:cs typeface="DM Serif Display"/>
-                <a:sym typeface="DM Serif Display"/>
-              </a:defRPr>
-            </a:lvl9pPr>
-          </a:lstStyle>
-          <a:p>
-            <a:pPr marL="171450" indent="-171450">
-              <a:buFont typeface="Arial" panose="020B0604020202020204" pitchFamily="34" charset="0"/>
-              <a:buChar char="•"/>
-            </a:pPr>
-            <a:r>
-              <a:rPr lang="en-US" sz="1200" dirty="0"/>
-              <a:t>2 ways to make tracks (landscapes, and blueprint splines)</a:t>
-            </a:r>
-          </a:p>
-          <a:p>
-            <a:pPr marL="171450" indent="-171450">
-              <a:buFont typeface="Arial" panose="020B0604020202020204" pitchFamily="34" charset="0"/>
-              <a:buChar char="•"/>
-            </a:pPr>
-            <a:endParaRPr lang="en-US" sz="1200" dirty="0"/>
-          </a:p>
-          <a:p>
-            <a:pPr marL="171450" indent="-171450">
-              <a:buFont typeface="Arial" panose="020B0604020202020204" pitchFamily="34" charset="0"/>
-              <a:buChar char="•"/>
-            </a:pPr>
-            <a:endParaRPr lang="en-US" sz="1200" dirty="0"/>
-          </a:p>
-          <a:p>
-            <a:pPr marL="171450" indent="-171450">
-              <a:buFont typeface="Arial" panose="020B0604020202020204" pitchFamily="34" charset="0"/>
-              <a:buChar char="•"/>
-            </a:pPr>
-            <a:r>
-              <a:rPr lang="en-US" sz="1200" dirty="0"/>
-              <a:t>Making a looping video instead of a static menu</a:t>
-            </a:r>
-          </a:p>
-          <a:p>
-            <a:pPr marL="171450" indent="-171450">
-              <a:buFont typeface="Arial" panose="020B0604020202020204" pitchFamily="34" charset="0"/>
-              <a:buChar char="•"/>
-            </a:pPr>
-            <a:endParaRPr lang="en-US" sz="1200" dirty="0"/>
-          </a:p>
-          <a:p>
-            <a:pPr marL="171450" indent="-171450">
-              <a:buFont typeface="Arial" panose="020B0604020202020204" pitchFamily="34" charset="0"/>
-              <a:buChar char="•"/>
-            </a:pPr>
-            <a:endParaRPr lang="en-US" sz="1200" dirty="0"/>
-          </a:p>
-          <a:p>
-            <a:pPr marL="171450" indent="-171450">
-              <a:buFont typeface="Arial" panose="020B0604020202020204" pitchFamily="34" charset="0"/>
-              <a:buChar char="•"/>
-            </a:pPr>
-            <a:r>
-              <a:rPr lang="en-US" sz="1200" dirty="0"/>
-              <a:t>How to make and setup properly so they don’t fly off the track</a:t>
-            </a:r>
-          </a:p>
-          <a:p>
-            <a:pPr marL="171450" indent="-171450">
-              <a:buFont typeface="Arial" panose="020B0604020202020204" pitchFamily="34" charset="0"/>
-              <a:buChar char="•"/>
-            </a:pPr>
-            <a:endParaRPr lang="en-US" sz="1200" dirty="0"/>
-          </a:p>
-          <a:p>
-            <a:pPr marL="171450" indent="-171450">
-              <a:buFont typeface="Arial" panose="020B0604020202020204" pitchFamily="34" charset="0"/>
-              <a:buChar char="•"/>
-            </a:pPr>
-            <a:endParaRPr lang="en-US" sz="1200" dirty="0"/>
-          </a:p>
-          <a:p>
-            <a:pPr marL="171450" indent="-171450">
-              <a:buFont typeface="Arial" panose="020B0604020202020204" pitchFamily="34" charset="0"/>
-              <a:buChar char="•"/>
-            </a:pPr>
-            <a:r>
-              <a:rPr lang="en-US" sz="1200" dirty="0"/>
-              <a:t>Creating Options to handle sound and control them</a:t>
-            </a:r>
-          </a:p>
-          <a:p>
-            <a:pPr marL="171450" indent="-171450">
-              <a:buFont typeface="Arial" panose="020B0604020202020204" pitchFamily="34" charset="0"/>
-              <a:buChar char="•"/>
-            </a:pPr>
-            <a:endParaRPr lang="en-US" sz="1200" dirty="0"/>
-          </a:p>
-          <a:p>
-            <a:pPr marL="171450" indent="-171450">
-              <a:buFont typeface="Arial" panose="020B0604020202020204" pitchFamily="34" charset="0"/>
-              <a:buChar char="•"/>
-            </a:pPr>
-            <a:endParaRPr lang="en-US" sz="1200" dirty="0"/>
-          </a:p>
-          <a:p>
-            <a:pPr marL="171450" indent="-171450">
-              <a:buFont typeface="Arial" panose="020B0604020202020204" pitchFamily="34" charset="0"/>
-              <a:buChar char="•"/>
-            </a:pPr>
-            <a:r>
-              <a:rPr lang="en-US" sz="1200" dirty="0"/>
-              <a:t>Implementing Niagara FX for visuals into the items.</a:t>
-            </a:r>
-            <a:br>
-              <a:rPr lang="en-US" sz="1200" dirty="0"/>
-            </a:br>
-            <a:br>
-              <a:rPr lang="en-US" sz="1200" dirty="0"/>
-            </a:br>
-            <a:br>
-              <a:rPr lang="en-US" sz="1200" dirty="0"/>
-            </a:br>
-            <a:br>
-              <a:rPr lang="en-US" sz="1200" dirty="0"/>
-            </a:br>
-            <a:endParaRPr lang="en-US" sz="2400" dirty="0"/>
-          </a:p>
-        </p:txBody>
-      </p:sp>
-      <p:sp>
-        <p:nvSpPr>
-          <p:cNvPr id="6" name="Title 5">
-            <a:extLst>
-              <a:ext uri="{FF2B5EF4-FFF2-40B4-BE49-F238E27FC236}">
-                <a16:creationId xmlns:a16="http://schemas.microsoft.com/office/drawing/2014/main" id="{91F9CAE1-FF76-EA17-D611-D6024BD82A27}"/>
-              </a:ext>
-            </a:extLst>
-          </p:cNvPr>
-          <p:cNvSpPr>
-            <a:spLocks noGrp="1"/>
-          </p:cNvSpPr>
-          <p:nvPr>
-            <p:ph type="title"/>
-          </p:nvPr>
-        </p:nvSpPr>
-        <p:spPr>
-          <a:xfrm>
-            <a:off x="3228219" y="427518"/>
-            <a:ext cx="5453550" cy="841800"/>
-          </a:xfrm>
-        </p:spPr>
-        <p:txBody>
-          <a:bodyPr/>
-          <a:lstStyle/>
-          <a:p>
-            <a:r>
-              <a:rPr lang="en-US" dirty="0"/>
-              <a:t>What I learned?</a:t>
-            </a:r>
-          </a:p>
-        </p:txBody>
-      </p:sp>
-    </p:spTree>
-    <p:extLst>
-      <p:ext uri="{BB962C8B-B14F-4D97-AF65-F5344CB8AC3E}">
-        <p14:creationId xmlns:p14="http://schemas.microsoft.com/office/powerpoint/2010/main" val="1504511944"/>
-      </p:ext>
-    </p:extLst>
-  </p:cSld>
-  <p:clrMapOvr>
-    <a:masterClrMapping/>
-  </p:clrMapOvr>
-  <mc:AlternateContent xmlns:mc="http://schemas.openxmlformats.org/markup-compatibility/2006">
-    <mc:Choice xmlns:p14="http://schemas.microsoft.com/office/powerpoint/2010/main" Requires="p14">
-      <p:transition spd="slow" p14:dur="3900">
-        <p14:glitter pattern="hexagon"/>
-      </p:transition>
-    </mc:Choice>
-    <mc:Fallback>
-      <p:transition spd="slow">
-        <p:fade/>
-      </p:transition>
-    </mc:Fallback>
-  </mc:AlternateContent>
-  <p:timing>
-    <p:tnLst>
-      <p:par>
-        <p:cTn id="1" dur="indefinite" restart="never" nodeType="tmRoot">
-          <p:childTnLst>
-            <p:seq concurrent="1" nextAc="seek">
-              <p:cTn id="2" dur="indefinite" nodeType="mainSeq">
-                <p:childTnLst>
-                  <p:par>
-                    <p:cTn id="3" fill="hold">
-                      <p:stCondLst>
-                        <p:cond delay="indefinite"/>
-                      </p:stCondLst>
-                      <p:childTnLst>
-                        <p:par>
-                          <p:cTn id="4" fill="hold">
-                            <p:stCondLst>
-                              <p:cond delay="0"/>
-                            </p:stCondLst>
-                            <p:childTnLst>
-                              <p:par>
-                                <p:cTn id="5" presetID="42" presetClass="entr" presetSubtype="0" fill="hold" grpId="0" nodeType="clickEffect">
-                                  <p:stCondLst>
-                                    <p:cond delay="0"/>
-                                  </p:stCondLst>
-                                  <p:childTnLst>
-                                    <p:set>
-                                      <p:cBhvr>
-                                        <p:cTn id="6" dur="1" fill="hold">
-                                          <p:stCondLst>
-                                            <p:cond delay="0"/>
-                                          </p:stCondLst>
-                                        </p:cTn>
-                                        <p:tgtEl>
-                                          <p:spTgt spid="6"/>
-                                        </p:tgtEl>
-                                        <p:attrNameLst>
-                                          <p:attrName>style.visibility</p:attrName>
-                                        </p:attrNameLst>
-                                      </p:cBhvr>
-                                      <p:to>
-                                        <p:strVal val="visible"/>
-                                      </p:to>
-                                    </p:set>
-                                    <p:animEffect transition="in" filter="fade">
-                                      <p:cBhvr>
-                                        <p:cTn id="7" dur="1000"/>
-                                        <p:tgtEl>
-                                          <p:spTgt spid="6"/>
-                                        </p:tgtEl>
-                                      </p:cBhvr>
-                                    </p:animEffect>
-                                    <p:anim calcmode="lin" valueType="num">
-                                      <p:cBhvr>
-                                        <p:cTn id="8" dur="1000" fill="hold"/>
-                                        <p:tgtEl>
-                                          <p:spTgt spid="6"/>
-                                        </p:tgtEl>
-                                        <p:attrNameLst>
-                                          <p:attrName>ppt_x</p:attrName>
-                                        </p:attrNameLst>
-                                      </p:cBhvr>
-                                      <p:tavLst>
-                                        <p:tav tm="0">
-                                          <p:val>
-                                            <p:strVal val="#ppt_x"/>
-                                          </p:val>
-                                        </p:tav>
-                                        <p:tav tm="100000">
-                                          <p:val>
-                                            <p:strVal val="#ppt_x"/>
-                                          </p:val>
-                                        </p:tav>
-                                      </p:tavLst>
-                                    </p:anim>
-                                    <p:anim calcmode="lin" valueType="num">
-                                      <p:cBhvr>
-                                        <p:cTn id="9" dur="1000" fill="hold"/>
-                                        <p:tgtEl>
-                                          <p:spTgt spid="6"/>
-                                        </p:tgtEl>
-                                        <p:attrNameLst>
-                                          <p:attrName>ppt_y</p:attrName>
-                                        </p:attrNameLst>
-                                      </p:cBhvr>
-                                      <p:tavLst>
-                                        <p:tav tm="0">
-                                          <p:val>
-                                            <p:strVal val="#ppt_y+.1"/>
-                                          </p:val>
-                                        </p:tav>
-                                        <p:tav tm="100000">
-                                          <p:val>
-                                            <p:strVal val="#ppt_y"/>
-                                          </p:val>
-                                        </p:tav>
-                                      </p:tavLst>
-                                    </p:anim>
-                                  </p:childTnLst>
-                                </p:cTn>
-                              </p:par>
-                            </p:childTnLst>
-                          </p:cTn>
-                        </p:par>
-                      </p:childTnLst>
-                    </p:cTn>
-                  </p:par>
-                  <p:par>
-                    <p:cTn id="10" fill="hold">
-                      <p:stCondLst>
-                        <p:cond delay="indefinite"/>
-                      </p:stCondLst>
-                      <p:childTnLst>
-                        <p:par>
-                          <p:cTn id="11" fill="hold">
-                            <p:stCondLst>
-                              <p:cond delay="0"/>
-                            </p:stCondLst>
-                            <p:childTnLst>
-                              <p:par>
-                                <p:cTn id="12" presetID="42" presetClass="entr" presetSubtype="0" fill="hold" grpId="0" nodeType="clickEffect">
-                                  <p:stCondLst>
-                                    <p:cond delay="0"/>
-                                  </p:stCondLst>
-                                  <p:childTnLst>
-                                    <p:set>
-                                      <p:cBhvr>
-                                        <p:cTn id="13" dur="1" fill="hold">
-                                          <p:stCondLst>
-                                            <p:cond delay="0"/>
-                                          </p:stCondLst>
-                                        </p:cTn>
-                                        <p:tgtEl>
-                                          <p:spTgt spid="2"/>
-                                        </p:tgtEl>
-                                        <p:attrNameLst>
-                                          <p:attrName>style.visibility</p:attrName>
-                                        </p:attrNameLst>
-                                      </p:cBhvr>
-                                      <p:to>
-                                        <p:strVal val="visible"/>
-                                      </p:to>
-                                    </p:set>
-                                    <p:animEffect transition="in" filter="fade">
-                                      <p:cBhvr>
-                                        <p:cTn id="14" dur="1000"/>
-                                        <p:tgtEl>
-                                          <p:spTgt spid="2"/>
-                                        </p:tgtEl>
-                                      </p:cBhvr>
-                                    </p:animEffect>
-                                    <p:anim calcmode="lin" valueType="num">
-                                      <p:cBhvr>
-                                        <p:cTn id="15" dur="1000" fill="hold"/>
-                                        <p:tgtEl>
-                                          <p:spTgt spid="2"/>
-                                        </p:tgtEl>
-                                        <p:attrNameLst>
-                                          <p:attrName>ppt_x</p:attrName>
-                                        </p:attrNameLst>
-                                      </p:cBhvr>
-                                      <p:tavLst>
-                                        <p:tav tm="0">
-                                          <p:val>
-                                            <p:strVal val="#ppt_x"/>
-                                          </p:val>
-                                        </p:tav>
-                                        <p:tav tm="100000">
-                                          <p:val>
-                                            <p:strVal val="#ppt_x"/>
-                                          </p:val>
-                                        </p:tav>
-                                      </p:tavLst>
-                                    </p:anim>
-                                    <p:anim calcmode="lin" valueType="num">
-                                      <p:cBhvr>
-                                        <p:cTn id="16" dur="1000" fill="hold"/>
-                                        <p:tgtEl>
-                                          <p:spTgt spid="2"/>
-                                        </p:tgtEl>
-                                        <p:attrNameLst>
-                                          <p:attrName>ppt_y</p:attrName>
-                                        </p:attrNameLst>
-                                      </p:cBhvr>
-                                      <p:tavLst>
-                                        <p:tav tm="0">
-                                          <p:val>
-                                            <p:strVal val="#ppt_y+.1"/>
-                                          </p:val>
-                                        </p:tav>
-                                        <p:tav tm="100000">
-                                          <p:val>
-                                            <p:strVal val="#ppt_y"/>
-                                          </p:val>
-                                        </p:tav>
-                                      </p:tavLst>
-                                    </p:anim>
-                                  </p:childTnLst>
-                                </p:cTn>
-                              </p:par>
-                            </p:childTnLst>
-                          </p:cTn>
-                        </p:par>
-                      </p:childTnLst>
-                    </p:cTn>
-                  </p:par>
-                </p:childTnLst>
-              </p:cTn>
-              <p:prevCondLst>
-                <p:cond evt="onPrev" delay="0">
-                  <p:tgtEl>
-                    <p:sldTgt/>
-                  </p:tgtEl>
-                </p:cond>
-              </p:prevCondLst>
-              <p:nextCondLst>
-                <p:cond evt="onNext" delay="0">
-                  <p:tgtEl>
-                    <p:sldTgt/>
-                  </p:tgtEl>
-                </p:cond>
-              </p:nextCondLst>
-            </p:seq>
-          </p:childTnLst>
-        </p:cTn>
-      </p:par>
-    </p:tnLst>
-    <p:bldLst>
-      <p:bldP spid="2" grpId="0"/>
-      <p:bldP spid="6" grpId="0"/>
-    </p:bldLst>
-  </p:timing>
-</p:sld>
-</file>
-
-<file path=ppt/slides/slide8.xml><?xml version="1.0" encoding="utf-8"?>
+<file path=ppt/slides/slide5.xml><?xml version="1.0" encoding="utf-8"?>
 <p:sld xmlns:a="http://schemas.openxmlformats.org/drawingml/2006/main" xmlns:r="http://schemas.openxmlformats.org/officeDocument/2006/relationships" xmlns:p="http://schemas.openxmlformats.org/presentationml/2006/main">
   <p:cSld>
     <p:spTree>
